--- a/images/WorkingWithGit/PerfectGitWorking.pptx
+++ b/images/WorkingWithGit/PerfectGitWorking.pptx
@@ -273,7 +273,7 @@
           <a:p>
             <a:fld id="{D8626938-66F0-47ED-B9EF-65ECDD3C6BED}" type="datetimeFigureOut">
               <a:rPr lang="en-GB" smtClean="0"/>
-              <a:t>01/06/2020</a:t>
+              <a:t>26/11/2020</a:t>
             </a:fld>
             <a:endParaRPr lang="en-GB"/>
           </a:p>
@@ -473,7 +473,7 @@
           <a:p>
             <a:fld id="{D8626938-66F0-47ED-B9EF-65ECDD3C6BED}" type="datetimeFigureOut">
               <a:rPr lang="en-GB" smtClean="0"/>
-              <a:t>01/06/2020</a:t>
+              <a:t>26/11/2020</a:t>
             </a:fld>
             <a:endParaRPr lang="en-GB"/>
           </a:p>
@@ -683,7 +683,7 @@
           <a:p>
             <a:fld id="{D8626938-66F0-47ED-B9EF-65ECDD3C6BED}" type="datetimeFigureOut">
               <a:rPr lang="en-GB" smtClean="0"/>
-              <a:t>01/06/2020</a:t>
+              <a:t>26/11/2020</a:t>
             </a:fld>
             <a:endParaRPr lang="en-GB"/>
           </a:p>
@@ -883,7 +883,7 @@
           <a:p>
             <a:fld id="{D8626938-66F0-47ED-B9EF-65ECDD3C6BED}" type="datetimeFigureOut">
               <a:rPr lang="en-GB" smtClean="0"/>
-              <a:t>01/06/2020</a:t>
+              <a:t>26/11/2020</a:t>
             </a:fld>
             <a:endParaRPr lang="en-GB"/>
           </a:p>
@@ -1159,7 +1159,7 @@
           <a:p>
             <a:fld id="{D8626938-66F0-47ED-B9EF-65ECDD3C6BED}" type="datetimeFigureOut">
               <a:rPr lang="en-GB" smtClean="0"/>
-              <a:t>01/06/2020</a:t>
+              <a:t>26/11/2020</a:t>
             </a:fld>
             <a:endParaRPr lang="en-GB"/>
           </a:p>
@@ -1427,7 +1427,7 @@
           <a:p>
             <a:fld id="{D8626938-66F0-47ED-B9EF-65ECDD3C6BED}" type="datetimeFigureOut">
               <a:rPr lang="en-GB" smtClean="0"/>
-              <a:t>01/06/2020</a:t>
+              <a:t>26/11/2020</a:t>
             </a:fld>
             <a:endParaRPr lang="en-GB"/>
           </a:p>
@@ -1842,7 +1842,7 @@
           <a:p>
             <a:fld id="{D8626938-66F0-47ED-B9EF-65ECDD3C6BED}" type="datetimeFigureOut">
               <a:rPr lang="en-GB" smtClean="0"/>
-              <a:t>01/06/2020</a:t>
+              <a:t>26/11/2020</a:t>
             </a:fld>
             <a:endParaRPr lang="en-GB"/>
           </a:p>
@@ -1984,7 +1984,7 @@
           <a:p>
             <a:fld id="{D8626938-66F0-47ED-B9EF-65ECDD3C6BED}" type="datetimeFigureOut">
               <a:rPr lang="en-GB" smtClean="0"/>
-              <a:t>01/06/2020</a:t>
+              <a:t>26/11/2020</a:t>
             </a:fld>
             <a:endParaRPr lang="en-GB"/>
           </a:p>
@@ -2097,7 +2097,7 @@
           <a:p>
             <a:fld id="{D8626938-66F0-47ED-B9EF-65ECDD3C6BED}" type="datetimeFigureOut">
               <a:rPr lang="en-GB" smtClean="0"/>
-              <a:t>01/06/2020</a:t>
+              <a:t>26/11/2020</a:t>
             </a:fld>
             <a:endParaRPr lang="en-GB"/>
           </a:p>
@@ -2410,7 +2410,7 @@
           <a:p>
             <a:fld id="{D8626938-66F0-47ED-B9EF-65ECDD3C6BED}" type="datetimeFigureOut">
               <a:rPr lang="en-GB" smtClean="0"/>
-              <a:t>01/06/2020</a:t>
+              <a:t>26/11/2020</a:t>
             </a:fld>
             <a:endParaRPr lang="en-GB"/>
           </a:p>
@@ -2699,7 +2699,7 @@
           <a:p>
             <a:fld id="{D8626938-66F0-47ED-B9EF-65ECDD3C6BED}" type="datetimeFigureOut">
               <a:rPr lang="en-GB" smtClean="0"/>
-              <a:t>01/06/2020</a:t>
+              <a:t>26/11/2020</a:t>
             </a:fld>
             <a:endParaRPr lang="en-GB"/>
           </a:p>
@@ -2942,7 +2942,7 @@
           <a:p>
             <a:fld id="{D8626938-66F0-47ED-B9EF-65ECDD3C6BED}" type="datetimeFigureOut">
               <a:rPr lang="en-GB" smtClean="0"/>
-              <a:t>01/06/2020</a:t>
+              <a:t>26/11/2020</a:t>
             </a:fld>
             <a:endParaRPr lang="en-GB"/>
           </a:p>
@@ -12026,127 +12026,6 @@
           </p:cxnSp>
           <p:sp>
             <p:nvSpPr>
-              <p:cNvPr id="15" name="TextBox 14">
-                <a:extLst>
-                  <a:ext uri="{FF2B5EF4-FFF2-40B4-BE49-F238E27FC236}">
-                    <a16:creationId xmlns:a16="http://schemas.microsoft.com/office/drawing/2014/main" id="{37F379E9-0034-4E1A-A2C0-A4805792AEB3}"/>
-                  </a:ext>
-                </a:extLst>
-              </p:cNvPr>
-              <p:cNvSpPr txBox="1"/>
-              <p:nvPr/>
-            </p:nvSpPr>
-            <p:spPr>
-              <a:xfrm>
-                <a:off x="6129999" y="1117954"/>
-                <a:ext cx="2812982" cy="369332"/>
-              </a:xfrm>
-              <a:prstGeom prst="rect">
-                <a:avLst/>
-              </a:prstGeom>
-              <a:solidFill>
-                <a:schemeClr val="accent6">
-                  <a:lumMod val="20000"/>
-                  <a:lumOff val="80000"/>
-                </a:schemeClr>
-              </a:solidFill>
-              <a:ln w="28575">
-                <a:solidFill>
-                  <a:schemeClr val="accent6">
-                    <a:lumMod val="75000"/>
-                  </a:schemeClr>
-                </a:solidFill>
-                <a:prstDash val="sysDash"/>
-              </a:ln>
-            </p:spPr>
-            <p:txBody>
-              <a:bodyPr wrap="square" rtlCol="0">
-                <a:spAutoFit/>
-              </a:bodyPr>
-              <a:lstStyle/>
-              <a:p>
-                <a:r>
-                  <a:rPr lang="en-GB" i="1" dirty="0">
-                    <a:latin typeface="Arial" panose="020B0604020202020204" pitchFamily="34" charset="0"/>
-                    <a:cs typeface="Arial" panose="020B0604020202020204" pitchFamily="34" charset="0"/>
-                  </a:rPr>
-                  <a:t>commit</a:t>
-                </a:r>
-                <a:r>
-                  <a:rPr lang="en-GB" dirty="0">
-                    <a:latin typeface="Arial" panose="020B0604020202020204" pitchFamily="34" charset="0"/>
-                    <a:cs typeface="Arial" panose="020B0604020202020204" pitchFamily="34" charset="0"/>
-                  </a:rPr>
-                  <a:t>: add </a:t>
-                </a:r>
-                <a:r>
-                  <a:rPr lang="en-GB" dirty="0" err="1">
-                    <a:latin typeface="Arial" panose="020B0604020202020204" pitchFamily="34" charset="0"/>
-                    <a:cs typeface="Arial" panose="020B0604020202020204" pitchFamily="34" charset="0"/>
-                  </a:rPr>
-                  <a:t>Rstudio</a:t>
-                </a:r>
-                <a:r>
-                  <a:rPr lang="en-GB" dirty="0">
-                    <a:latin typeface="Arial" panose="020B0604020202020204" pitchFamily="34" charset="0"/>
-                    <a:cs typeface="Arial" panose="020B0604020202020204" pitchFamily="34" charset="0"/>
-                  </a:rPr>
-                  <a:t> gif</a:t>
-                </a:r>
-              </a:p>
-            </p:txBody>
-          </p:sp>
-          <p:cxnSp>
-            <p:nvCxnSpPr>
-              <p:cNvPr id="16" name="Straight Arrow Connector 15">
-                <a:extLst>
-                  <a:ext uri="{FF2B5EF4-FFF2-40B4-BE49-F238E27FC236}">
-                    <a16:creationId xmlns:a16="http://schemas.microsoft.com/office/drawing/2014/main" id="{6532161E-77D5-4574-903A-585C8F6DACF6}"/>
-                  </a:ext>
-                </a:extLst>
-              </p:cNvPr>
-              <p:cNvCxnSpPr>
-                <a:cxnSpLocks/>
-                <a:stCxn id="15" idx="2"/>
-                <a:endCxn id="29" idx="0"/>
-              </p:cNvCxnSpPr>
-              <p:nvPr/>
-            </p:nvCxnSpPr>
-            <p:spPr>
-              <a:xfrm>
-                <a:off x="7536490" y="1487286"/>
-                <a:ext cx="0" cy="912459"/>
-              </a:xfrm>
-              <a:prstGeom prst="straightConnector1">
-                <a:avLst/>
-              </a:prstGeom>
-              <a:ln w="28575">
-                <a:solidFill>
-                  <a:schemeClr val="accent6">
-                    <a:lumMod val="75000"/>
-                  </a:schemeClr>
-                </a:solidFill>
-                <a:prstDash val="sysDash"/>
-                <a:tailEnd type="triangle"/>
-              </a:ln>
-            </p:spPr>
-            <p:style>
-              <a:lnRef idx="1">
-                <a:schemeClr val="accent1"/>
-              </a:lnRef>
-              <a:fillRef idx="0">
-                <a:schemeClr val="accent1"/>
-              </a:fillRef>
-              <a:effectRef idx="0">
-                <a:schemeClr val="accent1"/>
-              </a:effectRef>
-              <a:fontRef idx="minor">
-                <a:schemeClr val="tx1"/>
-              </a:fontRef>
-            </p:style>
-          </p:cxnSp>
-          <p:sp>
-            <p:nvSpPr>
               <p:cNvPr id="17" name="TextBox 16">
                 <a:extLst>
                   <a:ext uri="{FF2B5EF4-FFF2-40B4-BE49-F238E27FC236}">
@@ -12865,6 +12744,112 @@
           </p:style>
         </p:cxnSp>
       </p:grpSp>
+      <p:sp>
+        <p:nvSpPr>
+          <p:cNvPr id="56" name="TextBox 55">
+            <a:extLst>
+              <a:ext uri="{FF2B5EF4-FFF2-40B4-BE49-F238E27FC236}">
+                <a16:creationId xmlns:a16="http://schemas.microsoft.com/office/drawing/2014/main" id="{893A715D-2C4E-4BFA-B259-48A3FCBDD724}"/>
+              </a:ext>
+            </a:extLst>
+          </p:cNvPr>
+          <p:cNvSpPr txBox="1"/>
+          <p:nvPr/>
+        </p:nvSpPr>
+        <p:spPr>
+          <a:xfrm>
+            <a:off x="6420944" y="1097064"/>
+            <a:ext cx="2240917" cy="369332"/>
+          </a:xfrm>
+          <a:prstGeom prst="rect">
+            <a:avLst/>
+          </a:prstGeom>
+          <a:solidFill>
+            <a:schemeClr val="accent6">
+              <a:lumMod val="20000"/>
+              <a:lumOff val="80000"/>
+            </a:schemeClr>
+          </a:solidFill>
+          <a:ln w="28575">
+            <a:solidFill>
+              <a:schemeClr val="accent6">
+                <a:lumMod val="75000"/>
+              </a:schemeClr>
+            </a:solidFill>
+            <a:prstDash val="sysDash"/>
+          </a:ln>
+        </p:spPr>
+        <p:txBody>
+          <a:bodyPr wrap="square" rtlCol="0">
+            <a:spAutoFit/>
+          </a:bodyPr>
+          <a:lstStyle/>
+          <a:p>
+            <a:r>
+              <a:rPr lang="en-GB" i="1" dirty="0">
+                <a:latin typeface="Arial" panose="020B0604020202020204" pitchFamily="34" charset="0"/>
+                <a:cs typeface="Arial" panose="020B0604020202020204" pitchFamily="34" charset="0"/>
+              </a:rPr>
+              <a:t>commit</a:t>
+            </a:r>
+            <a:r>
+              <a:rPr lang="en-GB" dirty="0">
+                <a:latin typeface="Arial" panose="020B0604020202020204" pitchFamily="34" charset="0"/>
+                <a:cs typeface="Arial" panose="020B0604020202020204" pitchFamily="34" charset="0"/>
+              </a:rPr>
+              <a:t>: add content</a:t>
+            </a:r>
+          </a:p>
+        </p:txBody>
+      </p:sp>
+      <p:cxnSp>
+        <p:nvCxnSpPr>
+          <p:cNvPr id="57" name="Straight Arrow Connector 56">
+            <a:extLst>
+              <a:ext uri="{FF2B5EF4-FFF2-40B4-BE49-F238E27FC236}">
+                <a16:creationId xmlns:a16="http://schemas.microsoft.com/office/drawing/2014/main" id="{D6AC26B9-25A2-4402-9320-60B82CE93594}"/>
+              </a:ext>
+            </a:extLst>
+          </p:cNvPr>
+          <p:cNvCxnSpPr>
+            <a:cxnSpLocks/>
+            <a:stCxn id="56" idx="2"/>
+          </p:cNvCxnSpPr>
+          <p:nvPr/>
+        </p:nvCxnSpPr>
+        <p:spPr>
+          <a:xfrm flipH="1">
+            <a:off x="7536490" y="1466396"/>
+            <a:ext cx="4913" cy="933349"/>
+          </a:xfrm>
+          <a:prstGeom prst="straightConnector1">
+            <a:avLst/>
+          </a:prstGeom>
+          <a:ln w="28575">
+            <a:solidFill>
+              <a:schemeClr val="accent6">
+                <a:lumMod val="75000"/>
+              </a:schemeClr>
+            </a:solidFill>
+            <a:prstDash val="sysDash"/>
+            <a:tailEnd type="triangle"/>
+          </a:ln>
+        </p:spPr>
+        <p:style>
+          <a:lnRef idx="1">
+            <a:schemeClr val="accent1"/>
+          </a:lnRef>
+          <a:fillRef idx="0">
+            <a:schemeClr val="accent1"/>
+          </a:fillRef>
+          <a:effectRef idx="0">
+            <a:schemeClr val="accent1"/>
+          </a:effectRef>
+          <a:fontRef idx="minor">
+            <a:schemeClr val="tx1"/>
+          </a:fontRef>
+        </p:style>
+      </p:cxnSp>
     </p:spTree>
     <p:extLst>
       <p:ext uri="{BB962C8B-B14F-4D97-AF65-F5344CB8AC3E}">
@@ -21448,8 +21433,8 @@
           </p:nvSpPr>
           <p:spPr>
             <a:xfrm>
-              <a:off x="6129999" y="1117954"/>
-              <a:ext cx="2812982" cy="369332"/>
+              <a:off x="6420944" y="1097064"/>
+              <a:ext cx="2240917" cy="369332"/>
             </a:xfrm>
             <a:prstGeom prst="rect">
               <a:avLst/>
@@ -21487,21 +21472,7 @@
                   <a:latin typeface="Arial" panose="020B0604020202020204" pitchFamily="34" charset="0"/>
                   <a:cs typeface="Arial" panose="020B0604020202020204" pitchFamily="34" charset="0"/>
                 </a:rPr>
-                <a:t>: add </a:t>
-              </a:r>
-              <a:r>
-                <a:rPr lang="en-GB" dirty="0" err="1">
-                  <a:latin typeface="Arial" panose="020B0604020202020204" pitchFamily="34" charset="0"/>
-                  <a:cs typeface="Arial" panose="020B0604020202020204" pitchFamily="34" charset="0"/>
-                </a:rPr>
-                <a:t>Rstudio</a:t>
-              </a:r>
-              <a:r>
-                <a:rPr lang="en-GB" dirty="0">
-                  <a:latin typeface="Arial" panose="020B0604020202020204" pitchFamily="34" charset="0"/>
-                  <a:cs typeface="Arial" panose="020B0604020202020204" pitchFamily="34" charset="0"/>
-                </a:rPr>
-                <a:t> gif</a:t>
+                <a:t>: add content</a:t>
               </a:r>
             </a:p>
           </p:txBody>
@@ -21518,13 +21489,14 @@
             <p:cNvCxnSpPr>
               <a:cxnSpLocks/>
               <a:stCxn id="54" idx="2"/>
+              <a:endCxn id="29" idx="0"/>
             </p:cNvCxnSpPr>
             <p:nvPr/>
           </p:nvCxnSpPr>
           <p:spPr>
-            <a:xfrm>
-              <a:off x="7536490" y="1487286"/>
-              <a:ext cx="0" cy="912459"/>
+            <a:xfrm flipH="1">
+              <a:off x="7536490" y="1466396"/>
+              <a:ext cx="4913" cy="933349"/>
             </a:xfrm>
             <a:prstGeom prst="straightConnector1">
               <a:avLst/>
@@ -21607,10 +21579,10 @@
         </p:grpSpPr>
         <p:grpSp>
           <p:nvGrpSpPr>
-            <p:cNvPr id="3" name="Group 2">
+            <p:cNvPr id="7" name="Group 6">
               <a:extLst>
                 <a:ext uri="{FF2B5EF4-FFF2-40B4-BE49-F238E27FC236}">
-                  <a16:creationId xmlns:a16="http://schemas.microsoft.com/office/drawing/2014/main" id="{481FBE5E-0E8A-444E-A778-030F2C6E6DF5}"/>
+                  <a16:creationId xmlns:a16="http://schemas.microsoft.com/office/drawing/2014/main" id="{98A4D705-E099-4896-8D67-AC6693E1C528}"/>
                 </a:ext>
               </a:extLst>
             </p:cNvPr>
@@ -21627,10 +21599,10 @@
           </p:grpSpPr>
           <p:grpSp>
             <p:nvGrpSpPr>
-              <p:cNvPr id="7" name="Group 6">
+              <p:cNvPr id="5" name="Group 4">
                 <a:extLst>
                   <a:ext uri="{FF2B5EF4-FFF2-40B4-BE49-F238E27FC236}">
-                    <a16:creationId xmlns:a16="http://schemas.microsoft.com/office/drawing/2014/main" id="{98A4D705-E099-4896-8D67-AC6693E1C528}"/>
+                    <a16:creationId xmlns:a16="http://schemas.microsoft.com/office/drawing/2014/main" id="{8874E696-2E36-4B68-97C1-8820A3A395FC}"/>
                   </a:ext>
                 </a:extLst>
               </p:cNvPr>
@@ -21647,1120 +21619,198 @@
             </p:grpSpPr>
             <p:grpSp>
               <p:nvGrpSpPr>
-                <p:cNvPr id="5" name="Group 4">
+                <p:cNvPr id="6" name="Group 5">
                   <a:extLst>
                     <a:ext uri="{FF2B5EF4-FFF2-40B4-BE49-F238E27FC236}">
-                      <a16:creationId xmlns:a16="http://schemas.microsoft.com/office/drawing/2014/main" id="{8874E696-2E36-4B68-97C1-8820A3A395FC}"/>
+                      <a16:creationId xmlns:a16="http://schemas.microsoft.com/office/drawing/2014/main" id="{8431797C-EA8C-41CA-9436-8A8271E304FA}"/>
                     </a:ext>
                   </a:extLst>
                 </p:cNvPr>
-                <p:cNvGrpSpPr/>
+                <p:cNvGrpSpPr>
+                  <a:grpSpLocks noChangeAspect="1"/>
+                </p:cNvGrpSpPr>
                 <p:nvPr/>
               </p:nvGrpSpPr>
               <p:grpSpPr>
                 <a:xfrm>
-                  <a:off x="0" y="998376"/>
-                  <a:ext cx="12153604" cy="5638002"/>
-                  <a:chOff x="0" y="998376"/>
-                  <a:chExt cx="12153604" cy="5638002"/>
+                  <a:off x="2345946" y="2399745"/>
+                  <a:ext cx="9354426" cy="2834727"/>
+                  <a:chOff x="1290669" y="1448578"/>
+                  <a:chExt cx="10676589" cy="3235390"/>
                 </a:xfrm>
               </p:grpSpPr>
               <p:grpSp>
                 <p:nvGrpSpPr>
-                  <p:cNvPr id="6" name="Group 5">
+                  <p:cNvPr id="28" name="Group 27">
                     <a:extLst>
                       <a:ext uri="{FF2B5EF4-FFF2-40B4-BE49-F238E27FC236}">
-                        <a16:creationId xmlns:a16="http://schemas.microsoft.com/office/drawing/2014/main" id="{8431797C-EA8C-41CA-9436-8A8271E304FA}"/>
+                        <a16:creationId xmlns:a16="http://schemas.microsoft.com/office/drawing/2014/main" id="{03D6A0CE-BEDD-4655-A727-2B9E49441D6F}"/>
                       </a:ext>
                     </a:extLst>
                   </p:cNvPr>
-                  <p:cNvGrpSpPr>
-                    <a:grpSpLocks noChangeAspect="1"/>
-                  </p:cNvGrpSpPr>
+                  <p:cNvGrpSpPr/>
                   <p:nvPr/>
                 </p:nvGrpSpPr>
                 <p:grpSpPr>
                   <a:xfrm>
-                    <a:off x="2345946" y="2399745"/>
-                    <a:ext cx="9354426" cy="2834727"/>
-                    <a:chOff x="1290669" y="1448578"/>
+                    <a:off x="1290669" y="1448578"/>
+                    <a:ext cx="10676589" cy="3235390"/>
+                    <a:chOff x="877068" y="1653851"/>
                     <a:chExt cx="10676589" cy="3235390"/>
                   </a:xfrm>
                 </p:grpSpPr>
-                <p:grpSp>
-                  <p:nvGrpSpPr>
-                    <p:cNvPr id="28" name="Group 27">
+                <p:cxnSp>
+                  <p:nvCxnSpPr>
+                    <p:cNvPr id="33" name="Connector: Curved 32">
                       <a:extLst>
                         <a:ext uri="{FF2B5EF4-FFF2-40B4-BE49-F238E27FC236}">
-                          <a16:creationId xmlns:a16="http://schemas.microsoft.com/office/drawing/2014/main" id="{03D6A0CE-BEDD-4655-A727-2B9E49441D6F}"/>
+                          <a16:creationId xmlns:a16="http://schemas.microsoft.com/office/drawing/2014/main" id="{53712A8E-6665-4ACE-B50C-DFF5F68C8FC6}"/>
                         </a:ext>
                       </a:extLst>
                     </p:cNvPr>
-                    <p:cNvGrpSpPr/>
+                    <p:cNvCxnSpPr>
+                      <a:cxnSpLocks/>
+                      <a:stCxn id="47" idx="2"/>
+                    </p:cNvCxnSpPr>
                     <p:nvPr/>
-                  </p:nvGrpSpPr>
-                  <p:grpSpPr>
-                    <a:xfrm>
-                      <a:off x="1290669" y="1448578"/>
-                      <a:ext cx="10676589" cy="3235390"/>
-                      <a:chOff x="877068" y="1653851"/>
-                      <a:chExt cx="10676589" cy="3235390"/>
+                  </p:nvCxnSpPr>
+                  <p:spPr>
+                    <a:xfrm rot="10800000">
+                      <a:off x="8248253" y="3270379"/>
+                      <a:ext cx="975847" cy="1259635"/>
                     </a:xfrm>
-                  </p:grpSpPr>
-                  <p:cxnSp>
-                    <p:nvCxnSpPr>
-                      <p:cNvPr id="33" name="Connector: Curved 32">
-                        <a:extLst>
-                          <a:ext uri="{FF2B5EF4-FFF2-40B4-BE49-F238E27FC236}">
-                            <a16:creationId xmlns:a16="http://schemas.microsoft.com/office/drawing/2014/main" id="{53712A8E-6665-4ACE-B50C-DFF5F68C8FC6}"/>
-                          </a:ext>
-                        </a:extLst>
-                      </p:cNvPr>
-                      <p:cNvCxnSpPr>
-                        <a:cxnSpLocks/>
-                        <a:stCxn id="47" idx="2"/>
-                      </p:cNvCxnSpPr>
-                      <p:nvPr/>
-                    </p:nvCxnSpPr>
-                    <p:spPr>
-                      <a:xfrm rot="10800000">
-                        <a:off x="8248253" y="3270379"/>
-                        <a:ext cx="975847" cy="1259635"/>
-                      </a:xfrm>
-                      <a:prstGeom prst="curvedConnector3">
-                        <a:avLst>
-                          <a:gd name="adj1" fmla="val 50000"/>
-                        </a:avLst>
-                      </a:prstGeom>
-                      <a:ln w="57150">
-                        <a:solidFill>
-                          <a:schemeClr val="accent5">
-                            <a:lumMod val="75000"/>
-                          </a:schemeClr>
-                        </a:solidFill>
-                      </a:ln>
-                    </p:spPr>
-                    <p:style>
-                      <a:lnRef idx="1">
-                        <a:schemeClr val="accent1"/>
-                      </a:lnRef>
-                      <a:fillRef idx="0">
-                        <a:schemeClr val="accent1"/>
-                      </a:fillRef>
-                      <a:effectRef idx="0">
-                        <a:schemeClr val="accent1"/>
-                      </a:effectRef>
-                      <a:fontRef idx="minor">
-                        <a:schemeClr val="tx1"/>
-                      </a:fontRef>
-                    </p:style>
-                  </p:cxnSp>
-                  <p:cxnSp>
-                    <p:nvCxnSpPr>
-                      <p:cNvPr id="34" name="Connector: Curved 33">
-                        <a:extLst>
-                          <a:ext uri="{FF2B5EF4-FFF2-40B4-BE49-F238E27FC236}">
-                            <a16:creationId xmlns:a16="http://schemas.microsoft.com/office/drawing/2014/main" id="{2AA76F07-095D-40FE-806F-981DA3A464AF}"/>
-                          </a:ext>
-                        </a:extLst>
-                      </p:cNvPr>
-                      <p:cNvCxnSpPr>
-                        <a:cxnSpLocks/>
-                        <a:stCxn id="39" idx="0"/>
-                        <a:endCxn id="46" idx="4"/>
-                      </p:cNvCxnSpPr>
-                      <p:nvPr/>
-                    </p:nvCxnSpPr>
-                    <p:spPr>
-                      <a:xfrm rot="16200000" flipV="1">
-                        <a:off x="7586890" y="2641728"/>
-                        <a:ext cx="538842" cy="1"/>
-                      </a:xfrm>
-                      <a:prstGeom prst="curvedConnector3">
-                        <a:avLst>
-                          <a:gd name="adj1" fmla="val 50000"/>
-                        </a:avLst>
-                      </a:prstGeom>
-                      <a:ln w="57150">
-                        <a:solidFill>
-                          <a:schemeClr val="accent6">
-                            <a:lumMod val="75000"/>
-                          </a:schemeClr>
-                        </a:solidFill>
-                      </a:ln>
-                    </p:spPr>
-                    <p:style>
-                      <a:lnRef idx="1">
-                        <a:schemeClr val="accent1"/>
-                      </a:lnRef>
-                      <a:fillRef idx="0">
-                        <a:schemeClr val="accent1"/>
-                      </a:fillRef>
-                      <a:effectRef idx="0">
-                        <a:schemeClr val="accent1"/>
-                      </a:effectRef>
-                      <a:fontRef idx="minor">
-                        <a:schemeClr val="tx1"/>
-                      </a:fontRef>
-                    </p:style>
-                  </p:cxnSp>
-                  <p:cxnSp>
-                    <p:nvCxnSpPr>
-                      <p:cNvPr id="35" name="Connector: Curved 34">
-                        <a:extLst>
-                          <a:ext uri="{FF2B5EF4-FFF2-40B4-BE49-F238E27FC236}">
-                            <a16:creationId xmlns:a16="http://schemas.microsoft.com/office/drawing/2014/main" id="{3C62EAE6-1233-4BD5-9F8E-2D251FB07BF1}"/>
-                          </a:ext>
-                        </a:extLst>
-                      </p:cNvPr>
-                      <p:cNvCxnSpPr>
-                        <a:cxnSpLocks/>
-                        <a:stCxn id="36" idx="6"/>
-                        <a:endCxn id="44" idx="2"/>
-                      </p:cNvCxnSpPr>
-                      <p:nvPr/>
-                    </p:nvCxnSpPr>
-                    <p:spPr>
-                      <a:xfrm flipV="1">
-                        <a:off x="1597068" y="2013081"/>
-                        <a:ext cx="598727" cy="1257300"/>
-                      </a:xfrm>
-                      <a:prstGeom prst="curvedConnector3">
-                        <a:avLst>
-                          <a:gd name="adj1" fmla="val 50000"/>
-                        </a:avLst>
-                      </a:prstGeom>
-                      <a:ln w="57150">
-                        <a:solidFill>
-                          <a:schemeClr val="accent6">
-                            <a:lumMod val="75000"/>
-                          </a:schemeClr>
-                        </a:solidFill>
-                      </a:ln>
-                    </p:spPr>
-                    <p:style>
-                      <a:lnRef idx="1">
-                        <a:schemeClr val="accent1"/>
-                      </a:lnRef>
-                      <a:fillRef idx="0">
-                        <a:schemeClr val="accent1"/>
-                      </a:fillRef>
-                      <a:effectRef idx="0">
-                        <a:schemeClr val="accent1"/>
-                      </a:effectRef>
-                      <a:fontRef idx="minor">
-                        <a:schemeClr val="tx1"/>
-                      </a:fontRef>
-                    </p:style>
-                  </p:cxnSp>
-                  <p:sp>
-                    <p:nvSpPr>
-                      <p:cNvPr id="36" name="Oval 35">
-                        <a:extLst>
-                          <a:ext uri="{FF2B5EF4-FFF2-40B4-BE49-F238E27FC236}">
-                            <a16:creationId xmlns:a16="http://schemas.microsoft.com/office/drawing/2014/main" id="{65B9FBA5-354F-4BCA-BBEA-978A2616F90D}"/>
-                          </a:ext>
-                        </a:extLst>
-                      </p:cNvPr>
-                      <p:cNvSpPr>
-                        <a:spLocks noChangeAspect="1"/>
-                      </p:cNvSpPr>
-                      <p:nvPr/>
-                    </p:nvSpPr>
-                    <p:spPr>
-                      <a:xfrm>
-                        <a:off x="877068" y="2911152"/>
-                        <a:ext cx="720000" cy="718457"/>
-                      </a:xfrm>
-                      <a:prstGeom prst="ellipse">
-                        <a:avLst/>
-                      </a:prstGeom>
+                    <a:prstGeom prst="curvedConnector3">
+                      <a:avLst>
+                        <a:gd name="adj1" fmla="val 50000"/>
+                      </a:avLst>
+                    </a:prstGeom>
+                    <a:ln w="57150">
                       <a:solidFill>
-                        <a:schemeClr val="bg1">
-                          <a:lumMod val="95000"/>
+                        <a:schemeClr val="accent5">
+                          <a:lumMod val="75000"/>
                         </a:schemeClr>
                       </a:solidFill>
-                      <a:ln w="57150">
-                        <a:solidFill>
-                          <a:schemeClr val="tx1"/>
-                        </a:solidFill>
-                      </a:ln>
-                    </p:spPr>
-                    <p:style>
-                      <a:lnRef idx="2">
-                        <a:schemeClr val="accent1">
-                          <a:shade val="50000"/>
-                        </a:schemeClr>
-                      </a:lnRef>
-                      <a:fillRef idx="1">
-                        <a:schemeClr val="accent1"/>
-                      </a:fillRef>
-                      <a:effectRef idx="0">
-                        <a:schemeClr val="accent1"/>
-                      </a:effectRef>
-                      <a:fontRef idx="minor">
-                        <a:schemeClr val="lt1"/>
-                      </a:fontRef>
-                    </p:style>
-                    <p:txBody>
-                      <a:bodyPr rot="0" spcFirstLastPara="0" vertOverflow="overflow" horzOverflow="overflow" vert="horz" wrap="square" lIns="91440" tIns="45720" rIns="91440" bIns="45720" numCol="1" spcCol="0" rtlCol="0" fromWordArt="0" anchor="ctr" anchorCtr="0" forceAA="0" compatLnSpc="1">
-                        <a:prstTxWarp prst="textNoShape">
-                          <a:avLst/>
-                        </a:prstTxWarp>
-                        <a:noAutofit/>
-                      </a:bodyPr>
-                      <a:lstStyle/>
-                      <a:p>
-                        <a:pPr algn="ctr"/>
-                        <a:endParaRPr lang="en-GB"/>
-                      </a:p>
-                    </p:txBody>
-                  </p:sp>
-                  <p:sp>
-                    <p:nvSpPr>
-                      <p:cNvPr id="37" name="Oval 36">
-                        <a:extLst>
-                          <a:ext uri="{FF2B5EF4-FFF2-40B4-BE49-F238E27FC236}">
-                            <a16:creationId xmlns:a16="http://schemas.microsoft.com/office/drawing/2014/main" id="{D416F81B-D06D-406E-ABDA-857159C3A11C}"/>
-                          </a:ext>
-                        </a:extLst>
-                      </p:cNvPr>
-                      <p:cNvSpPr>
-                        <a:spLocks noChangeAspect="1"/>
-                      </p:cNvSpPr>
-                      <p:nvPr/>
-                    </p:nvSpPr>
-                    <p:spPr>
-                      <a:xfrm>
-                        <a:off x="2195795" y="2911152"/>
-                        <a:ext cx="720000" cy="718457"/>
-                      </a:xfrm>
-                      <a:prstGeom prst="ellipse">
-                        <a:avLst/>
-                      </a:prstGeom>
+                    </a:ln>
+                  </p:spPr>
+                  <p:style>
+                    <a:lnRef idx="1">
+                      <a:schemeClr val="accent1"/>
+                    </a:lnRef>
+                    <a:fillRef idx="0">
+                      <a:schemeClr val="accent1"/>
+                    </a:fillRef>
+                    <a:effectRef idx="0">
+                      <a:schemeClr val="accent1"/>
+                    </a:effectRef>
+                    <a:fontRef idx="minor">
+                      <a:schemeClr val="tx1"/>
+                    </a:fontRef>
+                  </p:style>
+                </p:cxnSp>
+                <p:cxnSp>
+                  <p:nvCxnSpPr>
+                    <p:cNvPr id="34" name="Connector: Curved 33">
+                      <a:extLst>
+                        <a:ext uri="{FF2B5EF4-FFF2-40B4-BE49-F238E27FC236}">
+                          <a16:creationId xmlns:a16="http://schemas.microsoft.com/office/drawing/2014/main" id="{2AA76F07-095D-40FE-806F-981DA3A464AF}"/>
+                        </a:ext>
+                      </a:extLst>
+                    </p:cNvPr>
+                    <p:cNvCxnSpPr>
+                      <a:cxnSpLocks/>
+                      <a:stCxn id="39" idx="0"/>
+                      <a:endCxn id="46" idx="4"/>
+                    </p:cNvCxnSpPr>
+                    <p:nvPr/>
+                  </p:nvCxnSpPr>
+                  <p:spPr>
+                    <a:xfrm rot="16200000" flipV="1">
+                      <a:off x="7586890" y="2641728"/>
+                      <a:ext cx="538842" cy="1"/>
+                    </a:xfrm>
+                    <a:prstGeom prst="curvedConnector3">
+                      <a:avLst>
+                        <a:gd name="adj1" fmla="val 50000"/>
+                      </a:avLst>
+                    </a:prstGeom>
+                    <a:ln w="57150">
                       <a:solidFill>
-                        <a:schemeClr val="bg1">
-                          <a:lumMod val="95000"/>
+                        <a:schemeClr val="accent6">
+                          <a:lumMod val="75000"/>
                         </a:schemeClr>
                       </a:solidFill>
-                      <a:ln w="57150">
-                        <a:solidFill>
-                          <a:schemeClr val="tx1"/>
-                        </a:solidFill>
-                      </a:ln>
-                    </p:spPr>
-                    <p:style>
-                      <a:lnRef idx="2">
-                        <a:schemeClr val="accent1">
-                          <a:shade val="50000"/>
-                        </a:schemeClr>
-                      </a:lnRef>
-                      <a:fillRef idx="1">
-                        <a:schemeClr val="accent1"/>
-                      </a:fillRef>
-                      <a:effectRef idx="0">
-                        <a:schemeClr val="accent1"/>
-                      </a:effectRef>
-                      <a:fontRef idx="minor">
-                        <a:schemeClr val="lt1"/>
-                      </a:fontRef>
-                    </p:style>
-                    <p:txBody>
-                      <a:bodyPr rot="0" spcFirstLastPara="0" vertOverflow="overflow" horzOverflow="overflow" vert="horz" wrap="square" lIns="91440" tIns="45720" rIns="91440" bIns="45720" numCol="1" spcCol="0" rtlCol="0" fromWordArt="0" anchor="ctr" anchorCtr="0" forceAA="0" compatLnSpc="1">
-                        <a:prstTxWarp prst="textNoShape">
-                          <a:avLst/>
-                        </a:prstTxWarp>
-                        <a:noAutofit/>
-                      </a:bodyPr>
-                      <a:lstStyle/>
-                      <a:p>
-                        <a:pPr algn="ctr"/>
-                        <a:endParaRPr lang="en-GB"/>
-                      </a:p>
-                    </p:txBody>
-                  </p:sp>
-                  <p:sp>
-                    <p:nvSpPr>
-                      <p:cNvPr id="38" name="Oval 37">
-                        <a:extLst>
-                          <a:ext uri="{FF2B5EF4-FFF2-40B4-BE49-F238E27FC236}">
-                            <a16:creationId xmlns:a16="http://schemas.microsoft.com/office/drawing/2014/main" id="{526A233C-F382-4723-A6F7-3BFB1698732D}"/>
-                          </a:ext>
-                        </a:extLst>
-                      </p:cNvPr>
-                      <p:cNvSpPr>
-                        <a:spLocks noChangeAspect="1"/>
-                      </p:cNvSpPr>
-                      <p:nvPr/>
-                    </p:nvSpPr>
-                    <p:spPr>
-                      <a:xfrm>
-                        <a:off x="4276521" y="2911151"/>
-                        <a:ext cx="720000" cy="718457"/>
-                      </a:xfrm>
-                      <a:prstGeom prst="ellipse">
-                        <a:avLst/>
-                      </a:prstGeom>
+                    </a:ln>
+                  </p:spPr>
+                  <p:style>
+                    <a:lnRef idx="1">
+                      <a:schemeClr val="accent1"/>
+                    </a:lnRef>
+                    <a:fillRef idx="0">
+                      <a:schemeClr val="accent1"/>
+                    </a:fillRef>
+                    <a:effectRef idx="0">
+                      <a:schemeClr val="accent1"/>
+                    </a:effectRef>
+                    <a:fontRef idx="minor">
+                      <a:schemeClr val="tx1"/>
+                    </a:fontRef>
+                  </p:style>
+                </p:cxnSp>
+                <p:cxnSp>
+                  <p:nvCxnSpPr>
+                    <p:cNvPr id="35" name="Connector: Curved 34">
+                      <a:extLst>
+                        <a:ext uri="{FF2B5EF4-FFF2-40B4-BE49-F238E27FC236}">
+                          <a16:creationId xmlns:a16="http://schemas.microsoft.com/office/drawing/2014/main" id="{3C62EAE6-1233-4BD5-9F8E-2D251FB07BF1}"/>
+                        </a:ext>
+                      </a:extLst>
+                    </p:cNvPr>
+                    <p:cNvCxnSpPr>
+                      <a:cxnSpLocks/>
+                      <a:stCxn id="36" idx="6"/>
+                      <a:endCxn id="44" idx="2"/>
+                    </p:cNvCxnSpPr>
+                    <p:nvPr/>
+                  </p:nvCxnSpPr>
+                  <p:spPr>
+                    <a:xfrm flipV="1">
+                      <a:off x="1597068" y="2013081"/>
+                      <a:ext cx="598727" cy="1257300"/>
+                    </a:xfrm>
+                    <a:prstGeom prst="curvedConnector3">
+                      <a:avLst>
+                        <a:gd name="adj1" fmla="val 50000"/>
+                      </a:avLst>
+                    </a:prstGeom>
+                    <a:ln w="57150">
                       <a:solidFill>
-                        <a:schemeClr val="bg1">
-                          <a:lumMod val="95000"/>
+                        <a:schemeClr val="accent6">
+                          <a:lumMod val="75000"/>
                         </a:schemeClr>
                       </a:solidFill>
-                      <a:ln w="57150">
-                        <a:solidFill>
-                          <a:schemeClr val="tx1"/>
-                        </a:solidFill>
-                      </a:ln>
-                    </p:spPr>
-                    <p:style>
-                      <a:lnRef idx="2">
-                        <a:schemeClr val="accent1">
-                          <a:shade val="50000"/>
-                        </a:schemeClr>
-                      </a:lnRef>
-                      <a:fillRef idx="1">
-                        <a:schemeClr val="accent1"/>
-                      </a:fillRef>
-                      <a:effectRef idx="0">
-                        <a:schemeClr val="accent1"/>
-                      </a:effectRef>
-                      <a:fontRef idx="minor">
-                        <a:schemeClr val="lt1"/>
-                      </a:fontRef>
-                    </p:style>
-                    <p:txBody>
-                      <a:bodyPr rot="0" spcFirstLastPara="0" vertOverflow="overflow" horzOverflow="overflow" vert="horz" wrap="square" lIns="91440" tIns="45720" rIns="91440" bIns="45720" numCol="1" spcCol="0" rtlCol="0" fromWordArt="0" anchor="ctr" anchorCtr="0" forceAA="0" compatLnSpc="1">
-                        <a:prstTxWarp prst="textNoShape">
-                          <a:avLst/>
-                        </a:prstTxWarp>
-                        <a:noAutofit/>
-                      </a:bodyPr>
-                      <a:lstStyle/>
-                      <a:p>
-                        <a:pPr algn="ctr"/>
-                        <a:endParaRPr lang="en-GB"/>
-                      </a:p>
-                    </p:txBody>
-                  </p:sp>
-                  <p:sp>
-                    <p:nvSpPr>
-                      <p:cNvPr id="39" name="Oval 38">
-                        <a:extLst>
-                          <a:ext uri="{FF2B5EF4-FFF2-40B4-BE49-F238E27FC236}">
-                            <a16:creationId xmlns:a16="http://schemas.microsoft.com/office/drawing/2014/main" id="{AF8F35A3-5AAD-4C96-9BBF-C36A8FF027CF}"/>
-                          </a:ext>
-                        </a:extLst>
-                      </p:cNvPr>
-                      <p:cNvSpPr>
-                        <a:spLocks noChangeAspect="1"/>
-                      </p:cNvSpPr>
-                      <p:nvPr/>
-                    </p:nvSpPr>
-                    <p:spPr>
-                      <a:xfrm>
-                        <a:off x="7496311" y="2911150"/>
-                        <a:ext cx="720000" cy="718457"/>
-                      </a:xfrm>
-                      <a:prstGeom prst="ellipse">
-                        <a:avLst/>
-                      </a:prstGeom>
-                      <a:solidFill>
-                        <a:schemeClr val="bg1">
-                          <a:lumMod val="95000"/>
-                        </a:schemeClr>
-                      </a:solidFill>
-                      <a:ln w="57150">
-                        <a:solidFill>
-                          <a:schemeClr val="tx1"/>
-                        </a:solidFill>
-                      </a:ln>
-                    </p:spPr>
-                    <p:style>
-                      <a:lnRef idx="2">
-                        <a:schemeClr val="accent1">
-                          <a:shade val="50000"/>
-                        </a:schemeClr>
-                      </a:lnRef>
-                      <a:fillRef idx="1">
-                        <a:schemeClr val="accent1"/>
-                      </a:fillRef>
-                      <a:effectRef idx="0">
-                        <a:schemeClr val="accent1"/>
-                      </a:effectRef>
-                      <a:fontRef idx="minor">
-                        <a:schemeClr val="lt1"/>
-                      </a:fontRef>
-                    </p:style>
-                    <p:txBody>
-                      <a:bodyPr rot="0" spcFirstLastPara="0" vertOverflow="overflow" horzOverflow="overflow" vert="horz" wrap="square" lIns="91440" tIns="45720" rIns="91440" bIns="45720" numCol="1" spcCol="0" rtlCol="0" fromWordArt="0" anchor="ctr" anchorCtr="0" forceAA="0" compatLnSpc="1">
-                        <a:prstTxWarp prst="textNoShape">
-                          <a:avLst/>
-                        </a:prstTxWarp>
-                        <a:noAutofit/>
-                      </a:bodyPr>
-                      <a:lstStyle/>
-                      <a:p>
-                        <a:pPr algn="ctr"/>
-                        <a:endParaRPr lang="en-GB"/>
-                      </a:p>
-                    </p:txBody>
-                  </p:sp>
-                  <p:cxnSp>
-                    <p:nvCxnSpPr>
-                      <p:cNvPr id="40" name="Straight Connector 39">
-                        <a:extLst>
-                          <a:ext uri="{FF2B5EF4-FFF2-40B4-BE49-F238E27FC236}">
-                            <a16:creationId xmlns:a16="http://schemas.microsoft.com/office/drawing/2014/main" id="{DEBE9B6C-E6AB-4C94-81CE-31EA030C899D}"/>
-                          </a:ext>
-                        </a:extLst>
-                      </p:cNvPr>
-                      <p:cNvCxnSpPr>
-                        <a:stCxn id="36" idx="6"/>
-                        <a:endCxn id="37" idx="2"/>
-                      </p:cNvCxnSpPr>
-                      <p:nvPr/>
-                    </p:nvCxnSpPr>
-                    <p:spPr>
-                      <a:xfrm>
-                        <a:off x="1597068" y="3270381"/>
-                        <a:ext cx="598727" cy="0"/>
-                      </a:xfrm>
-                      <a:prstGeom prst="line">
-                        <a:avLst/>
-                      </a:prstGeom>
-                      <a:ln w="57150">
-                        <a:solidFill>
-                          <a:schemeClr val="tx1"/>
-                        </a:solidFill>
-                      </a:ln>
-                    </p:spPr>
-                    <p:style>
-                      <a:lnRef idx="1">
-                        <a:schemeClr val="accent1"/>
-                      </a:lnRef>
-                      <a:fillRef idx="0">
-                        <a:schemeClr val="accent1"/>
-                      </a:fillRef>
-                      <a:effectRef idx="0">
-                        <a:schemeClr val="accent1"/>
-                      </a:effectRef>
-                      <a:fontRef idx="minor">
-                        <a:schemeClr val="tx1"/>
-                      </a:fontRef>
-                    </p:style>
-                  </p:cxnSp>
-                  <p:cxnSp>
-                    <p:nvCxnSpPr>
-                      <p:cNvPr id="41" name="Straight Connector 40">
-                        <a:extLst>
-                          <a:ext uri="{FF2B5EF4-FFF2-40B4-BE49-F238E27FC236}">
-                            <a16:creationId xmlns:a16="http://schemas.microsoft.com/office/drawing/2014/main" id="{4E64A0F6-A407-4CFA-9C13-A1321A54B2EC}"/>
-                          </a:ext>
-                        </a:extLst>
-                      </p:cNvPr>
-                      <p:cNvCxnSpPr>
-                        <a:cxnSpLocks/>
-                        <a:stCxn id="37" idx="6"/>
-                        <a:endCxn id="38" idx="2"/>
-                      </p:cNvCxnSpPr>
-                      <p:nvPr/>
-                    </p:nvCxnSpPr>
-                    <p:spPr>
-                      <a:xfrm flipV="1">
-                        <a:off x="2915795" y="3270380"/>
-                        <a:ext cx="1360726" cy="1"/>
-                      </a:xfrm>
-                      <a:prstGeom prst="line">
-                        <a:avLst/>
-                      </a:prstGeom>
-                      <a:ln w="57150">
-                        <a:solidFill>
-                          <a:schemeClr val="tx1"/>
-                        </a:solidFill>
-                      </a:ln>
-                    </p:spPr>
-                    <p:style>
-                      <a:lnRef idx="1">
-                        <a:schemeClr val="accent1"/>
-                      </a:lnRef>
-                      <a:fillRef idx="0">
-                        <a:schemeClr val="accent1"/>
-                      </a:fillRef>
-                      <a:effectRef idx="0">
-                        <a:schemeClr val="accent1"/>
-                      </a:effectRef>
-                      <a:fontRef idx="minor">
-                        <a:schemeClr val="tx1"/>
-                      </a:fontRef>
-                    </p:style>
-                  </p:cxnSp>
-                  <p:cxnSp>
-                    <p:nvCxnSpPr>
-                      <p:cNvPr id="42" name="Straight Connector 41">
-                        <a:extLst>
-                          <a:ext uri="{FF2B5EF4-FFF2-40B4-BE49-F238E27FC236}">
-                            <a16:creationId xmlns:a16="http://schemas.microsoft.com/office/drawing/2014/main" id="{7008674E-9D75-4D4D-80B6-726553E5C165}"/>
-                          </a:ext>
-                        </a:extLst>
-                      </p:cNvPr>
-                      <p:cNvCxnSpPr>
-                        <a:cxnSpLocks/>
-                        <a:stCxn id="38" idx="6"/>
-                        <a:endCxn id="31" idx="2"/>
-                      </p:cNvCxnSpPr>
-                      <p:nvPr/>
-                    </p:nvCxnSpPr>
-                    <p:spPr>
-                      <a:xfrm flipV="1">
-                        <a:off x="4996521" y="3270375"/>
-                        <a:ext cx="1444727" cy="5"/>
-                      </a:xfrm>
-                      <a:prstGeom prst="line">
-                        <a:avLst/>
-                      </a:prstGeom>
-                      <a:ln w="57150">
-                        <a:solidFill>
-                          <a:schemeClr val="tx1"/>
-                        </a:solidFill>
-                      </a:ln>
-                    </p:spPr>
-                    <p:style>
-                      <a:lnRef idx="1">
-                        <a:schemeClr val="accent1"/>
-                      </a:lnRef>
-                      <a:fillRef idx="0">
-                        <a:schemeClr val="accent1"/>
-                      </a:fillRef>
-                      <a:effectRef idx="0">
-                        <a:schemeClr val="accent1"/>
-                      </a:effectRef>
-                      <a:fontRef idx="minor">
-                        <a:schemeClr val="tx1"/>
-                      </a:fontRef>
-                    </p:style>
-                  </p:cxnSp>
-                  <p:cxnSp>
-                    <p:nvCxnSpPr>
-                      <p:cNvPr id="43" name="Straight Connector 42">
-                        <a:extLst>
-                          <a:ext uri="{FF2B5EF4-FFF2-40B4-BE49-F238E27FC236}">
-                            <a16:creationId xmlns:a16="http://schemas.microsoft.com/office/drawing/2014/main" id="{B1407D25-A07D-4807-837C-E344EDEFB587}"/>
-                          </a:ext>
-                        </a:extLst>
-                      </p:cNvPr>
-                      <p:cNvCxnSpPr>
-                        <a:cxnSpLocks/>
-                        <a:stCxn id="39" idx="6"/>
-                      </p:cNvCxnSpPr>
-                      <p:nvPr/>
-                    </p:nvCxnSpPr>
-                    <p:spPr>
-                      <a:xfrm>
-                        <a:off x="8216311" y="3270379"/>
-                        <a:ext cx="3337346" cy="0"/>
-                      </a:xfrm>
-                      <a:prstGeom prst="line">
-                        <a:avLst/>
-                      </a:prstGeom>
-                      <a:ln w="57150">
-                        <a:solidFill>
-                          <a:schemeClr val="tx1"/>
-                        </a:solidFill>
-                      </a:ln>
-                    </p:spPr>
-                    <p:style>
-                      <a:lnRef idx="1">
-                        <a:schemeClr val="accent1"/>
-                      </a:lnRef>
-                      <a:fillRef idx="0">
-                        <a:schemeClr val="accent1"/>
-                      </a:fillRef>
-                      <a:effectRef idx="0">
-                        <a:schemeClr val="accent1"/>
-                      </a:effectRef>
-                      <a:fontRef idx="minor">
-                        <a:schemeClr val="tx1"/>
-                      </a:fontRef>
-                    </p:style>
-                  </p:cxnSp>
-                  <p:sp>
-                    <p:nvSpPr>
-                      <p:cNvPr id="44" name="Oval 43">
-                        <a:extLst>
-                          <a:ext uri="{FF2B5EF4-FFF2-40B4-BE49-F238E27FC236}">
-                            <a16:creationId xmlns:a16="http://schemas.microsoft.com/office/drawing/2014/main" id="{B129C8B8-756B-4C40-9209-241333E298E3}"/>
-                          </a:ext>
-                        </a:extLst>
-                      </p:cNvPr>
-                      <p:cNvSpPr>
-                        <a:spLocks noChangeAspect="1"/>
-                      </p:cNvSpPr>
-                      <p:nvPr/>
-                    </p:nvSpPr>
-                    <p:spPr>
-                      <a:xfrm>
-                        <a:off x="2195795" y="1653852"/>
-                        <a:ext cx="720000" cy="718457"/>
-                      </a:xfrm>
-                      <a:prstGeom prst="ellipse">
-                        <a:avLst/>
-                      </a:prstGeom>
-                      <a:solidFill>
-                        <a:schemeClr val="accent6">
-                          <a:lumMod val="20000"/>
-                          <a:lumOff val="80000"/>
-                        </a:schemeClr>
-                      </a:solidFill>
-                      <a:ln w="57150">
-                        <a:solidFill>
-                          <a:schemeClr val="accent6">
-                            <a:lumMod val="75000"/>
-                          </a:schemeClr>
-                        </a:solidFill>
-                      </a:ln>
-                    </p:spPr>
-                    <p:style>
-                      <a:lnRef idx="2">
-                        <a:schemeClr val="accent1">
-                          <a:shade val="50000"/>
-                        </a:schemeClr>
-                      </a:lnRef>
-                      <a:fillRef idx="1">
-                        <a:schemeClr val="accent1"/>
-                      </a:fillRef>
-                      <a:effectRef idx="0">
-                        <a:schemeClr val="accent1"/>
-                      </a:effectRef>
-                      <a:fontRef idx="minor">
-                        <a:schemeClr val="lt1"/>
-                      </a:fontRef>
-                    </p:style>
-                    <p:txBody>
-                      <a:bodyPr rot="0" spcFirstLastPara="0" vertOverflow="overflow" horzOverflow="overflow" vert="horz" wrap="square" lIns="91440" tIns="45720" rIns="91440" bIns="45720" numCol="1" spcCol="0" rtlCol="0" fromWordArt="0" anchor="ctr" anchorCtr="0" forceAA="0" compatLnSpc="1">
-                        <a:prstTxWarp prst="textNoShape">
-                          <a:avLst/>
-                        </a:prstTxWarp>
-                        <a:noAutofit/>
-                      </a:bodyPr>
-                      <a:lstStyle/>
-                      <a:p>
-                        <a:pPr algn="ctr"/>
-                        <a:endParaRPr lang="en-GB"/>
-                      </a:p>
-                    </p:txBody>
-                  </p:sp>
-                  <p:sp>
-                    <p:nvSpPr>
-                      <p:cNvPr id="45" name="Oval 44">
-                        <a:extLst>
-                          <a:ext uri="{FF2B5EF4-FFF2-40B4-BE49-F238E27FC236}">
-                            <a16:creationId xmlns:a16="http://schemas.microsoft.com/office/drawing/2014/main" id="{C5148916-9BCD-404A-8349-46CFE32E7450}"/>
-                          </a:ext>
-                        </a:extLst>
-                      </p:cNvPr>
-                      <p:cNvSpPr>
-                        <a:spLocks noChangeAspect="1"/>
-                      </p:cNvSpPr>
-                      <p:nvPr/>
-                    </p:nvSpPr>
-                    <p:spPr>
-                      <a:xfrm>
-                        <a:off x="4276521" y="1653851"/>
-                        <a:ext cx="720000" cy="718457"/>
-                      </a:xfrm>
-                      <a:prstGeom prst="ellipse">
-                        <a:avLst/>
-                      </a:prstGeom>
-                      <a:solidFill>
-                        <a:schemeClr val="accent6">
-                          <a:lumMod val="20000"/>
-                          <a:lumOff val="80000"/>
-                        </a:schemeClr>
-                      </a:solidFill>
-                      <a:ln w="57150">
-                        <a:solidFill>
-                          <a:schemeClr val="accent6">
-                            <a:lumMod val="75000"/>
-                          </a:schemeClr>
-                        </a:solidFill>
-                      </a:ln>
-                    </p:spPr>
-                    <p:style>
-                      <a:lnRef idx="2">
-                        <a:schemeClr val="accent1">
-                          <a:shade val="50000"/>
-                        </a:schemeClr>
-                      </a:lnRef>
-                      <a:fillRef idx="1">
-                        <a:schemeClr val="accent1"/>
-                      </a:fillRef>
-                      <a:effectRef idx="0">
-                        <a:schemeClr val="accent1"/>
-                      </a:effectRef>
-                      <a:fontRef idx="minor">
-                        <a:schemeClr val="lt1"/>
-                      </a:fontRef>
-                    </p:style>
-                    <p:txBody>
-                      <a:bodyPr rot="0" spcFirstLastPara="0" vertOverflow="overflow" horzOverflow="overflow" vert="horz" wrap="square" lIns="91440" tIns="45720" rIns="91440" bIns="45720" numCol="1" spcCol="0" rtlCol="0" fromWordArt="0" anchor="ctr" anchorCtr="0" forceAA="0" compatLnSpc="1">
-                        <a:prstTxWarp prst="textNoShape">
-                          <a:avLst/>
-                        </a:prstTxWarp>
-                        <a:noAutofit/>
-                      </a:bodyPr>
-                      <a:lstStyle/>
-                      <a:p>
-                        <a:pPr algn="ctr"/>
-                        <a:endParaRPr lang="en-GB"/>
-                      </a:p>
-                    </p:txBody>
-                  </p:sp>
-                  <p:sp>
-                    <p:nvSpPr>
-                      <p:cNvPr id="46" name="Oval 45">
-                        <a:extLst>
-                          <a:ext uri="{FF2B5EF4-FFF2-40B4-BE49-F238E27FC236}">
-                            <a16:creationId xmlns:a16="http://schemas.microsoft.com/office/drawing/2014/main" id="{F859D385-399B-4AAB-B453-1BCDC6806DBE}"/>
-                          </a:ext>
-                        </a:extLst>
-                      </p:cNvPr>
-                      <p:cNvSpPr>
-                        <a:spLocks noChangeAspect="1"/>
-                      </p:cNvSpPr>
-                      <p:nvPr/>
-                    </p:nvSpPr>
-                    <p:spPr>
-                      <a:xfrm>
-                        <a:off x="7496310" y="1653851"/>
-                        <a:ext cx="720000" cy="718457"/>
-                      </a:xfrm>
-                      <a:prstGeom prst="ellipse">
-                        <a:avLst/>
-                      </a:prstGeom>
-                      <a:solidFill>
-                        <a:schemeClr val="accent6">
-                          <a:lumMod val="20000"/>
-                          <a:lumOff val="80000"/>
-                        </a:schemeClr>
-                      </a:solidFill>
-                      <a:ln w="57150">
-                        <a:solidFill>
-                          <a:schemeClr val="accent6">
-                            <a:lumMod val="75000"/>
-                          </a:schemeClr>
-                        </a:solidFill>
-                      </a:ln>
-                    </p:spPr>
-                    <p:style>
-                      <a:lnRef idx="2">
-                        <a:schemeClr val="accent1">
-                          <a:shade val="50000"/>
-                        </a:schemeClr>
-                      </a:lnRef>
-                      <a:fillRef idx="1">
-                        <a:schemeClr val="accent1"/>
-                      </a:fillRef>
-                      <a:effectRef idx="0">
-                        <a:schemeClr val="accent1"/>
-                      </a:effectRef>
-                      <a:fontRef idx="minor">
-                        <a:schemeClr val="lt1"/>
-                      </a:fontRef>
-                    </p:style>
-                    <p:txBody>
-                      <a:bodyPr rot="0" spcFirstLastPara="0" vertOverflow="overflow" horzOverflow="overflow" vert="horz" wrap="square" lIns="91440" tIns="45720" rIns="91440" bIns="45720" numCol="1" spcCol="0" rtlCol="0" fromWordArt="0" anchor="ctr" anchorCtr="0" forceAA="0" compatLnSpc="1">
-                        <a:prstTxWarp prst="textNoShape">
-                          <a:avLst/>
-                        </a:prstTxWarp>
-                        <a:noAutofit/>
-                      </a:bodyPr>
-                      <a:lstStyle/>
-                      <a:p>
-                        <a:pPr algn="ctr"/>
-                        <a:endParaRPr lang="en-GB"/>
-                      </a:p>
-                    </p:txBody>
-                  </p:sp>
-                  <p:sp>
-                    <p:nvSpPr>
-                      <p:cNvPr id="47" name="Oval 46">
-                        <a:extLst>
-                          <a:ext uri="{FF2B5EF4-FFF2-40B4-BE49-F238E27FC236}">
-                            <a16:creationId xmlns:a16="http://schemas.microsoft.com/office/drawing/2014/main" id="{07EF2A45-A133-4252-8996-8CF3AF2AD960}"/>
-                          </a:ext>
-                        </a:extLst>
-                      </p:cNvPr>
-                      <p:cNvSpPr>
-                        <a:spLocks noChangeAspect="1"/>
-                      </p:cNvSpPr>
-                      <p:nvPr/>
-                    </p:nvSpPr>
-                    <p:spPr>
-                      <a:xfrm>
-                        <a:off x="9224099" y="4170784"/>
-                        <a:ext cx="720000" cy="718457"/>
-                      </a:xfrm>
-                      <a:prstGeom prst="ellipse">
-                        <a:avLst/>
-                      </a:prstGeom>
-                      <a:solidFill>
-                        <a:schemeClr val="accent5">
-                          <a:lumMod val="20000"/>
-                          <a:lumOff val="80000"/>
-                        </a:schemeClr>
-                      </a:solidFill>
-                      <a:ln w="57150">
-                        <a:solidFill>
-                          <a:schemeClr val="accent5">
-                            <a:lumMod val="75000"/>
-                          </a:schemeClr>
-                        </a:solidFill>
-                      </a:ln>
-                    </p:spPr>
-                    <p:style>
-                      <a:lnRef idx="2">
-                        <a:schemeClr val="accent1">
-                          <a:shade val="50000"/>
-                        </a:schemeClr>
-                      </a:lnRef>
-                      <a:fillRef idx="1">
-                        <a:schemeClr val="accent1"/>
-                      </a:fillRef>
-                      <a:effectRef idx="0">
-                        <a:schemeClr val="accent1"/>
-                      </a:effectRef>
-                      <a:fontRef idx="minor">
-                        <a:schemeClr val="lt1"/>
-                      </a:fontRef>
-                    </p:style>
-                    <p:txBody>
-                      <a:bodyPr rot="0" spcFirstLastPara="0" vertOverflow="overflow" horzOverflow="overflow" vert="horz" wrap="square" lIns="91440" tIns="45720" rIns="91440" bIns="45720" numCol="1" spcCol="0" rtlCol="0" fromWordArt="0" anchor="ctr" anchorCtr="0" forceAA="0" compatLnSpc="1">
-                        <a:prstTxWarp prst="textNoShape">
-                          <a:avLst/>
-                        </a:prstTxWarp>
-                        <a:noAutofit/>
-                      </a:bodyPr>
-                      <a:lstStyle/>
-                      <a:p>
-                        <a:pPr algn="ctr"/>
-                        <a:endParaRPr lang="en-GB"/>
-                      </a:p>
-                    </p:txBody>
-                  </p:sp>
-                  <p:cxnSp>
-                    <p:nvCxnSpPr>
-                      <p:cNvPr id="48" name="Straight Connector 47">
-                        <a:extLst>
-                          <a:ext uri="{FF2B5EF4-FFF2-40B4-BE49-F238E27FC236}">
-                            <a16:creationId xmlns:a16="http://schemas.microsoft.com/office/drawing/2014/main" id="{440FE89B-314A-4FA4-A876-771DE651CDC9}"/>
-                          </a:ext>
-                        </a:extLst>
-                      </p:cNvPr>
-                      <p:cNvCxnSpPr>
-                        <a:cxnSpLocks/>
-                        <a:stCxn id="44" idx="6"/>
-                        <a:endCxn id="45" idx="2"/>
-                      </p:cNvCxnSpPr>
-                      <p:nvPr/>
-                    </p:nvCxnSpPr>
-                    <p:spPr>
-                      <a:xfrm flipV="1">
-                        <a:off x="2915795" y="2013080"/>
-                        <a:ext cx="1360726" cy="1"/>
-                      </a:xfrm>
-                      <a:prstGeom prst="line">
-                        <a:avLst/>
-                      </a:prstGeom>
-                      <a:ln w="57150">
-                        <a:solidFill>
-                          <a:schemeClr val="accent6">
-                            <a:lumMod val="75000"/>
-                          </a:schemeClr>
-                        </a:solidFill>
-                      </a:ln>
-                    </p:spPr>
-                    <p:style>
-                      <a:lnRef idx="1">
-                        <a:schemeClr val="accent1"/>
-                      </a:lnRef>
-                      <a:fillRef idx="0">
-                        <a:schemeClr val="accent1"/>
-                      </a:fillRef>
-                      <a:effectRef idx="0">
-                        <a:schemeClr val="accent1"/>
-                      </a:effectRef>
-                      <a:fontRef idx="minor">
-                        <a:schemeClr val="tx1"/>
-                      </a:fontRef>
-                    </p:style>
-                  </p:cxnSp>
-                  <p:cxnSp>
-                    <p:nvCxnSpPr>
-                      <p:cNvPr id="49" name="Straight Connector 48">
-                        <a:extLst>
-                          <a:ext uri="{FF2B5EF4-FFF2-40B4-BE49-F238E27FC236}">
-                            <a16:creationId xmlns:a16="http://schemas.microsoft.com/office/drawing/2014/main" id="{F4BEA240-B5B9-4BA6-9205-DD7772B0451A}"/>
-                          </a:ext>
-                        </a:extLst>
-                      </p:cNvPr>
-                      <p:cNvCxnSpPr>
-                        <a:cxnSpLocks/>
-                        <a:stCxn id="45" idx="6"/>
-                        <a:endCxn id="29" idx="2"/>
-                      </p:cNvCxnSpPr>
-                      <p:nvPr/>
-                    </p:nvCxnSpPr>
-                    <p:spPr>
-                      <a:xfrm flipV="1">
-                        <a:off x="4996521" y="2013079"/>
-                        <a:ext cx="1419789" cy="1"/>
-                      </a:xfrm>
-                      <a:prstGeom prst="line">
-                        <a:avLst/>
-                      </a:prstGeom>
-                      <a:ln w="57150">
-                        <a:solidFill>
-                          <a:schemeClr val="accent6">
-                            <a:lumMod val="75000"/>
-                          </a:schemeClr>
-                        </a:solidFill>
-                      </a:ln>
-                    </p:spPr>
-                    <p:style>
-                      <a:lnRef idx="1">
-                        <a:schemeClr val="accent1"/>
-                      </a:lnRef>
-                      <a:fillRef idx="0">
-                        <a:schemeClr val="accent1"/>
-                      </a:fillRef>
-                      <a:effectRef idx="0">
-                        <a:schemeClr val="accent1"/>
-                      </a:effectRef>
-                      <a:fontRef idx="minor">
-                        <a:schemeClr val="tx1"/>
-                      </a:fontRef>
-                    </p:style>
-                  </p:cxnSp>
-                  <p:sp>
-                    <p:nvSpPr>
-                      <p:cNvPr id="50" name="Oval 49">
-                        <a:extLst>
-                          <a:ext uri="{FF2B5EF4-FFF2-40B4-BE49-F238E27FC236}">
-                            <a16:creationId xmlns:a16="http://schemas.microsoft.com/office/drawing/2014/main" id="{0CB4A2D3-7A30-47DA-A242-BBE10074E719}"/>
-                          </a:ext>
-                        </a:extLst>
-                      </p:cNvPr>
-                      <p:cNvSpPr>
-                        <a:spLocks noChangeAspect="1"/>
-                      </p:cNvSpPr>
-                      <p:nvPr/>
-                    </p:nvSpPr>
-                    <p:spPr>
-                      <a:xfrm>
-                        <a:off x="10833657" y="4170784"/>
-                        <a:ext cx="720000" cy="718457"/>
-                      </a:xfrm>
-                      <a:prstGeom prst="ellipse">
-                        <a:avLst/>
-                      </a:prstGeom>
-                      <a:solidFill>
-                        <a:schemeClr val="accent5">
-                          <a:lumMod val="20000"/>
-                          <a:lumOff val="80000"/>
-                        </a:schemeClr>
-                      </a:solidFill>
-                      <a:ln w="57150">
-                        <a:solidFill>
-                          <a:schemeClr val="accent5">
-                            <a:lumMod val="75000"/>
-                          </a:schemeClr>
-                        </a:solidFill>
-                      </a:ln>
-                    </p:spPr>
-                    <p:style>
-                      <a:lnRef idx="2">
-                        <a:schemeClr val="accent1">
-                          <a:shade val="50000"/>
-                        </a:schemeClr>
-                      </a:lnRef>
-                      <a:fillRef idx="1">
-                        <a:schemeClr val="accent1"/>
-                      </a:fillRef>
-                      <a:effectRef idx="0">
-                        <a:schemeClr val="accent1"/>
-                      </a:effectRef>
-                      <a:fontRef idx="minor">
-                        <a:schemeClr val="lt1"/>
-                      </a:fontRef>
-                    </p:style>
-                    <p:txBody>
-                      <a:bodyPr rot="0" spcFirstLastPara="0" vertOverflow="overflow" horzOverflow="overflow" vert="horz" wrap="square" lIns="91440" tIns="45720" rIns="91440" bIns="45720" numCol="1" spcCol="0" rtlCol="0" fromWordArt="0" anchor="ctr" anchorCtr="0" forceAA="0" compatLnSpc="1">
-                        <a:prstTxWarp prst="textNoShape">
-                          <a:avLst/>
-                        </a:prstTxWarp>
-                        <a:noAutofit/>
-                      </a:bodyPr>
-                      <a:lstStyle/>
-                      <a:p>
-                        <a:pPr algn="ctr"/>
-                        <a:endParaRPr lang="en-GB"/>
-                      </a:p>
-                    </p:txBody>
-                  </p:sp>
-                  <p:cxnSp>
-                    <p:nvCxnSpPr>
-                      <p:cNvPr id="51" name="Straight Connector 50">
-                        <a:extLst>
-                          <a:ext uri="{FF2B5EF4-FFF2-40B4-BE49-F238E27FC236}">
-                            <a16:creationId xmlns:a16="http://schemas.microsoft.com/office/drawing/2014/main" id="{BAFD73F5-297B-4040-9968-F711FA2CB1F2}"/>
-                          </a:ext>
-                        </a:extLst>
-                      </p:cNvPr>
-                      <p:cNvCxnSpPr>
-                        <a:cxnSpLocks/>
-                        <a:stCxn id="47" idx="6"/>
-                        <a:endCxn id="50" idx="2"/>
-                      </p:cNvCxnSpPr>
-                      <p:nvPr/>
-                    </p:nvCxnSpPr>
-                    <p:spPr>
-                      <a:xfrm>
-                        <a:off x="9944099" y="4530013"/>
-                        <a:ext cx="889558" cy="0"/>
-                      </a:xfrm>
-                      <a:prstGeom prst="line">
-                        <a:avLst/>
-                      </a:prstGeom>
-                      <a:ln w="57150">
-                        <a:solidFill>
-                          <a:schemeClr val="accent5">
-                            <a:lumMod val="75000"/>
-                          </a:schemeClr>
-                        </a:solidFill>
-                      </a:ln>
-                    </p:spPr>
-                    <p:style>
-                      <a:lnRef idx="1">
-                        <a:schemeClr val="accent1"/>
-                      </a:lnRef>
-                      <a:fillRef idx="0">
-                        <a:schemeClr val="accent1"/>
-                      </a:fillRef>
-                      <a:effectRef idx="0">
-                        <a:schemeClr val="accent1"/>
-                      </a:effectRef>
-                      <a:fontRef idx="minor">
-                        <a:schemeClr val="tx1"/>
-                      </a:fontRef>
-                    </p:style>
-                  </p:cxnSp>
-                </p:grpSp>
+                    </a:ln>
+                  </p:spPr>
+                  <p:style>
+                    <a:lnRef idx="1">
+                      <a:schemeClr val="accent1"/>
+                    </a:lnRef>
+                    <a:fillRef idx="0">
+                      <a:schemeClr val="accent1"/>
+                    </a:fillRef>
+                    <a:effectRef idx="0">
+                      <a:schemeClr val="accent1"/>
+                    </a:effectRef>
+                    <a:fontRef idx="minor">
+                      <a:schemeClr val="tx1"/>
+                    </a:fontRef>
+                  </p:style>
+                </p:cxnSp>
                 <p:sp>
                   <p:nvSpPr>
-                    <p:cNvPr id="29" name="Oval 28">
+                    <p:cNvPr id="36" name="Oval 35">
                       <a:extLst>
                         <a:ext uri="{FF2B5EF4-FFF2-40B4-BE49-F238E27FC236}">
-                          <a16:creationId xmlns:a16="http://schemas.microsoft.com/office/drawing/2014/main" id="{7C371B4B-C573-435C-93FB-879CB9BCEF4F}"/>
+                          <a16:creationId xmlns:a16="http://schemas.microsoft.com/office/drawing/2014/main" id="{65B9FBA5-354F-4BCA-BBEA-978A2616F90D}"/>
                         </a:ext>
                       </a:extLst>
                     </p:cNvPr>
@@ -22771,7 +21821,437 @@
                   </p:nvSpPr>
                   <p:spPr>
                     <a:xfrm>
-                      <a:off x="6854849" y="1448578"/>
+                      <a:off x="877068" y="2911152"/>
+                      <a:ext cx="720000" cy="718457"/>
+                    </a:xfrm>
+                    <a:prstGeom prst="ellipse">
+                      <a:avLst/>
+                    </a:prstGeom>
+                    <a:solidFill>
+                      <a:schemeClr val="bg1">
+                        <a:lumMod val="95000"/>
+                      </a:schemeClr>
+                    </a:solidFill>
+                    <a:ln w="57150">
+                      <a:solidFill>
+                        <a:schemeClr val="tx1"/>
+                      </a:solidFill>
+                    </a:ln>
+                  </p:spPr>
+                  <p:style>
+                    <a:lnRef idx="2">
+                      <a:schemeClr val="accent1">
+                        <a:shade val="50000"/>
+                      </a:schemeClr>
+                    </a:lnRef>
+                    <a:fillRef idx="1">
+                      <a:schemeClr val="accent1"/>
+                    </a:fillRef>
+                    <a:effectRef idx="0">
+                      <a:schemeClr val="accent1"/>
+                    </a:effectRef>
+                    <a:fontRef idx="minor">
+                      <a:schemeClr val="lt1"/>
+                    </a:fontRef>
+                  </p:style>
+                  <p:txBody>
+                    <a:bodyPr rot="0" spcFirstLastPara="0" vertOverflow="overflow" horzOverflow="overflow" vert="horz" wrap="square" lIns="91440" tIns="45720" rIns="91440" bIns="45720" numCol="1" spcCol="0" rtlCol="0" fromWordArt="0" anchor="ctr" anchorCtr="0" forceAA="0" compatLnSpc="1">
+                      <a:prstTxWarp prst="textNoShape">
+                        <a:avLst/>
+                      </a:prstTxWarp>
+                      <a:noAutofit/>
+                    </a:bodyPr>
+                    <a:lstStyle/>
+                    <a:p>
+                      <a:pPr algn="ctr"/>
+                      <a:endParaRPr lang="en-GB"/>
+                    </a:p>
+                  </p:txBody>
+                </p:sp>
+                <p:sp>
+                  <p:nvSpPr>
+                    <p:cNvPr id="37" name="Oval 36">
+                      <a:extLst>
+                        <a:ext uri="{FF2B5EF4-FFF2-40B4-BE49-F238E27FC236}">
+                          <a16:creationId xmlns:a16="http://schemas.microsoft.com/office/drawing/2014/main" id="{D416F81B-D06D-406E-ABDA-857159C3A11C}"/>
+                        </a:ext>
+                      </a:extLst>
+                    </p:cNvPr>
+                    <p:cNvSpPr>
+                      <a:spLocks noChangeAspect="1"/>
+                    </p:cNvSpPr>
+                    <p:nvPr/>
+                  </p:nvSpPr>
+                  <p:spPr>
+                    <a:xfrm>
+                      <a:off x="2195795" y="2911152"/>
+                      <a:ext cx="720000" cy="718457"/>
+                    </a:xfrm>
+                    <a:prstGeom prst="ellipse">
+                      <a:avLst/>
+                    </a:prstGeom>
+                    <a:solidFill>
+                      <a:schemeClr val="bg1">
+                        <a:lumMod val="95000"/>
+                      </a:schemeClr>
+                    </a:solidFill>
+                    <a:ln w="57150">
+                      <a:solidFill>
+                        <a:schemeClr val="tx1"/>
+                      </a:solidFill>
+                    </a:ln>
+                  </p:spPr>
+                  <p:style>
+                    <a:lnRef idx="2">
+                      <a:schemeClr val="accent1">
+                        <a:shade val="50000"/>
+                      </a:schemeClr>
+                    </a:lnRef>
+                    <a:fillRef idx="1">
+                      <a:schemeClr val="accent1"/>
+                    </a:fillRef>
+                    <a:effectRef idx="0">
+                      <a:schemeClr val="accent1"/>
+                    </a:effectRef>
+                    <a:fontRef idx="minor">
+                      <a:schemeClr val="lt1"/>
+                    </a:fontRef>
+                  </p:style>
+                  <p:txBody>
+                    <a:bodyPr rot="0" spcFirstLastPara="0" vertOverflow="overflow" horzOverflow="overflow" vert="horz" wrap="square" lIns="91440" tIns="45720" rIns="91440" bIns="45720" numCol="1" spcCol="0" rtlCol="0" fromWordArt="0" anchor="ctr" anchorCtr="0" forceAA="0" compatLnSpc="1">
+                      <a:prstTxWarp prst="textNoShape">
+                        <a:avLst/>
+                      </a:prstTxWarp>
+                      <a:noAutofit/>
+                    </a:bodyPr>
+                    <a:lstStyle/>
+                    <a:p>
+                      <a:pPr algn="ctr"/>
+                      <a:endParaRPr lang="en-GB"/>
+                    </a:p>
+                  </p:txBody>
+                </p:sp>
+                <p:sp>
+                  <p:nvSpPr>
+                    <p:cNvPr id="38" name="Oval 37">
+                      <a:extLst>
+                        <a:ext uri="{FF2B5EF4-FFF2-40B4-BE49-F238E27FC236}">
+                          <a16:creationId xmlns:a16="http://schemas.microsoft.com/office/drawing/2014/main" id="{526A233C-F382-4723-A6F7-3BFB1698732D}"/>
+                        </a:ext>
+                      </a:extLst>
+                    </p:cNvPr>
+                    <p:cNvSpPr>
+                      <a:spLocks noChangeAspect="1"/>
+                    </p:cNvSpPr>
+                    <p:nvPr/>
+                  </p:nvSpPr>
+                  <p:spPr>
+                    <a:xfrm>
+                      <a:off x="4276521" y="2911151"/>
+                      <a:ext cx="720000" cy="718457"/>
+                    </a:xfrm>
+                    <a:prstGeom prst="ellipse">
+                      <a:avLst/>
+                    </a:prstGeom>
+                    <a:solidFill>
+                      <a:schemeClr val="bg1">
+                        <a:lumMod val="95000"/>
+                      </a:schemeClr>
+                    </a:solidFill>
+                    <a:ln w="57150">
+                      <a:solidFill>
+                        <a:schemeClr val="tx1"/>
+                      </a:solidFill>
+                    </a:ln>
+                  </p:spPr>
+                  <p:style>
+                    <a:lnRef idx="2">
+                      <a:schemeClr val="accent1">
+                        <a:shade val="50000"/>
+                      </a:schemeClr>
+                    </a:lnRef>
+                    <a:fillRef idx="1">
+                      <a:schemeClr val="accent1"/>
+                    </a:fillRef>
+                    <a:effectRef idx="0">
+                      <a:schemeClr val="accent1"/>
+                    </a:effectRef>
+                    <a:fontRef idx="minor">
+                      <a:schemeClr val="lt1"/>
+                    </a:fontRef>
+                  </p:style>
+                  <p:txBody>
+                    <a:bodyPr rot="0" spcFirstLastPara="0" vertOverflow="overflow" horzOverflow="overflow" vert="horz" wrap="square" lIns="91440" tIns="45720" rIns="91440" bIns="45720" numCol="1" spcCol="0" rtlCol="0" fromWordArt="0" anchor="ctr" anchorCtr="0" forceAA="0" compatLnSpc="1">
+                      <a:prstTxWarp prst="textNoShape">
+                        <a:avLst/>
+                      </a:prstTxWarp>
+                      <a:noAutofit/>
+                    </a:bodyPr>
+                    <a:lstStyle/>
+                    <a:p>
+                      <a:pPr algn="ctr"/>
+                      <a:endParaRPr lang="en-GB"/>
+                    </a:p>
+                  </p:txBody>
+                </p:sp>
+                <p:sp>
+                  <p:nvSpPr>
+                    <p:cNvPr id="39" name="Oval 38">
+                      <a:extLst>
+                        <a:ext uri="{FF2B5EF4-FFF2-40B4-BE49-F238E27FC236}">
+                          <a16:creationId xmlns:a16="http://schemas.microsoft.com/office/drawing/2014/main" id="{AF8F35A3-5AAD-4C96-9BBF-C36A8FF027CF}"/>
+                        </a:ext>
+                      </a:extLst>
+                    </p:cNvPr>
+                    <p:cNvSpPr>
+                      <a:spLocks noChangeAspect="1"/>
+                    </p:cNvSpPr>
+                    <p:nvPr/>
+                  </p:nvSpPr>
+                  <p:spPr>
+                    <a:xfrm>
+                      <a:off x="7496311" y="2911150"/>
+                      <a:ext cx="720000" cy="718457"/>
+                    </a:xfrm>
+                    <a:prstGeom prst="ellipse">
+                      <a:avLst/>
+                    </a:prstGeom>
+                    <a:solidFill>
+                      <a:schemeClr val="bg1">
+                        <a:lumMod val="95000"/>
+                      </a:schemeClr>
+                    </a:solidFill>
+                    <a:ln w="57150">
+                      <a:solidFill>
+                        <a:schemeClr val="tx1"/>
+                      </a:solidFill>
+                    </a:ln>
+                  </p:spPr>
+                  <p:style>
+                    <a:lnRef idx="2">
+                      <a:schemeClr val="accent1">
+                        <a:shade val="50000"/>
+                      </a:schemeClr>
+                    </a:lnRef>
+                    <a:fillRef idx="1">
+                      <a:schemeClr val="accent1"/>
+                    </a:fillRef>
+                    <a:effectRef idx="0">
+                      <a:schemeClr val="accent1"/>
+                    </a:effectRef>
+                    <a:fontRef idx="minor">
+                      <a:schemeClr val="lt1"/>
+                    </a:fontRef>
+                  </p:style>
+                  <p:txBody>
+                    <a:bodyPr rot="0" spcFirstLastPara="0" vertOverflow="overflow" horzOverflow="overflow" vert="horz" wrap="square" lIns="91440" tIns="45720" rIns="91440" bIns="45720" numCol="1" spcCol="0" rtlCol="0" fromWordArt="0" anchor="ctr" anchorCtr="0" forceAA="0" compatLnSpc="1">
+                      <a:prstTxWarp prst="textNoShape">
+                        <a:avLst/>
+                      </a:prstTxWarp>
+                      <a:noAutofit/>
+                    </a:bodyPr>
+                    <a:lstStyle/>
+                    <a:p>
+                      <a:pPr algn="ctr"/>
+                      <a:endParaRPr lang="en-GB"/>
+                    </a:p>
+                  </p:txBody>
+                </p:sp>
+                <p:cxnSp>
+                  <p:nvCxnSpPr>
+                    <p:cNvPr id="40" name="Straight Connector 39">
+                      <a:extLst>
+                        <a:ext uri="{FF2B5EF4-FFF2-40B4-BE49-F238E27FC236}">
+                          <a16:creationId xmlns:a16="http://schemas.microsoft.com/office/drawing/2014/main" id="{DEBE9B6C-E6AB-4C94-81CE-31EA030C899D}"/>
+                        </a:ext>
+                      </a:extLst>
+                    </p:cNvPr>
+                    <p:cNvCxnSpPr>
+                      <a:stCxn id="36" idx="6"/>
+                      <a:endCxn id="37" idx="2"/>
+                    </p:cNvCxnSpPr>
+                    <p:nvPr/>
+                  </p:nvCxnSpPr>
+                  <p:spPr>
+                    <a:xfrm>
+                      <a:off x="1597068" y="3270381"/>
+                      <a:ext cx="598727" cy="0"/>
+                    </a:xfrm>
+                    <a:prstGeom prst="line">
+                      <a:avLst/>
+                    </a:prstGeom>
+                    <a:ln w="57150">
+                      <a:solidFill>
+                        <a:schemeClr val="tx1"/>
+                      </a:solidFill>
+                    </a:ln>
+                  </p:spPr>
+                  <p:style>
+                    <a:lnRef idx="1">
+                      <a:schemeClr val="accent1"/>
+                    </a:lnRef>
+                    <a:fillRef idx="0">
+                      <a:schemeClr val="accent1"/>
+                    </a:fillRef>
+                    <a:effectRef idx="0">
+                      <a:schemeClr val="accent1"/>
+                    </a:effectRef>
+                    <a:fontRef idx="minor">
+                      <a:schemeClr val="tx1"/>
+                    </a:fontRef>
+                  </p:style>
+                </p:cxnSp>
+                <p:cxnSp>
+                  <p:nvCxnSpPr>
+                    <p:cNvPr id="41" name="Straight Connector 40">
+                      <a:extLst>
+                        <a:ext uri="{FF2B5EF4-FFF2-40B4-BE49-F238E27FC236}">
+                          <a16:creationId xmlns:a16="http://schemas.microsoft.com/office/drawing/2014/main" id="{4E64A0F6-A407-4CFA-9C13-A1321A54B2EC}"/>
+                        </a:ext>
+                      </a:extLst>
+                    </p:cNvPr>
+                    <p:cNvCxnSpPr>
+                      <a:cxnSpLocks/>
+                      <a:stCxn id="37" idx="6"/>
+                      <a:endCxn id="38" idx="2"/>
+                    </p:cNvCxnSpPr>
+                    <p:nvPr/>
+                  </p:nvCxnSpPr>
+                  <p:spPr>
+                    <a:xfrm flipV="1">
+                      <a:off x="2915795" y="3270380"/>
+                      <a:ext cx="1360726" cy="1"/>
+                    </a:xfrm>
+                    <a:prstGeom prst="line">
+                      <a:avLst/>
+                    </a:prstGeom>
+                    <a:ln w="57150">
+                      <a:solidFill>
+                        <a:schemeClr val="tx1"/>
+                      </a:solidFill>
+                    </a:ln>
+                  </p:spPr>
+                  <p:style>
+                    <a:lnRef idx="1">
+                      <a:schemeClr val="accent1"/>
+                    </a:lnRef>
+                    <a:fillRef idx="0">
+                      <a:schemeClr val="accent1"/>
+                    </a:fillRef>
+                    <a:effectRef idx="0">
+                      <a:schemeClr val="accent1"/>
+                    </a:effectRef>
+                    <a:fontRef idx="minor">
+                      <a:schemeClr val="tx1"/>
+                    </a:fontRef>
+                  </p:style>
+                </p:cxnSp>
+                <p:cxnSp>
+                  <p:nvCxnSpPr>
+                    <p:cNvPr id="42" name="Straight Connector 41">
+                      <a:extLst>
+                        <a:ext uri="{FF2B5EF4-FFF2-40B4-BE49-F238E27FC236}">
+                          <a16:creationId xmlns:a16="http://schemas.microsoft.com/office/drawing/2014/main" id="{7008674E-9D75-4D4D-80B6-726553E5C165}"/>
+                        </a:ext>
+                      </a:extLst>
+                    </p:cNvPr>
+                    <p:cNvCxnSpPr>
+                      <a:cxnSpLocks/>
+                      <a:stCxn id="38" idx="6"/>
+                      <a:endCxn id="31" idx="2"/>
+                    </p:cNvCxnSpPr>
+                    <p:nvPr/>
+                  </p:nvCxnSpPr>
+                  <p:spPr>
+                    <a:xfrm flipV="1">
+                      <a:off x="4996521" y="3270375"/>
+                      <a:ext cx="1444727" cy="5"/>
+                    </a:xfrm>
+                    <a:prstGeom prst="line">
+                      <a:avLst/>
+                    </a:prstGeom>
+                    <a:ln w="57150">
+                      <a:solidFill>
+                        <a:schemeClr val="tx1"/>
+                      </a:solidFill>
+                    </a:ln>
+                  </p:spPr>
+                  <p:style>
+                    <a:lnRef idx="1">
+                      <a:schemeClr val="accent1"/>
+                    </a:lnRef>
+                    <a:fillRef idx="0">
+                      <a:schemeClr val="accent1"/>
+                    </a:fillRef>
+                    <a:effectRef idx="0">
+                      <a:schemeClr val="accent1"/>
+                    </a:effectRef>
+                    <a:fontRef idx="minor">
+                      <a:schemeClr val="tx1"/>
+                    </a:fontRef>
+                  </p:style>
+                </p:cxnSp>
+                <p:cxnSp>
+                  <p:nvCxnSpPr>
+                    <p:cNvPr id="43" name="Straight Connector 42">
+                      <a:extLst>
+                        <a:ext uri="{FF2B5EF4-FFF2-40B4-BE49-F238E27FC236}">
+                          <a16:creationId xmlns:a16="http://schemas.microsoft.com/office/drawing/2014/main" id="{B1407D25-A07D-4807-837C-E344EDEFB587}"/>
+                        </a:ext>
+                      </a:extLst>
+                    </p:cNvPr>
+                    <p:cNvCxnSpPr>
+                      <a:cxnSpLocks/>
+                      <a:stCxn id="39" idx="6"/>
+                    </p:cNvCxnSpPr>
+                    <p:nvPr/>
+                  </p:nvCxnSpPr>
+                  <p:spPr>
+                    <a:xfrm>
+                      <a:off x="8216311" y="3270379"/>
+                      <a:ext cx="3337346" cy="0"/>
+                    </a:xfrm>
+                    <a:prstGeom prst="line">
+                      <a:avLst/>
+                    </a:prstGeom>
+                    <a:ln w="57150">
+                      <a:solidFill>
+                        <a:schemeClr val="tx1"/>
+                      </a:solidFill>
+                    </a:ln>
+                  </p:spPr>
+                  <p:style>
+                    <a:lnRef idx="1">
+                      <a:schemeClr val="accent1"/>
+                    </a:lnRef>
+                    <a:fillRef idx="0">
+                      <a:schemeClr val="accent1"/>
+                    </a:fillRef>
+                    <a:effectRef idx="0">
+                      <a:schemeClr val="accent1"/>
+                    </a:effectRef>
+                    <a:fontRef idx="minor">
+                      <a:schemeClr val="tx1"/>
+                    </a:fontRef>
+                  </p:style>
+                </p:cxnSp>
+                <p:sp>
+                  <p:nvSpPr>
+                    <p:cNvPr id="44" name="Oval 43">
+                      <a:extLst>
+                        <a:ext uri="{FF2B5EF4-FFF2-40B4-BE49-F238E27FC236}">
+                          <a16:creationId xmlns:a16="http://schemas.microsoft.com/office/drawing/2014/main" id="{B129C8B8-756B-4C40-9209-241333E298E3}"/>
+                        </a:ext>
+                      </a:extLst>
+                    </p:cNvPr>
+                    <p:cNvSpPr>
+                      <a:spLocks noChangeAspect="1"/>
+                    </p:cNvSpPr>
+                    <p:nvPr/>
+                  </p:nvSpPr>
+                  <p:spPr>
+                    <a:xfrm>
+                      <a:off x="2195795" y="1653852"/>
                       <a:ext cx="720000" cy="718457"/>
                     </a:xfrm>
                     <a:prstGeom prst="ellipse">
@@ -22821,59 +22301,12 @@
                     </a:p>
                   </p:txBody>
                 </p:sp>
-                <p:cxnSp>
-                  <p:nvCxnSpPr>
-                    <p:cNvPr id="30" name="Straight Connector 29">
+                <p:sp>
+                  <p:nvSpPr>
+                    <p:cNvPr id="45" name="Oval 44">
                       <a:extLst>
                         <a:ext uri="{FF2B5EF4-FFF2-40B4-BE49-F238E27FC236}">
-                          <a16:creationId xmlns:a16="http://schemas.microsoft.com/office/drawing/2014/main" id="{29D77219-FB27-40D1-BF1E-63E51E81AF63}"/>
-                        </a:ext>
-                      </a:extLst>
-                    </p:cNvPr>
-                    <p:cNvCxnSpPr>
-                      <a:cxnSpLocks/>
-                      <a:stCxn id="29" idx="6"/>
-                      <a:endCxn id="46" idx="2"/>
-                    </p:cNvCxnSpPr>
-                    <p:nvPr/>
-                  </p:nvCxnSpPr>
-                  <p:spPr>
-                    <a:xfrm>
-                      <a:off x="7574849" y="1807807"/>
-                      <a:ext cx="335062" cy="0"/>
-                    </a:xfrm>
-                    <a:prstGeom prst="line">
-                      <a:avLst/>
-                    </a:prstGeom>
-                    <a:ln w="57150">
-                      <a:solidFill>
-                        <a:schemeClr val="accent6">
-                          <a:lumMod val="75000"/>
-                        </a:schemeClr>
-                      </a:solidFill>
-                    </a:ln>
-                  </p:spPr>
-                  <p:style>
-                    <a:lnRef idx="1">
-                      <a:schemeClr val="accent1"/>
-                    </a:lnRef>
-                    <a:fillRef idx="0">
-                      <a:schemeClr val="accent1"/>
-                    </a:fillRef>
-                    <a:effectRef idx="0">
-                      <a:schemeClr val="accent1"/>
-                    </a:effectRef>
-                    <a:fontRef idx="minor">
-                      <a:schemeClr val="tx1"/>
-                    </a:fontRef>
-                  </p:style>
-                </p:cxnSp>
-                <p:sp>
-                  <p:nvSpPr>
-                    <p:cNvPr id="31" name="Oval 30">
-                      <a:extLst>
-                        <a:ext uri="{FF2B5EF4-FFF2-40B4-BE49-F238E27FC236}">
-                          <a16:creationId xmlns:a16="http://schemas.microsoft.com/office/drawing/2014/main" id="{A1B6046F-FA53-47B0-9E4F-F445E377B838}"/>
+                          <a16:creationId xmlns:a16="http://schemas.microsoft.com/office/drawing/2014/main" id="{C5148916-9BCD-404A-8349-46CFE32E7450}"/>
                         </a:ext>
                       </a:extLst>
                     </p:cNvPr>
@@ -22884,20 +22317,155 @@
                   </p:nvSpPr>
                   <p:spPr>
                     <a:xfrm>
-                      <a:off x="6854849" y="2705873"/>
+                      <a:off x="4276521" y="1653851"/>
                       <a:ext cx="720000" cy="718457"/>
                     </a:xfrm>
                     <a:prstGeom prst="ellipse">
                       <a:avLst/>
                     </a:prstGeom>
                     <a:solidFill>
-                      <a:schemeClr val="bg1">
-                        <a:lumMod val="95000"/>
+                      <a:schemeClr val="accent6">
+                        <a:lumMod val="20000"/>
+                        <a:lumOff val="80000"/>
                       </a:schemeClr>
                     </a:solidFill>
                     <a:ln w="57150">
                       <a:solidFill>
-                        <a:schemeClr val="tx1"/>
+                        <a:schemeClr val="accent6">
+                          <a:lumMod val="75000"/>
+                        </a:schemeClr>
+                      </a:solidFill>
+                    </a:ln>
+                  </p:spPr>
+                  <p:style>
+                    <a:lnRef idx="2">
+                      <a:schemeClr val="accent1">
+                        <a:shade val="50000"/>
+                      </a:schemeClr>
+                    </a:lnRef>
+                    <a:fillRef idx="1">
+                      <a:schemeClr val="accent1"/>
+                    </a:fillRef>
+                    <a:effectRef idx="0">
+                      <a:schemeClr val="accent1"/>
+                    </a:effectRef>
+                    <a:fontRef idx="minor">
+                      <a:schemeClr val="lt1"/>
+                    </a:fontRef>
+                  </p:style>
+                  <p:txBody>
+                    <a:bodyPr rot="0" spcFirstLastPara="0" vertOverflow="overflow" horzOverflow="overflow" vert="horz" wrap="square" lIns="91440" tIns="45720" rIns="91440" bIns="45720" numCol="1" spcCol="0" rtlCol="0" fromWordArt="0" anchor="ctr" anchorCtr="0" forceAA="0" compatLnSpc="1">
+                      <a:prstTxWarp prst="textNoShape">
+                        <a:avLst/>
+                      </a:prstTxWarp>
+                      <a:noAutofit/>
+                    </a:bodyPr>
+                    <a:lstStyle/>
+                    <a:p>
+                      <a:pPr algn="ctr"/>
+                      <a:endParaRPr lang="en-GB"/>
+                    </a:p>
+                  </p:txBody>
+                </p:sp>
+                <p:sp>
+                  <p:nvSpPr>
+                    <p:cNvPr id="46" name="Oval 45">
+                      <a:extLst>
+                        <a:ext uri="{FF2B5EF4-FFF2-40B4-BE49-F238E27FC236}">
+                          <a16:creationId xmlns:a16="http://schemas.microsoft.com/office/drawing/2014/main" id="{F859D385-399B-4AAB-B453-1BCDC6806DBE}"/>
+                        </a:ext>
+                      </a:extLst>
+                    </p:cNvPr>
+                    <p:cNvSpPr>
+                      <a:spLocks noChangeAspect="1"/>
+                    </p:cNvSpPr>
+                    <p:nvPr/>
+                  </p:nvSpPr>
+                  <p:spPr>
+                    <a:xfrm>
+                      <a:off x="7496310" y="1653851"/>
+                      <a:ext cx="720000" cy="718457"/>
+                    </a:xfrm>
+                    <a:prstGeom prst="ellipse">
+                      <a:avLst/>
+                    </a:prstGeom>
+                    <a:solidFill>
+                      <a:schemeClr val="accent6">
+                        <a:lumMod val="20000"/>
+                        <a:lumOff val="80000"/>
+                      </a:schemeClr>
+                    </a:solidFill>
+                    <a:ln w="57150">
+                      <a:solidFill>
+                        <a:schemeClr val="accent6">
+                          <a:lumMod val="75000"/>
+                        </a:schemeClr>
+                      </a:solidFill>
+                    </a:ln>
+                  </p:spPr>
+                  <p:style>
+                    <a:lnRef idx="2">
+                      <a:schemeClr val="accent1">
+                        <a:shade val="50000"/>
+                      </a:schemeClr>
+                    </a:lnRef>
+                    <a:fillRef idx="1">
+                      <a:schemeClr val="accent1"/>
+                    </a:fillRef>
+                    <a:effectRef idx="0">
+                      <a:schemeClr val="accent1"/>
+                    </a:effectRef>
+                    <a:fontRef idx="minor">
+                      <a:schemeClr val="lt1"/>
+                    </a:fontRef>
+                  </p:style>
+                  <p:txBody>
+                    <a:bodyPr rot="0" spcFirstLastPara="0" vertOverflow="overflow" horzOverflow="overflow" vert="horz" wrap="square" lIns="91440" tIns="45720" rIns="91440" bIns="45720" numCol="1" spcCol="0" rtlCol="0" fromWordArt="0" anchor="ctr" anchorCtr="0" forceAA="0" compatLnSpc="1">
+                      <a:prstTxWarp prst="textNoShape">
+                        <a:avLst/>
+                      </a:prstTxWarp>
+                      <a:noAutofit/>
+                    </a:bodyPr>
+                    <a:lstStyle/>
+                    <a:p>
+                      <a:pPr algn="ctr"/>
+                      <a:endParaRPr lang="en-GB"/>
+                    </a:p>
+                  </p:txBody>
+                </p:sp>
+                <p:sp>
+                  <p:nvSpPr>
+                    <p:cNvPr id="47" name="Oval 46">
+                      <a:extLst>
+                        <a:ext uri="{FF2B5EF4-FFF2-40B4-BE49-F238E27FC236}">
+                          <a16:creationId xmlns:a16="http://schemas.microsoft.com/office/drawing/2014/main" id="{07EF2A45-A133-4252-8996-8CF3AF2AD960}"/>
+                        </a:ext>
+                      </a:extLst>
+                    </p:cNvPr>
+                    <p:cNvSpPr>
+                      <a:spLocks noChangeAspect="1"/>
+                    </p:cNvSpPr>
+                    <p:nvPr/>
+                  </p:nvSpPr>
+                  <p:spPr>
+                    <a:xfrm>
+                      <a:off x="9224099" y="4170784"/>
+                      <a:ext cx="720000" cy="718457"/>
+                    </a:xfrm>
+                    <a:prstGeom prst="ellipse">
+                      <a:avLst/>
+                    </a:prstGeom>
+                    <a:solidFill>
+                      <a:schemeClr val="accent5">
+                        <a:lumMod val="20000"/>
+                        <a:lumOff val="80000"/>
+                      </a:schemeClr>
+                    </a:solidFill>
+                    <a:ln w="57150">
+                      <a:solidFill>
+                        <a:schemeClr val="accent5">
+                          <a:lumMod val="75000"/>
+                        </a:schemeClr>
                       </a:solidFill>
                     </a:ln>
                   </p:spPr>
@@ -22933,31 +22501,193 @@
                 </p:sp>
                 <p:cxnSp>
                   <p:nvCxnSpPr>
-                    <p:cNvPr id="32" name="Straight Connector 31">
+                    <p:cNvPr id="48" name="Straight Connector 47">
                       <a:extLst>
                         <a:ext uri="{FF2B5EF4-FFF2-40B4-BE49-F238E27FC236}">
-                          <a16:creationId xmlns:a16="http://schemas.microsoft.com/office/drawing/2014/main" id="{FBD0E878-BBAF-4C06-B0A7-27812D549A27}"/>
+                          <a16:creationId xmlns:a16="http://schemas.microsoft.com/office/drawing/2014/main" id="{440FE89B-314A-4FA4-A876-771DE651CDC9}"/>
                         </a:ext>
                       </a:extLst>
                     </p:cNvPr>
                     <p:cNvCxnSpPr>
                       <a:cxnSpLocks/>
-                      <a:stCxn id="31" idx="6"/>
-                      <a:endCxn id="39" idx="2"/>
+                      <a:stCxn id="44" idx="6"/>
+                      <a:endCxn id="45" idx="2"/>
                     </p:cNvCxnSpPr>
                     <p:nvPr/>
                   </p:nvCxnSpPr>
                   <p:spPr>
-                    <a:xfrm>
-                      <a:off x="7574849" y="3065102"/>
-                      <a:ext cx="335063" cy="4"/>
+                    <a:xfrm flipV="1">
+                      <a:off x="2915795" y="2013080"/>
+                      <a:ext cx="1360726" cy="1"/>
                     </a:xfrm>
                     <a:prstGeom prst="line">
                       <a:avLst/>
                     </a:prstGeom>
                     <a:ln w="57150">
                       <a:solidFill>
-                        <a:schemeClr val="tx1"/>
+                        <a:schemeClr val="accent6">
+                          <a:lumMod val="75000"/>
+                        </a:schemeClr>
+                      </a:solidFill>
+                    </a:ln>
+                  </p:spPr>
+                  <p:style>
+                    <a:lnRef idx="1">
+                      <a:schemeClr val="accent1"/>
+                    </a:lnRef>
+                    <a:fillRef idx="0">
+                      <a:schemeClr val="accent1"/>
+                    </a:fillRef>
+                    <a:effectRef idx="0">
+                      <a:schemeClr val="accent1"/>
+                    </a:effectRef>
+                    <a:fontRef idx="minor">
+                      <a:schemeClr val="tx1"/>
+                    </a:fontRef>
+                  </p:style>
+                </p:cxnSp>
+                <p:cxnSp>
+                  <p:nvCxnSpPr>
+                    <p:cNvPr id="49" name="Straight Connector 48">
+                      <a:extLst>
+                        <a:ext uri="{FF2B5EF4-FFF2-40B4-BE49-F238E27FC236}">
+                          <a16:creationId xmlns:a16="http://schemas.microsoft.com/office/drawing/2014/main" id="{F4BEA240-B5B9-4BA6-9205-DD7772B0451A}"/>
+                        </a:ext>
+                      </a:extLst>
+                    </p:cNvPr>
+                    <p:cNvCxnSpPr>
+                      <a:cxnSpLocks/>
+                      <a:stCxn id="45" idx="6"/>
+                      <a:endCxn id="29" idx="2"/>
+                    </p:cNvCxnSpPr>
+                    <p:nvPr/>
+                  </p:nvCxnSpPr>
+                  <p:spPr>
+                    <a:xfrm flipV="1">
+                      <a:off x="4996521" y="2013079"/>
+                      <a:ext cx="1419789" cy="1"/>
+                    </a:xfrm>
+                    <a:prstGeom prst="line">
+                      <a:avLst/>
+                    </a:prstGeom>
+                    <a:ln w="57150">
+                      <a:solidFill>
+                        <a:schemeClr val="accent6">
+                          <a:lumMod val="75000"/>
+                        </a:schemeClr>
+                      </a:solidFill>
+                    </a:ln>
+                  </p:spPr>
+                  <p:style>
+                    <a:lnRef idx="1">
+                      <a:schemeClr val="accent1"/>
+                    </a:lnRef>
+                    <a:fillRef idx="0">
+                      <a:schemeClr val="accent1"/>
+                    </a:fillRef>
+                    <a:effectRef idx="0">
+                      <a:schemeClr val="accent1"/>
+                    </a:effectRef>
+                    <a:fontRef idx="minor">
+                      <a:schemeClr val="tx1"/>
+                    </a:fontRef>
+                  </p:style>
+                </p:cxnSp>
+                <p:sp>
+                  <p:nvSpPr>
+                    <p:cNvPr id="50" name="Oval 49">
+                      <a:extLst>
+                        <a:ext uri="{FF2B5EF4-FFF2-40B4-BE49-F238E27FC236}">
+                          <a16:creationId xmlns:a16="http://schemas.microsoft.com/office/drawing/2014/main" id="{0CB4A2D3-7A30-47DA-A242-BBE10074E719}"/>
+                        </a:ext>
+                      </a:extLst>
+                    </p:cNvPr>
+                    <p:cNvSpPr>
+                      <a:spLocks noChangeAspect="1"/>
+                    </p:cNvSpPr>
+                    <p:nvPr/>
+                  </p:nvSpPr>
+                  <p:spPr>
+                    <a:xfrm>
+                      <a:off x="10833657" y="4170784"/>
+                      <a:ext cx="720000" cy="718457"/>
+                    </a:xfrm>
+                    <a:prstGeom prst="ellipse">
+                      <a:avLst/>
+                    </a:prstGeom>
+                    <a:solidFill>
+                      <a:schemeClr val="accent5">
+                        <a:lumMod val="20000"/>
+                        <a:lumOff val="80000"/>
+                      </a:schemeClr>
+                    </a:solidFill>
+                    <a:ln w="57150">
+                      <a:solidFill>
+                        <a:schemeClr val="accent5">
+                          <a:lumMod val="75000"/>
+                        </a:schemeClr>
+                      </a:solidFill>
+                    </a:ln>
+                  </p:spPr>
+                  <p:style>
+                    <a:lnRef idx="2">
+                      <a:schemeClr val="accent1">
+                        <a:shade val="50000"/>
+                      </a:schemeClr>
+                    </a:lnRef>
+                    <a:fillRef idx="1">
+                      <a:schemeClr val="accent1"/>
+                    </a:fillRef>
+                    <a:effectRef idx="0">
+                      <a:schemeClr val="accent1"/>
+                    </a:effectRef>
+                    <a:fontRef idx="minor">
+                      <a:schemeClr val="lt1"/>
+                    </a:fontRef>
+                  </p:style>
+                  <p:txBody>
+                    <a:bodyPr rot="0" spcFirstLastPara="0" vertOverflow="overflow" horzOverflow="overflow" vert="horz" wrap="square" lIns="91440" tIns="45720" rIns="91440" bIns="45720" numCol="1" spcCol="0" rtlCol="0" fromWordArt="0" anchor="ctr" anchorCtr="0" forceAA="0" compatLnSpc="1">
+                      <a:prstTxWarp prst="textNoShape">
+                        <a:avLst/>
+                      </a:prstTxWarp>
+                      <a:noAutofit/>
+                    </a:bodyPr>
+                    <a:lstStyle/>
+                    <a:p>
+                      <a:pPr algn="ctr"/>
+                      <a:endParaRPr lang="en-GB"/>
+                    </a:p>
+                  </p:txBody>
+                </p:sp>
+                <p:cxnSp>
+                  <p:nvCxnSpPr>
+                    <p:cNvPr id="51" name="Straight Connector 50">
+                      <a:extLst>
+                        <a:ext uri="{FF2B5EF4-FFF2-40B4-BE49-F238E27FC236}">
+                          <a16:creationId xmlns:a16="http://schemas.microsoft.com/office/drawing/2014/main" id="{BAFD73F5-297B-4040-9968-F711FA2CB1F2}"/>
+                        </a:ext>
+                      </a:extLst>
+                    </p:cNvPr>
+                    <p:cNvCxnSpPr>
+                      <a:cxnSpLocks/>
+                      <a:stCxn id="47" idx="6"/>
+                      <a:endCxn id="50" idx="2"/>
+                    </p:cNvCxnSpPr>
+                    <p:nvPr/>
+                  </p:nvCxnSpPr>
+                  <p:spPr>
+                    <a:xfrm>
+                      <a:off x="9944099" y="4530013"/>
+                      <a:ext cx="889558" cy="0"/>
+                    </a:xfrm>
+                    <a:prstGeom prst="line">
+                      <a:avLst/>
+                    </a:prstGeom>
+                    <a:ln w="57150">
+                      <a:solidFill>
+                        <a:schemeClr val="accent5">
+                          <a:lumMod val="75000"/>
+                        </a:schemeClr>
                       </a:solidFill>
                     </a:ln>
                   </p:spPr>
@@ -22979,27 +22709,38 @@
               </p:grpSp>
               <p:sp>
                 <p:nvSpPr>
-                  <p:cNvPr id="27" name="Rectangle 26">
+                  <p:cNvPr id="29" name="Oval 28">
                     <a:extLst>
                       <a:ext uri="{FF2B5EF4-FFF2-40B4-BE49-F238E27FC236}">
-                        <a16:creationId xmlns:a16="http://schemas.microsoft.com/office/drawing/2014/main" id="{84B6FEA6-5D96-48D1-ABB9-829F8288D044}"/>
+                        <a16:creationId xmlns:a16="http://schemas.microsoft.com/office/drawing/2014/main" id="{7C371B4B-C573-435C-93FB-879CB9BCEF4F}"/>
                       </a:ext>
                     </a:extLst>
                   </p:cNvPr>
-                  <p:cNvSpPr/>
+                  <p:cNvSpPr>
+                    <a:spLocks noChangeAspect="1"/>
+                  </p:cNvSpPr>
                   <p:nvPr/>
                 </p:nvSpPr>
                 <p:spPr>
                   <a:xfrm>
-                    <a:off x="0" y="998376"/>
-                    <a:ext cx="12153604" cy="5638002"/>
+                    <a:off x="6854849" y="1448578"/>
+                    <a:ext cx="720000" cy="718457"/>
                   </a:xfrm>
-                  <a:prstGeom prst="rect">
+                  <a:prstGeom prst="ellipse">
                     <a:avLst/>
                   </a:prstGeom>
-                  <a:noFill/>
-                  <a:ln>
-                    <a:noFill/>
+                  <a:solidFill>
+                    <a:schemeClr val="accent6">
+                      <a:lumMod val="20000"/>
+                      <a:lumOff val="80000"/>
+                    </a:schemeClr>
+                  </a:solidFill>
+                  <a:ln w="57150">
+                    <a:solidFill>
+                      <a:schemeClr val="accent6">
+                        <a:lumMod val="75000"/>
+                      </a:schemeClr>
+                    </a:solidFill>
                   </a:ln>
                 </p:spPr>
                 <p:style>
@@ -23019,7 +22760,12 @@
                   </a:fontRef>
                 </p:style>
                 <p:txBody>
-                  <a:bodyPr rtlCol="0" anchor="ctr"/>
+                  <a:bodyPr rot="0" spcFirstLastPara="0" vertOverflow="overflow" horzOverflow="overflow" vert="horz" wrap="square" lIns="91440" tIns="45720" rIns="91440" bIns="45720" numCol="1" spcCol="0" rtlCol="0" fromWordArt="0" anchor="ctr" anchorCtr="0" forceAA="0" compatLnSpc="1">
+                    <a:prstTxWarp prst="textNoShape">
+                      <a:avLst/>
+                    </a:prstTxWarp>
+                    <a:noAutofit/>
+                  </a:bodyPr>
                   <a:lstStyle/>
                   <a:p>
                     <a:pPr algn="ctr"/>
@@ -23027,120 +22773,219 @@
                   </a:p>
                 </p:txBody>
               </p:sp>
+              <p:cxnSp>
+                <p:nvCxnSpPr>
+                  <p:cNvPr id="30" name="Straight Connector 29">
+                    <a:extLst>
+                      <a:ext uri="{FF2B5EF4-FFF2-40B4-BE49-F238E27FC236}">
+                        <a16:creationId xmlns:a16="http://schemas.microsoft.com/office/drawing/2014/main" id="{29D77219-FB27-40D1-BF1E-63E51E81AF63}"/>
+                      </a:ext>
+                    </a:extLst>
+                  </p:cNvPr>
+                  <p:cNvCxnSpPr>
+                    <a:cxnSpLocks/>
+                    <a:stCxn id="29" idx="6"/>
+                    <a:endCxn id="46" idx="2"/>
+                  </p:cNvCxnSpPr>
+                  <p:nvPr/>
+                </p:nvCxnSpPr>
+                <p:spPr>
+                  <a:xfrm>
+                    <a:off x="7574849" y="1807807"/>
+                    <a:ext cx="335062" cy="0"/>
+                  </a:xfrm>
+                  <a:prstGeom prst="line">
+                    <a:avLst/>
+                  </a:prstGeom>
+                  <a:ln w="57150">
+                    <a:solidFill>
+                      <a:schemeClr val="accent6">
+                        <a:lumMod val="75000"/>
+                      </a:schemeClr>
+                    </a:solidFill>
+                  </a:ln>
+                </p:spPr>
+                <p:style>
+                  <a:lnRef idx="1">
+                    <a:schemeClr val="accent1"/>
+                  </a:lnRef>
+                  <a:fillRef idx="0">
+                    <a:schemeClr val="accent1"/>
+                  </a:fillRef>
+                  <a:effectRef idx="0">
+                    <a:schemeClr val="accent1"/>
+                  </a:effectRef>
+                  <a:fontRef idx="minor">
+                    <a:schemeClr val="tx1"/>
+                  </a:fontRef>
+                </p:style>
+              </p:cxnSp>
+              <p:sp>
+                <p:nvSpPr>
+                  <p:cNvPr id="31" name="Oval 30">
+                    <a:extLst>
+                      <a:ext uri="{FF2B5EF4-FFF2-40B4-BE49-F238E27FC236}">
+                        <a16:creationId xmlns:a16="http://schemas.microsoft.com/office/drawing/2014/main" id="{A1B6046F-FA53-47B0-9E4F-F445E377B838}"/>
+                      </a:ext>
+                    </a:extLst>
+                  </p:cNvPr>
+                  <p:cNvSpPr>
+                    <a:spLocks noChangeAspect="1"/>
+                  </p:cNvSpPr>
+                  <p:nvPr/>
+                </p:nvSpPr>
+                <p:spPr>
+                  <a:xfrm>
+                    <a:off x="6854849" y="2705873"/>
+                    <a:ext cx="720000" cy="718457"/>
+                  </a:xfrm>
+                  <a:prstGeom prst="ellipse">
+                    <a:avLst/>
+                  </a:prstGeom>
+                  <a:solidFill>
+                    <a:schemeClr val="bg1">
+                      <a:lumMod val="95000"/>
+                    </a:schemeClr>
+                  </a:solidFill>
+                  <a:ln w="57150">
+                    <a:solidFill>
+                      <a:schemeClr val="tx1"/>
+                    </a:solidFill>
+                  </a:ln>
+                </p:spPr>
+                <p:style>
+                  <a:lnRef idx="2">
+                    <a:schemeClr val="accent1">
+                      <a:shade val="50000"/>
+                    </a:schemeClr>
+                  </a:lnRef>
+                  <a:fillRef idx="1">
+                    <a:schemeClr val="accent1"/>
+                  </a:fillRef>
+                  <a:effectRef idx="0">
+                    <a:schemeClr val="accent1"/>
+                  </a:effectRef>
+                  <a:fontRef idx="minor">
+                    <a:schemeClr val="lt1"/>
+                  </a:fontRef>
+                </p:style>
+                <p:txBody>
+                  <a:bodyPr rot="0" spcFirstLastPara="0" vertOverflow="overflow" horzOverflow="overflow" vert="horz" wrap="square" lIns="91440" tIns="45720" rIns="91440" bIns="45720" numCol="1" spcCol="0" rtlCol="0" fromWordArt="0" anchor="ctr" anchorCtr="0" forceAA="0" compatLnSpc="1">
+                    <a:prstTxWarp prst="textNoShape">
+                      <a:avLst/>
+                    </a:prstTxWarp>
+                    <a:noAutofit/>
+                  </a:bodyPr>
+                  <a:lstStyle/>
+                  <a:p>
+                    <a:pPr algn="ctr"/>
+                    <a:endParaRPr lang="en-GB"/>
+                  </a:p>
+                </p:txBody>
+              </p:sp>
+              <p:cxnSp>
+                <p:nvCxnSpPr>
+                  <p:cNvPr id="32" name="Straight Connector 31">
+                    <a:extLst>
+                      <a:ext uri="{FF2B5EF4-FFF2-40B4-BE49-F238E27FC236}">
+                        <a16:creationId xmlns:a16="http://schemas.microsoft.com/office/drawing/2014/main" id="{FBD0E878-BBAF-4C06-B0A7-27812D549A27}"/>
+                      </a:ext>
+                    </a:extLst>
+                  </p:cNvPr>
+                  <p:cNvCxnSpPr>
+                    <a:cxnSpLocks/>
+                    <a:stCxn id="31" idx="6"/>
+                    <a:endCxn id="39" idx="2"/>
+                  </p:cNvCxnSpPr>
+                  <p:nvPr/>
+                </p:nvCxnSpPr>
+                <p:spPr>
+                  <a:xfrm>
+                    <a:off x="7574849" y="3065102"/>
+                    <a:ext cx="335063" cy="4"/>
+                  </a:xfrm>
+                  <a:prstGeom prst="line">
+                    <a:avLst/>
+                  </a:prstGeom>
+                  <a:ln w="57150">
+                    <a:solidFill>
+                      <a:schemeClr val="tx1"/>
+                    </a:solidFill>
+                  </a:ln>
+                </p:spPr>
+                <p:style>
+                  <a:lnRef idx="1">
+                    <a:schemeClr val="accent1"/>
+                  </a:lnRef>
+                  <a:fillRef idx="0">
+                    <a:schemeClr val="accent1"/>
+                  </a:fillRef>
+                  <a:effectRef idx="0">
+                    <a:schemeClr val="accent1"/>
+                  </a:effectRef>
+                  <a:fontRef idx="minor">
+                    <a:schemeClr val="tx1"/>
+                  </a:fontRef>
+                </p:style>
+              </p:cxnSp>
             </p:grpSp>
             <p:sp>
               <p:nvSpPr>
-                <p:cNvPr id="58" name="TextBox 57">
+                <p:cNvPr id="27" name="Rectangle 26">
                   <a:extLst>
                     <a:ext uri="{FF2B5EF4-FFF2-40B4-BE49-F238E27FC236}">
-                      <a16:creationId xmlns:a16="http://schemas.microsoft.com/office/drawing/2014/main" id="{403A8989-606B-46CE-89BF-C84E176AEF01}"/>
+                      <a16:creationId xmlns:a16="http://schemas.microsoft.com/office/drawing/2014/main" id="{84B6FEA6-5D96-48D1-ABB9-829F8288D044}"/>
                     </a:ext>
                   </a:extLst>
                 </p:cNvPr>
-                <p:cNvSpPr txBox="1"/>
+                <p:cNvSpPr/>
                 <p:nvPr/>
               </p:nvSpPr>
               <p:spPr>
                 <a:xfrm>
-                  <a:off x="4233346" y="1609690"/>
-                  <a:ext cx="2812982" cy="369332"/>
+                  <a:off x="0" y="998376"/>
+                  <a:ext cx="12153604" cy="5638002"/>
                 </a:xfrm>
                 <a:prstGeom prst="rect">
                   <a:avLst/>
                 </a:prstGeom>
-                <a:solidFill>
-                  <a:schemeClr val="accent6">
-                    <a:lumMod val="20000"/>
-                    <a:lumOff val="80000"/>
-                  </a:schemeClr>
-                </a:solidFill>
-                <a:ln w="28575">
-                  <a:solidFill>
-                    <a:schemeClr val="accent6">
-                      <a:lumMod val="75000"/>
-                    </a:schemeClr>
-                  </a:solidFill>
-                  <a:prstDash val="sysDash"/>
-                </a:ln>
-              </p:spPr>
-              <p:txBody>
-                <a:bodyPr wrap="square" rtlCol="0">
-                  <a:spAutoFit/>
-                </a:bodyPr>
-                <a:lstStyle/>
-                <a:p>
-                  <a:r>
-                    <a:rPr lang="en-GB" i="1" dirty="0">
-                      <a:latin typeface="Arial" panose="020B0604020202020204" pitchFamily="34" charset="0"/>
-                      <a:cs typeface="Arial" panose="020B0604020202020204" pitchFamily="34" charset="0"/>
-                    </a:rPr>
-                    <a:t>commit</a:t>
-                  </a:r>
-                  <a:r>
-                    <a:rPr lang="en-GB" dirty="0">
-                      <a:latin typeface="Arial" panose="020B0604020202020204" pitchFamily="34" charset="0"/>
-                      <a:cs typeface="Arial" panose="020B0604020202020204" pitchFamily="34" charset="0"/>
-                    </a:rPr>
-                    <a:t>: came up with title</a:t>
-                  </a:r>
-                </a:p>
-              </p:txBody>
-            </p:sp>
-            <p:cxnSp>
-              <p:nvCxnSpPr>
-                <p:cNvPr id="59" name="Straight Arrow Connector 58">
-                  <a:extLst>
-                    <a:ext uri="{FF2B5EF4-FFF2-40B4-BE49-F238E27FC236}">
-                      <a16:creationId xmlns:a16="http://schemas.microsoft.com/office/drawing/2014/main" id="{126BB5AE-7E49-48A8-B863-37AB03E3B357}"/>
-                    </a:ext>
-                  </a:extLst>
-                </p:cNvPr>
-                <p:cNvCxnSpPr>
-                  <a:cxnSpLocks/>
-                  <a:stCxn id="58" idx="2"/>
-                </p:cNvCxnSpPr>
-                <p:nvPr/>
-              </p:nvCxnSpPr>
-              <p:spPr>
-                <a:xfrm>
-                  <a:off x="5639837" y="1979022"/>
-                  <a:ext cx="1" cy="420723"/>
-                </a:xfrm>
-                <a:prstGeom prst="straightConnector1">
-                  <a:avLst/>
-                </a:prstGeom>
-                <a:ln w="28575">
-                  <a:solidFill>
-                    <a:schemeClr val="accent6">
-                      <a:lumMod val="75000"/>
-                    </a:schemeClr>
-                  </a:solidFill>
-                  <a:prstDash val="sysDash"/>
-                  <a:tailEnd type="triangle"/>
+                <a:noFill/>
+                <a:ln>
+                  <a:noFill/>
                 </a:ln>
               </p:spPr>
               <p:style>
-                <a:lnRef idx="1">
-                  <a:schemeClr val="accent1"/>
+                <a:lnRef idx="2">
+                  <a:schemeClr val="accent1">
+                    <a:shade val="50000"/>
+                  </a:schemeClr>
                 </a:lnRef>
-                <a:fillRef idx="0">
+                <a:fillRef idx="1">
                   <a:schemeClr val="accent1"/>
                 </a:fillRef>
                 <a:effectRef idx="0">
                   <a:schemeClr val="accent1"/>
                 </a:effectRef>
                 <a:fontRef idx="minor">
-                  <a:schemeClr val="tx1"/>
+                  <a:schemeClr val="lt1"/>
                 </a:fontRef>
               </p:style>
-            </p:cxnSp>
+              <p:txBody>
+                <a:bodyPr rtlCol="0" anchor="ctr"/>
+                <a:lstStyle/>
+                <a:p>
+                  <a:pPr algn="ctr"/>
+                  <a:endParaRPr lang="en-GB"/>
+                </a:p>
+              </p:txBody>
+            </p:sp>
           </p:grpSp>
           <p:sp>
             <p:nvSpPr>
-              <p:cNvPr id="54" name="TextBox 53">
+              <p:cNvPr id="58" name="TextBox 57">
                 <a:extLst>
                   <a:ext uri="{FF2B5EF4-FFF2-40B4-BE49-F238E27FC236}">
-                    <a16:creationId xmlns:a16="http://schemas.microsoft.com/office/drawing/2014/main" id="{D90BC259-2D01-443B-8F86-E09560A77EB5}"/>
+                    <a16:creationId xmlns:a16="http://schemas.microsoft.com/office/drawing/2014/main" id="{403A8989-606B-46CE-89BF-C84E176AEF01}"/>
                   </a:ext>
                 </a:extLst>
               </p:cNvPr>
@@ -23149,7 +22994,7 @@
             </p:nvSpPr>
             <p:spPr>
               <a:xfrm>
-                <a:off x="6129999" y="1117954"/>
+                <a:off x="4233346" y="1609690"/>
                 <a:ext cx="2812982" cy="369332"/>
               </a:xfrm>
               <a:prstGeom prst="rect">
@@ -23188,44 +23033,30 @@
                     <a:latin typeface="Arial" panose="020B0604020202020204" pitchFamily="34" charset="0"/>
                     <a:cs typeface="Arial" panose="020B0604020202020204" pitchFamily="34" charset="0"/>
                   </a:rPr>
-                  <a:t>: add </a:t>
-                </a:r>
-                <a:r>
-                  <a:rPr lang="en-GB" dirty="0" err="1">
-                    <a:latin typeface="Arial" panose="020B0604020202020204" pitchFamily="34" charset="0"/>
-                    <a:cs typeface="Arial" panose="020B0604020202020204" pitchFamily="34" charset="0"/>
-                  </a:rPr>
-                  <a:t>Rstudio</a:t>
-                </a:r>
-                <a:r>
-                  <a:rPr lang="en-GB" dirty="0">
-                    <a:latin typeface="Arial" panose="020B0604020202020204" pitchFamily="34" charset="0"/>
-                    <a:cs typeface="Arial" panose="020B0604020202020204" pitchFamily="34" charset="0"/>
-                  </a:rPr>
-                  <a:t> gif</a:t>
+                  <a:t>: came up with title</a:t>
                 </a:r>
               </a:p>
             </p:txBody>
           </p:sp>
           <p:cxnSp>
             <p:nvCxnSpPr>
-              <p:cNvPr id="55" name="Straight Arrow Connector 54">
+              <p:cNvPr id="59" name="Straight Arrow Connector 58">
                 <a:extLst>
                   <a:ext uri="{FF2B5EF4-FFF2-40B4-BE49-F238E27FC236}">
-                    <a16:creationId xmlns:a16="http://schemas.microsoft.com/office/drawing/2014/main" id="{F2006011-99D1-49C7-A6A3-7A7DC28548FA}"/>
+                    <a16:creationId xmlns:a16="http://schemas.microsoft.com/office/drawing/2014/main" id="{126BB5AE-7E49-48A8-B863-37AB03E3B357}"/>
                   </a:ext>
                 </a:extLst>
               </p:cNvPr>
               <p:cNvCxnSpPr>
                 <a:cxnSpLocks/>
-                <a:stCxn id="54" idx="2"/>
+                <a:stCxn id="58" idx="2"/>
               </p:cNvCxnSpPr>
               <p:nvPr/>
             </p:nvCxnSpPr>
             <p:spPr>
               <a:xfrm>
-                <a:off x="7536490" y="1487286"/>
-                <a:ext cx="0" cy="912459"/>
+                <a:off x="5639837" y="1979022"/>
+                <a:ext cx="1" cy="420723"/>
               </a:xfrm>
               <a:prstGeom prst="straightConnector1">
                 <a:avLst/>
@@ -23362,6 +23193,112 @@
           </p:style>
         </p:cxnSp>
       </p:grpSp>
+      <p:sp>
+        <p:nvSpPr>
+          <p:cNvPr id="56" name="TextBox 55">
+            <a:extLst>
+              <a:ext uri="{FF2B5EF4-FFF2-40B4-BE49-F238E27FC236}">
+                <a16:creationId xmlns:a16="http://schemas.microsoft.com/office/drawing/2014/main" id="{B1118B2A-16A2-4CC4-95C7-BACE7CCCA721}"/>
+              </a:ext>
+            </a:extLst>
+          </p:cNvPr>
+          <p:cNvSpPr txBox="1"/>
+          <p:nvPr/>
+        </p:nvSpPr>
+        <p:spPr>
+          <a:xfrm>
+            <a:off x="6420944" y="1097064"/>
+            <a:ext cx="2240917" cy="369332"/>
+          </a:xfrm>
+          <a:prstGeom prst="rect">
+            <a:avLst/>
+          </a:prstGeom>
+          <a:solidFill>
+            <a:schemeClr val="accent6">
+              <a:lumMod val="20000"/>
+              <a:lumOff val="80000"/>
+            </a:schemeClr>
+          </a:solidFill>
+          <a:ln w="28575">
+            <a:solidFill>
+              <a:schemeClr val="accent6">
+                <a:lumMod val="75000"/>
+              </a:schemeClr>
+            </a:solidFill>
+            <a:prstDash val="sysDash"/>
+          </a:ln>
+        </p:spPr>
+        <p:txBody>
+          <a:bodyPr wrap="square" rtlCol="0">
+            <a:spAutoFit/>
+          </a:bodyPr>
+          <a:lstStyle/>
+          <a:p>
+            <a:r>
+              <a:rPr lang="en-GB" i="1" dirty="0">
+                <a:latin typeface="Arial" panose="020B0604020202020204" pitchFamily="34" charset="0"/>
+                <a:cs typeface="Arial" panose="020B0604020202020204" pitchFamily="34" charset="0"/>
+              </a:rPr>
+              <a:t>commit</a:t>
+            </a:r>
+            <a:r>
+              <a:rPr lang="en-GB" dirty="0">
+                <a:latin typeface="Arial" panose="020B0604020202020204" pitchFamily="34" charset="0"/>
+                <a:cs typeface="Arial" panose="020B0604020202020204" pitchFamily="34" charset="0"/>
+              </a:rPr>
+              <a:t>: add content</a:t>
+            </a:r>
+          </a:p>
+        </p:txBody>
+      </p:sp>
+      <p:cxnSp>
+        <p:nvCxnSpPr>
+          <p:cNvPr id="57" name="Straight Arrow Connector 56">
+            <a:extLst>
+              <a:ext uri="{FF2B5EF4-FFF2-40B4-BE49-F238E27FC236}">
+                <a16:creationId xmlns:a16="http://schemas.microsoft.com/office/drawing/2014/main" id="{7FF9A457-1B27-4DD1-A6C9-D979B4049DE9}"/>
+              </a:ext>
+            </a:extLst>
+          </p:cNvPr>
+          <p:cNvCxnSpPr>
+            <a:cxnSpLocks/>
+            <a:stCxn id="56" idx="2"/>
+          </p:cNvCxnSpPr>
+          <p:nvPr/>
+        </p:nvCxnSpPr>
+        <p:spPr>
+          <a:xfrm flipH="1">
+            <a:off x="7536490" y="1466396"/>
+            <a:ext cx="4913" cy="933349"/>
+          </a:xfrm>
+          <a:prstGeom prst="straightConnector1">
+            <a:avLst/>
+          </a:prstGeom>
+          <a:ln w="28575">
+            <a:solidFill>
+              <a:schemeClr val="accent6">
+                <a:lumMod val="75000"/>
+              </a:schemeClr>
+            </a:solidFill>
+            <a:prstDash val="sysDash"/>
+            <a:tailEnd type="triangle"/>
+          </a:ln>
+        </p:spPr>
+        <p:style>
+          <a:lnRef idx="1">
+            <a:schemeClr val="accent1"/>
+          </a:lnRef>
+          <a:fillRef idx="0">
+            <a:schemeClr val="accent1"/>
+          </a:fillRef>
+          <a:effectRef idx="0">
+            <a:schemeClr val="accent1"/>
+          </a:effectRef>
+          <a:fontRef idx="minor">
+            <a:schemeClr val="tx1"/>
+          </a:fontRef>
+        </p:style>
+      </p:cxnSp>
     </p:spTree>
     <p:extLst>
       <p:ext uri="{BB962C8B-B14F-4D97-AF65-F5344CB8AC3E}">
@@ -23434,10 +23371,10 @@
           </p:grpSpPr>
           <p:grpSp>
             <p:nvGrpSpPr>
-              <p:cNvPr id="3" name="Group 2">
+              <p:cNvPr id="5" name="Group 4">
                 <a:extLst>
                   <a:ext uri="{FF2B5EF4-FFF2-40B4-BE49-F238E27FC236}">
-                    <a16:creationId xmlns:a16="http://schemas.microsoft.com/office/drawing/2014/main" id="{481FBE5E-0E8A-444E-A778-030F2C6E6DF5}"/>
+                    <a16:creationId xmlns:a16="http://schemas.microsoft.com/office/drawing/2014/main" id="{8874E696-2E36-4B68-97C1-8820A3A395FC}"/>
                   </a:ext>
                 </a:extLst>
               </p:cNvPr>
@@ -23454,1120 +23391,198 @@
             </p:grpSpPr>
             <p:grpSp>
               <p:nvGrpSpPr>
-                <p:cNvPr id="5" name="Group 4">
+                <p:cNvPr id="6" name="Group 5">
                   <a:extLst>
                     <a:ext uri="{FF2B5EF4-FFF2-40B4-BE49-F238E27FC236}">
-                      <a16:creationId xmlns:a16="http://schemas.microsoft.com/office/drawing/2014/main" id="{8874E696-2E36-4B68-97C1-8820A3A395FC}"/>
+                      <a16:creationId xmlns:a16="http://schemas.microsoft.com/office/drawing/2014/main" id="{8431797C-EA8C-41CA-9436-8A8271E304FA}"/>
                     </a:ext>
                   </a:extLst>
                 </p:cNvPr>
-                <p:cNvGrpSpPr/>
+                <p:cNvGrpSpPr>
+                  <a:grpSpLocks noChangeAspect="1"/>
+                </p:cNvGrpSpPr>
                 <p:nvPr/>
               </p:nvGrpSpPr>
               <p:grpSpPr>
                 <a:xfrm>
-                  <a:off x="0" y="998376"/>
-                  <a:ext cx="12153604" cy="5638002"/>
-                  <a:chOff x="0" y="998376"/>
-                  <a:chExt cx="12153604" cy="5638002"/>
+                  <a:off x="2345946" y="2399745"/>
+                  <a:ext cx="9354426" cy="2834727"/>
+                  <a:chOff x="1290669" y="1448578"/>
+                  <a:chExt cx="10676589" cy="3235390"/>
                 </a:xfrm>
               </p:grpSpPr>
               <p:grpSp>
                 <p:nvGrpSpPr>
-                  <p:cNvPr id="6" name="Group 5">
+                  <p:cNvPr id="28" name="Group 27">
                     <a:extLst>
                       <a:ext uri="{FF2B5EF4-FFF2-40B4-BE49-F238E27FC236}">
-                        <a16:creationId xmlns:a16="http://schemas.microsoft.com/office/drawing/2014/main" id="{8431797C-EA8C-41CA-9436-8A8271E304FA}"/>
+                        <a16:creationId xmlns:a16="http://schemas.microsoft.com/office/drawing/2014/main" id="{03D6A0CE-BEDD-4655-A727-2B9E49441D6F}"/>
                       </a:ext>
                     </a:extLst>
                   </p:cNvPr>
-                  <p:cNvGrpSpPr>
-                    <a:grpSpLocks noChangeAspect="1"/>
-                  </p:cNvGrpSpPr>
+                  <p:cNvGrpSpPr/>
                   <p:nvPr/>
                 </p:nvGrpSpPr>
                 <p:grpSpPr>
                   <a:xfrm>
-                    <a:off x="2345946" y="2399745"/>
-                    <a:ext cx="9354426" cy="2834727"/>
-                    <a:chOff x="1290669" y="1448578"/>
+                    <a:off x="1290669" y="1448578"/>
+                    <a:ext cx="10676589" cy="3235390"/>
+                    <a:chOff x="877068" y="1653851"/>
                     <a:chExt cx="10676589" cy="3235390"/>
                   </a:xfrm>
                 </p:grpSpPr>
-                <p:grpSp>
-                  <p:nvGrpSpPr>
-                    <p:cNvPr id="28" name="Group 27">
+                <p:cxnSp>
+                  <p:nvCxnSpPr>
+                    <p:cNvPr id="33" name="Connector: Curved 32">
                       <a:extLst>
                         <a:ext uri="{FF2B5EF4-FFF2-40B4-BE49-F238E27FC236}">
-                          <a16:creationId xmlns:a16="http://schemas.microsoft.com/office/drawing/2014/main" id="{03D6A0CE-BEDD-4655-A727-2B9E49441D6F}"/>
+                          <a16:creationId xmlns:a16="http://schemas.microsoft.com/office/drawing/2014/main" id="{53712A8E-6665-4ACE-B50C-DFF5F68C8FC6}"/>
                         </a:ext>
                       </a:extLst>
                     </p:cNvPr>
-                    <p:cNvGrpSpPr/>
+                    <p:cNvCxnSpPr>
+                      <a:cxnSpLocks/>
+                      <a:stCxn id="47" idx="2"/>
+                    </p:cNvCxnSpPr>
                     <p:nvPr/>
-                  </p:nvGrpSpPr>
-                  <p:grpSpPr>
-                    <a:xfrm>
-                      <a:off x="1290669" y="1448578"/>
-                      <a:ext cx="10676589" cy="3235390"/>
-                      <a:chOff x="877068" y="1653851"/>
-                      <a:chExt cx="10676589" cy="3235390"/>
+                  </p:nvCxnSpPr>
+                  <p:spPr>
+                    <a:xfrm rot="10800000">
+                      <a:off x="8248253" y="3270379"/>
+                      <a:ext cx="975847" cy="1259635"/>
                     </a:xfrm>
-                  </p:grpSpPr>
-                  <p:cxnSp>
-                    <p:nvCxnSpPr>
-                      <p:cNvPr id="33" name="Connector: Curved 32">
-                        <a:extLst>
-                          <a:ext uri="{FF2B5EF4-FFF2-40B4-BE49-F238E27FC236}">
-                            <a16:creationId xmlns:a16="http://schemas.microsoft.com/office/drawing/2014/main" id="{53712A8E-6665-4ACE-B50C-DFF5F68C8FC6}"/>
-                          </a:ext>
-                        </a:extLst>
-                      </p:cNvPr>
-                      <p:cNvCxnSpPr>
-                        <a:cxnSpLocks/>
-                        <a:stCxn id="47" idx="2"/>
-                      </p:cNvCxnSpPr>
-                      <p:nvPr/>
-                    </p:nvCxnSpPr>
-                    <p:spPr>
-                      <a:xfrm rot="10800000">
-                        <a:off x="8248253" y="3270379"/>
-                        <a:ext cx="975847" cy="1259635"/>
-                      </a:xfrm>
-                      <a:prstGeom prst="curvedConnector3">
-                        <a:avLst>
-                          <a:gd name="adj1" fmla="val 50000"/>
-                        </a:avLst>
-                      </a:prstGeom>
-                      <a:ln w="57150">
-                        <a:solidFill>
-                          <a:schemeClr val="accent5">
-                            <a:lumMod val="75000"/>
-                          </a:schemeClr>
-                        </a:solidFill>
-                      </a:ln>
-                    </p:spPr>
-                    <p:style>
-                      <a:lnRef idx="1">
-                        <a:schemeClr val="accent1"/>
-                      </a:lnRef>
-                      <a:fillRef idx="0">
-                        <a:schemeClr val="accent1"/>
-                      </a:fillRef>
-                      <a:effectRef idx="0">
-                        <a:schemeClr val="accent1"/>
-                      </a:effectRef>
-                      <a:fontRef idx="minor">
-                        <a:schemeClr val="tx1"/>
-                      </a:fontRef>
-                    </p:style>
-                  </p:cxnSp>
-                  <p:cxnSp>
-                    <p:nvCxnSpPr>
-                      <p:cNvPr id="34" name="Connector: Curved 33">
-                        <a:extLst>
-                          <a:ext uri="{FF2B5EF4-FFF2-40B4-BE49-F238E27FC236}">
-                            <a16:creationId xmlns:a16="http://schemas.microsoft.com/office/drawing/2014/main" id="{2AA76F07-095D-40FE-806F-981DA3A464AF}"/>
-                          </a:ext>
-                        </a:extLst>
-                      </p:cNvPr>
-                      <p:cNvCxnSpPr>
-                        <a:cxnSpLocks/>
-                        <a:stCxn id="39" idx="0"/>
-                        <a:endCxn id="46" idx="4"/>
-                      </p:cNvCxnSpPr>
-                      <p:nvPr/>
-                    </p:nvCxnSpPr>
-                    <p:spPr>
-                      <a:xfrm rot="16200000" flipV="1">
-                        <a:off x="7586890" y="2641728"/>
-                        <a:ext cx="538842" cy="1"/>
-                      </a:xfrm>
-                      <a:prstGeom prst="curvedConnector3">
-                        <a:avLst>
-                          <a:gd name="adj1" fmla="val 50000"/>
-                        </a:avLst>
-                      </a:prstGeom>
-                      <a:ln w="57150">
-                        <a:solidFill>
-                          <a:schemeClr val="accent6">
-                            <a:lumMod val="75000"/>
-                          </a:schemeClr>
-                        </a:solidFill>
-                      </a:ln>
-                    </p:spPr>
-                    <p:style>
-                      <a:lnRef idx="1">
-                        <a:schemeClr val="accent1"/>
-                      </a:lnRef>
-                      <a:fillRef idx="0">
-                        <a:schemeClr val="accent1"/>
-                      </a:fillRef>
-                      <a:effectRef idx="0">
-                        <a:schemeClr val="accent1"/>
-                      </a:effectRef>
-                      <a:fontRef idx="minor">
-                        <a:schemeClr val="tx1"/>
-                      </a:fontRef>
-                    </p:style>
-                  </p:cxnSp>
-                  <p:cxnSp>
-                    <p:nvCxnSpPr>
-                      <p:cNvPr id="35" name="Connector: Curved 34">
-                        <a:extLst>
-                          <a:ext uri="{FF2B5EF4-FFF2-40B4-BE49-F238E27FC236}">
-                            <a16:creationId xmlns:a16="http://schemas.microsoft.com/office/drawing/2014/main" id="{3C62EAE6-1233-4BD5-9F8E-2D251FB07BF1}"/>
-                          </a:ext>
-                        </a:extLst>
-                      </p:cNvPr>
-                      <p:cNvCxnSpPr>
-                        <a:cxnSpLocks/>
-                        <a:stCxn id="36" idx="6"/>
-                        <a:endCxn id="44" idx="2"/>
-                      </p:cNvCxnSpPr>
-                      <p:nvPr/>
-                    </p:nvCxnSpPr>
-                    <p:spPr>
-                      <a:xfrm flipV="1">
-                        <a:off x="1597068" y="2013081"/>
-                        <a:ext cx="598727" cy="1257300"/>
-                      </a:xfrm>
-                      <a:prstGeom prst="curvedConnector3">
-                        <a:avLst>
-                          <a:gd name="adj1" fmla="val 50000"/>
-                        </a:avLst>
-                      </a:prstGeom>
-                      <a:ln w="57150">
-                        <a:solidFill>
-                          <a:schemeClr val="accent6">
-                            <a:lumMod val="75000"/>
-                          </a:schemeClr>
-                        </a:solidFill>
-                      </a:ln>
-                    </p:spPr>
-                    <p:style>
-                      <a:lnRef idx="1">
-                        <a:schemeClr val="accent1"/>
-                      </a:lnRef>
-                      <a:fillRef idx="0">
-                        <a:schemeClr val="accent1"/>
-                      </a:fillRef>
-                      <a:effectRef idx="0">
-                        <a:schemeClr val="accent1"/>
-                      </a:effectRef>
-                      <a:fontRef idx="minor">
-                        <a:schemeClr val="tx1"/>
-                      </a:fontRef>
-                    </p:style>
-                  </p:cxnSp>
-                  <p:sp>
-                    <p:nvSpPr>
-                      <p:cNvPr id="36" name="Oval 35">
-                        <a:extLst>
-                          <a:ext uri="{FF2B5EF4-FFF2-40B4-BE49-F238E27FC236}">
-                            <a16:creationId xmlns:a16="http://schemas.microsoft.com/office/drawing/2014/main" id="{65B9FBA5-354F-4BCA-BBEA-978A2616F90D}"/>
-                          </a:ext>
-                        </a:extLst>
-                      </p:cNvPr>
-                      <p:cNvSpPr>
-                        <a:spLocks noChangeAspect="1"/>
-                      </p:cNvSpPr>
-                      <p:nvPr/>
-                    </p:nvSpPr>
-                    <p:spPr>
-                      <a:xfrm>
-                        <a:off x="877068" y="2911152"/>
-                        <a:ext cx="720000" cy="718457"/>
-                      </a:xfrm>
-                      <a:prstGeom prst="ellipse">
-                        <a:avLst/>
-                      </a:prstGeom>
+                    <a:prstGeom prst="curvedConnector3">
+                      <a:avLst>
+                        <a:gd name="adj1" fmla="val 50000"/>
+                      </a:avLst>
+                    </a:prstGeom>
+                    <a:ln w="57150">
                       <a:solidFill>
-                        <a:schemeClr val="bg1">
-                          <a:lumMod val="95000"/>
+                        <a:schemeClr val="accent5">
+                          <a:lumMod val="75000"/>
                         </a:schemeClr>
                       </a:solidFill>
-                      <a:ln w="57150">
-                        <a:solidFill>
-                          <a:schemeClr val="tx1"/>
-                        </a:solidFill>
-                      </a:ln>
-                    </p:spPr>
-                    <p:style>
-                      <a:lnRef idx="2">
-                        <a:schemeClr val="accent1">
-                          <a:shade val="50000"/>
-                        </a:schemeClr>
-                      </a:lnRef>
-                      <a:fillRef idx="1">
-                        <a:schemeClr val="accent1"/>
-                      </a:fillRef>
-                      <a:effectRef idx="0">
-                        <a:schemeClr val="accent1"/>
-                      </a:effectRef>
-                      <a:fontRef idx="minor">
-                        <a:schemeClr val="lt1"/>
-                      </a:fontRef>
-                    </p:style>
-                    <p:txBody>
-                      <a:bodyPr rot="0" spcFirstLastPara="0" vertOverflow="overflow" horzOverflow="overflow" vert="horz" wrap="square" lIns="91440" tIns="45720" rIns="91440" bIns="45720" numCol="1" spcCol="0" rtlCol="0" fromWordArt="0" anchor="ctr" anchorCtr="0" forceAA="0" compatLnSpc="1">
-                        <a:prstTxWarp prst="textNoShape">
-                          <a:avLst/>
-                        </a:prstTxWarp>
-                        <a:noAutofit/>
-                      </a:bodyPr>
-                      <a:lstStyle/>
-                      <a:p>
-                        <a:pPr algn="ctr"/>
-                        <a:endParaRPr lang="en-GB"/>
-                      </a:p>
-                    </p:txBody>
-                  </p:sp>
-                  <p:sp>
-                    <p:nvSpPr>
-                      <p:cNvPr id="37" name="Oval 36">
-                        <a:extLst>
-                          <a:ext uri="{FF2B5EF4-FFF2-40B4-BE49-F238E27FC236}">
-                            <a16:creationId xmlns:a16="http://schemas.microsoft.com/office/drawing/2014/main" id="{D416F81B-D06D-406E-ABDA-857159C3A11C}"/>
-                          </a:ext>
-                        </a:extLst>
-                      </p:cNvPr>
-                      <p:cNvSpPr>
-                        <a:spLocks noChangeAspect="1"/>
-                      </p:cNvSpPr>
-                      <p:nvPr/>
-                    </p:nvSpPr>
-                    <p:spPr>
-                      <a:xfrm>
-                        <a:off x="2195795" y="2911152"/>
-                        <a:ext cx="720000" cy="718457"/>
-                      </a:xfrm>
-                      <a:prstGeom prst="ellipse">
-                        <a:avLst/>
-                      </a:prstGeom>
+                    </a:ln>
+                  </p:spPr>
+                  <p:style>
+                    <a:lnRef idx="1">
+                      <a:schemeClr val="accent1"/>
+                    </a:lnRef>
+                    <a:fillRef idx="0">
+                      <a:schemeClr val="accent1"/>
+                    </a:fillRef>
+                    <a:effectRef idx="0">
+                      <a:schemeClr val="accent1"/>
+                    </a:effectRef>
+                    <a:fontRef idx="minor">
+                      <a:schemeClr val="tx1"/>
+                    </a:fontRef>
+                  </p:style>
+                </p:cxnSp>
+                <p:cxnSp>
+                  <p:nvCxnSpPr>
+                    <p:cNvPr id="34" name="Connector: Curved 33">
+                      <a:extLst>
+                        <a:ext uri="{FF2B5EF4-FFF2-40B4-BE49-F238E27FC236}">
+                          <a16:creationId xmlns:a16="http://schemas.microsoft.com/office/drawing/2014/main" id="{2AA76F07-095D-40FE-806F-981DA3A464AF}"/>
+                        </a:ext>
+                      </a:extLst>
+                    </p:cNvPr>
+                    <p:cNvCxnSpPr>
+                      <a:cxnSpLocks/>
+                      <a:stCxn id="39" idx="0"/>
+                      <a:endCxn id="46" idx="4"/>
+                    </p:cNvCxnSpPr>
+                    <p:nvPr/>
+                  </p:nvCxnSpPr>
+                  <p:spPr>
+                    <a:xfrm rot="16200000" flipV="1">
+                      <a:off x="7586890" y="2641728"/>
+                      <a:ext cx="538842" cy="1"/>
+                    </a:xfrm>
+                    <a:prstGeom prst="curvedConnector3">
+                      <a:avLst>
+                        <a:gd name="adj1" fmla="val 50000"/>
+                      </a:avLst>
+                    </a:prstGeom>
+                    <a:ln w="57150">
                       <a:solidFill>
-                        <a:schemeClr val="bg1">
-                          <a:lumMod val="95000"/>
+                        <a:schemeClr val="accent6">
+                          <a:lumMod val="75000"/>
                         </a:schemeClr>
                       </a:solidFill>
-                      <a:ln w="57150">
-                        <a:solidFill>
-                          <a:schemeClr val="tx1"/>
-                        </a:solidFill>
-                      </a:ln>
-                    </p:spPr>
-                    <p:style>
-                      <a:lnRef idx="2">
-                        <a:schemeClr val="accent1">
-                          <a:shade val="50000"/>
-                        </a:schemeClr>
-                      </a:lnRef>
-                      <a:fillRef idx="1">
-                        <a:schemeClr val="accent1"/>
-                      </a:fillRef>
-                      <a:effectRef idx="0">
-                        <a:schemeClr val="accent1"/>
-                      </a:effectRef>
-                      <a:fontRef idx="minor">
-                        <a:schemeClr val="lt1"/>
-                      </a:fontRef>
-                    </p:style>
-                    <p:txBody>
-                      <a:bodyPr rot="0" spcFirstLastPara="0" vertOverflow="overflow" horzOverflow="overflow" vert="horz" wrap="square" lIns="91440" tIns="45720" rIns="91440" bIns="45720" numCol="1" spcCol="0" rtlCol="0" fromWordArt="0" anchor="ctr" anchorCtr="0" forceAA="0" compatLnSpc="1">
-                        <a:prstTxWarp prst="textNoShape">
-                          <a:avLst/>
-                        </a:prstTxWarp>
-                        <a:noAutofit/>
-                      </a:bodyPr>
-                      <a:lstStyle/>
-                      <a:p>
-                        <a:pPr algn="ctr"/>
-                        <a:endParaRPr lang="en-GB"/>
-                      </a:p>
-                    </p:txBody>
-                  </p:sp>
-                  <p:sp>
-                    <p:nvSpPr>
-                      <p:cNvPr id="38" name="Oval 37">
-                        <a:extLst>
-                          <a:ext uri="{FF2B5EF4-FFF2-40B4-BE49-F238E27FC236}">
-                            <a16:creationId xmlns:a16="http://schemas.microsoft.com/office/drawing/2014/main" id="{526A233C-F382-4723-A6F7-3BFB1698732D}"/>
-                          </a:ext>
-                        </a:extLst>
-                      </p:cNvPr>
-                      <p:cNvSpPr>
-                        <a:spLocks noChangeAspect="1"/>
-                      </p:cNvSpPr>
-                      <p:nvPr/>
-                    </p:nvSpPr>
-                    <p:spPr>
-                      <a:xfrm>
-                        <a:off x="4276521" y="2911151"/>
-                        <a:ext cx="720000" cy="718457"/>
-                      </a:xfrm>
-                      <a:prstGeom prst="ellipse">
-                        <a:avLst/>
-                      </a:prstGeom>
+                    </a:ln>
+                  </p:spPr>
+                  <p:style>
+                    <a:lnRef idx="1">
+                      <a:schemeClr val="accent1"/>
+                    </a:lnRef>
+                    <a:fillRef idx="0">
+                      <a:schemeClr val="accent1"/>
+                    </a:fillRef>
+                    <a:effectRef idx="0">
+                      <a:schemeClr val="accent1"/>
+                    </a:effectRef>
+                    <a:fontRef idx="minor">
+                      <a:schemeClr val="tx1"/>
+                    </a:fontRef>
+                  </p:style>
+                </p:cxnSp>
+                <p:cxnSp>
+                  <p:nvCxnSpPr>
+                    <p:cNvPr id="35" name="Connector: Curved 34">
+                      <a:extLst>
+                        <a:ext uri="{FF2B5EF4-FFF2-40B4-BE49-F238E27FC236}">
+                          <a16:creationId xmlns:a16="http://schemas.microsoft.com/office/drawing/2014/main" id="{3C62EAE6-1233-4BD5-9F8E-2D251FB07BF1}"/>
+                        </a:ext>
+                      </a:extLst>
+                    </p:cNvPr>
+                    <p:cNvCxnSpPr>
+                      <a:cxnSpLocks/>
+                      <a:stCxn id="36" idx="6"/>
+                      <a:endCxn id="44" idx="2"/>
+                    </p:cNvCxnSpPr>
+                    <p:nvPr/>
+                  </p:nvCxnSpPr>
+                  <p:spPr>
+                    <a:xfrm flipV="1">
+                      <a:off x="1597068" y="2013081"/>
+                      <a:ext cx="598727" cy="1257300"/>
+                    </a:xfrm>
+                    <a:prstGeom prst="curvedConnector3">
+                      <a:avLst>
+                        <a:gd name="adj1" fmla="val 50000"/>
+                      </a:avLst>
+                    </a:prstGeom>
+                    <a:ln w="57150">
                       <a:solidFill>
-                        <a:schemeClr val="bg1">
-                          <a:lumMod val="95000"/>
+                        <a:schemeClr val="accent6">
+                          <a:lumMod val="75000"/>
                         </a:schemeClr>
                       </a:solidFill>
-                      <a:ln w="57150">
-                        <a:solidFill>
-                          <a:schemeClr val="tx1"/>
-                        </a:solidFill>
-                      </a:ln>
-                    </p:spPr>
-                    <p:style>
-                      <a:lnRef idx="2">
-                        <a:schemeClr val="accent1">
-                          <a:shade val="50000"/>
-                        </a:schemeClr>
-                      </a:lnRef>
-                      <a:fillRef idx="1">
-                        <a:schemeClr val="accent1"/>
-                      </a:fillRef>
-                      <a:effectRef idx="0">
-                        <a:schemeClr val="accent1"/>
-                      </a:effectRef>
-                      <a:fontRef idx="minor">
-                        <a:schemeClr val="lt1"/>
-                      </a:fontRef>
-                    </p:style>
-                    <p:txBody>
-                      <a:bodyPr rot="0" spcFirstLastPara="0" vertOverflow="overflow" horzOverflow="overflow" vert="horz" wrap="square" lIns="91440" tIns="45720" rIns="91440" bIns="45720" numCol="1" spcCol="0" rtlCol="0" fromWordArt="0" anchor="ctr" anchorCtr="0" forceAA="0" compatLnSpc="1">
-                        <a:prstTxWarp prst="textNoShape">
-                          <a:avLst/>
-                        </a:prstTxWarp>
-                        <a:noAutofit/>
-                      </a:bodyPr>
-                      <a:lstStyle/>
-                      <a:p>
-                        <a:pPr algn="ctr"/>
-                        <a:endParaRPr lang="en-GB"/>
-                      </a:p>
-                    </p:txBody>
-                  </p:sp>
-                  <p:sp>
-                    <p:nvSpPr>
-                      <p:cNvPr id="39" name="Oval 38">
-                        <a:extLst>
-                          <a:ext uri="{FF2B5EF4-FFF2-40B4-BE49-F238E27FC236}">
-                            <a16:creationId xmlns:a16="http://schemas.microsoft.com/office/drawing/2014/main" id="{AF8F35A3-5AAD-4C96-9BBF-C36A8FF027CF}"/>
-                          </a:ext>
-                        </a:extLst>
-                      </p:cNvPr>
-                      <p:cNvSpPr>
-                        <a:spLocks noChangeAspect="1"/>
-                      </p:cNvSpPr>
-                      <p:nvPr/>
-                    </p:nvSpPr>
-                    <p:spPr>
-                      <a:xfrm>
-                        <a:off x="7496311" y="2911150"/>
-                        <a:ext cx="720000" cy="718457"/>
-                      </a:xfrm>
-                      <a:prstGeom prst="ellipse">
-                        <a:avLst/>
-                      </a:prstGeom>
-                      <a:solidFill>
-                        <a:schemeClr val="bg1">
-                          <a:lumMod val="95000"/>
-                        </a:schemeClr>
-                      </a:solidFill>
-                      <a:ln w="57150">
-                        <a:solidFill>
-                          <a:schemeClr val="tx1"/>
-                        </a:solidFill>
-                      </a:ln>
-                    </p:spPr>
-                    <p:style>
-                      <a:lnRef idx="2">
-                        <a:schemeClr val="accent1">
-                          <a:shade val="50000"/>
-                        </a:schemeClr>
-                      </a:lnRef>
-                      <a:fillRef idx="1">
-                        <a:schemeClr val="accent1"/>
-                      </a:fillRef>
-                      <a:effectRef idx="0">
-                        <a:schemeClr val="accent1"/>
-                      </a:effectRef>
-                      <a:fontRef idx="minor">
-                        <a:schemeClr val="lt1"/>
-                      </a:fontRef>
-                    </p:style>
-                    <p:txBody>
-                      <a:bodyPr rot="0" spcFirstLastPara="0" vertOverflow="overflow" horzOverflow="overflow" vert="horz" wrap="square" lIns="91440" tIns="45720" rIns="91440" bIns="45720" numCol="1" spcCol="0" rtlCol="0" fromWordArt="0" anchor="ctr" anchorCtr="0" forceAA="0" compatLnSpc="1">
-                        <a:prstTxWarp prst="textNoShape">
-                          <a:avLst/>
-                        </a:prstTxWarp>
-                        <a:noAutofit/>
-                      </a:bodyPr>
-                      <a:lstStyle/>
-                      <a:p>
-                        <a:pPr algn="ctr"/>
-                        <a:endParaRPr lang="en-GB"/>
-                      </a:p>
-                    </p:txBody>
-                  </p:sp>
-                  <p:cxnSp>
-                    <p:nvCxnSpPr>
-                      <p:cNvPr id="40" name="Straight Connector 39">
-                        <a:extLst>
-                          <a:ext uri="{FF2B5EF4-FFF2-40B4-BE49-F238E27FC236}">
-                            <a16:creationId xmlns:a16="http://schemas.microsoft.com/office/drawing/2014/main" id="{DEBE9B6C-E6AB-4C94-81CE-31EA030C899D}"/>
-                          </a:ext>
-                        </a:extLst>
-                      </p:cNvPr>
-                      <p:cNvCxnSpPr>
-                        <a:stCxn id="36" idx="6"/>
-                        <a:endCxn id="37" idx="2"/>
-                      </p:cNvCxnSpPr>
-                      <p:nvPr/>
-                    </p:nvCxnSpPr>
-                    <p:spPr>
-                      <a:xfrm>
-                        <a:off x="1597068" y="3270381"/>
-                        <a:ext cx="598727" cy="0"/>
-                      </a:xfrm>
-                      <a:prstGeom prst="line">
-                        <a:avLst/>
-                      </a:prstGeom>
-                      <a:ln w="57150">
-                        <a:solidFill>
-                          <a:schemeClr val="tx1"/>
-                        </a:solidFill>
-                      </a:ln>
-                    </p:spPr>
-                    <p:style>
-                      <a:lnRef idx="1">
-                        <a:schemeClr val="accent1"/>
-                      </a:lnRef>
-                      <a:fillRef idx="0">
-                        <a:schemeClr val="accent1"/>
-                      </a:fillRef>
-                      <a:effectRef idx="0">
-                        <a:schemeClr val="accent1"/>
-                      </a:effectRef>
-                      <a:fontRef idx="minor">
-                        <a:schemeClr val="tx1"/>
-                      </a:fontRef>
-                    </p:style>
-                  </p:cxnSp>
-                  <p:cxnSp>
-                    <p:nvCxnSpPr>
-                      <p:cNvPr id="41" name="Straight Connector 40">
-                        <a:extLst>
-                          <a:ext uri="{FF2B5EF4-FFF2-40B4-BE49-F238E27FC236}">
-                            <a16:creationId xmlns:a16="http://schemas.microsoft.com/office/drawing/2014/main" id="{4E64A0F6-A407-4CFA-9C13-A1321A54B2EC}"/>
-                          </a:ext>
-                        </a:extLst>
-                      </p:cNvPr>
-                      <p:cNvCxnSpPr>
-                        <a:cxnSpLocks/>
-                        <a:stCxn id="37" idx="6"/>
-                        <a:endCxn id="38" idx="2"/>
-                      </p:cNvCxnSpPr>
-                      <p:nvPr/>
-                    </p:nvCxnSpPr>
-                    <p:spPr>
-                      <a:xfrm flipV="1">
-                        <a:off x="2915795" y="3270380"/>
-                        <a:ext cx="1360726" cy="1"/>
-                      </a:xfrm>
-                      <a:prstGeom prst="line">
-                        <a:avLst/>
-                      </a:prstGeom>
-                      <a:ln w="57150">
-                        <a:solidFill>
-                          <a:schemeClr val="tx1"/>
-                        </a:solidFill>
-                      </a:ln>
-                    </p:spPr>
-                    <p:style>
-                      <a:lnRef idx="1">
-                        <a:schemeClr val="accent1"/>
-                      </a:lnRef>
-                      <a:fillRef idx="0">
-                        <a:schemeClr val="accent1"/>
-                      </a:fillRef>
-                      <a:effectRef idx="0">
-                        <a:schemeClr val="accent1"/>
-                      </a:effectRef>
-                      <a:fontRef idx="minor">
-                        <a:schemeClr val="tx1"/>
-                      </a:fontRef>
-                    </p:style>
-                  </p:cxnSp>
-                  <p:cxnSp>
-                    <p:nvCxnSpPr>
-                      <p:cNvPr id="42" name="Straight Connector 41">
-                        <a:extLst>
-                          <a:ext uri="{FF2B5EF4-FFF2-40B4-BE49-F238E27FC236}">
-                            <a16:creationId xmlns:a16="http://schemas.microsoft.com/office/drawing/2014/main" id="{7008674E-9D75-4D4D-80B6-726553E5C165}"/>
-                          </a:ext>
-                        </a:extLst>
-                      </p:cNvPr>
-                      <p:cNvCxnSpPr>
-                        <a:cxnSpLocks/>
-                        <a:stCxn id="38" idx="6"/>
-                        <a:endCxn id="31" idx="2"/>
-                      </p:cNvCxnSpPr>
-                      <p:nvPr/>
-                    </p:nvCxnSpPr>
-                    <p:spPr>
-                      <a:xfrm flipV="1">
-                        <a:off x="4996521" y="3270375"/>
-                        <a:ext cx="1444727" cy="5"/>
-                      </a:xfrm>
-                      <a:prstGeom prst="line">
-                        <a:avLst/>
-                      </a:prstGeom>
-                      <a:ln w="57150">
-                        <a:solidFill>
-                          <a:schemeClr val="tx1"/>
-                        </a:solidFill>
-                      </a:ln>
-                    </p:spPr>
-                    <p:style>
-                      <a:lnRef idx="1">
-                        <a:schemeClr val="accent1"/>
-                      </a:lnRef>
-                      <a:fillRef idx="0">
-                        <a:schemeClr val="accent1"/>
-                      </a:fillRef>
-                      <a:effectRef idx="0">
-                        <a:schemeClr val="accent1"/>
-                      </a:effectRef>
-                      <a:fontRef idx="minor">
-                        <a:schemeClr val="tx1"/>
-                      </a:fontRef>
-                    </p:style>
-                  </p:cxnSp>
-                  <p:cxnSp>
-                    <p:nvCxnSpPr>
-                      <p:cNvPr id="43" name="Straight Connector 42">
-                        <a:extLst>
-                          <a:ext uri="{FF2B5EF4-FFF2-40B4-BE49-F238E27FC236}">
-                            <a16:creationId xmlns:a16="http://schemas.microsoft.com/office/drawing/2014/main" id="{B1407D25-A07D-4807-837C-E344EDEFB587}"/>
-                          </a:ext>
-                        </a:extLst>
-                      </p:cNvPr>
-                      <p:cNvCxnSpPr>
-                        <a:cxnSpLocks/>
-                        <a:stCxn id="39" idx="6"/>
-                      </p:cNvCxnSpPr>
-                      <p:nvPr/>
-                    </p:nvCxnSpPr>
-                    <p:spPr>
-                      <a:xfrm>
-                        <a:off x="8216311" y="3270379"/>
-                        <a:ext cx="3337346" cy="0"/>
-                      </a:xfrm>
-                      <a:prstGeom prst="line">
-                        <a:avLst/>
-                      </a:prstGeom>
-                      <a:ln w="57150">
-                        <a:solidFill>
-                          <a:schemeClr val="tx1"/>
-                        </a:solidFill>
-                      </a:ln>
-                    </p:spPr>
-                    <p:style>
-                      <a:lnRef idx="1">
-                        <a:schemeClr val="accent1"/>
-                      </a:lnRef>
-                      <a:fillRef idx="0">
-                        <a:schemeClr val="accent1"/>
-                      </a:fillRef>
-                      <a:effectRef idx="0">
-                        <a:schemeClr val="accent1"/>
-                      </a:effectRef>
-                      <a:fontRef idx="minor">
-                        <a:schemeClr val="tx1"/>
-                      </a:fontRef>
-                    </p:style>
-                  </p:cxnSp>
-                  <p:sp>
-                    <p:nvSpPr>
-                      <p:cNvPr id="44" name="Oval 43">
-                        <a:extLst>
-                          <a:ext uri="{FF2B5EF4-FFF2-40B4-BE49-F238E27FC236}">
-                            <a16:creationId xmlns:a16="http://schemas.microsoft.com/office/drawing/2014/main" id="{B129C8B8-756B-4C40-9209-241333E298E3}"/>
-                          </a:ext>
-                        </a:extLst>
-                      </p:cNvPr>
-                      <p:cNvSpPr>
-                        <a:spLocks noChangeAspect="1"/>
-                      </p:cNvSpPr>
-                      <p:nvPr/>
-                    </p:nvSpPr>
-                    <p:spPr>
-                      <a:xfrm>
-                        <a:off x="2195795" y="1653852"/>
-                        <a:ext cx="720000" cy="718457"/>
-                      </a:xfrm>
-                      <a:prstGeom prst="ellipse">
-                        <a:avLst/>
-                      </a:prstGeom>
-                      <a:solidFill>
-                        <a:schemeClr val="accent6">
-                          <a:lumMod val="20000"/>
-                          <a:lumOff val="80000"/>
-                        </a:schemeClr>
-                      </a:solidFill>
-                      <a:ln w="57150">
-                        <a:solidFill>
-                          <a:schemeClr val="accent6">
-                            <a:lumMod val="75000"/>
-                          </a:schemeClr>
-                        </a:solidFill>
-                      </a:ln>
-                    </p:spPr>
-                    <p:style>
-                      <a:lnRef idx="2">
-                        <a:schemeClr val="accent1">
-                          <a:shade val="50000"/>
-                        </a:schemeClr>
-                      </a:lnRef>
-                      <a:fillRef idx="1">
-                        <a:schemeClr val="accent1"/>
-                      </a:fillRef>
-                      <a:effectRef idx="0">
-                        <a:schemeClr val="accent1"/>
-                      </a:effectRef>
-                      <a:fontRef idx="minor">
-                        <a:schemeClr val="lt1"/>
-                      </a:fontRef>
-                    </p:style>
-                    <p:txBody>
-                      <a:bodyPr rot="0" spcFirstLastPara="0" vertOverflow="overflow" horzOverflow="overflow" vert="horz" wrap="square" lIns="91440" tIns="45720" rIns="91440" bIns="45720" numCol="1" spcCol="0" rtlCol="0" fromWordArt="0" anchor="ctr" anchorCtr="0" forceAA="0" compatLnSpc="1">
-                        <a:prstTxWarp prst="textNoShape">
-                          <a:avLst/>
-                        </a:prstTxWarp>
-                        <a:noAutofit/>
-                      </a:bodyPr>
-                      <a:lstStyle/>
-                      <a:p>
-                        <a:pPr algn="ctr"/>
-                        <a:endParaRPr lang="en-GB"/>
-                      </a:p>
-                    </p:txBody>
-                  </p:sp>
-                  <p:sp>
-                    <p:nvSpPr>
-                      <p:cNvPr id="45" name="Oval 44">
-                        <a:extLst>
-                          <a:ext uri="{FF2B5EF4-FFF2-40B4-BE49-F238E27FC236}">
-                            <a16:creationId xmlns:a16="http://schemas.microsoft.com/office/drawing/2014/main" id="{C5148916-9BCD-404A-8349-46CFE32E7450}"/>
-                          </a:ext>
-                        </a:extLst>
-                      </p:cNvPr>
-                      <p:cNvSpPr>
-                        <a:spLocks noChangeAspect="1"/>
-                      </p:cNvSpPr>
-                      <p:nvPr/>
-                    </p:nvSpPr>
-                    <p:spPr>
-                      <a:xfrm>
-                        <a:off x="4276521" y="1653851"/>
-                        <a:ext cx="720000" cy="718457"/>
-                      </a:xfrm>
-                      <a:prstGeom prst="ellipse">
-                        <a:avLst/>
-                      </a:prstGeom>
-                      <a:solidFill>
-                        <a:schemeClr val="accent6">
-                          <a:lumMod val="20000"/>
-                          <a:lumOff val="80000"/>
-                        </a:schemeClr>
-                      </a:solidFill>
-                      <a:ln w="57150">
-                        <a:solidFill>
-                          <a:schemeClr val="accent6">
-                            <a:lumMod val="75000"/>
-                          </a:schemeClr>
-                        </a:solidFill>
-                      </a:ln>
-                    </p:spPr>
-                    <p:style>
-                      <a:lnRef idx="2">
-                        <a:schemeClr val="accent1">
-                          <a:shade val="50000"/>
-                        </a:schemeClr>
-                      </a:lnRef>
-                      <a:fillRef idx="1">
-                        <a:schemeClr val="accent1"/>
-                      </a:fillRef>
-                      <a:effectRef idx="0">
-                        <a:schemeClr val="accent1"/>
-                      </a:effectRef>
-                      <a:fontRef idx="minor">
-                        <a:schemeClr val="lt1"/>
-                      </a:fontRef>
-                    </p:style>
-                    <p:txBody>
-                      <a:bodyPr rot="0" spcFirstLastPara="0" vertOverflow="overflow" horzOverflow="overflow" vert="horz" wrap="square" lIns="91440" tIns="45720" rIns="91440" bIns="45720" numCol="1" spcCol="0" rtlCol="0" fromWordArt="0" anchor="ctr" anchorCtr="0" forceAA="0" compatLnSpc="1">
-                        <a:prstTxWarp prst="textNoShape">
-                          <a:avLst/>
-                        </a:prstTxWarp>
-                        <a:noAutofit/>
-                      </a:bodyPr>
-                      <a:lstStyle/>
-                      <a:p>
-                        <a:pPr algn="ctr"/>
-                        <a:endParaRPr lang="en-GB"/>
-                      </a:p>
-                    </p:txBody>
-                  </p:sp>
-                  <p:sp>
-                    <p:nvSpPr>
-                      <p:cNvPr id="46" name="Oval 45">
-                        <a:extLst>
-                          <a:ext uri="{FF2B5EF4-FFF2-40B4-BE49-F238E27FC236}">
-                            <a16:creationId xmlns:a16="http://schemas.microsoft.com/office/drawing/2014/main" id="{F859D385-399B-4AAB-B453-1BCDC6806DBE}"/>
-                          </a:ext>
-                        </a:extLst>
-                      </p:cNvPr>
-                      <p:cNvSpPr>
-                        <a:spLocks noChangeAspect="1"/>
-                      </p:cNvSpPr>
-                      <p:nvPr/>
-                    </p:nvSpPr>
-                    <p:spPr>
-                      <a:xfrm>
-                        <a:off x="7496310" y="1653851"/>
-                        <a:ext cx="720000" cy="718457"/>
-                      </a:xfrm>
-                      <a:prstGeom prst="ellipse">
-                        <a:avLst/>
-                      </a:prstGeom>
-                      <a:solidFill>
-                        <a:schemeClr val="accent6">
-                          <a:lumMod val="20000"/>
-                          <a:lumOff val="80000"/>
-                        </a:schemeClr>
-                      </a:solidFill>
-                      <a:ln w="57150">
-                        <a:solidFill>
-                          <a:schemeClr val="accent6">
-                            <a:lumMod val="75000"/>
-                          </a:schemeClr>
-                        </a:solidFill>
-                      </a:ln>
-                    </p:spPr>
-                    <p:style>
-                      <a:lnRef idx="2">
-                        <a:schemeClr val="accent1">
-                          <a:shade val="50000"/>
-                        </a:schemeClr>
-                      </a:lnRef>
-                      <a:fillRef idx="1">
-                        <a:schemeClr val="accent1"/>
-                      </a:fillRef>
-                      <a:effectRef idx="0">
-                        <a:schemeClr val="accent1"/>
-                      </a:effectRef>
-                      <a:fontRef idx="minor">
-                        <a:schemeClr val="lt1"/>
-                      </a:fontRef>
-                    </p:style>
-                    <p:txBody>
-                      <a:bodyPr rot="0" spcFirstLastPara="0" vertOverflow="overflow" horzOverflow="overflow" vert="horz" wrap="square" lIns="91440" tIns="45720" rIns="91440" bIns="45720" numCol="1" spcCol="0" rtlCol="0" fromWordArt="0" anchor="ctr" anchorCtr="0" forceAA="0" compatLnSpc="1">
-                        <a:prstTxWarp prst="textNoShape">
-                          <a:avLst/>
-                        </a:prstTxWarp>
-                        <a:noAutofit/>
-                      </a:bodyPr>
-                      <a:lstStyle/>
-                      <a:p>
-                        <a:pPr algn="ctr"/>
-                        <a:endParaRPr lang="en-GB"/>
-                      </a:p>
-                    </p:txBody>
-                  </p:sp>
-                  <p:sp>
-                    <p:nvSpPr>
-                      <p:cNvPr id="47" name="Oval 46">
-                        <a:extLst>
-                          <a:ext uri="{FF2B5EF4-FFF2-40B4-BE49-F238E27FC236}">
-                            <a16:creationId xmlns:a16="http://schemas.microsoft.com/office/drawing/2014/main" id="{07EF2A45-A133-4252-8996-8CF3AF2AD960}"/>
-                          </a:ext>
-                        </a:extLst>
-                      </p:cNvPr>
-                      <p:cNvSpPr>
-                        <a:spLocks noChangeAspect="1"/>
-                      </p:cNvSpPr>
-                      <p:nvPr/>
-                    </p:nvSpPr>
-                    <p:spPr>
-                      <a:xfrm>
-                        <a:off x="9224099" y="4170784"/>
-                        <a:ext cx="720000" cy="718457"/>
-                      </a:xfrm>
-                      <a:prstGeom prst="ellipse">
-                        <a:avLst/>
-                      </a:prstGeom>
-                      <a:solidFill>
-                        <a:schemeClr val="accent5">
-                          <a:lumMod val="20000"/>
-                          <a:lumOff val="80000"/>
-                        </a:schemeClr>
-                      </a:solidFill>
-                      <a:ln w="57150">
-                        <a:solidFill>
-                          <a:schemeClr val="accent5">
-                            <a:lumMod val="75000"/>
-                          </a:schemeClr>
-                        </a:solidFill>
-                      </a:ln>
-                    </p:spPr>
-                    <p:style>
-                      <a:lnRef idx="2">
-                        <a:schemeClr val="accent1">
-                          <a:shade val="50000"/>
-                        </a:schemeClr>
-                      </a:lnRef>
-                      <a:fillRef idx="1">
-                        <a:schemeClr val="accent1"/>
-                      </a:fillRef>
-                      <a:effectRef idx="0">
-                        <a:schemeClr val="accent1"/>
-                      </a:effectRef>
-                      <a:fontRef idx="minor">
-                        <a:schemeClr val="lt1"/>
-                      </a:fontRef>
-                    </p:style>
-                    <p:txBody>
-                      <a:bodyPr rot="0" spcFirstLastPara="0" vertOverflow="overflow" horzOverflow="overflow" vert="horz" wrap="square" lIns="91440" tIns="45720" rIns="91440" bIns="45720" numCol="1" spcCol="0" rtlCol="0" fromWordArt="0" anchor="ctr" anchorCtr="0" forceAA="0" compatLnSpc="1">
-                        <a:prstTxWarp prst="textNoShape">
-                          <a:avLst/>
-                        </a:prstTxWarp>
-                        <a:noAutofit/>
-                      </a:bodyPr>
-                      <a:lstStyle/>
-                      <a:p>
-                        <a:pPr algn="ctr"/>
-                        <a:endParaRPr lang="en-GB"/>
-                      </a:p>
-                    </p:txBody>
-                  </p:sp>
-                  <p:cxnSp>
-                    <p:nvCxnSpPr>
-                      <p:cNvPr id="48" name="Straight Connector 47">
-                        <a:extLst>
-                          <a:ext uri="{FF2B5EF4-FFF2-40B4-BE49-F238E27FC236}">
-                            <a16:creationId xmlns:a16="http://schemas.microsoft.com/office/drawing/2014/main" id="{440FE89B-314A-4FA4-A876-771DE651CDC9}"/>
-                          </a:ext>
-                        </a:extLst>
-                      </p:cNvPr>
-                      <p:cNvCxnSpPr>
-                        <a:cxnSpLocks/>
-                        <a:stCxn id="44" idx="6"/>
-                        <a:endCxn id="45" idx="2"/>
-                      </p:cNvCxnSpPr>
-                      <p:nvPr/>
-                    </p:nvCxnSpPr>
-                    <p:spPr>
-                      <a:xfrm flipV="1">
-                        <a:off x="2915795" y="2013080"/>
-                        <a:ext cx="1360726" cy="1"/>
-                      </a:xfrm>
-                      <a:prstGeom prst="line">
-                        <a:avLst/>
-                      </a:prstGeom>
-                      <a:ln w="57150">
-                        <a:solidFill>
-                          <a:schemeClr val="accent6">
-                            <a:lumMod val="75000"/>
-                          </a:schemeClr>
-                        </a:solidFill>
-                      </a:ln>
-                    </p:spPr>
-                    <p:style>
-                      <a:lnRef idx="1">
-                        <a:schemeClr val="accent1"/>
-                      </a:lnRef>
-                      <a:fillRef idx="0">
-                        <a:schemeClr val="accent1"/>
-                      </a:fillRef>
-                      <a:effectRef idx="0">
-                        <a:schemeClr val="accent1"/>
-                      </a:effectRef>
-                      <a:fontRef idx="minor">
-                        <a:schemeClr val="tx1"/>
-                      </a:fontRef>
-                    </p:style>
-                  </p:cxnSp>
-                  <p:cxnSp>
-                    <p:nvCxnSpPr>
-                      <p:cNvPr id="49" name="Straight Connector 48">
-                        <a:extLst>
-                          <a:ext uri="{FF2B5EF4-FFF2-40B4-BE49-F238E27FC236}">
-                            <a16:creationId xmlns:a16="http://schemas.microsoft.com/office/drawing/2014/main" id="{F4BEA240-B5B9-4BA6-9205-DD7772B0451A}"/>
-                          </a:ext>
-                        </a:extLst>
-                      </p:cNvPr>
-                      <p:cNvCxnSpPr>
-                        <a:cxnSpLocks/>
-                        <a:stCxn id="45" idx="6"/>
-                        <a:endCxn id="29" idx="2"/>
-                      </p:cNvCxnSpPr>
-                      <p:nvPr/>
-                    </p:nvCxnSpPr>
-                    <p:spPr>
-                      <a:xfrm flipV="1">
-                        <a:off x="4996521" y="2013079"/>
-                        <a:ext cx="1419789" cy="1"/>
-                      </a:xfrm>
-                      <a:prstGeom prst="line">
-                        <a:avLst/>
-                      </a:prstGeom>
-                      <a:ln w="57150">
-                        <a:solidFill>
-                          <a:schemeClr val="accent6">
-                            <a:lumMod val="75000"/>
-                          </a:schemeClr>
-                        </a:solidFill>
-                      </a:ln>
-                    </p:spPr>
-                    <p:style>
-                      <a:lnRef idx="1">
-                        <a:schemeClr val="accent1"/>
-                      </a:lnRef>
-                      <a:fillRef idx="0">
-                        <a:schemeClr val="accent1"/>
-                      </a:fillRef>
-                      <a:effectRef idx="0">
-                        <a:schemeClr val="accent1"/>
-                      </a:effectRef>
-                      <a:fontRef idx="minor">
-                        <a:schemeClr val="tx1"/>
-                      </a:fontRef>
-                    </p:style>
-                  </p:cxnSp>
-                  <p:sp>
-                    <p:nvSpPr>
-                      <p:cNvPr id="50" name="Oval 49">
-                        <a:extLst>
-                          <a:ext uri="{FF2B5EF4-FFF2-40B4-BE49-F238E27FC236}">
-                            <a16:creationId xmlns:a16="http://schemas.microsoft.com/office/drawing/2014/main" id="{0CB4A2D3-7A30-47DA-A242-BBE10074E719}"/>
-                          </a:ext>
-                        </a:extLst>
-                      </p:cNvPr>
-                      <p:cNvSpPr>
-                        <a:spLocks noChangeAspect="1"/>
-                      </p:cNvSpPr>
-                      <p:nvPr/>
-                    </p:nvSpPr>
-                    <p:spPr>
-                      <a:xfrm>
-                        <a:off x="10833657" y="4170784"/>
-                        <a:ext cx="720000" cy="718457"/>
-                      </a:xfrm>
-                      <a:prstGeom prst="ellipse">
-                        <a:avLst/>
-                      </a:prstGeom>
-                      <a:solidFill>
-                        <a:schemeClr val="accent5">
-                          <a:lumMod val="20000"/>
-                          <a:lumOff val="80000"/>
-                        </a:schemeClr>
-                      </a:solidFill>
-                      <a:ln w="57150">
-                        <a:solidFill>
-                          <a:schemeClr val="accent5">
-                            <a:lumMod val="75000"/>
-                          </a:schemeClr>
-                        </a:solidFill>
-                      </a:ln>
-                    </p:spPr>
-                    <p:style>
-                      <a:lnRef idx="2">
-                        <a:schemeClr val="accent1">
-                          <a:shade val="50000"/>
-                        </a:schemeClr>
-                      </a:lnRef>
-                      <a:fillRef idx="1">
-                        <a:schemeClr val="accent1"/>
-                      </a:fillRef>
-                      <a:effectRef idx="0">
-                        <a:schemeClr val="accent1"/>
-                      </a:effectRef>
-                      <a:fontRef idx="minor">
-                        <a:schemeClr val="lt1"/>
-                      </a:fontRef>
-                    </p:style>
-                    <p:txBody>
-                      <a:bodyPr rot="0" spcFirstLastPara="0" vertOverflow="overflow" horzOverflow="overflow" vert="horz" wrap="square" lIns="91440" tIns="45720" rIns="91440" bIns="45720" numCol="1" spcCol="0" rtlCol="0" fromWordArt="0" anchor="ctr" anchorCtr="0" forceAA="0" compatLnSpc="1">
-                        <a:prstTxWarp prst="textNoShape">
-                          <a:avLst/>
-                        </a:prstTxWarp>
-                        <a:noAutofit/>
-                      </a:bodyPr>
-                      <a:lstStyle/>
-                      <a:p>
-                        <a:pPr algn="ctr"/>
-                        <a:endParaRPr lang="en-GB"/>
-                      </a:p>
-                    </p:txBody>
-                  </p:sp>
-                  <p:cxnSp>
-                    <p:nvCxnSpPr>
-                      <p:cNvPr id="51" name="Straight Connector 50">
-                        <a:extLst>
-                          <a:ext uri="{FF2B5EF4-FFF2-40B4-BE49-F238E27FC236}">
-                            <a16:creationId xmlns:a16="http://schemas.microsoft.com/office/drawing/2014/main" id="{BAFD73F5-297B-4040-9968-F711FA2CB1F2}"/>
-                          </a:ext>
-                        </a:extLst>
-                      </p:cNvPr>
-                      <p:cNvCxnSpPr>
-                        <a:cxnSpLocks/>
-                        <a:stCxn id="47" idx="6"/>
-                        <a:endCxn id="50" idx="2"/>
-                      </p:cNvCxnSpPr>
-                      <p:nvPr/>
-                    </p:nvCxnSpPr>
-                    <p:spPr>
-                      <a:xfrm>
-                        <a:off x="9944099" y="4530013"/>
-                        <a:ext cx="889558" cy="0"/>
-                      </a:xfrm>
-                      <a:prstGeom prst="line">
-                        <a:avLst/>
-                      </a:prstGeom>
-                      <a:ln w="57150">
-                        <a:solidFill>
-                          <a:schemeClr val="accent5">
-                            <a:lumMod val="75000"/>
-                          </a:schemeClr>
-                        </a:solidFill>
-                      </a:ln>
-                    </p:spPr>
-                    <p:style>
-                      <a:lnRef idx="1">
-                        <a:schemeClr val="accent1"/>
-                      </a:lnRef>
-                      <a:fillRef idx="0">
-                        <a:schemeClr val="accent1"/>
-                      </a:fillRef>
-                      <a:effectRef idx="0">
-                        <a:schemeClr val="accent1"/>
-                      </a:effectRef>
-                      <a:fontRef idx="minor">
-                        <a:schemeClr val="tx1"/>
-                      </a:fontRef>
-                    </p:style>
-                  </p:cxnSp>
-                </p:grpSp>
+                    </a:ln>
+                  </p:spPr>
+                  <p:style>
+                    <a:lnRef idx="1">
+                      <a:schemeClr val="accent1"/>
+                    </a:lnRef>
+                    <a:fillRef idx="0">
+                      <a:schemeClr val="accent1"/>
+                    </a:fillRef>
+                    <a:effectRef idx="0">
+                      <a:schemeClr val="accent1"/>
+                    </a:effectRef>
+                    <a:fontRef idx="minor">
+                      <a:schemeClr val="tx1"/>
+                    </a:fontRef>
+                  </p:style>
+                </p:cxnSp>
                 <p:sp>
                   <p:nvSpPr>
-                    <p:cNvPr id="29" name="Oval 28">
+                    <p:cNvPr id="36" name="Oval 35">
                       <a:extLst>
                         <a:ext uri="{FF2B5EF4-FFF2-40B4-BE49-F238E27FC236}">
-                          <a16:creationId xmlns:a16="http://schemas.microsoft.com/office/drawing/2014/main" id="{7C371B4B-C573-435C-93FB-879CB9BCEF4F}"/>
+                          <a16:creationId xmlns:a16="http://schemas.microsoft.com/office/drawing/2014/main" id="{65B9FBA5-354F-4BCA-BBEA-978A2616F90D}"/>
                         </a:ext>
                       </a:extLst>
                     </p:cNvPr>
@@ -24578,7 +23593,437 @@
                   </p:nvSpPr>
                   <p:spPr>
                     <a:xfrm>
-                      <a:off x="6854849" y="1448578"/>
+                      <a:off x="877068" y="2911152"/>
+                      <a:ext cx="720000" cy="718457"/>
+                    </a:xfrm>
+                    <a:prstGeom prst="ellipse">
+                      <a:avLst/>
+                    </a:prstGeom>
+                    <a:solidFill>
+                      <a:schemeClr val="bg1">
+                        <a:lumMod val="95000"/>
+                      </a:schemeClr>
+                    </a:solidFill>
+                    <a:ln w="57150">
+                      <a:solidFill>
+                        <a:schemeClr val="tx1"/>
+                      </a:solidFill>
+                    </a:ln>
+                  </p:spPr>
+                  <p:style>
+                    <a:lnRef idx="2">
+                      <a:schemeClr val="accent1">
+                        <a:shade val="50000"/>
+                      </a:schemeClr>
+                    </a:lnRef>
+                    <a:fillRef idx="1">
+                      <a:schemeClr val="accent1"/>
+                    </a:fillRef>
+                    <a:effectRef idx="0">
+                      <a:schemeClr val="accent1"/>
+                    </a:effectRef>
+                    <a:fontRef idx="minor">
+                      <a:schemeClr val="lt1"/>
+                    </a:fontRef>
+                  </p:style>
+                  <p:txBody>
+                    <a:bodyPr rot="0" spcFirstLastPara="0" vertOverflow="overflow" horzOverflow="overflow" vert="horz" wrap="square" lIns="91440" tIns="45720" rIns="91440" bIns="45720" numCol="1" spcCol="0" rtlCol="0" fromWordArt="0" anchor="ctr" anchorCtr="0" forceAA="0" compatLnSpc="1">
+                      <a:prstTxWarp prst="textNoShape">
+                        <a:avLst/>
+                      </a:prstTxWarp>
+                      <a:noAutofit/>
+                    </a:bodyPr>
+                    <a:lstStyle/>
+                    <a:p>
+                      <a:pPr algn="ctr"/>
+                      <a:endParaRPr lang="en-GB"/>
+                    </a:p>
+                  </p:txBody>
+                </p:sp>
+                <p:sp>
+                  <p:nvSpPr>
+                    <p:cNvPr id="37" name="Oval 36">
+                      <a:extLst>
+                        <a:ext uri="{FF2B5EF4-FFF2-40B4-BE49-F238E27FC236}">
+                          <a16:creationId xmlns:a16="http://schemas.microsoft.com/office/drawing/2014/main" id="{D416F81B-D06D-406E-ABDA-857159C3A11C}"/>
+                        </a:ext>
+                      </a:extLst>
+                    </p:cNvPr>
+                    <p:cNvSpPr>
+                      <a:spLocks noChangeAspect="1"/>
+                    </p:cNvSpPr>
+                    <p:nvPr/>
+                  </p:nvSpPr>
+                  <p:spPr>
+                    <a:xfrm>
+                      <a:off x="2195795" y="2911152"/>
+                      <a:ext cx="720000" cy="718457"/>
+                    </a:xfrm>
+                    <a:prstGeom prst="ellipse">
+                      <a:avLst/>
+                    </a:prstGeom>
+                    <a:solidFill>
+                      <a:schemeClr val="bg1">
+                        <a:lumMod val="95000"/>
+                      </a:schemeClr>
+                    </a:solidFill>
+                    <a:ln w="57150">
+                      <a:solidFill>
+                        <a:schemeClr val="tx1"/>
+                      </a:solidFill>
+                    </a:ln>
+                  </p:spPr>
+                  <p:style>
+                    <a:lnRef idx="2">
+                      <a:schemeClr val="accent1">
+                        <a:shade val="50000"/>
+                      </a:schemeClr>
+                    </a:lnRef>
+                    <a:fillRef idx="1">
+                      <a:schemeClr val="accent1"/>
+                    </a:fillRef>
+                    <a:effectRef idx="0">
+                      <a:schemeClr val="accent1"/>
+                    </a:effectRef>
+                    <a:fontRef idx="minor">
+                      <a:schemeClr val="lt1"/>
+                    </a:fontRef>
+                  </p:style>
+                  <p:txBody>
+                    <a:bodyPr rot="0" spcFirstLastPara="0" vertOverflow="overflow" horzOverflow="overflow" vert="horz" wrap="square" lIns="91440" tIns="45720" rIns="91440" bIns="45720" numCol="1" spcCol="0" rtlCol="0" fromWordArt="0" anchor="ctr" anchorCtr="0" forceAA="0" compatLnSpc="1">
+                      <a:prstTxWarp prst="textNoShape">
+                        <a:avLst/>
+                      </a:prstTxWarp>
+                      <a:noAutofit/>
+                    </a:bodyPr>
+                    <a:lstStyle/>
+                    <a:p>
+                      <a:pPr algn="ctr"/>
+                      <a:endParaRPr lang="en-GB"/>
+                    </a:p>
+                  </p:txBody>
+                </p:sp>
+                <p:sp>
+                  <p:nvSpPr>
+                    <p:cNvPr id="38" name="Oval 37">
+                      <a:extLst>
+                        <a:ext uri="{FF2B5EF4-FFF2-40B4-BE49-F238E27FC236}">
+                          <a16:creationId xmlns:a16="http://schemas.microsoft.com/office/drawing/2014/main" id="{526A233C-F382-4723-A6F7-3BFB1698732D}"/>
+                        </a:ext>
+                      </a:extLst>
+                    </p:cNvPr>
+                    <p:cNvSpPr>
+                      <a:spLocks noChangeAspect="1"/>
+                    </p:cNvSpPr>
+                    <p:nvPr/>
+                  </p:nvSpPr>
+                  <p:spPr>
+                    <a:xfrm>
+                      <a:off x="4276521" y="2911151"/>
+                      <a:ext cx="720000" cy="718457"/>
+                    </a:xfrm>
+                    <a:prstGeom prst="ellipse">
+                      <a:avLst/>
+                    </a:prstGeom>
+                    <a:solidFill>
+                      <a:schemeClr val="bg1">
+                        <a:lumMod val="95000"/>
+                      </a:schemeClr>
+                    </a:solidFill>
+                    <a:ln w="57150">
+                      <a:solidFill>
+                        <a:schemeClr val="tx1"/>
+                      </a:solidFill>
+                    </a:ln>
+                  </p:spPr>
+                  <p:style>
+                    <a:lnRef idx="2">
+                      <a:schemeClr val="accent1">
+                        <a:shade val="50000"/>
+                      </a:schemeClr>
+                    </a:lnRef>
+                    <a:fillRef idx="1">
+                      <a:schemeClr val="accent1"/>
+                    </a:fillRef>
+                    <a:effectRef idx="0">
+                      <a:schemeClr val="accent1"/>
+                    </a:effectRef>
+                    <a:fontRef idx="minor">
+                      <a:schemeClr val="lt1"/>
+                    </a:fontRef>
+                  </p:style>
+                  <p:txBody>
+                    <a:bodyPr rot="0" spcFirstLastPara="0" vertOverflow="overflow" horzOverflow="overflow" vert="horz" wrap="square" lIns="91440" tIns="45720" rIns="91440" bIns="45720" numCol="1" spcCol="0" rtlCol="0" fromWordArt="0" anchor="ctr" anchorCtr="0" forceAA="0" compatLnSpc="1">
+                      <a:prstTxWarp prst="textNoShape">
+                        <a:avLst/>
+                      </a:prstTxWarp>
+                      <a:noAutofit/>
+                    </a:bodyPr>
+                    <a:lstStyle/>
+                    <a:p>
+                      <a:pPr algn="ctr"/>
+                      <a:endParaRPr lang="en-GB"/>
+                    </a:p>
+                  </p:txBody>
+                </p:sp>
+                <p:sp>
+                  <p:nvSpPr>
+                    <p:cNvPr id="39" name="Oval 38">
+                      <a:extLst>
+                        <a:ext uri="{FF2B5EF4-FFF2-40B4-BE49-F238E27FC236}">
+                          <a16:creationId xmlns:a16="http://schemas.microsoft.com/office/drawing/2014/main" id="{AF8F35A3-5AAD-4C96-9BBF-C36A8FF027CF}"/>
+                        </a:ext>
+                      </a:extLst>
+                    </p:cNvPr>
+                    <p:cNvSpPr>
+                      <a:spLocks noChangeAspect="1"/>
+                    </p:cNvSpPr>
+                    <p:nvPr/>
+                  </p:nvSpPr>
+                  <p:spPr>
+                    <a:xfrm>
+                      <a:off x="7496311" y="2911150"/>
+                      <a:ext cx="720000" cy="718457"/>
+                    </a:xfrm>
+                    <a:prstGeom prst="ellipse">
+                      <a:avLst/>
+                    </a:prstGeom>
+                    <a:solidFill>
+                      <a:schemeClr val="bg1">
+                        <a:lumMod val="95000"/>
+                      </a:schemeClr>
+                    </a:solidFill>
+                    <a:ln w="57150">
+                      <a:solidFill>
+                        <a:schemeClr val="tx1"/>
+                      </a:solidFill>
+                    </a:ln>
+                  </p:spPr>
+                  <p:style>
+                    <a:lnRef idx="2">
+                      <a:schemeClr val="accent1">
+                        <a:shade val="50000"/>
+                      </a:schemeClr>
+                    </a:lnRef>
+                    <a:fillRef idx="1">
+                      <a:schemeClr val="accent1"/>
+                    </a:fillRef>
+                    <a:effectRef idx="0">
+                      <a:schemeClr val="accent1"/>
+                    </a:effectRef>
+                    <a:fontRef idx="minor">
+                      <a:schemeClr val="lt1"/>
+                    </a:fontRef>
+                  </p:style>
+                  <p:txBody>
+                    <a:bodyPr rot="0" spcFirstLastPara="0" vertOverflow="overflow" horzOverflow="overflow" vert="horz" wrap="square" lIns="91440" tIns="45720" rIns="91440" bIns="45720" numCol="1" spcCol="0" rtlCol="0" fromWordArt="0" anchor="ctr" anchorCtr="0" forceAA="0" compatLnSpc="1">
+                      <a:prstTxWarp prst="textNoShape">
+                        <a:avLst/>
+                      </a:prstTxWarp>
+                      <a:noAutofit/>
+                    </a:bodyPr>
+                    <a:lstStyle/>
+                    <a:p>
+                      <a:pPr algn="ctr"/>
+                      <a:endParaRPr lang="en-GB"/>
+                    </a:p>
+                  </p:txBody>
+                </p:sp>
+                <p:cxnSp>
+                  <p:nvCxnSpPr>
+                    <p:cNvPr id="40" name="Straight Connector 39">
+                      <a:extLst>
+                        <a:ext uri="{FF2B5EF4-FFF2-40B4-BE49-F238E27FC236}">
+                          <a16:creationId xmlns:a16="http://schemas.microsoft.com/office/drawing/2014/main" id="{DEBE9B6C-E6AB-4C94-81CE-31EA030C899D}"/>
+                        </a:ext>
+                      </a:extLst>
+                    </p:cNvPr>
+                    <p:cNvCxnSpPr>
+                      <a:stCxn id="36" idx="6"/>
+                      <a:endCxn id="37" idx="2"/>
+                    </p:cNvCxnSpPr>
+                    <p:nvPr/>
+                  </p:nvCxnSpPr>
+                  <p:spPr>
+                    <a:xfrm>
+                      <a:off x="1597068" y="3270381"/>
+                      <a:ext cx="598727" cy="0"/>
+                    </a:xfrm>
+                    <a:prstGeom prst="line">
+                      <a:avLst/>
+                    </a:prstGeom>
+                    <a:ln w="57150">
+                      <a:solidFill>
+                        <a:schemeClr val="tx1"/>
+                      </a:solidFill>
+                    </a:ln>
+                  </p:spPr>
+                  <p:style>
+                    <a:lnRef idx="1">
+                      <a:schemeClr val="accent1"/>
+                    </a:lnRef>
+                    <a:fillRef idx="0">
+                      <a:schemeClr val="accent1"/>
+                    </a:fillRef>
+                    <a:effectRef idx="0">
+                      <a:schemeClr val="accent1"/>
+                    </a:effectRef>
+                    <a:fontRef idx="minor">
+                      <a:schemeClr val="tx1"/>
+                    </a:fontRef>
+                  </p:style>
+                </p:cxnSp>
+                <p:cxnSp>
+                  <p:nvCxnSpPr>
+                    <p:cNvPr id="41" name="Straight Connector 40">
+                      <a:extLst>
+                        <a:ext uri="{FF2B5EF4-FFF2-40B4-BE49-F238E27FC236}">
+                          <a16:creationId xmlns:a16="http://schemas.microsoft.com/office/drawing/2014/main" id="{4E64A0F6-A407-4CFA-9C13-A1321A54B2EC}"/>
+                        </a:ext>
+                      </a:extLst>
+                    </p:cNvPr>
+                    <p:cNvCxnSpPr>
+                      <a:cxnSpLocks/>
+                      <a:stCxn id="37" idx="6"/>
+                      <a:endCxn id="38" idx="2"/>
+                    </p:cNvCxnSpPr>
+                    <p:nvPr/>
+                  </p:nvCxnSpPr>
+                  <p:spPr>
+                    <a:xfrm flipV="1">
+                      <a:off x="2915795" y="3270380"/>
+                      <a:ext cx="1360726" cy="1"/>
+                    </a:xfrm>
+                    <a:prstGeom prst="line">
+                      <a:avLst/>
+                    </a:prstGeom>
+                    <a:ln w="57150">
+                      <a:solidFill>
+                        <a:schemeClr val="tx1"/>
+                      </a:solidFill>
+                    </a:ln>
+                  </p:spPr>
+                  <p:style>
+                    <a:lnRef idx="1">
+                      <a:schemeClr val="accent1"/>
+                    </a:lnRef>
+                    <a:fillRef idx="0">
+                      <a:schemeClr val="accent1"/>
+                    </a:fillRef>
+                    <a:effectRef idx="0">
+                      <a:schemeClr val="accent1"/>
+                    </a:effectRef>
+                    <a:fontRef idx="minor">
+                      <a:schemeClr val="tx1"/>
+                    </a:fontRef>
+                  </p:style>
+                </p:cxnSp>
+                <p:cxnSp>
+                  <p:nvCxnSpPr>
+                    <p:cNvPr id="42" name="Straight Connector 41">
+                      <a:extLst>
+                        <a:ext uri="{FF2B5EF4-FFF2-40B4-BE49-F238E27FC236}">
+                          <a16:creationId xmlns:a16="http://schemas.microsoft.com/office/drawing/2014/main" id="{7008674E-9D75-4D4D-80B6-726553E5C165}"/>
+                        </a:ext>
+                      </a:extLst>
+                    </p:cNvPr>
+                    <p:cNvCxnSpPr>
+                      <a:cxnSpLocks/>
+                      <a:stCxn id="38" idx="6"/>
+                      <a:endCxn id="31" idx="2"/>
+                    </p:cNvCxnSpPr>
+                    <p:nvPr/>
+                  </p:nvCxnSpPr>
+                  <p:spPr>
+                    <a:xfrm flipV="1">
+                      <a:off x="4996521" y="3270375"/>
+                      <a:ext cx="1444727" cy="5"/>
+                    </a:xfrm>
+                    <a:prstGeom prst="line">
+                      <a:avLst/>
+                    </a:prstGeom>
+                    <a:ln w="57150">
+                      <a:solidFill>
+                        <a:schemeClr val="tx1"/>
+                      </a:solidFill>
+                    </a:ln>
+                  </p:spPr>
+                  <p:style>
+                    <a:lnRef idx="1">
+                      <a:schemeClr val="accent1"/>
+                    </a:lnRef>
+                    <a:fillRef idx="0">
+                      <a:schemeClr val="accent1"/>
+                    </a:fillRef>
+                    <a:effectRef idx="0">
+                      <a:schemeClr val="accent1"/>
+                    </a:effectRef>
+                    <a:fontRef idx="minor">
+                      <a:schemeClr val="tx1"/>
+                    </a:fontRef>
+                  </p:style>
+                </p:cxnSp>
+                <p:cxnSp>
+                  <p:nvCxnSpPr>
+                    <p:cNvPr id="43" name="Straight Connector 42">
+                      <a:extLst>
+                        <a:ext uri="{FF2B5EF4-FFF2-40B4-BE49-F238E27FC236}">
+                          <a16:creationId xmlns:a16="http://schemas.microsoft.com/office/drawing/2014/main" id="{B1407D25-A07D-4807-837C-E344EDEFB587}"/>
+                        </a:ext>
+                      </a:extLst>
+                    </p:cNvPr>
+                    <p:cNvCxnSpPr>
+                      <a:cxnSpLocks/>
+                      <a:stCxn id="39" idx="6"/>
+                    </p:cNvCxnSpPr>
+                    <p:nvPr/>
+                  </p:nvCxnSpPr>
+                  <p:spPr>
+                    <a:xfrm>
+                      <a:off x="8216311" y="3270379"/>
+                      <a:ext cx="3337346" cy="0"/>
+                    </a:xfrm>
+                    <a:prstGeom prst="line">
+                      <a:avLst/>
+                    </a:prstGeom>
+                    <a:ln w="57150">
+                      <a:solidFill>
+                        <a:schemeClr val="tx1"/>
+                      </a:solidFill>
+                    </a:ln>
+                  </p:spPr>
+                  <p:style>
+                    <a:lnRef idx="1">
+                      <a:schemeClr val="accent1"/>
+                    </a:lnRef>
+                    <a:fillRef idx="0">
+                      <a:schemeClr val="accent1"/>
+                    </a:fillRef>
+                    <a:effectRef idx="0">
+                      <a:schemeClr val="accent1"/>
+                    </a:effectRef>
+                    <a:fontRef idx="minor">
+                      <a:schemeClr val="tx1"/>
+                    </a:fontRef>
+                  </p:style>
+                </p:cxnSp>
+                <p:sp>
+                  <p:nvSpPr>
+                    <p:cNvPr id="44" name="Oval 43">
+                      <a:extLst>
+                        <a:ext uri="{FF2B5EF4-FFF2-40B4-BE49-F238E27FC236}">
+                          <a16:creationId xmlns:a16="http://schemas.microsoft.com/office/drawing/2014/main" id="{B129C8B8-756B-4C40-9209-241333E298E3}"/>
+                        </a:ext>
+                      </a:extLst>
+                    </p:cNvPr>
+                    <p:cNvSpPr>
+                      <a:spLocks noChangeAspect="1"/>
+                    </p:cNvSpPr>
+                    <p:nvPr/>
+                  </p:nvSpPr>
+                  <p:spPr>
+                    <a:xfrm>
+                      <a:off x="2195795" y="1653852"/>
                       <a:ext cx="720000" cy="718457"/>
                     </a:xfrm>
                     <a:prstGeom prst="ellipse">
@@ -24628,59 +24073,12 @@
                     </a:p>
                   </p:txBody>
                 </p:sp>
-                <p:cxnSp>
-                  <p:nvCxnSpPr>
-                    <p:cNvPr id="30" name="Straight Connector 29">
+                <p:sp>
+                  <p:nvSpPr>
+                    <p:cNvPr id="45" name="Oval 44">
                       <a:extLst>
                         <a:ext uri="{FF2B5EF4-FFF2-40B4-BE49-F238E27FC236}">
-                          <a16:creationId xmlns:a16="http://schemas.microsoft.com/office/drawing/2014/main" id="{29D77219-FB27-40D1-BF1E-63E51E81AF63}"/>
-                        </a:ext>
-                      </a:extLst>
-                    </p:cNvPr>
-                    <p:cNvCxnSpPr>
-                      <a:cxnSpLocks/>
-                      <a:stCxn id="29" idx="6"/>
-                      <a:endCxn id="46" idx="2"/>
-                    </p:cNvCxnSpPr>
-                    <p:nvPr/>
-                  </p:nvCxnSpPr>
-                  <p:spPr>
-                    <a:xfrm>
-                      <a:off x="7574849" y="1807807"/>
-                      <a:ext cx="335062" cy="0"/>
-                    </a:xfrm>
-                    <a:prstGeom prst="line">
-                      <a:avLst/>
-                    </a:prstGeom>
-                    <a:ln w="57150">
-                      <a:solidFill>
-                        <a:schemeClr val="accent6">
-                          <a:lumMod val="75000"/>
-                        </a:schemeClr>
-                      </a:solidFill>
-                    </a:ln>
-                  </p:spPr>
-                  <p:style>
-                    <a:lnRef idx="1">
-                      <a:schemeClr val="accent1"/>
-                    </a:lnRef>
-                    <a:fillRef idx="0">
-                      <a:schemeClr val="accent1"/>
-                    </a:fillRef>
-                    <a:effectRef idx="0">
-                      <a:schemeClr val="accent1"/>
-                    </a:effectRef>
-                    <a:fontRef idx="minor">
-                      <a:schemeClr val="tx1"/>
-                    </a:fontRef>
-                  </p:style>
-                </p:cxnSp>
-                <p:sp>
-                  <p:nvSpPr>
-                    <p:cNvPr id="31" name="Oval 30">
-                      <a:extLst>
-                        <a:ext uri="{FF2B5EF4-FFF2-40B4-BE49-F238E27FC236}">
-                          <a16:creationId xmlns:a16="http://schemas.microsoft.com/office/drawing/2014/main" id="{A1B6046F-FA53-47B0-9E4F-F445E377B838}"/>
+                          <a16:creationId xmlns:a16="http://schemas.microsoft.com/office/drawing/2014/main" id="{C5148916-9BCD-404A-8349-46CFE32E7450}"/>
                         </a:ext>
                       </a:extLst>
                     </p:cNvPr>
@@ -24691,20 +24089,155 @@
                   </p:nvSpPr>
                   <p:spPr>
                     <a:xfrm>
-                      <a:off x="6854849" y="2705873"/>
+                      <a:off x="4276521" y="1653851"/>
                       <a:ext cx="720000" cy="718457"/>
                     </a:xfrm>
                     <a:prstGeom prst="ellipse">
                       <a:avLst/>
                     </a:prstGeom>
                     <a:solidFill>
-                      <a:schemeClr val="bg1">
-                        <a:lumMod val="95000"/>
+                      <a:schemeClr val="accent6">
+                        <a:lumMod val="20000"/>
+                        <a:lumOff val="80000"/>
                       </a:schemeClr>
                     </a:solidFill>
                     <a:ln w="57150">
                       <a:solidFill>
-                        <a:schemeClr val="tx1"/>
+                        <a:schemeClr val="accent6">
+                          <a:lumMod val="75000"/>
+                        </a:schemeClr>
+                      </a:solidFill>
+                    </a:ln>
+                  </p:spPr>
+                  <p:style>
+                    <a:lnRef idx="2">
+                      <a:schemeClr val="accent1">
+                        <a:shade val="50000"/>
+                      </a:schemeClr>
+                    </a:lnRef>
+                    <a:fillRef idx="1">
+                      <a:schemeClr val="accent1"/>
+                    </a:fillRef>
+                    <a:effectRef idx="0">
+                      <a:schemeClr val="accent1"/>
+                    </a:effectRef>
+                    <a:fontRef idx="minor">
+                      <a:schemeClr val="lt1"/>
+                    </a:fontRef>
+                  </p:style>
+                  <p:txBody>
+                    <a:bodyPr rot="0" spcFirstLastPara="0" vertOverflow="overflow" horzOverflow="overflow" vert="horz" wrap="square" lIns="91440" tIns="45720" rIns="91440" bIns="45720" numCol="1" spcCol="0" rtlCol="0" fromWordArt="0" anchor="ctr" anchorCtr="0" forceAA="0" compatLnSpc="1">
+                      <a:prstTxWarp prst="textNoShape">
+                        <a:avLst/>
+                      </a:prstTxWarp>
+                      <a:noAutofit/>
+                    </a:bodyPr>
+                    <a:lstStyle/>
+                    <a:p>
+                      <a:pPr algn="ctr"/>
+                      <a:endParaRPr lang="en-GB"/>
+                    </a:p>
+                  </p:txBody>
+                </p:sp>
+                <p:sp>
+                  <p:nvSpPr>
+                    <p:cNvPr id="46" name="Oval 45">
+                      <a:extLst>
+                        <a:ext uri="{FF2B5EF4-FFF2-40B4-BE49-F238E27FC236}">
+                          <a16:creationId xmlns:a16="http://schemas.microsoft.com/office/drawing/2014/main" id="{F859D385-399B-4AAB-B453-1BCDC6806DBE}"/>
+                        </a:ext>
+                      </a:extLst>
+                    </p:cNvPr>
+                    <p:cNvSpPr>
+                      <a:spLocks noChangeAspect="1"/>
+                    </p:cNvSpPr>
+                    <p:nvPr/>
+                  </p:nvSpPr>
+                  <p:spPr>
+                    <a:xfrm>
+                      <a:off x="7496310" y="1653851"/>
+                      <a:ext cx="720000" cy="718457"/>
+                    </a:xfrm>
+                    <a:prstGeom prst="ellipse">
+                      <a:avLst/>
+                    </a:prstGeom>
+                    <a:solidFill>
+                      <a:schemeClr val="accent6">
+                        <a:lumMod val="20000"/>
+                        <a:lumOff val="80000"/>
+                      </a:schemeClr>
+                    </a:solidFill>
+                    <a:ln w="57150">
+                      <a:solidFill>
+                        <a:schemeClr val="accent6">
+                          <a:lumMod val="75000"/>
+                        </a:schemeClr>
+                      </a:solidFill>
+                    </a:ln>
+                  </p:spPr>
+                  <p:style>
+                    <a:lnRef idx="2">
+                      <a:schemeClr val="accent1">
+                        <a:shade val="50000"/>
+                      </a:schemeClr>
+                    </a:lnRef>
+                    <a:fillRef idx="1">
+                      <a:schemeClr val="accent1"/>
+                    </a:fillRef>
+                    <a:effectRef idx="0">
+                      <a:schemeClr val="accent1"/>
+                    </a:effectRef>
+                    <a:fontRef idx="minor">
+                      <a:schemeClr val="lt1"/>
+                    </a:fontRef>
+                  </p:style>
+                  <p:txBody>
+                    <a:bodyPr rot="0" spcFirstLastPara="0" vertOverflow="overflow" horzOverflow="overflow" vert="horz" wrap="square" lIns="91440" tIns="45720" rIns="91440" bIns="45720" numCol="1" spcCol="0" rtlCol="0" fromWordArt="0" anchor="ctr" anchorCtr="0" forceAA="0" compatLnSpc="1">
+                      <a:prstTxWarp prst="textNoShape">
+                        <a:avLst/>
+                      </a:prstTxWarp>
+                      <a:noAutofit/>
+                    </a:bodyPr>
+                    <a:lstStyle/>
+                    <a:p>
+                      <a:pPr algn="ctr"/>
+                      <a:endParaRPr lang="en-GB"/>
+                    </a:p>
+                  </p:txBody>
+                </p:sp>
+                <p:sp>
+                  <p:nvSpPr>
+                    <p:cNvPr id="47" name="Oval 46">
+                      <a:extLst>
+                        <a:ext uri="{FF2B5EF4-FFF2-40B4-BE49-F238E27FC236}">
+                          <a16:creationId xmlns:a16="http://schemas.microsoft.com/office/drawing/2014/main" id="{07EF2A45-A133-4252-8996-8CF3AF2AD960}"/>
+                        </a:ext>
+                      </a:extLst>
+                    </p:cNvPr>
+                    <p:cNvSpPr>
+                      <a:spLocks noChangeAspect="1"/>
+                    </p:cNvSpPr>
+                    <p:nvPr/>
+                  </p:nvSpPr>
+                  <p:spPr>
+                    <a:xfrm>
+                      <a:off x="9224099" y="4170784"/>
+                      <a:ext cx="720000" cy="718457"/>
+                    </a:xfrm>
+                    <a:prstGeom prst="ellipse">
+                      <a:avLst/>
+                    </a:prstGeom>
+                    <a:solidFill>
+                      <a:schemeClr val="accent5">
+                        <a:lumMod val="20000"/>
+                        <a:lumOff val="80000"/>
+                      </a:schemeClr>
+                    </a:solidFill>
+                    <a:ln w="57150">
+                      <a:solidFill>
+                        <a:schemeClr val="accent5">
+                          <a:lumMod val="75000"/>
+                        </a:schemeClr>
                       </a:solidFill>
                     </a:ln>
                   </p:spPr>
@@ -24740,31 +24273,193 @@
                 </p:sp>
                 <p:cxnSp>
                   <p:nvCxnSpPr>
-                    <p:cNvPr id="32" name="Straight Connector 31">
+                    <p:cNvPr id="48" name="Straight Connector 47">
                       <a:extLst>
                         <a:ext uri="{FF2B5EF4-FFF2-40B4-BE49-F238E27FC236}">
-                          <a16:creationId xmlns:a16="http://schemas.microsoft.com/office/drawing/2014/main" id="{FBD0E878-BBAF-4C06-B0A7-27812D549A27}"/>
+                          <a16:creationId xmlns:a16="http://schemas.microsoft.com/office/drawing/2014/main" id="{440FE89B-314A-4FA4-A876-771DE651CDC9}"/>
                         </a:ext>
                       </a:extLst>
                     </p:cNvPr>
                     <p:cNvCxnSpPr>
                       <a:cxnSpLocks/>
-                      <a:stCxn id="31" idx="6"/>
-                      <a:endCxn id="39" idx="2"/>
+                      <a:stCxn id="44" idx="6"/>
+                      <a:endCxn id="45" idx="2"/>
                     </p:cNvCxnSpPr>
                     <p:nvPr/>
                   </p:nvCxnSpPr>
                   <p:spPr>
-                    <a:xfrm>
-                      <a:off x="7574849" y="3065102"/>
-                      <a:ext cx="335063" cy="4"/>
+                    <a:xfrm flipV="1">
+                      <a:off x="2915795" y="2013080"/>
+                      <a:ext cx="1360726" cy="1"/>
                     </a:xfrm>
                     <a:prstGeom prst="line">
                       <a:avLst/>
                     </a:prstGeom>
                     <a:ln w="57150">
                       <a:solidFill>
-                        <a:schemeClr val="tx1"/>
+                        <a:schemeClr val="accent6">
+                          <a:lumMod val="75000"/>
+                        </a:schemeClr>
+                      </a:solidFill>
+                    </a:ln>
+                  </p:spPr>
+                  <p:style>
+                    <a:lnRef idx="1">
+                      <a:schemeClr val="accent1"/>
+                    </a:lnRef>
+                    <a:fillRef idx="0">
+                      <a:schemeClr val="accent1"/>
+                    </a:fillRef>
+                    <a:effectRef idx="0">
+                      <a:schemeClr val="accent1"/>
+                    </a:effectRef>
+                    <a:fontRef idx="minor">
+                      <a:schemeClr val="tx1"/>
+                    </a:fontRef>
+                  </p:style>
+                </p:cxnSp>
+                <p:cxnSp>
+                  <p:nvCxnSpPr>
+                    <p:cNvPr id="49" name="Straight Connector 48">
+                      <a:extLst>
+                        <a:ext uri="{FF2B5EF4-FFF2-40B4-BE49-F238E27FC236}">
+                          <a16:creationId xmlns:a16="http://schemas.microsoft.com/office/drawing/2014/main" id="{F4BEA240-B5B9-4BA6-9205-DD7772B0451A}"/>
+                        </a:ext>
+                      </a:extLst>
+                    </p:cNvPr>
+                    <p:cNvCxnSpPr>
+                      <a:cxnSpLocks/>
+                      <a:stCxn id="45" idx="6"/>
+                      <a:endCxn id="29" idx="2"/>
+                    </p:cNvCxnSpPr>
+                    <p:nvPr/>
+                  </p:nvCxnSpPr>
+                  <p:spPr>
+                    <a:xfrm flipV="1">
+                      <a:off x="4996521" y="2013079"/>
+                      <a:ext cx="1419789" cy="1"/>
+                    </a:xfrm>
+                    <a:prstGeom prst="line">
+                      <a:avLst/>
+                    </a:prstGeom>
+                    <a:ln w="57150">
+                      <a:solidFill>
+                        <a:schemeClr val="accent6">
+                          <a:lumMod val="75000"/>
+                        </a:schemeClr>
+                      </a:solidFill>
+                    </a:ln>
+                  </p:spPr>
+                  <p:style>
+                    <a:lnRef idx="1">
+                      <a:schemeClr val="accent1"/>
+                    </a:lnRef>
+                    <a:fillRef idx="0">
+                      <a:schemeClr val="accent1"/>
+                    </a:fillRef>
+                    <a:effectRef idx="0">
+                      <a:schemeClr val="accent1"/>
+                    </a:effectRef>
+                    <a:fontRef idx="minor">
+                      <a:schemeClr val="tx1"/>
+                    </a:fontRef>
+                  </p:style>
+                </p:cxnSp>
+                <p:sp>
+                  <p:nvSpPr>
+                    <p:cNvPr id="50" name="Oval 49">
+                      <a:extLst>
+                        <a:ext uri="{FF2B5EF4-FFF2-40B4-BE49-F238E27FC236}">
+                          <a16:creationId xmlns:a16="http://schemas.microsoft.com/office/drawing/2014/main" id="{0CB4A2D3-7A30-47DA-A242-BBE10074E719}"/>
+                        </a:ext>
+                      </a:extLst>
+                    </p:cNvPr>
+                    <p:cNvSpPr>
+                      <a:spLocks noChangeAspect="1"/>
+                    </p:cNvSpPr>
+                    <p:nvPr/>
+                  </p:nvSpPr>
+                  <p:spPr>
+                    <a:xfrm>
+                      <a:off x="10833657" y="4170784"/>
+                      <a:ext cx="720000" cy="718457"/>
+                    </a:xfrm>
+                    <a:prstGeom prst="ellipse">
+                      <a:avLst/>
+                    </a:prstGeom>
+                    <a:solidFill>
+                      <a:schemeClr val="accent5">
+                        <a:lumMod val="20000"/>
+                        <a:lumOff val="80000"/>
+                      </a:schemeClr>
+                    </a:solidFill>
+                    <a:ln w="57150">
+                      <a:solidFill>
+                        <a:schemeClr val="accent5">
+                          <a:lumMod val="75000"/>
+                        </a:schemeClr>
+                      </a:solidFill>
+                    </a:ln>
+                  </p:spPr>
+                  <p:style>
+                    <a:lnRef idx="2">
+                      <a:schemeClr val="accent1">
+                        <a:shade val="50000"/>
+                      </a:schemeClr>
+                    </a:lnRef>
+                    <a:fillRef idx="1">
+                      <a:schemeClr val="accent1"/>
+                    </a:fillRef>
+                    <a:effectRef idx="0">
+                      <a:schemeClr val="accent1"/>
+                    </a:effectRef>
+                    <a:fontRef idx="minor">
+                      <a:schemeClr val="lt1"/>
+                    </a:fontRef>
+                  </p:style>
+                  <p:txBody>
+                    <a:bodyPr rot="0" spcFirstLastPara="0" vertOverflow="overflow" horzOverflow="overflow" vert="horz" wrap="square" lIns="91440" tIns="45720" rIns="91440" bIns="45720" numCol="1" spcCol="0" rtlCol="0" fromWordArt="0" anchor="ctr" anchorCtr="0" forceAA="0" compatLnSpc="1">
+                      <a:prstTxWarp prst="textNoShape">
+                        <a:avLst/>
+                      </a:prstTxWarp>
+                      <a:noAutofit/>
+                    </a:bodyPr>
+                    <a:lstStyle/>
+                    <a:p>
+                      <a:pPr algn="ctr"/>
+                      <a:endParaRPr lang="en-GB"/>
+                    </a:p>
+                  </p:txBody>
+                </p:sp>
+                <p:cxnSp>
+                  <p:nvCxnSpPr>
+                    <p:cNvPr id="51" name="Straight Connector 50">
+                      <a:extLst>
+                        <a:ext uri="{FF2B5EF4-FFF2-40B4-BE49-F238E27FC236}">
+                          <a16:creationId xmlns:a16="http://schemas.microsoft.com/office/drawing/2014/main" id="{BAFD73F5-297B-4040-9968-F711FA2CB1F2}"/>
+                        </a:ext>
+                      </a:extLst>
+                    </p:cNvPr>
+                    <p:cNvCxnSpPr>
+                      <a:cxnSpLocks/>
+                      <a:stCxn id="47" idx="6"/>
+                      <a:endCxn id="50" idx="2"/>
+                    </p:cNvCxnSpPr>
+                    <p:nvPr/>
+                  </p:nvCxnSpPr>
+                  <p:spPr>
+                    <a:xfrm>
+                      <a:off x="9944099" y="4530013"/>
+                      <a:ext cx="889558" cy="0"/>
+                    </a:xfrm>
+                    <a:prstGeom prst="line">
+                      <a:avLst/>
+                    </a:prstGeom>
+                    <a:ln w="57150">
+                      <a:solidFill>
+                        <a:schemeClr val="accent5">
+                          <a:lumMod val="75000"/>
+                        </a:schemeClr>
                       </a:solidFill>
                     </a:ln>
                   </p:spPr>
@@ -24786,27 +24481,38 @@
               </p:grpSp>
               <p:sp>
                 <p:nvSpPr>
-                  <p:cNvPr id="27" name="Rectangle 26">
+                  <p:cNvPr id="29" name="Oval 28">
                     <a:extLst>
                       <a:ext uri="{FF2B5EF4-FFF2-40B4-BE49-F238E27FC236}">
-                        <a16:creationId xmlns:a16="http://schemas.microsoft.com/office/drawing/2014/main" id="{84B6FEA6-5D96-48D1-ABB9-829F8288D044}"/>
+                        <a16:creationId xmlns:a16="http://schemas.microsoft.com/office/drawing/2014/main" id="{7C371B4B-C573-435C-93FB-879CB9BCEF4F}"/>
                       </a:ext>
                     </a:extLst>
                   </p:cNvPr>
-                  <p:cNvSpPr/>
+                  <p:cNvSpPr>
+                    <a:spLocks noChangeAspect="1"/>
+                  </p:cNvSpPr>
                   <p:nvPr/>
                 </p:nvSpPr>
                 <p:spPr>
                   <a:xfrm>
-                    <a:off x="0" y="998376"/>
-                    <a:ext cx="12153604" cy="5638002"/>
+                    <a:off x="6854849" y="1448578"/>
+                    <a:ext cx="720000" cy="718457"/>
                   </a:xfrm>
-                  <a:prstGeom prst="rect">
+                  <a:prstGeom prst="ellipse">
                     <a:avLst/>
                   </a:prstGeom>
-                  <a:noFill/>
-                  <a:ln>
-                    <a:noFill/>
+                  <a:solidFill>
+                    <a:schemeClr val="accent6">
+                      <a:lumMod val="20000"/>
+                      <a:lumOff val="80000"/>
+                    </a:schemeClr>
+                  </a:solidFill>
+                  <a:ln w="57150">
+                    <a:solidFill>
+                      <a:schemeClr val="accent6">
+                        <a:lumMod val="75000"/>
+                      </a:schemeClr>
+                    </a:solidFill>
                   </a:ln>
                 </p:spPr>
                 <p:style>
@@ -24826,7 +24532,12 @@
                   </a:fontRef>
                 </p:style>
                 <p:txBody>
-                  <a:bodyPr rtlCol="0" anchor="ctr"/>
+                  <a:bodyPr rot="0" spcFirstLastPara="0" vertOverflow="overflow" horzOverflow="overflow" vert="horz" wrap="square" lIns="91440" tIns="45720" rIns="91440" bIns="45720" numCol="1" spcCol="0" rtlCol="0" fromWordArt="0" anchor="ctr" anchorCtr="0" forceAA="0" compatLnSpc="1">
+                    <a:prstTxWarp prst="textNoShape">
+                      <a:avLst/>
+                    </a:prstTxWarp>
+                    <a:noAutofit/>
+                  </a:bodyPr>
                   <a:lstStyle/>
                   <a:p>
                     <a:pPr algn="ctr"/>
@@ -24834,127 +24545,212 @@
                   </a:p>
                 </p:txBody>
               </p:sp>
+              <p:cxnSp>
+                <p:nvCxnSpPr>
+                  <p:cNvPr id="30" name="Straight Connector 29">
+                    <a:extLst>
+                      <a:ext uri="{FF2B5EF4-FFF2-40B4-BE49-F238E27FC236}">
+                        <a16:creationId xmlns:a16="http://schemas.microsoft.com/office/drawing/2014/main" id="{29D77219-FB27-40D1-BF1E-63E51E81AF63}"/>
+                      </a:ext>
+                    </a:extLst>
+                  </p:cNvPr>
+                  <p:cNvCxnSpPr>
+                    <a:cxnSpLocks/>
+                    <a:stCxn id="29" idx="6"/>
+                    <a:endCxn id="46" idx="2"/>
+                  </p:cNvCxnSpPr>
+                  <p:nvPr/>
+                </p:nvCxnSpPr>
+                <p:spPr>
+                  <a:xfrm>
+                    <a:off x="7574849" y="1807807"/>
+                    <a:ext cx="335062" cy="0"/>
+                  </a:xfrm>
+                  <a:prstGeom prst="line">
+                    <a:avLst/>
+                  </a:prstGeom>
+                  <a:ln w="57150">
+                    <a:solidFill>
+                      <a:schemeClr val="accent6">
+                        <a:lumMod val="75000"/>
+                      </a:schemeClr>
+                    </a:solidFill>
+                  </a:ln>
+                </p:spPr>
+                <p:style>
+                  <a:lnRef idx="1">
+                    <a:schemeClr val="accent1"/>
+                  </a:lnRef>
+                  <a:fillRef idx="0">
+                    <a:schemeClr val="accent1"/>
+                  </a:fillRef>
+                  <a:effectRef idx="0">
+                    <a:schemeClr val="accent1"/>
+                  </a:effectRef>
+                  <a:fontRef idx="minor">
+                    <a:schemeClr val="tx1"/>
+                  </a:fontRef>
+                </p:style>
+              </p:cxnSp>
+              <p:sp>
+                <p:nvSpPr>
+                  <p:cNvPr id="31" name="Oval 30">
+                    <a:extLst>
+                      <a:ext uri="{FF2B5EF4-FFF2-40B4-BE49-F238E27FC236}">
+                        <a16:creationId xmlns:a16="http://schemas.microsoft.com/office/drawing/2014/main" id="{A1B6046F-FA53-47B0-9E4F-F445E377B838}"/>
+                      </a:ext>
+                    </a:extLst>
+                  </p:cNvPr>
+                  <p:cNvSpPr>
+                    <a:spLocks noChangeAspect="1"/>
+                  </p:cNvSpPr>
+                  <p:nvPr/>
+                </p:nvSpPr>
+                <p:spPr>
+                  <a:xfrm>
+                    <a:off x="6854849" y="2705873"/>
+                    <a:ext cx="720000" cy="718457"/>
+                  </a:xfrm>
+                  <a:prstGeom prst="ellipse">
+                    <a:avLst/>
+                  </a:prstGeom>
+                  <a:solidFill>
+                    <a:schemeClr val="bg1">
+                      <a:lumMod val="95000"/>
+                    </a:schemeClr>
+                  </a:solidFill>
+                  <a:ln w="57150">
+                    <a:solidFill>
+                      <a:schemeClr val="tx1"/>
+                    </a:solidFill>
+                  </a:ln>
+                </p:spPr>
+                <p:style>
+                  <a:lnRef idx="2">
+                    <a:schemeClr val="accent1">
+                      <a:shade val="50000"/>
+                    </a:schemeClr>
+                  </a:lnRef>
+                  <a:fillRef idx="1">
+                    <a:schemeClr val="accent1"/>
+                  </a:fillRef>
+                  <a:effectRef idx="0">
+                    <a:schemeClr val="accent1"/>
+                  </a:effectRef>
+                  <a:fontRef idx="minor">
+                    <a:schemeClr val="lt1"/>
+                  </a:fontRef>
+                </p:style>
+                <p:txBody>
+                  <a:bodyPr rot="0" spcFirstLastPara="0" vertOverflow="overflow" horzOverflow="overflow" vert="horz" wrap="square" lIns="91440" tIns="45720" rIns="91440" bIns="45720" numCol="1" spcCol="0" rtlCol="0" fromWordArt="0" anchor="ctr" anchorCtr="0" forceAA="0" compatLnSpc="1">
+                    <a:prstTxWarp prst="textNoShape">
+                      <a:avLst/>
+                    </a:prstTxWarp>
+                    <a:noAutofit/>
+                  </a:bodyPr>
+                  <a:lstStyle/>
+                  <a:p>
+                    <a:pPr algn="ctr"/>
+                    <a:endParaRPr lang="en-GB"/>
+                  </a:p>
+                </p:txBody>
+              </p:sp>
+              <p:cxnSp>
+                <p:nvCxnSpPr>
+                  <p:cNvPr id="32" name="Straight Connector 31">
+                    <a:extLst>
+                      <a:ext uri="{FF2B5EF4-FFF2-40B4-BE49-F238E27FC236}">
+                        <a16:creationId xmlns:a16="http://schemas.microsoft.com/office/drawing/2014/main" id="{FBD0E878-BBAF-4C06-B0A7-27812D549A27}"/>
+                      </a:ext>
+                    </a:extLst>
+                  </p:cNvPr>
+                  <p:cNvCxnSpPr>
+                    <a:cxnSpLocks/>
+                    <a:stCxn id="31" idx="6"/>
+                    <a:endCxn id="39" idx="2"/>
+                  </p:cNvCxnSpPr>
+                  <p:nvPr/>
+                </p:nvCxnSpPr>
+                <p:spPr>
+                  <a:xfrm>
+                    <a:off x="7574849" y="3065102"/>
+                    <a:ext cx="335063" cy="4"/>
+                  </a:xfrm>
+                  <a:prstGeom prst="line">
+                    <a:avLst/>
+                  </a:prstGeom>
+                  <a:ln w="57150">
+                    <a:solidFill>
+                      <a:schemeClr val="tx1"/>
+                    </a:solidFill>
+                  </a:ln>
+                </p:spPr>
+                <p:style>
+                  <a:lnRef idx="1">
+                    <a:schemeClr val="accent1"/>
+                  </a:lnRef>
+                  <a:fillRef idx="0">
+                    <a:schemeClr val="accent1"/>
+                  </a:fillRef>
+                  <a:effectRef idx="0">
+                    <a:schemeClr val="accent1"/>
+                  </a:effectRef>
+                  <a:fontRef idx="minor">
+                    <a:schemeClr val="tx1"/>
+                  </a:fontRef>
+                </p:style>
+              </p:cxnSp>
             </p:grpSp>
             <p:sp>
               <p:nvSpPr>
-                <p:cNvPr id="54" name="TextBox 53">
+                <p:cNvPr id="27" name="Rectangle 26">
                   <a:extLst>
                     <a:ext uri="{FF2B5EF4-FFF2-40B4-BE49-F238E27FC236}">
-                      <a16:creationId xmlns:a16="http://schemas.microsoft.com/office/drawing/2014/main" id="{D90BC259-2D01-443B-8F86-E09560A77EB5}"/>
+                      <a16:creationId xmlns:a16="http://schemas.microsoft.com/office/drawing/2014/main" id="{84B6FEA6-5D96-48D1-ABB9-829F8288D044}"/>
                     </a:ext>
                   </a:extLst>
                 </p:cNvPr>
-                <p:cNvSpPr txBox="1"/>
+                <p:cNvSpPr/>
                 <p:nvPr/>
               </p:nvSpPr>
               <p:spPr>
                 <a:xfrm>
-                  <a:off x="6129999" y="1117954"/>
-                  <a:ext cx="2812982" cy="369332"/>
+                  <a:off x="0" y="998376"/>
+                  <a:ext cx="12153604" cy="5638002"/>
                 </a:xfrm>
                 <a:prstGeom prst="rect">
                   <a:avLst/>
                 </a:prstGeom>
-                <a:solidFill>
-                  <a:schemeClr val="accent6">
-                    <a:lumMod val="20000"/>
-                    <a:lumOff val="80000"/>
-                  </a:schemeClr>
-                </a:solidFill>
-                <a:ln w="28575">
-                  <a:solidFill>
-                    <a:schemeClr val="accent6">
-                      <a:lumMod val="75000"/>
-                    </a:schemeClr>
-                  </a:solidFill>
-                  <a:prstDash val="sysDash"/>
-                </a:ln>
-              </p:spPr>
-              <p:txBody>
-                <a:bodyPr wrap="square" rtlCol="0">
-                  <a:spAutoFit/>
-                </a:bodyPr>
-                <a:lstStyle/>
-                <a:p>
-                  <a:r>
-                    <a:rPr lang="en-GB" i="1" dirty="0">
-                      <a:latin typeface="Arial" panose="020B0604020202020204" pitchFamily="34" charset="0"/>
-                      <a:cs typeface="Arial" panose="020B0604020202020204" pitchFamily="34" charset="0"/>
-                    </a:rPr>
-                    <a:t>commit</a:t>
-                  </a:r>
-                  <a:r>
-                    <a:rPr lang="en-GB" dirty="0">
-                      <a:latin typeface="Arial" panose="020B0604020202020204" pitchFamily="34" charset="0"/>
-                      <a:cs typeface="Arial" panose="020B0604020202020204" pitchFamily="34" charset="0"/>
-                    </a:rPr>
-                    <a:t>: add </a:t>
-                  </a:r>
-                  <a:r>
-                    <a:rPr lang="en-GB" dirty="0" err="1">
-                      <a:latin typeface="Arial" panose="020B0604020202020204" pitchFamily="34" charset="0"/>
-                      <a:cs typeface="Arial" panose="020B0604020202020204" pitchFamily="34" charset="0"/>
-                    </a:rPr>
-                    <a:t>Rstudio</a:t>
-                  </a:r>
-                  <a:r>
-                    <a:rPr lang="en-GB" dirty="0">
-                      <a:latin typeface="Arial" panose="020B0604020202020204" pitchFamily="34" charset="0"/>
-                      <a:cs typeface="Arial" panose="020B0604020202020204" pitchFamily="34" charset="0"/>
-                    </a:rPr>
-                    <a:t> gif</a:t>
-                  </a:r>
-                </a:p>
-              </p:txBody>
-            </p:sp>
-            <p:cxnSp>
-              <p:nvCxnSpPr>
-                <p:cNvPr id="55" name="Straight Arrow Connector 54">
-                  <a:extLst>
-                    <a:ext uri="{FF2B5EF4-FFF2-40B4-BE49-F238E27FC236}">
-                      <a16:creationId xmlns:a16="http://schemas.microsoft.com/office/drawing/2014/main" id="{F2006011-99D1-49C7-A6A3-7A7DC28548FA}"/>
-                    </a:ext>
-                  </a:extLst>
-                </p:cNvPr>
-                <p:cNvCxnSpPr>
-                  <a:cxnSpLocks/>
-                  <a:stCxn id="54" idx="2"/>
-                </p:cNvCxnSpPr>
-                <p:nvPr/>
-              </p:nvCxnSpPr>
-              <p:spPr>
-                <a:xfrm>
-                  <a:off x="7536490" y="1487286"/>
-                  <a:ext cx="0" cy="912459"/>
-                </a:xfrm>
-                <a:prstGeom prst="straightConnector1">
-                  <a:avLst/>
-                </a:prstGeom>
-                <a:ln w="28575">
-                  <a:solidFill>
-                    <a:schemeClr val="accent6">
-                      <a:lumMod val="75000"/>
-                    </a:schemeClr>
-                  </a:solidFill>
-                  <a:prstDash val="sysDash"/>
-                  <a:tailEnd type="triangle"/>
+                <a:noFill/>
+                <a:ln>
+                  <a:noFill/>
                 </a:ln>
               </p:spPr>
               <p:style>
-                <a:lnRef idx="1">
-                  <a:schemeClr val="accent1"/>
+                <a:lnRef idx="2">
+                  <a:schemeClr val="accent1">
+                    <a:shade val="50000"/>
+                  </a:schemeClr>
                 </a:lnRef>
-                <a:fillRef idx="0">
+                <a:fillRef idx="1">
                   <a:schemeClr val="accent1"/>
                 </a:fillRef>
                 <a:effectRef idx="0">
                   <a:schemeClr val="accent1"/>
                 </a:effectRef>
                 <a:fontRef idx="minor">
-                  <a:schemeClr val="tx1"/>
+                  <a:schemeClr val="lt1"/>
                 </a:fontRef>
               </p:style>
-            </p:cxnSp>
+              <p:txBody>
+                <a:bodyPr rtlCol="0" anchor="ctr"/>
+                <a:lstStyle/>
+                <a:p>
+                  <a:pPr algn="ctr"/>
+                  <a:endParaRPr lang="en-GB"/>
+                </a:p>
+              </p:txBody>
+            </p:sp>
           </p:grpSp>
           <p:sp>
             <p:nvSpPr>
@@ -25168,6 +24964,112 @@
           </p:style>
         </p:cxnSp>
       </p:grpSp>
+      <p:sp>
+        <p:nvSpPr>
+          <p:cNvPr id="56" name="TextBox 55">
+            <a:extLst>
+              <a:ext uri="{FF2B5EF4-FFF2-40B4-BE49-F238E27FC236}">
+                <a16:creationId xmlns:a16="http://schemas.microsoft.com/office/drawing/2014/main" id="{A805C49E-D405-4C3A-BBBC-E7A05A2787A2}"/>
+              </a:ext>
+            </a:extLst>
+          </p:cNvPr>
+          <p:cNvSpPr txBox="1"/>
+          <p:nvPr/>
+        </p:nvSpPr>
+        <p:spPr>
+          <a:xfrm>
+            <a:off x="6420944" y="1097064"/>
+            <a:ext cx="2240917" cy="369332"/>
+          </a:xfrm>
+          <a:prstGeom prst="rect">
+            <a:avLst/>
+          </a:prstGeom>
+          <a:solidFill>
+            <a:schemeClr val="accent6">
+              <a:lumMod val="20000"/>
+              <a:lumOff val="80000"/>
+            </a:schemeClr>
+          </a:solidFill>
+          <a:ln w="28575">
+            <a:solidFill>
+              <a:schemeClr val="accent6">
+                <a:lumMod val="75000"/>
+              </a:schemeClr>
+            </a:solidFill>
+            <a:prstDash val="sysDash"/>
+          </a:ln>
+        </p:spPr>
+        <p:txBody>
+          <a:bodyPr wrap="square" rtlCol="0">
+            <a:spAutoFit/>
+          </a:bodyPr>
+          <a:lstStyle/>
+          <a:p>
+            <a:r>
+              <a:rPr lang="en-GB" i="1" dirty="0">
+                <a:latin typeface="Arial" panose="020B0604020202020204" pitchFamily="34" charset="0"/>
+                <a:cs typeface="Arial" panose="020B0604020202020204" pitchFamily="34" charset="0"/>
+              </a:rPr>
+              <a:t>commit</a:t>
+            </a:r>
+            <a:r>
+              <a:rPr lang="en-GB" dirty="0">
+                <a:latin typeface="Arial" panose="020B0604020202020204" pitchFamily="34" charset="0"/>
+                <a:cs typeface="Arial" panose="020B0604020202020204" pitchFamily="34" charset="0"/>
+              </a:rPr>
+              <a:t>: add content</a:t>
+            </a:r>
+          </a:p>
+        </p:txBody>
+      </p:sp>
+      <p:cxnSp>
+        <p:nvCxnSpPr>
+          <p:cNvPr id="57" name="Straight Arrow Connector 56">
+            <a:extLst>
+              <a:ext uri="{FF2B5EF4-FFF2-40B4-BE49-F238E27FC236}">
+                <a16:creationId xmlns:a16="http://schemas.microsoft.com/office/drawing/2014/main" id="{D097102B-3F79-4AD7-8984-282A0CBCDC49}"/>
+              </a:ext>
+            </a:extLst>
+          </p:cNvPr>
+          <p:cNvCxnSpPr>
+            <a:cxnSpLocks/>
+            <a:stCxn id="56" idx="2"/>
+          </p:cNvCxnSpPr>
+          <p:nvPr/>
+        </p:nvCxnSpPr>
+        <p:spPr>
+          <a:xfrm flipH="1">
+            <a:off x="7536490" y="1466396"/>
+            <a:ext cx="4913" cy="933349"/>
+          </a:xfrm>
+          <a:prstGeom prst="straightConnector1">
+            <a:avLst/>
+          </a:prstGeom>
+          <a:ln w="28575">
+            <a:solidFill>
+              <a:schemeClr val="accent6">
+                <a:lumMod val="75000"/>
+              </a:schemeClr>
+            </a:solidFill>
+            <a:prstDash val="sysDash"/>
+            <a:tailEnd type="triangle"/>
+          </a:ln>
+        </p:spPr>
+        <p:style>
+          <a:lnRef idx="1">
+            <a:schemeClr val="accent1"/>
+          </a:lnRef>
+          <a:fillRef idx="0">
+            <a:schemeClr val="accent1"/>
+          </a:fillRef>
+          <a:effectRef idx="0">
+            <a:schemeClr val="accent1"/>
+          </a:effectRef>
+          <a:fontRef idx="minor">
+            <a:schemeClr val="tx1"/>
+          </a:fontRef>
+        </p:style>
+      </p:cxnSp>
     </p:spTree>
     <p:extLst>
       <p:ext uri="{BB962C8B-B14F-4D97-AF65-F5344CB8AC3E}">

--- a/images/WorkingWithGit/PerfectGitWorking.pptx
+++ b/images/WorkingWithGit/PerfectGitWorking.pptx
@@ -273,7 +273,7 @@
           <a:p>
             <a:fld id="{D8626938-66F0-47ED-B9EF-65ECDD3C6BED}" type="datetimeFigureOut">
               <a:rPr lang="en-GB" smtClean="0"/>
-              <a:t>26/11/2020</a:t>
+              <a:t>28/04/2021</a:t>
             </a:fld>
             <a:endParaRPr lang="en-GB"/>
           </a:p>
@@ -473,7 +473,7 @@
           <a:p>
             <a:fld id="{D8626938-66F0-47ED-B9EF-65ECDD3C6BED}" type="datetimeFigureOut">
               <a:rPr lang="en-GB" smtClean="0"/>
-              <a:t>26/11/2020</a:t>
+              <a:t>28/04/2021</a:t>
             </a:fld>
             <a:endParaRPr lang="en-GB"/>
           </a:p>
@@ -683,7 +683,7 @@
           <a:p>
             <a:fld id="{D8626938-66F0-47ED-B9EF-65ECDD3C6BED}" type="datetimeFigureOut">
               <a:rPr lang="en-GB" smtClean="0"/>
-              <a:t>26/11/2020</a:t>
+              <a:t>28/04/2021</a:t>
             </a:fld>
             <a:endParaRPr lang="en-GB"/>
           </a:p>
@@ -883,7 +883,7 @@
           <a:p>
             <a:fld id="{D8626938-66F0-47ED-B9EF-65ECDD3C6BED}" type="datetimeFigureOut">
               <a:rPr lang="en-GB" smtClean="0"/>
-              <a:t>26/11/2020</a:t>
+              <a:t>28/04/2021</a:t>
             </a:fld>
             <a:endParaRPr lang="en-GB"/>
           </a:p>
@@ -1159,7 +1159,7 @@
           <a:p>
             <a:fld id="{D8626938-66F0-47ED-B9EF-65ECDD3C6BED}" type="datetimeFigureOut">
               <a:rPr lang="en-GB" smtClean="0"/>
-              <a:t>26/11/2020</a:t>
+              <a:t>28/04/2021</a:t>
             </a:fld>
             <a:endParaRPr lang="en-GB"/>
           </a:p>
@@ -1427,7 +1427,7 @@
           <a:p>
             <a:fld id="{D8626938-66F0-47ED-B9EF-65ECDD3C6BED}" type="datetimeFigureOut">
               <a:rPr lang="en-GB" smtClean="0"/>
-              <a:t>26/11/2020</a:t>
+              <a:t>28/04/2021</a:t>
             </a:fld>
             <a:endParaRPr lang="en-GB"/>
           </a:p>
@@ -1842,7 +1842,7 @@
           <a:p>
             <a:fld id="{D8626938-66F0-47ED-B9EF-65ECDD3C6BED}" type="datetimeFigureOut">
               <a:rPr lang="en-GB" smtClean="0"/>
-              <a:t>26/11/2020</a:t>
+              <a:t>28/04/2021</a:t>
             </a:fld>
             <a:endParaRPr lang="en-GB"/>
           </a:p>
@@ -1984,7 +1984,7 @@
           <a:p>
             <a:fld id="{D8626938-66F0-47ED-B9EF-65ECDD3C6BED}" type="datetimeFigureOut">
               <a:rPr lang="en-GB" smtClean="0"/>
-              <a:t>26/11/2020</a:t>
+              <a:t>28/04/2021</a:t>
             </a:fld>
             <a:endParaRPr lang="en-GB"/>
           </a:p>
@@ -2097,7 +2097,7 @@
           <a:p>
             <a:fld id="{D8626938-66F0-47ED-B9EF-65ECDD3C6BED}" type="datetimeFigureOut">
               <a:rPr lang="en-GB" smtClean="0"/>
-              <a:t>26/11/2020</a:t>
+              <a:t>28/04/2021</a:t>
             </a:fld>
             <a:endParaRPr lang="en-GB"/>
           </a:p>
@@ -2410,7 +2410,7 @@
           <a:p>
             <a:fld id="{D8626938-66F0-47ED-B9EF-65ECDD3C6BED}" type="datetimeFigureOut">
               <a:rPr lang="en-GB" smtClean="0"/>
-              <a:t>26/11/2020</a:t>
+              <a:t>28/04/2021</a:t>
             </a:fld>
             <a:endParaRPr lang="en-GB"/>
           </a:p>
@@ -2699,7 +2699,7 @@
           <a:p>
             <a:fld id="{D8626938-66F0-47ED-B9EF-65ECDD3C6BED}" type="datetimeFigureOut">
               <a:rPr lang="en-GB" smtClean="0"/>
-              <a:t>26/11/2020</a:t>
+              <a:t>28/04/2021</a:t>
             </a:fld>
             <a:endParaRPr lang="en-GB"/>
           </a:p>
@@ -2942,7 +2942,7 @@
           <a:p>
             <a:fld id="{D8626938-66F0-47ED-B9EF-65ECDD3C6BED}" type="datetimeFigureOut">
               <a:rPr lang="en-GB" smtClean="0"/>
-              <a:t>26/11/2020</a:t>
+              <a:t>28/04/2021</a:t>
             </a:fld>
             <a:endParaRPr lang="en-GB"/>
           </a:p>
@@ -10216,2534 +10216,6 @@
           <a:chExt cx="0" cy="0"/>
         </a:xfrm>
       </p:grpSpPr>
-      <p:grpSp>
-        <p:nvGrpSpPr>
-          <p:cNvPr id="2" name="Group 1">
-            <a:extLst>
-              <a:ext uri="{FF2B5EF4-FFF2-40B4-BE49-F238E27FC236}">
-                <a16:creationId xmlns:a16="http://schemas.microsoft.com/office/drawing/2014/main" id="{6A95F45D-AC6C-4B7D-B5FA-68848682E838}"/>
-              </a:ext>
-            </a:extLst>
-          </p:cNvPr>
-          <p:cNvGrpSpPr/>
-          <p:nvPr/>
-        </p:nvGrpSpPr>
-        <p:grpSpPr>
-          <a:xfrm>
-            <a:off x="0" y="998376"/>
-            <a:ext cx="12153604" cy="5638002"/>
-            <a:chOff x="0" y="998376"/>
-            <a:chExt cx="12153604" cy="5638002"/>
-          </a:xfrm>
-        </p:grpSpPr>
-        <p:grpSp>
-          <p:nvGrpSpPr>
-            <p:cNvPr id="5" name="Group 4">
-              <a:extLst>
-                <a:ext uri="{FF2B5EF4-FFF2-40B4-BE49-F238E27FC236}">
-                  <a16:creationId xmlns:a16="http://schemas.microsoft.com/office/drawing/2014/main" id="{8874E696-2E36-4B68-97C1-8820A3A395FC}"/>
-                </a:ext>
-              </a:extLst>
-            </p:cNvPr>
-            <p:cNvGrpSpPr/>
-            <p:nvPr/>
-          </p:nvGrpSpPr>
-          <p:grpSpPr>
-            <a:xfrm>
-              <a:off x="0" y="998376"/>
-              <a:ext cx="12153604" cy="5638002"/>
-              <a:chOff x="0" y="998376"/>
-              <a:chExt cx="12153604" cy="5638002"/>
-            </a:xfrm>
-          </p:grpSpPr>
-          <p:grpSp>
-            <p:nvGrpSpPr>
-              <p:cNvPr id="6" name="Group 5">
-                <a:extLst>
-                  <a:ext uri="{FF2B5EF4-FFF2-40B4-BE49-F238E27FC236}">
-                    <a16:creationId xmlns:a16="http://schemas.microsoft.com/office/drawing/2014/main" id="{8431797C-EA8C-41CA-9436-8A8271E304FA}"/>
-                  </a:ext>
-                </a:extLst>
-              </p:cNvPr>
-              <p:cNvGrpSpPr>
-                <a:grpSpLocks noChangeAspect="1"/>
-              </p:cNvGrpSpPr>
-              <p:nvPr/>
-            </p:nvGrpSpPr>
-            <p:grpSpPr>
-              <a:xfrm>
-                <a:off x="2345946" y="2399745"/>
-                <a:ext cx="9354426" cy="2834727"/>
-                <a:chOff x="1290669" y="1448578"/>
-                <a:chExt cx="10676589" cy="3235390"/>
-              </a:xfrm>
-            </p:grpSpPr>
-            <p:grpSp>
-              <p:nvGrpSpPr>
-                <p:cNvPr id="28" name="Group 27">
-                  <a:extLst>
-                    <a:ext uri="{FF2B5EF4-FFF2-40B4-BE49-F238E27FC236}">
-                      <a16:creationId xmlns:a16="http://schemas.microsoft.com/office/drawing/2014/main" id="{03D6A0CE-BEDD-4655-A727-2B9E49441D6F}"/>
-                    </a:ext>
-                  </a:extLst>
-                </p:cNvPr>
-                <p:cNvGrpSpPr/>
-                <p:nvPr/>
-              </p:nvGrpSpPr>
-              <p:grpSpPr>
-                <a:xfrm>
-                  <a:off x="1290669" y="1448578"/>
-                  <a:ext cx="10676589" cy="3235390"/>
-                  <a:chOff x="877068" y="1653851"/>
-                  <a:chExt cx="10676589" cy="3235390"/>
-                </a:xfrm>
-              </p:grpSpPr>
-              <p:cxnSp>
-                <p:nvCxnSpPr>
-                  <p:cNvPr id="33" name="Connector: Curved 32">
-                    <a:extLst>
-                      <a:ext uri="{FF2B5EF4-FFF2-40B4-BE49-F238E27FC236}">
-                        <a16:creationId xmlns:a16="http://schemas.microsoft.com/office/drawing/2014/main" id="{53712A8E-6665-4ACE-B50C-DFF5F68C8FC6}"/>
-                      </a:ext>
-                    </a:extLst>
-                  </p:cNvPr>
-                  <p:cNvCxnSpPr>
-                    <a:cxnSpLocks/>
-                    <a:stCxn id="47" idx="2"/>
-                  </p:cNvCxnSpPr>
-                  <p:nvPr/>
-                </p:nvCxnSpPr>
-                <p:spPr>
-                  <a:xfrm rot="10800000">
-                    <a:off x="8248253" y="3270379"/>
-                    <a:ext cx="975847" cy="1259635"/>
-                  </a:xfrm>
-                  <a:prstGeom prst="curvedConnector3">
-                    <a:avLst>
-                      <a:gd name="adj1" fmla="val 50000"/>
-                    </a:avLst>
-                  </a:prstGeom>
-                  <a:ln w="57150">
-                    <a:solidFill>
-                      <a:schemeClr val="accent5">
-                        <a:lumMod val="75000"/>
-                      </a:schemeClr>
-                    </a:solidFill>
-                  </a:ln>
-                </p:spPr>
-                <p:style>
-                  <a:lnRef idx="1">
-                    <a:schemeClr val="accent1"/>
-                  </a:lnRef>
-                  <a:fillRef idx="0">
-                    <a:schemeClr val="accent1"/>
-                  </a:fillRef>
-                  <a:effectRef idx="0">
-                    <a:schemeClr val="accent1"/>
-                  </a:effectRef>
-                  <a:fontRef idx="minor">
-                    <a:schemeClr val="tx1"/>
-                  </a:fontRef>
-                </p:style>
-              </p:cxnSp>
-              <p:cxnSp>
-                <p:nvCxnSpPr>
-                  <p:cNvPr id="34" name="Connector: Curved 33">
-                    <a:extLst>
-                      <a:ext uri="{FF2B5EF4-FFF2-40B4-BE49-F238E27FC236}">
-                        <a16:creationId xmlns:a16="http://schemas.microsoft.com/office/drawing/2014/main" id="{2AA76F07-095D-40FE-806F-981DA3A464AF}"/>
-                      </a:ext>
-                    </a:extLst>
-                  </p:cNvPr>
-                  <p:cNvCxnSpPr>
-                    <a:cxnSpLocks/>
-                    <a:stCxn id="39" idx="0"/>
-                    <a:endCxn id="46" idx="4"/>
-                  </p:cNvCxnSpPr>
-                  <p:nvPr/>
-                </p:nvCxnSpPr>
-                <p:spPr>
-                  <a:xfrm rot="16200000" flipV="1">
-                    <a:off x="7586890" y="2641728"/>
-                    <a:ext cx="538842" cy="1"/>
-                  </a:xfrm>
-                  <a:prstGeom prst="curvedConnector3">
-                    <a:avLst>
-                      <a:gd name="adj1" fmla="val 50000"/>
-                    </a:avLst>
-                  </a:prstGeom>
-                  <a:ln w="57150">
-                    <a:solidFill>
-                      <a:schemeClr val="accent6">
-                        <a:lumMod val="75000"/>
-                      </a:schemeClr>
-                    </a:solidFill>
-                  </a:ln>
-                </p:spPr>
-                <p:style>
-                  <a:lnRef idx="1">
-                    <a:schemeClr val="accent1"/>
-                  </a:lnRef>
-                  <a:fillRef idx="0">
-                    <a:schemeClr val="accent1"/>
-                  </a:fillRef>
-                  <a:effectRef idx="0">
-                    <a:schemeClr val="accent1"/>
-                  </a:effectRef>
-                  <a:fontRef idx="minor">
-                    <a:schemeClr val="tx1"/>
-                  </a:fontRef>
-                </p:style>
-              </p:cxnSp>
-              <p:cxnSp>
-                <p:nvCxnSpPr>
-                  <p:cNvPr id="35" name="Connector: Curved 34">
-                    <a:extLst>
-                      <a:ext uri="{FF2B5EF4-FFF2-40B4-BE49-F238E27FC236}">
-                        <a16:creationId xmlns:a16="http://schemas.microsoft.com/office/drawing/2014/main" id="{3C62EAE6-1233-4BD5-9F8E-2D251FB07BF1}"/>
-                      </a:ext>
-                    </a:extLst>
-                  </p:cNvPr>
-                  <p:cNvCxnSpPr>
-                    <a:cxnSpLocks/>
-                    <a:stCxn id="36" idx="6"/>
-                    <a:endCxn id="44" idx="2"/>
-                  </p:cNvCxnSpPr>
-                  <p:nvPr/>
-                </p:nvCxnSpPr>
-                <p:spPr>
-                  <a:xfrm flipV="1">
-                    <a:off x="1597068" y="2013081"/>
-                    <a:ext cx="598727" cy="1257300"/>
-                  </a:xfrm>
-                  <a:prstGeom prst="curvedConnector3">
-                    <a:avLst>
-                      <a:gd name="adj1" fmla="val 50000"/>
-                    </a:avLst>
-                  </a:prstGeom>
-                  <a:ln w="57150">
-                    <a:solidFill>
-                      <a:schemeClr val="accent6">
-                        <a:lumMod val="75000"/>
-                      </a:schemeClr>
-                    </a:solidFill>
-                  </a:ln>
-                </p:spPr>
-                <p:style>
-                  <a:lnRef idx="1">
-                    <a:schemeClr val="accent1"/>
-                  </a:lnRef>
-                  <a:fillRef idx="0">
-                    <a:schemeClr val="accent1"/>
-                  </a:fillRef>
-                  <a:effectRef idx="0">
-                    <a:schemeClr val="accent1"/>
-                  </a:effectRef>
-                  <a:fontRef idx="minor">
-                    <a:schemeClr val="tx1"/>
-                  </a:fontRef>
-                </p:style>
-              </p:cxnSp>
-              <p:sp>
-                <p:nvSpPr>
-                  <p:cNvPr id="36" name="Oval 35">
-                    <a:extLst>
-                      <a:ext uri="{FF2B5EF4-FFF2-40B4-BE49-F238E27FC236}">
-                        <a16:creationId xmlns:a16="http://schemas.microsoft.com/office/drawing/2014/main" id="{65B9FBA5-354F-4BCA-BBEA-978A2616F90D}"/>
-                      </a:ext>
-                    </a:extLst>
-                  </p:cNvPr>
-                  <p:cNvSpPr>
-                    <a:spLocks noChangeAspect="1"/>
-                  </p:cNvSpPr>
-                  <p:nvPr/>
-                </p:nvSpPr>
-                <p:spPr>
-                  <a:xfrm>
-                    <a:off x="877068" y="2911152"/>
-                    <a:ext cx="720000" cy="718457"/>
-                  </a:xfrm>
-                  <a:prstGeom prst="ellipse">
-                    <a:avLst/>
-                  </a:prstGeom>
-                  <a:solidFill>
-                    <a:schemeClr val="bg1">
-                      <a:lumMod val="95000"/>
-                    </a:schemeClr>
-                  </a:solidFill>
-                  <a:ln w="57150">
-                    <a:solidFill>
-                      <a:schemeClr val="tx1"/>
-                    </a:solidFill>
-                  </a:ln>
-                </p:spPr>
-                <p:style>
-                  <a:lnRef idx="2">
-                    <a:schemeClr val="accent1">
-                      <a:shade val="50000"/>
-                    </a:schemeClr>
-                  </a:lnRef>
-                  <a:fillRef idx="1">
-                    <a:schemeClr val="accent1"/>
-                  </a:fillRef>
-                  <a:effectRef idx="0">
-                    <a:schemeClr val="accent1"/>
-                  </a:effectRef>
-                  <a:fontRef idx="minor">
-                    <a:schemeClr val="lt1"/>
-                  </a:fontRef>
-                </p:style>
-                <p:txBody>
-                  <a:bodyPr rot="0" spcFirstLastPara="0" vertOverflow="overflow" horzOverflow="overflow" vert="horz" wrap="square" lIns="91440" tIns="45720" rIns="91440" bIns="45720" numCol="1" spcCol="0" rtlCol="0" fromWordArt="0" anchor="ctr" anchorCtr="0" forceAA="0" compatLnSpc="1">
-                    <a:prstTxWarp prst="textNoShape">
-                      <a:avLst/>
-                    </a:prstTxWarp>
-                    <a:noAutofit/>
-                  </a:bodyPr>
-                  <a:lstStyle/>
-                  <a:p>
-                    <a:pPr algn="ctr"/>
-                    <a:endParaRPr lang="en-GB"/>
-                  </a:p>
-                </p:txBody>
-              </p:sp>
-              <p:sp>
-                <p:nvSpPr>
-                  <p:cNvPr id="37" name="Oval 36">
-                    <a:extLst>
-                      <a:ext uri="{FF2B5EF4-FFF2-40B4-BE49-F238E27FC236}">
-                        <a16:creationId xmlns:a16="http://schemas.microsoft.com/office/drawing/2014/main" id="{D416F81B-D06D-406E-ABDA-857159C3A11C}"/>
-                      </a:ext>
-                    </a:extLst>
-                  </p:cNvPr>
-                  <p:cNvSpPr>
-                    <a:spLocks noChangeAspect="1"/>
-                  </p:cNvSpPr>
-                  <p:nvPr/>
-                </p:nvSpPr>
-                <p:spPr>
-                  <a:xfrm>
-                    <a:off x="2195795" y="2911152"/>
-                    <a:ext cx="720000" cy="718457"/>
-                  </a:xfrm>
-                  <a:prstGeom prst="ellipse">
-                    <a:avLst/>
-                  </a:prstGeom>
-                  <a:solidFill>
-                    <a:schemeClr val="bg1">
-                      <a:lumMod val="95000"/>
-                    </a:schemeClr>
-                  </a:solidFill>
-                  <a:ln w="57150">
-                    <a:solidFill>
-                      <a:schemeClr val="tx1"/>
-                    </a:solidFill>
-                  </a:ln>
-                </p:spPr>
-                <p:style>
-                  <a:lnRef idx="2">
-                    <a:schemeClr val="accent1">
-                      <a:shade val="50000"/>
-                    </a:schemeClr>
-                  </a:lnRef>
-                  <a:fillRef idx="1">
-                    <a:schemeClr val="accent1"/>
-                  </a:fillRef>
-                  <a:effectRef idx="0">
-                    <a:schemeClr val="accent1"/>
-                  </a:effectRef>
-                  <a:fontRef idx="minor">
-                    <a:schemeClr val="lt1"/>
-                  </a:fontRef>
-                </p:style>
-                <p:txBody>
-                  <a:bodyPr rot="0" spcFirstLastPara="0" vertOverflow="overflow" horzOverflow="overflow" vert="horz" wrap="square" lIns="91440" tIns="45720" rIns="91440" bIns="45720" numCol="1" spcCol="0" rtlCol="0" fromWordArt="0" anchor="ctr" anchorCtr="0" forceAA="0" compatLnSpc="1">
-                    <a:prstTxWarp prst="textNoShape">
-                      <a:avLst/>
-                    </a:prstTxWarp>
-                    <a:noAutofit/>
-                  </a:bodyPr>
-                  <a:lstStyle/>
-                  <a:p>
-                    <a:pPr algn="ctr"/>
-                    <a:endParaRPr lang="en-GB"/>
-                  </a:p>
-                </p:txBody>
-              </p:sp>
-              <p:sp>
-                <p:nvSpPr>
-                  <p:cNvPr id="38" name="Oval 37">
-                    <a:extLst>
-                      <a:ext uri="{FF2B5EF4-FFF2-40B4-BE49-F238E27FC236}">
-                        <a16:creationId xmlns:a16="http://schemas.microsoft.com/office/drawing/2014/main" id="{526A233C-F382-4723-A6F7-3BFB1698732D}"/>
-                      </a:ext>
-                    </a:extLst>
-                  </p:cNvPr>
-                  <p:cNvSpPr>
-                    <a:spLocks noChangeAspect="1"/>
-                  </p:cNvSpPr>
-                  <p:nvPr/>
-                </p:nvSpPr>
-                <p:spPr>
-                  <a:xfrm>
-                    <a:off x="4276521" y="2911151"/>
-                    <a:ext cx="720000" cy="718457"/>
-                  </a:xfrm>
-                  <a:prstGeom prst="ellipse">
-                    <a:avLst/>
-                  </a:prstGeom>
-                  <a:solidFill>
-                    <a:schemeClr val="bg1">
-                      <a:lumMod val="95000"/>
-                    </a:schemeClr>
-                  </a:solidFill>
-                  <a:ln w="57150">
-                    <a:solidFill>
-                      <a:schemeClr val="tx1"/>
-                    </a:solidFill>
-                  </a:ln>
-                </p:spPr>
-                <p:style>
-                  <a:lnRef idx="2">
-                    <a:schemeClr val="accent1">
-                      <a:shade val="50000"/>
-                    </a:schemeClr>
-                  </a:lnRef>
-                  <a:fillRef idx="1">
-                    <a:schemeClr val="accent1"/>
-                  </a:fillRef>
-                  <a:effectRef idx="0">
-                    <a:schemeClr val="accent1"/>
-                  </a:effectRef>
-                  <a:fontRef idx="minor">
-                    <a:schemeClr val="lt1"/>
-                  </a:fontRef>
-                </p:style>
-                <p:txBody>
-                  <a:bodyPr rot="0" spcFirstLastPara="0" vertOverflow="overflow" horzOverflow="overflow" vert="horz" wrap="square" lIns="91440" tIns="45720" rIns="91440" bIns="45720" numCol="1" spcCol="0" rtlCol="0" fromWordArt="0" anchor="ctr" anchorCtr="0" forceAA="0" compatLnSpc="1">
-                    <a:prstTxWarp prst="textNoShape">
-                      <a:avLst/>
-                    </a:prstTxWarp>
-                    <a:noAutofit/>
-                  </a:bodyPr>
-                  <a:lstStyle/>
-                  <a:p>
-                    <a:pPr algn="ctr"/>
-                    <a:endParaRPr lang="en-GB"/>
-                  </a:p>
-                </p:txBody>
-              </p:sp>
-              <p:sp>
-                <p:nvSpPr>
-                  <p:cNvPr id="39" name="Oval 38">
-                    <a:extLst>
-                      <a:ext uri="{FF2B5EF4-FFF2-40B4-BE49-F238E27FC236}">
-                        <a16:creationId xmlns:a16="http://schemas.microsoft.com/office/drawing/2014/main" id="{AF8F35A3-5AAD-4C96-9BBF-C36A8FF027CF}"/>
-                      </a:ext>
-                    </a:extLst>
-                  </p:cNvPr>
-                  <p:cNvSpPr>
-                    <a:spLocks noChangeAspect="1"/>
-                  </p:cNvSpPr>
-                  <p:nvPr/>
-                </p:nvSpPr>
-                <p:spPr>
-                  <a:xfrm>
-                    <a:off x="7496311" y="2911150"/>
-                    <a:ext cx="720000" cy="718457"/>
-                  </a:xfrm>
-                  <a:prstGeom prst="ellipse">
-                    <a:avLst/>
-                  </a:prstGeom>
-                  <a:solidFill>
-                    <a:schemeClr val="bg1">
-                      <a:lumMod val="95000"/>
-                    </a:schemeClr>
-                  </a:solidFill>
-                  <a:ln w="57150">
-                    <a:solidFill>
-                      <a:schemeClr val="tx1"/>
-                    </a:solidFill>
-                  </a:ln>
-                </p:spPr>
-                <p:style>
-                  <a:lnRef idx="2">
-                    <a:schemeClr val="accent1">
-                      <a:shade val="50000"/>
-                    </a:schemeClr>
-                  </a:lnRef>
-                  <a:fillRef idx="1">
-                    <a:schemeClr val="accent1"/>
-                  </a:fillRef>
-                  <a:effectRef idx="0">
-                    <a:schemeClr val="accent1"/>
-                  </a:effectRef>
-                  <a:fontRef idx="minor">
-                    <a:schemeClr val="lt1"/>
-                  </a:fontRef>
-                </p:style>
-                <p:txBody>
-                  <a:bodyPr rot="0" spcFirstLastPara="0" vertOverflow="overflow" horzOverflow="overflow" vert="horz" wrap="square" lIns="91440" tIns="45720" rIns="91440" bIns="45720" numCol="1" spcCol="0" rtlCol="0" fromWordArt="0" anchor="ctr" anchorCtr="0" forceAA="0" compatLnSpc="1">
-                    <a:prstTxWarp prst="textNoShape">
-                      <a:avLst/>
-                    </a:prstTxWarp>
-                    <a:noAutofit/>
-                  </a:bodyPr>
-                  <a:lstStyle/>
-                  <a:p>
-                    <a:pPr algn="ctr"/>
-                    <a:endParaRPr lang="en-GB"/>
-                  </a:p>
-                </p:txBody>
-              </p:sp>
-              <p:cxnSp>
-                <p:nvCxnSpPr>
-                  <p:cNvPr id="40" name="Straight Connector 39">
-                    <a:extLst>
-                      <a:ext uri="{FF2B5EF4-FFF2-40B4-BE49-F238E27FC236}">
-                        <a16:creationId xmlns:a16="http://schemas.microsoft.com/office/drawing/2014/main" id="{DEBE9B6C-E6AB-4C94-81CE-31EA030C899D}"/>
-                      </a:ext>
-                    </a:extLst>
-                  </p:cNvPr>
-                  <p:cNvCxnSpPr>
-                    <a:stCxn id="36" idx="6"/>
-                    <a:endCxn id="37" idx="2"/>
-                  </p:cNvCxnSpPr>
-                  <p:nvPr/>
-                </p:nvCxnSpPr>
-                <p:spPr>
-                  <a:xfrm>
-                    <a:off x="1597068" y="3270381"/>
-                    <a:ext cx="598727" cy="0"/>
-                  </a:xfrm>
-                  <a:prstGeom prst="line">
-                    <a:avLst/>
-                  </a:prstGeom>
-                  <a:ln w="57150">
-                    <a:solidFill>
-                      <a:schemeClr val="tx1"/>
-                    </a:solidFill>
-                  </a:ln>
-                </p:spPr>
-                <p:style>
-                  <a:lnRef idx="1">
-                    <a:schemeClr val="accent1"/>
-                  </a:lnRef>
-                  <a:fillRef idx="0">
-                    <a:schemeClr val="accent1"/>
-                  </a:fillRef>
-                  <a:effectRef idx="0">
-                    <a:schemeClr val="accent1"/>
-                  </a:effectRef>
-                  <a:fontRef idx="minor">
-                    <a:schemeClr val="tx1"/>
-                  </a:fontRef>
-                </p:style>
-              </p:cxnSp>
-              <p:cxnSp>
-                <p:nvCxnSpPr>
-                  <p:cNvPr id="41" name="Straight Connector 40">
-                    <a:extLst>
-                      <a:ext uri="{FF2B5EF4-FFF2-40B4-BE49-F238E27FC236}">
-                        <a16:creationId xmlns:a16="http://schemas.microsoft.com/office/drawing/2014/main" id="{4E64A0F6-A407-4CFA-9C13-A1321A54B2EC}"/>
-                      </a:ext>
-                    </a:extLst>
-                  </p:cNvPr>
-                  <p:cNvCxnSpPr>
-                    <a:cxnSpLocks/>
-                    <a:stCxn id="37" idx="6"/>
-                    <a:endCxn id="38" idx="2"/>
-                  </p:cNvCxnSpPr>
-                  <p:nvPr/>
-                </p:nvCxnSpPr>
-                <p:spPr>
-                  <a:xfrm flipV="1">
-                    <a:off x="2915795" y="3270380"/>
-                    <a:ext cx="1360726" cy="1"/>
-                  </a:xfrm>
-                  <a:prstGeom prst="line">
-                    <a:avLst/>
-                  </a:prstGeom>
-                  <a:ln w="57150">
-                    <a:solidFill>
-                      <a:schemeClr val="tx1"/>
-                    </a:solidFill>
-                  </a:ln>
-                </p:spPr>
-                <p:style>
-                  <a:lnRef idx="1">
-                    <a:schemeClr val="accent1"/>
-                  </a:lnRef>
-                  <a:fillRef idx="0">
-                    <a:schemeClr val="accent1"/>
-                  </a:fillRef>
-                  <a:effectRef idx="0">
-                    <a:schemeClr val="accent1"/>
-                  </a:effectRef>
-                  <a:fontRef idx="minor">
-                    <a:schemeClr val="tx1"/>
-                  </a:fontRef>
-                </p:style>
-              </p:cxnSp>
-              <p:cxnSp>
-                <p:nvCxnSpPr>
-                  <p:cNvPr id="42" name="Straight Connector 41">
-                    <a:extLst>
-                      <a:ext uri="{FF2B5EF4-FFF2-40B4-BE49-F238E27FC236}">
-                        <a16:creationId xmlns:a16="http://schemas.microsoft.com/office/drawing/2014/main" id="{7008674E-9D75-4D4D-80B6-726553E5C165}"/>
-                      </a:ext>
-                    </a:extLst>
-                  </p:cNvPr>
-                  <p:cNvCxnSpPr>
-                    <a:cxnSpLocks/>
-                    <a:stCxn id="38" idx="6"/>
-                    <a:endCxn id="31" idx="2"/>
-                  </p:cNvCxnSpPr>
-                  <p:nvPr/>
-                </p:nvCxnSpPr>
-                <p:spPr>
-                  <a:xfrm flipV="1">
-                    <a:off x="4996521" y="3270375"/>
-                    <a:ext cx="1444727" cy="5"/>
-                  </a:xfrm>
-                  <a:prstGeom prst="line">
-                    <a:avLst/>
-                  </a:prstGeom>
-                  <a:ln w="57150">
-                    <a:solidFill>
-                      <a:schemeClr val="tx1"/>
-                    </a:solidFill>
-                  </a:ln>
-                </p:spPr>
-                <p:style>
-                  <a:lnRef idx="1">
-                    <a:schemeClr val="accent1"/>
-                  </a:lnRef>
-                  <a:fillRef idx="0">
-                    <a:schemeClr val="accent1"/>
-                  </a:fillRef>
-                  <a:effectRef idx="0">
-                    <a:schemeClr val="accent1"/>
-                  </a:effectRef>
-                  <a:fontRef idx="minor">
-                    <a:schemeClr val="tx1"/>
-                  </a:fontRef>
-                </p:style>
-              </p:cxnSp>
-              <p:cxnSp>
-                <p:nvCxnSpPr>
-                  <p:cNvPr id="43" name="Straight Connector 42">
-                    <a:extLst>
-                      <a:ext uri="{FF2B5EF4-FFF2-40B4-BE49-F238E27FC236}">
-                        <a16:creationId xmlns:a16="http://schemas.microsoft.com/office/drawing/2014/main" id="{B1407D25-A07D-4807-837C-E344EDEFB587}"/>
-                      </a:ext>
-                    </a:extLst>
-                  </p:cNvPr>
-                  <p:cNvCxnSpPr>
-                    <a:cxnSpLocks/>
-                    <a:stCxn id="39" idx="6"/>
-                  </p:cNvCxnSpPr>
-                  <p:nvPr/>
-                </p:nvCxnSpPr>
-                <p:spPr>
-                  <a:xfrm>
-                    <a:off x="8216311" y="3270379"/>
-                    <a:ext cx="3337346" cy="0"/>
-                  </a:xfrm>
-                  <a:prstGeom prst="line">
-                    <a:avLst/>
-                  </a:prstGeom>
-                  <a:ln w="57150">
-                    <a:solidFill>
-                      <a:schemeClr val="tx1"/>
-                    </a:solidFill>
-                  </a:ln>
-                </p:spPr>
-                <p:style>
-                  <a:lnRef idx="1">
-                    <a:schemeClr val="accent1"/>
-                  </a:lnRef>
-                  <a:fillRef idx="0">
-                    <a:schemeClr val="accent1"/>
-                  </a:fillRef>
-                  <a:effectRef idx="0">
-                    <a:schemeClr val="accent1"/>
-                  </a:effectRef>
-                  <a:fontRef idx="minor">
-                    <a:schemeClr val="tx1"/>
-                  </a:fontRef>
-                </p:style>
-              </p:cxnSp>
-              <p:sp>
-                <p:nvSpPr>
-                  <p:cNvPr id="44" name="Oval 43">
-                    <a:extLst>
-                      <a:ext uri="{FF2B5EF4-FFF2-40B4-BE49-F238E27FC236}">
-                        <a16:creationId xmlns:a16="http://schemas.microsoft.com/office/drawing/2014/main" id="{B129C8B8-756B-4C40-9209-241333E298E3}"/>
-                      </a:ext>
-                    </a:extLst>
-                  </p:cNvPr>
-                  <p:cNvSpPr>
-                    <a:spLocks noChangeAspect="1"/>
-                  </p:cNvSpPr>
-                  <p:nvPr/>
-                </p:nvSpPr>
-                <p:spPr>
-                  <a:xfrm>
-                    <a:off x="2195795" y="1653852"/>
-                    <a:ext cx="720000" cy="718457"/>
-                  </a:xfrm>
-                  <a:prstGeom prst="ellipse">
-                    <a:avLst/>
-                  </a:prstGeom>
-                  <a:solidFill>
-                    <a:schemeClr val="accent6">
-                      <a:lumMod val="20000"/>
-                      <a:lumOff val="80000"/>
-                    </a:schemeClr>
-                  </a:solidFill>
-                  <a:ln w="57150">
-                    <a:solidFill>
-                      <a:schemeClr val="accent6">
-                        <a:lumMod val="75000"/>
-                      </a:schemeClr>
-                    </a:solidFill>
-                  </a:ln>
-                </p:spPr>
-                <p:style>
-                  <a:lnRef idx="2">
-                    <a:schemeClr val="accent1">
-                      <a:shade val="50000"/>
-                    </a:schemeClr>
-                  </a:lnRef>
-                  <a:fillRef idx="1">
-                    <a:schemeClr val="accent1"/>
-                  </a:fillRef>
-                  <a:effectRef idx="0">
-                    <a:schemeClr val="accent1"/>
-                  </a:effectRef>
-                  <a:fontRef idx="minor">
-                    <a:schemeClr val="lt1"/>
-                  </a:fontRef>
-                </p:style>
-                <p:txBody>
-                  <a:bodyPr rot="0" spcFirstLastPara="0" vertOverflow="overflow" horzOverflow="overflow" vert="horz" wrap="square" lIns="91440" tIns="45720" rIns="91440" bIns="45720" numCol="1" spcCol="0" rtlCol="0" fromWordArt="0" anchor="ctr" anchorCtr="0" forceAA="0" compatLnSpc="1">
-                    <a:prstTxWarp prst="textNoShape">
-                      <a:avLst/>
-                    </a:prstTxWarp>
-                    <a:noAutofit/>
-                  </a:bodyPr>
-                  <a:lstStyle/>
-                  <a:p>
-                    <a:pPr algn="ctr"/>
-                    <a:endParaRPr lang="en-GB"/>
-                  </a:p>
-                </p:txBody>
-              </p:sp>
-              <p:sp>
-                <p:nvSpPr>
-                  <p:cNvPr id="45" name="Oval 44">
-                    <a:extLst>
-                      <a:ext uri="{FF2B5EF4-FFF2-40B4-BE49-F238E27FC236}">
-                        <a16:creationId xmlns:a16="http://schemas.microsoft.com/office/drawing/2014/main" id="{C5148916-9BCD-404A-8349-46CFE32E7450}"/>
-                      </a:ext>
-                    </a:extLst>
-                  </p:cNvPr>
-                  <p:cNvSpPr>
-                    <a:spLocks noChangeAspect="1"/>
-                  </p:cNvSpPr>
-                  <p:nvPr/>
-                </p:nvSpPr>
-                <p:spPr>
-                  <a:xfrm>
-                    <a:off x="4276521" y="1653851"/>
-                    <a:ext cx="720000" cy="718457"/>
-                  </a:xfrm>
-                  <a:prstGeom prst="ellipse">
-                    <a:avLst/>
-                  </a:prstGeom>
-                  <a:solidFill>
-                    <a:schemeClr val="accent6">
-                      <a:lumMod val="20000"/>
-                      <a:lumOff val="80000"/>
-                    </a:schemeClr>
-                  </a:solidFill>
-                  <a:ln w="57150">
-                    <a:solidFill>
-                      <a:schemeClr val="accent6">
-                        <a:lumMod val="75000"/>
-                      </a:schemeClr>
-                    </a:solidFill>
-                  </a:ln>
-                </p:spPr>
-                <p:style>
-                  <a:lnRef idx="2">
-                    <a:schemeClr val="accent1">
-                      <a:shade val="50000"/>
-                    </a:schemeClr>
-                  </a:lnRef>
-                  <a:fillRef idx="1">
-                    <a:schemeClr val="accent1"/>
-                  </a:fillRef>
-                  <a:effectRef idx="0">
-                    <a:schemeClr val="accent1"/>
-                  </a:effectRef>
-                  <a:fontRef idx="minor">
-                    <a:schemeClr val="lt1"/>
-                  </a:fontRef>
-                </p:style>
-                <p:txBody>
-                  <a:bodyPr rot="0" spcFirstLastPara="0" vertOverflow="overflow" horzOverflow="overflow" vert="horz" wrap="square" lIns="91440" tIns="45720" rIns="91440" bIns="45720" numCol="1" spcCol="0" rtlCol="0" fromWordArt="0" anchor="ctr" anchorCtr="0" forceAA="0" compatLnSpc="1">
-                    <a:prstTxWarp prst="textNoShape">
-                      <a:avLst/>
-                    </a:prstTxWarp>
-                    <a:noAutofit/>
-                  </a:bodyPr>
-                  <a:lstStyle/>
-                  <a:p>
-                    <a:pPr algn="ctr"/>
-                    <a:endParaRPr lang="en-GB"/>
-                  </a:p>
-                </p:txBody>
-              </p:sp>
-              <p:sp>
-                <p:nvSpPr>
-                  <p:cNvPr id="46" name="Oval 45">
-                    <a:extLst>
-                      <a:ext uri="{FF2B5EF4-FFF2-40B4-BE49-F238E27FC236}">
-                        <a16:creationId xmlns:a16="http://schemas.microsoft.com/office/drawing/2014/main" id="{F859D385-399B-4AAB-B453-1BCDC6806DBE}"/>
-                      </a:ext>
-                    </a:extLst>
-                  </p:cNvPr>
-                  <p:cNvSpPr>
-                    <a:spLocks noChangeAspect="1"/>
-                  </p:cNvSpPr>
-                  <p:nvPr/>
-                </p:nvSpPr>
-                <p:spPr>
-                  <a:xfrm>
-                    <a:off x="7496310" y="1653851"/>
-                    <a:ext cx="720000" cy="718457"/>
-                  </a:xfrm>
-                  <a:prstGeom prst="ellipse">
-                    <a:avLst/>
-                  </a:prstGeom>
-                  <a:solidFill>
-                    <a:schemeClr val="accent6">
-                      <a:lumMod val="20000"/>
-                      <a:lumOff val="80000"/>
-                    </a:schemeClr>
-                  </a:solidFill>
-                  <a:ln w="57150">
-                    <a:solidFill>
-                      <a:schemeClr val="accent6">
-                        <a:lumMod val="75000"/>
-                      </a:schemeClr>
-                    </a:solidFill>
-                  </a:ln>
-                </p:spPr>
-                <p:style>
-                  <a:lnRef idx="2">
-                    <a:schemeClr val="accent1">
-                      <a:shade val="50000"/>
-                    </a:schemeClr>
-                  </a:lnRef>
-                  <a:fillRef idx="1">
-                    <a:schemeClr val="accent1"/>
-                  </a:fillRef>
-                  <a:effectRef idx="0">
-                    <a:schemeClr val="accent1"/>
-                  </a:effectRef>
-                  <a:fontRef idx="minor">
-                    <a:schemeClr val="lt1"/>
-                  </a:fontRef>
-                </p:style>
-                <p:txBody>
-                  <a:bodyPr rot="0" spcFirstLastPara="0" vertOverflow="overflow" horzOverflow="overflow" vert="horz" wrap="square" lIns="91440" tIns="45720" rIns="91440" bIns="45720" numCol="1" spcCol="0" rtlCol="0" fromWordArt="0" anchor="ctr" anchorCtr="0" forceAA="0" compatLnSpc="1">
-                    <a:prstTxWarp prst="textNoShape">
-                      <a:avLst/>
-                    </a:prstTxWarp>
-                    <a:noAutofit/>
-                  </a:bodyPr>
-                  <a:lstStyle/>
-                  <a:p>
-                    <a:pPr algn="ctr"/>
-                    <a:endParaRPr lang="en-GB"/>
-                  </a:p>
-                </p:txBody>
-              </p:sp>
-              <p:sp>
-                <p:nvSpPr>
-                  <p:cNvPr id="47" name="Oval 46">
-                    <a:extLst>
-                      <a:ext uri="{FF2B5EF4-FFF2-40B4-BE49-F238E27FC236}">
-                        <a16:creationId xmlns:a16="http://schemas.microsoft.com/office/drawing/2014/main" id="{07EF2A45-A133-4252-8996-8CF3AF2AD960}"/>
-                      </a:ext>
-                    </a:extLst>
-                  </p:cNvPr>
-                  <p:cNvSpPr>
-                    <a:spLocks noChangeAspect="1"/>
-                  </p:cNvSpPr>
-                  <p:nvPr/>
-                </p:nvSpPr>
-                <p:spPr>
-                  <a:xfrm>
-                    <a:off x="9224099" y="4170784"/>
-                    <a:ext cx="720000" cy="718457"/>
-                  </a:xfrm>
-                  <a:prstGeom prst="ellipse">
-                    <a:avLst/>
-                  </a:prstGeom>
-                  <a:solidFill>
-                    <a:schemeClr val="accent5">
-                      <a:lumMod val="20000"/>
-                      <a:lumOff val="80000"/>
-                    </a:schemeClr>
-                  </a:solidFill>
-                  <a:ln w="57150">
-                    <a:solidFill>
-                      <a:schemeClr val="accent5">
-                        <a:lumMod val="75000"/>
-                      </a:schemeClr>
-                    </a:solidFill>
-                  </a:ln>
-                </p:spPr>
-                <p:style>
-                  <a:lnRef idx="2">
-                    <a:schemeClr val="accent1">
-                      <a:shade val="50000"/>
-                    </a:schemeClr>
-                  </a:lnRef>
-                  <a:fillRef idx="1">
-                    <a:schemeClr val="accent1"/>
-                  </a:fillRef>
-                  <a:effectRef idx="0">
-                    <a:schemeClr val="accent1"/>
-                  </a:effectRef>
-                  <a:fontRef idx="minor">
-                    <a:schemeClr val="lt1"/>
-                  </a:fontRef>
-                </p:style>
-                <p:txBody>
-                  <a:bodyPr rot="0" spcFirstLastPara="0" vertOverflow="overflow" horzOverflow="overflow" vert="horz" wrap="square" lIns="91440" tIns="45720" rIns="91440" bIns="45720" numCol="1" spcCol="0" rtlCol="0" fromWordArt="0" anchor="ctr" anchorCtr="0" forceAA="0" compatLnSpc="1">
-                    <a:prstTxWarp prst="textNoShape">
-                      <a:avLst/>
-                    </a:prstTxWarp>
-                    <a:noAutofit/>
-                  </a:bodyPr>
-                  <a:lstStyle/>
-                  <a:p>
-                    <a:pPr algn="ctr"/>
-                    <a:endParaRPr lang="en-GB"/>
-                  </a:p>
-                </p:txBody>
-              </p:sp>
-              <p:cxnSp>
-                <p:nvCxnSpPr>
-                  <p:cNvPr id="48" name="Straight Connector 47">
-                    <a:extLst>
-                      <a:ext uri="{FF2B5EF4-FFF2-40B4-BE49-F238E27FC236}">
-                        <a16:creationId xmlns:a16="http://schemas.microsoft.com/office/drawing/2014/main" id="{440FE89B-314A-4FA4-A876-771DE651CDC9}"/>
-                      </a:ext>
-                    </a:extLst>
-                  </p:cNvPr>
-                  <p:cNvCxnSpPr>
-                    <a:cxnSpLocks/>
-                    <a:stCxn id="44" idx="6"/>
-                    <a:endCxn id="45" idx="2"/>
-                  </p:cNvCxnSpPr>
-                  <p:nvPr/>
-                </p:nvCxnSpPr>
-                <p:spPr>
-                  <a:xfrm flipV="1">
-                    <a:off x="2915795" y="2013080"/>
-                    <a:ext cx="1360726" cy="1"/>
-                  </a:xfrm>
-                  <a:prstGeom prst="line">
-                    <a:avLst/>
-                  </a:prstGeom>
-                  <a:ln w="57150">
-                    <a:solidFill>
-                      <a:schemeClr val="accent6">
-                        <a:lumMod val="75000"/>
-                      </a:schemeClr>
-                    </a:solidFill>
-                  </a:ln>
-                </p:spPr>
-                <p:style>
-                  <a:lnRef idx="1">
-                    <a:schemeClr val="accent1"/>
-                  </a:lnRef>
-                  <a:fillRef idx="0">
-                    <a:schemeClr val="accent1"/>
-                  </a:fillRef>
-                  <a:effectRef idx="0">
-                    <a:schemeClr val="accent1"/>
-                  </a:effectRef>
-                  <a:fontRef idx="minor">
-                    <a:schemeClr val="tx1"/>
-                  </a:fontRef>
-                </p:style>
-              </p:cxnSp>
-              <p:cxnSp>
-                <p:nvCxnSpPr>
-                  <p:cNvPr id="49" name="Straight Connector 48">
-                    <a:extLst>
-                      <a:ext uri="{FF2B5EF4-FFF2-40B4-BE49-F238E27FC236}">
-                        <a16:creationId xmlns:a16="http://schemas.microsoft.com/office/drawing/2014/main" id="{F4BEA240-B5B9-4BA6-9205-DD7772B0451A}"/>
-                      </a:ext>
-                    </a:extLst>
-                  </p:cNvPr>
-                  <p:cNvCxnSpPr>
-                    <a:cxnSpLocks/>
-                    <a:stCxn id="45" idx="6"/>
-                    <a:endCxn id="29" idx="2"/>
-                  </p:cNvCxnSpPr>
-                  <p:nvPr/>
-                </p:nvCxnSpPr>
-                <p:spPr>
-                  <a:xfrm flipV="1">
-                    <a:off x="4996521" y="2013079"/>
-                    <a:ext cx="1419789" cy="1"/>
-                  </a:xfrm>
-                  <a:prstGeom prst="line">
-                    <a:avLst/>
-                  </a:prstGeom>
-                  <a:ln w="57150">
-                    <a:solidFill>
-                      <a:schemeClr val="accent6">
-                        <a:lumMod val="75000"/>
-                      </a:schemeClr>
-                    </a:solidFill>
-                  </a:ln>
-                </p:spPr>
-                <p:style>
-                  <a:lnRef idx="1">
-                    <a:schemeClr val="accent1"/>
-                  </a:lnRef>
-                  <a:fillRef idx="0">
-                    <a:schemeClr val="accent1"/>
-                  </a:fillRef>
-                  <a:effectRef idx="0">
-                    <a:schemeClr val="accent1"/>
-                  </a:effectRef>
-                  <a:fontRef idx="minor">
-                    <a:schemeClr val="tx1"/>
-                  </a:fontRef>
-                </p:style>
-              </p:cxnSp>
-              <p:sp>
-                <p:nvSpPr>
-                  <p:cNvPr id="50" name="Oval 49">
-                    <a:extLst>
-                      <a:ext uri="{FF2B5EF4-FFF2-40B4-BE49-F238E27FC236}">
-                        <a16:creationId xmlns:a16="http://schemas.microsoft.com/office/drawing/2014/main" id="{0CB4A2D3-7A30-47DA-A242-BBE10074E719}"/>
-                      </a:ext>
-                    </a:extLst>
-                  </p:cNvPr>
-                  <p:cNvSpPr>
-                    <a:spLocks noChangeAspect="1"/>
-                  </p:cNvSpPr>
-                  <p:nvPr/>
-                </p:nvSpPr>
-                <p:spPr>
-                  <a:xfrm>
-                    <a:off x="10833657" y="4170784"/>
-                    <a:ext cx="720000" cy="718457"/>
-                  </a:xfrm>
-                  <a:prstGeom prst="ellipse">
-                    <a:avLst/>
-                  </a:prstGeom>
-                  <a:solidFill>
-                    <a:schemeClr val="accent5">
-                      <a:lumMod val="20000"/>
-                      <a:lumOff val="80000"/>
-                    </a:schemeClr>
-                  </a:solidFill>
-                  <a:ln w="57150">
-                    <a:solidFill>
-                      <a:schemeClr val="accent5">
-                        <a:lumMod val="75000"/>
-                      </a:schemeClr>
-                    </a:solidFill>
-                  </a:ln>
-                </p:spPr>
-                <p:style>
-                  <a:lnRef idx="2">
-                    <a:schemeClr val="accent1">
-                      <a:shade val="50000"/>
-                    </a:schemeClr>
-                  </a:lnRef>
-                  <a:fillRef idx="1">
-                    <a:schemeClr val="accent1"/>
-                  </a:fillRef>
-                  <a:effectRef idx="0">
-                    <a:schemeClr val="accent1"/>
-                  </a:effectRef>
-                  <a:fontRef idx="minor">
-                    <a:schemeClr val="lt1"/>
-                  </a:fontRef>
-                </p:style>
-                <p:txBody>
-                  <a:bodyPr rot="0" spcFirstLastPara="0" vertOverflow="overflow" horzOverflow="overflow" vert="horz" wrap="square" lIns="91440" tIns="45720" rIns="91440" bIns="45720" numCol="1" spcCol="0" rtlCol="0" fromWordArt="0" anchor="ctr" anchorCtr="0" forceAA="0" compatLnSpc="1">
-                    <a:prstTxWarp prst="textNoShape">
-                      <a:avLst/>
-                    </a:prstTxWarp>
-                    <a:noAutofit/>
-                  </a:bodyPr>
-                  <a:lstStyle/>
-                  <a:p>
-                    <a:pPr algn="ctr"/>
-                    <a:endParaRPr lang="en-GB"/>
-                  </a:p>
-                </p:txBody>
-              </p:sp>
-              <p:cxnSp>
-                <p:nvCxnSpPr>
-                  <p:cNvPr id="51" name="Straight Connector 50">
-                    <a:extLst>
-                      <a:ext uri="{FF2B5EF4-FFF2-40B4-BE49-F238E27FC236}">
-                        <a16:creationId xmlns:a16="http://schemas.microsoft.com/office/drawing/2014/main" id="{BAFD73F5-297B-4040-9968-F711FA2CB1F2}"/>
-                      </a:ext>
-                    </a:extLst>
-                  </p:cNvPr>
-                  <p:cNvCxnSpPr>
-                    <a:cxnSpLocks/>
-                    <a:stCxn id="47" idx="6"/>
-                    <a:endCxn id="50" idx="2"/>
-                  </p:cNvCxnSpPr>
-                  <p:nvPr/>
-                </p:nvCxnSpPr>
-                <p:spPr>
-                  <a:xfrm>
-                    <a:off x="9944099" y="4530013"/>
-                    <a:ext cx="889558" cy="0"/>
-                  </a:xfrm>
-                  <a:prstGeom prst="line">
-                    <a:avLst/>
-                  </a:prstGeom>
-                  <a:ln w="57150">
-                    <a:solidFill>
-                      <a:schemeClr val="accent5">
-                        <a:lumMod val="75000"/>
-                      </a:schemeClr>
-                    </a:solidFill>
-                  </a:ln>
-                </p:spPr>
-                <p:style>
-                  <a:lnRef idx="1">
-                    <a:schemeClr val="accent1"/>
-                  </a:lnRef>
-                  <a:fillRef idx="0">
-                    <a:schemeClr val="accent1"/>
-                  </a:fillRef>
-                  <a:effectRef idx="0">
-                    <a:schemeClr val="accent1"/>
-                  </a:effectRef>
-                  <a:fontRef idx="minor">
-                    <a:schemeClr val="tx1"/>
-                  </a:fontRef>
-                </p:style>
-              </p:cxnSp>
-            </p:grpSp>
-            <p:sp>
-              <p:nvSpPr>
-                <p:cNvPr id="29" name="Oval 28">
-                  <a:extLst>
-                    <a:ext uri="{FF2B5EF4-FFF2-40B4-BE49-F238E27FC236}">
-                      <a16:creationId xmlns:a16="http://schemas.microsoft.com/office/drawing/2014/main" id="{7C371B4B-C573-435C-93FB-879CB9BCEF4F}"/>
-                    </a:ext>
-                  </a:extLst>
-                </p:cNvPr>
-                <p:cNvSpPr>
-                  <a:spLocks noChangeAspect="1"/>
-                </p:cNvSpPr>
-                <p:nvPr/>
-              </p:nvSpPr>
-              <p:spPr>
-                <a:xfrm>
-                  <a:off x="6854849" y="1448578"/>
-                  <a:ext cx="720000" cy="718457"/>
-                </a:xfrm>
-                <a:prstGeom prst="ellipse">
-                  <a:avLst/>
-                </a:prstGeom>
-                <a:solidFill>
-                  <a:schemeClr val="accent6">
-                    <a:lumMod val="20000"/>
-                    <a:lumOff val="80000"/>
-                  </a:schemeClr>
-                </a:solidFill>
-                <a:ln w="57150">
-                  <a:solidFill>
-                    <a:schemeClr val="accent6">
-                      <a:lumMod val="75000"/>
-                    </a:schemeClr>
-                  </a:solidFill>
-                </a:ln>
-              </p:spPr>
-              <p:style>
-                <a:lnRef idx="2">
-                  <a:schemeClr val="accent1">
-                    <a:shade val="50000"/>
-                  </a:schemeClr>
-                </a:lnRef>
-                <a:fillRef idx="1">
-                  <a:schemeClr val="accent1"/>
-                </a:fillRef>
-                <a:effectRef idx="0">
-                  <a:schemeClr val="accent1"/>
-                </a:effectRef>
-                <a:fontRef idx="minor">
-                  <a:schemeClr val="lt1"/>
-                </a:fontRef>
-              </p:style>
-              <p:txBody>
-                <a:bodyPr rot="0" spcFirstLastPara="0" vertOverflow="overflow" horzOverflow="overflow" vert="horz" wrap="square" lIns="91440" tIns="45720" rIns="91440" bIns="45720" numCol="1" spcCol="0" rtlCol="0" fromWordArt="0" anchor="ctr" anchorCtr="0" forceAA="0" compatLnSpc="1">
-                  <a:prstTxWarp prst="textNoShape">
-                    <a:avLst/>
-                  </a:prstTxWarp>
-                  <a:noAutofit/>
-                </a:bodyPr>
-                <a:lstStyle/>
-                <a:p>
-                  <a:pPr algn="ctr"/>
-                  <a:endParaRPr lang="en-GB"/>
-                </a:p>
-              </p:txBody>
-            </p:sp>
-            <p:cxnSp>
-              <p:nvCxnSpPr>
-                <p:cNvPr id="30" name="Straight Connector 29">
-                  <a:extLst>
-                    <a:ext uri="{FF2B5EF4-FFF2-40B4-BE49-F238E27FC236}">
-                      <a16:creationId xmlns:a16="http://schemas.microsoft.com/office/drawing/2014/main" id="{29D77219-FB27-40D1-BF1E-63E51E81AF63}"/>
-                    </a:ext>
-                  </a:extLst>
-                </p:cNvPr>
-                <p:cNvCxnSpPr>
-                  <a:cxnSpLocks/>
-                  <a:stCxn id="29" idx="6"/>
-                  <a:endCxn id="46" idx="2"/>
-                </p:cNvCxnSpPr>
-                <p:nvPr/>
-              </p:nvCxnSpPr>
-              <p:spPr>
-                <a:xfrm>
-                  <a:off x="7574849" y="1807807"/>
-                  <a:ext cx="335062" cy="0"/>
-                </a:xfrm>
-                <a:prstGeom prst="line">
-                  <a:avLst/>
-                </a:prstGeom>
-                <a:ln w="57150">
-                  <a:solidFill>
-                    <a:schemeClr val="accent6">
-                      <a:lumMod val="75000"/>
-                    </a:schemeClr>
-                  </a:solidFill>
-                </a:ln>
-              </p:spPr>
-              <p:style>
-                <a:lnRef idx="1">
-                  <a:schemeClr val="accent1"/>
-                </a:lnRef>
-                <a:fillRef idx="0">
-                  <a:schemeClr val="accent1"/>
-                </a:fillRef>
-                <a:effectRef idx="0">
-                  <a:schemeClr val="accent1"/>
-                </a:effectRef>
-                <a:fontRef idx="minor">
-                  <a:schemeClr val="tx1"/>
-                </a:fontRef>
-              </p:style>
-            </p:cxnSp>
-            <p:sp>
-              <p:nvSpPr>
-                <p:cNvPr id="31" name="Oval 30">
-                  <a:extLst>
-                    <a:ext uri="{FF2B5EF4-FFF2-40B4-BE49-F238E27FC236}">
-                      <a16:creationId xmlns:a16="http://schemas.microsoft.com/office/drawing/2014/main" id="{A1B6046F-FA53-47B0-9E4F-F445E377B838}"/>
-                    </a:ext>
-                  </a:extLst>
-                </p:cNvPr>
-                <p:cNvSpPr>
-                  <a:spLocks noChangeAspect="1"/>
-                </p:cNvSpPr>
-                <p:nvPr/>
-              </p:nvSpPr>
-              <p:spPr>
-                <a:xfrm>
-                  <a:off x="6854849" y="2705873"/>
-                  <a:ext cx="720000" cy="718457"/>
-                </a:xfrm>
-                <a:prstGeom prst="ellipse">
-                  <a:avLst/>
-                </a:prstGeom>
-                <a:solidFill>
-                  <a:schemeClr val="bg1">
-                    <a:lumMod val="95000"/>
-                  </a:schemeClr>
-                </a:solidFill>
-                <a:ln w="57150">
-                  <a:solidFill>
-                    <a:schemeClr val="tx1"/>
-                  </a:solidFill>
-                </a:ln>
-              </p:spPr>
-              <p:style>
-                <a:lnRef idx="2">
-                  <a:schemeClr val="accent1">
-                    <a:shade val="50000"/>
-                  </a:schemeClr>
-                </a:lnRef>
-                <a:fillRef idx="1">
-                  <a:schemeClr val="accent1"/>
-                </a:fillRef>
-                <a:effectRef idx="0">
-                  <a:schemeClr val="accent1"/>
-                </a:effectRef>
-                <a:fontRef idx="minor">
-                  <a:schemeClr val="lt1"/>
-                </a:fontRef>
-              </p:style>
-              <p:txBody>
-                <a:bodyPr rot="0" spcFirstLastPara="0" vertOverflow="overflow" horzOverflow="overflow" vert="horz" wrap="square" lIns="91440" tIns="45720" rIns="91440" bIns="45720" numCol="1" spcCol="0" rtlCol="0" fromWordArt="0" anchor="ctr" anchorCtr="0" forceAA="0" compatLnSpc="1">
-                  <a:prstTxWarp prst="textNoShape">
-                    <a:avLst/>
-                  </a:prstTxWarp>
-                  <a:noAutofit/>
-                </a:bodyPr>
-                <a:lstStyle/>
-                <a:p>
-                  <a:pPr algn="ctr"/>
-                  <a:endParaRPr lang="en-GB"/>
-                </a:p>
-              </p:txBody>
-            </p:sp>
-            <p:cxnSp>
-              <p:nvCxnSpPr>
-                <p:cNvPr id="32" name="Straight Connector 31">
-                  <a:extLst>
-                    <a:ext uri="{FF2B5EF4-FFF2-40B4-BE49-F238E27FC236}">
-                      <a16:creationId xmlns:a16="http://schemas.microsoft.com/office/drawing/2014/main" id="{FBD0E878-BBAF-4C06-B0A7-27812D549A27}"/>
-                    </a:ext>
-                  </a:extLst>
-                </p:cNvPr>
-                <p:cNvCxnSpPr>
-                  <a:cxnSpLocks/>
-                  <a:stCxn id="31" idx="6"/>
-                  <a:endCxn id="39" idx="2"/>
-                </p:cNvCxnSpPr>
-                <p:nvPr/>
-              </p:nvCxnSpPr>
-              <p:spPr>
-                <a:xfrm>
-                  <a:off x="7574849" y="3065102"/>
-                  <a:ext cx="335063" cy="4"/>
-                </a:xfrm>
-                <a:prstGeom prst="line">
-                  <a:avLst/>
-                </a:prstGeom>
-                <a:ln w="57150">
-                  <a:solidFill>
-                    <a:schemeClr val="tx1"/>
-                  </a:solidFill>
-                </a:ln>
-              </p:spPr>
-              <p:style>
-                <a:lnRef idx="1">
-                  <a:schemeClr val="accent1"/>
-                </a:lnRef>
-                <a:fillRef idx="0">
-                  <a:schemeClr val="accent1"/>
-                </a:fillRef>
-                <a:effectRef idx="0">
-                  <a:schemeClr val="accent1"/>
-                </a:effectRef>
-                <a:fontRef idx="minor">
-                  <a:schemeClr val="tx1"/>
-                </a:fontRef>
-              </p:style>
-            </p:cxnSp>
-          </p:grpSp>
-          <p:sp>
-            <p:nvSpPr>
-              <p:cNvPr id="7" name="TextBox 6">
-                <a:extLst>
-                  <a:ext uri="{FF2B5EF4-FFF2-40B4-BE49-F238E27FC236}">
-                    <a16:creationId xmlns:a16="http://schemas.microsoft.com/office/drawing/2014/main" id="{4D38117A-FDA3-4765-9131-C32219D5124F}"/>
-                  </a:ext>
-                </a:extLst>
-              </p:cNvPr>
-              <p:cNvSpPr txBox="1"/>
-              <p:nvPr/>
-            </p:nvSpPr>
-            <p:spPr>
-              <a:xfrm>
-                <a:off x="68850" y="4548354"/>
-                <a:ext cx="3871383" cy="369332"/>
-              </a:xfrm>
-              <a:prstGeom prst="rect">
-                <a:avLst/>
-              </a:prstGeom>
-              <a:solidFill>
-                <a:schemeClr val="bg1">
-                  <a:lumMod val="85000"/>
-                </a:schemeClr>
-              </a:solidFill>
-              <a:ln w="28575">
-                <a:solidFill>
-                  <a:schemeClr val="tx1"/>
-                </a:solidFill>
-                <a:prstDash val="sysDash"/>
-              </a:ln>
-            </p:spPr>
-            <p:txBody>
-              <a:bodyPr wrap="square" rtlCol="0">
-                <a:spAutoFit/>
-              </a:bodyPr>
-              <a:lstStyle/>
-              <a:p>
-                <a:r>
-                  <a:rPr lang="en-GB" i="1" dirty="0">
-                    <a:latin typeface="Arial" panose="020B0604020202020204" pitchFamily="34" charset="0"/>
-                    <a:cs typeface="Arial" panose="020B0604020202020204" pitchFamily="34" charset="0"/>
-                  </a:rPr>
-                  <a:t>master branch</a:t>
-                </a:r>
-                <a:r>
-                  <a:rPr lang="en-GB" dirty="0">
-                    <a:latin typeface="Arial" panose="020B0604020202020204" pitchFamily="34" charset="0"/>
-                    <a:cs typeface="Arial" panose="020B0604020202020204" pitchFamily="34" charset="0"/>
-                  </a:rPr>
-                  <a:t>: gov-</a:t>
-                </a:r>
-                <a:r>
-                  <a:rPr lang="en-GB" dirty="0" err="1">
-                    <a:latin typeface="Arial" panose="020B0604020202020204" pitchFamily="34" charset="0"/>
-                    <a:cs typeface="Arial" panose="020B0604020202020204" pitchFamily="34" charset="0"/>
-                  </a:rPr>
-                  <a:t>uk</a:t>
-                </a:r>
-                <a:r>
-                  <a:rPr lang="en-GB" dirty="0">
-                    <a:latin typeface="Arial" panose="020B0604020202020204" pitchFamily="34" charset="0"/>
-                    <a:cs typeface="Arial" panose="020B0604020202020204" pitchFamily="34" charset="0"/>
-                  </a:rPr>
-                  <a:t>-rap-materials</a:t>
-                </a:r>
-              </a:p>
-            </p:txBody>
-          </p:sp>
-          <p:cxnSp>
-            <p:nvCxnSpPr>
-              <p:cNvPr id="8" name="Straight Arrow Connector 7">
-                <a:extLst>
-                  <a:ext uri="{FF2B5EF4-FFF2-40B4-BE49-F238E27FC236}">
-                    <a16:creationId xmlns:a16="http://schemas.microsoft.com/office/drawing/2014/main" id="{D10EC62F-E1EA-4E46-B7AA-05728E3CD8CD}"/>
-                  </a:ext>
-                </a:extLst>
-              </p:cNvPr>
-              <p:cNvCxnSpPr>
-                <a:cxnSpLocks/>
-                <a:endCxn id="36" idx="3"/>
-              </p:cNvCxnSpPr>
-              <p:nvPr/>
-            </p:nvCxnSpPr>
-            <p:spPr>
-              <a:xfrm flipV="1">
-                <a:off x="1586020" y="4038644"/>
-                <a:ext cx="852310" cy="491444"/>
-              </a:xfrm>
-              <a:prstGeom prst="straightConnector1">
-                <a:avLst/>
-              </a:prstGeom>
-              <a:ln w="28575">
-                <a:solidFill>
-                  <a:schemeClr val="tx1"/>
-                </a:solidFill>
-                <a:prstDash val="sysDash"/>
-                <a:tailEnd type="triangle"/>
-              </a:ln>
-            </p:spPr>
-            <p:style>
-              <a:lnRef idx="1">
-                <a:schemeClr val="accent1"/>
-              </a:lnRef>
-              <a:fillRef idx="0">
-                <a:schemeClr val="accent1"/>
-              </a:fillRef>
-              <a:effectRef idx="0">
-                <a:schemeClr val="accent1"/>
-              </a:effectRef>
-              <a:fontRef idx="minor">
-                <a:schemeClr val="tx1"/>
-              </a:fontRef>
-            </p:style>
-          </p:cxnSp>
-          <p:sp>
-            <p:nvSpPr>
-              <p:cNvPr id="9" name="TextBox 8">
-                <a:extLst>
-                  <a:ext uri="{FF2B5EF4-FFF2-40B4-BE49-F238E27FC236}">
-                    <a16:creationId xmlns:a16="http://schemas.microsoft.com/office/drawing/2014/main" id="{3C50D050-AD9A-48C7-8C54-72D9A7D08C6A}"/>
-                  </a:ext>
-                </a:extLst>
-              </p:cNvPr>
-              <p:cNvSpPr txBox="1"/>
-              <p:nvPr/>
-            </p:nvSpPr>
-            <p:spPr>
-              <a:xfrm>
-                <a:off x="38396" y="1880714"/>
-                <a:ext cx="3681307" cy="369332"/>
-              </a:xfrm>
-              <a:prstGeom prst="rect">
-                <a:avLst/>
-              </a:prstGeom>
-              <a:solidFill>
-                <a:schemeClr val="accent6">
-                  <a:lumMod val="20000"/>
-                  <a:lumOff val="80000"/>
-                </a:schemeClr>
-              </a:solidFill>
-              <a:ln w="28575">
-                <a:solidFill>
-                  <a:schemeClr val="accent6">
-                    <a:lumMod val="75000"/>
-                  </a:schemeClr>
-                </a:solidFill>
-                <a:prstDash val="sysDash"/>
-              </a:ln>
-            </p:spPr>
-            <p:txBody>
-              <a:bodyPr wrap="square" rtlCol="0">
-                <a:spAutoFit/>
-              </a:bodyPr>
-              <a:lstStyle/>
-              <a:p>
-                <a:pPr algn="ctr"/>
-                <a:r>
-                  <a:rPr lang="en-GB" i="1" dirty="0">
-                    <a:latin typeface="Arial" panose="020B0604020202020204" pitchFamily="34" charset="0"/>
-                    <a:cs typeface="Arial" panose="020B0604020202020204" pitchFamily="34" charset="0"/>
-                  </a:rPr>
-                  <a:t>branch</a:t>
-                </a:r>
-                <a:r>
-                  <a:rPr lang="en-GB" dirty="0">
-                    <a:latin typeface="Arial" panose="020B0604020202020204" pitchFamily="34" charset="0"/>
-                    <a:cs typeface="Arial" panose="020B0604020202020204" pitchFamily="34" charset="0"/>
-                  </a:rPr>
-                  <a:t>:</a:t>
-                </a:r>
-                <a:r>
-                  <a:rPr lang="en-GB" i="1" dirty="0">
-                    <a:latin typeface="Arial" panose="020B0604020202020204" pitchFamily="34" charset="0"/>
-                    <a:cs typeface="Arial" panose="020B0604020202020204" pitchFamily="34" charset="0"/>
-                  </a:rPr>
-                  <a:t> create-</a:t>
-                </a:r>
-                <a:r>
-                  <a:rPr lang="en-GB" i="1" dirty="0" err="1">
-                    <a:latin typeface="Arial" panose="020B0604020202020204" pitchFamily="34" charset="0"/>
-                    <a:cs typeface="Arial" panose="020B0604020202020204" pitchFamily="34" charset="0"/>
-                  </a:rPr>
-                  <a:t>github</a:t>
-                </a:r>
-                <a:r>
-                  <a:rPr lang="en-GB" i="1" dirty="0">
-                    <a:latin typeface="Arial" panose="020B0604020202020204" pitchFamily="34" charset="0"/>
-                    <a:cs typeface="Arial" panose="020B0604020202020204" pitchFamily="34" charset="0"/>
-                  </a:rPr>
-                  <a:t>-presentation</a:t>
-                </a:r>
-              </a:p>
-            </p:txBody>
-          </p:sp>
-          <p:cxnSp>
-            <p:nvCxnSpPr>
-              <p:cNvPr id="10" name="Straight Arrow Connector 9">
-                <a:extLst>
-                  <a:ext uri="{FF2B5EF4-FFF2-40B4-BE49-F238E27FC236}">
-                    <a16:creationId xmlns:a16="http://schemas.microsoft.com/office/drawing/2014/main" id="{74A88DCA-570E-476B-90B3-499A2BA8F929}"/>
-                  </a:ext>
-                </a:extLst>
-              </p:cNvPr>
-              <p:cNvCxnSpPr>
-                <a:cxnSpLocks/>
-              </p:cNvCxnSpPr>
-              <p:nvPr/>
-            </p:nvCxnSpPr>
-            <p:spPr>
-              <a:xfrm>
-                <a:off x="2252004" y="2250046"/>
-                <a:ext cx="955792" cy="877679"/>
-              </a:xfrm>
-              <a:prstGeom prst="straightConnector1">
-                <a:avLst/>
-              </a:prstGeom>
-              <a:ln w="28575">
-                <a:solidFill>
-                  <a:schemeClr val="accent6">
-                    <a:lumMod val="75000"/>
-                  </a:schemeClr>
-                </a:solidFill>
-                <a:prstDash val="sysDash"/>
-                <a:tailEnd type="triangle"/>
-              </a:ln>
-            </p:spPr>
-            <p:style>
-              <a:lnRef idx="1">
-                <a:schemeClr val="accent1"/>
-              </a:lnRef>
-              <a:fillRef idx="0">
-                <a:schemeClr val="accent1"/>
-              </a:fillRef>
-              <a:effectRef idx="0">
-                <a:schemeClr val="accent1"/>
-              </a:effectRef>
-              <a:fontRef idx="minor">
-                <a:schemeClr val="tx1"/>
-              </a:fontRef>
-            </p:style>
-          </p:cxnSp>
-          <p:sp>
-            <p:nvSpPr>
-              <p:cNvPr id="11" name="TextBox 10">
-                <a:extLst>
-                  <a:ext uri="{FF2B5EF4-FFF2-40B4-BE49-F238E27FC236}">
-                    <a16:creationId xmlns:a16="http://schemas.microsoft.com/office/drawing/2014/main" id="{C40861CB-D5CD-4E95-90B5-A3B54D762E0C}"/>
-                  </a:ext>
-                </a:extLst>
-              </p:cNvPr>
-              <p:cNvSpPr txBox="1"/>
-              <p:nvPr/>
-            </p:nvSpPr>
-            <p:spPr>
-              <a:xfrm>
-                <a:off x="1773287" y="1117954"/>
-                <a:ext cx="4086992" cy="369332"/>
-              </a:xfrm>
-              <a:prstGeom prst="rect">
-                <a:avLst/>
-              </a:prstGeom>
-              <a:solidFill>
-                <a:schemeClr val="accent6">
-                  <a:lumMod val="20000"/>
-                  <a:lumOff val="80000"/>
-                </a:schemeClr>
-              </a:solidFill>
-              <a:ln w="28575">
-                <a:solidFill>
-                  <a:schemeClr val="accent6">
-                    <a:lumMod val="75000"/>
-                  </a:schemeClr>
-                </a:solidFill>
-                <a:prstDash val="sysDash"/>
-              </a:ln>
-            </p:spPr>
-            <p:txBody>
-              <a:bodyPr wrap="square" rtlCol="0">
-                <a:spAutoFit/>
-              </a:bodyPr>
-              <a:lstStyle/>
-              <a:p>
-                <a:r>
-                  <a:rPr lang="en-GB" i="1" dirty="0">
-                    <a:latin typeface="Arial" panose="020B0604020202020204" pitchFamily="34" charset="0"/>
-                    <a:cs typeface="Arial" panose="020B0604020202020204" pitchFamily="34" charset="0"/>
-                  </a:rPr>
-                  <a:t>commit</a:t>
-                </a:r>
-                <a:r>
-                  <a:rPr lang="en-GB" dirty="0">
-                    <a:latin typeface="Arial" panose="020B0604020202020204" pitchFamily="34" charset="0"/>
-                    <a:cs typeface="Arial" panose="020B0604020202020204" pitchFamily="34" charset="0"/>
-                  </a:rPr>
-                  <a:t>: created template presentation</a:t>
-                </a:r>
-              </a:p>
-            </p:txBody>
-          </p:sp>
-          <p:cxnSp>
-            <p:nvCxnSpPr>
-              <p:cNvPr id="12" name="Straight Arrow Connector 11">
-                <a:extLst>
-                  <a:ext uri="{FF2B5EF4-FFF2-40B4-BE49-F238E27FC236}">
-                    <a16:creationId xmlns:a16="http://schemas.microsoft.com/office/drawing/2014/main" id="{CB62CE24-1450-40A3-8CF9-C1569C6802D4}"/>
-                  </a:ext>
-                </a:extLst>
-              </p:cNvPr>
-              <p:cNvCxnSpPr>
-                <a:cxnSpLocks/>
-                <a:stCxn id="11" idx="2"/>
-                <a:endCxn id="44" idx="0"/>
-              </p:cNvCxnSpPr>
-              <p:nvPr/>
-            </p:nvCxnSpPr>
-            <p:spPr>
-              <a:xfrm>
-                <a:off x="3816783" y="1487286"/>
-                <a:ext cx="1" cy="912460"/>
-              </a:xfrm>
-              <a:prstGeom prst="straightConnector1">
-                <a:avLst/>
-              </a:prstGeom>
-              <a:ln w="28575">
-                <a:solidFill>
-                  <a:schemeClr val="accent6">
-                    <a:lumMod val="75000"/>
-                  </a:schemeClr>
-                </a:solidFill>
-                <a:prstDash val="sysDash"/>
-                <a:tailEnd type="triangle"/>
-              </a:ln>
-            </p:spPr>
-            <p:style>
-              <a:lnRef idx="1">
-                <a:schemeClr val="accent1"/>
-              </a:lnRef>
-              <a:fillRef idx="0">
-                <a:schemeClr val="accent1"/>
-              </a:fillRef>
-              <a:effectRef idx="0">
-                <a:schemeClr val="accent1"/>
-              </a:effectRef>
-              <a:fontRef idx="minor">
-                <a:schemeClr val="tx1"/>
-              </a:fontRef>
-            </p:style>
-          </p:cxnSp>
-          <p:sp>
-            <p:nvSpPr>
-              <p:cNvPr id="13" name="TextBox 12">
-                <a:extLst>
-                  <a:ext uri="{FF2B5EF4-FFF2-40B4-BE49-F238E27FC236}">
-                    <a16:creationId xmlns:a16="http://schemas.microsoft.com/office/drawing/2014/main" id="{D3E9D478-910D-4F8E-B6B5-A0285456E1C8}"/>
-                  </a:ext>
-                </a:extLst>
-              </p:cNvPr>
-              <p:cNvSpPr txBox="1"/>
-              <p:nvPr/>
-            </p:nvSpPr>
-            <p:spPr>
-              <a:xfrm>
-                <a:off x="4233346" y="1609690"/>
-                <a:ext cx="2812982" cy="369332"/>
-              </a:xfrm>
-              <a:prstGeom prst="rect">
-                <a:avLst/>
-              </a:prstGeom>
-              <a:solidFill>
-                <a:schemeClr val="accent6">
-                  <a:lumMod val="20000"/>
-                  <a:lumOff val="80000"/>
-                </a:schemeClr>
-              </a:solidFill>
-              <a:ln w="28575">
-                <a:solidFill>
-                  <a:schemeClr val="accent6">
-                    <a:lumMod val="75000"/>
-                  </a:schemeClr>
-                </a:solidFill>
-                <a:prstDash val="sysDash"/>
-              </a:ln>
-            </p:spPr>
-            <p:txBody>
-              <a:bodyPr wrap="square" rtlCol="0">
-                <a:spAutoFit/>
-              </a:bodyPr>
-              <a:lstStyle/>
-              <a:p>
-                <a:r>
-                  <a:rPr lang="en-GB" i="1" dirty="0">
-                    <a:latin typeface="Arial" panose="020B0604020202020204" pitchFamily="34" charset="0"/>
-                    <a:cs typeface="Arial" panose="020B0604020202020204" pitchFamily="34" charset="0"/>
-                  </a:rPr>
-                  <a:t>commit</a:t>
-                </a:r>
-                <a:r>
-                  <a:rPr lang="en-GB" dirty="0">
-                    <a:latin typeface="Arial" panose="020B0604020202020204" pitchFamily="34" charset="0"/>
-                    <a:cs typeface="Arial" panose="020B0604020202020204" pitchFamily="34" charset="0"/>
-                  </a:rPr>
-                  <a:t>: came up with title</a:t>
-                </a:r>
-              </a:p>
-            </p:txBody>
-          </p:sp>
-          <p:cxnSp>
-            <p:nvCxnSpPr>
-              <p:cNvPr id="14" name="Straight Arrow Connector 13">
-                <a:extLst>
-                  <a:ext uri="{FF2B5EF4-FFF2-40B4-BE49-F238E27FC236}">
-                    <a16:creationId xmlns:a16="http://schemas.microsoft.com/office/drawing/2014/main" id="{88189FE7-6623-49D5-959D-9B20827AD3FA}"/>
-                  </a:ext>
-                </a:extLst>
-              </p:cNvPr>
-              <p:cNvCxnSpPr>
-                <a:cxnSpLocks/>
-                <a:stCxn id="13" idx="2"/>
-                <a:endCxn id="45" idx="0"/>
-              </p:cNvCxnSpPr>
-              <p:nvPr/>
-            </p:nvCxnSpPr>
-            <p:spPr>
-              <a:xfrm>
-                <a:off x="5639837" y="1979022"/>
-                <a:ext cx="1" cy="420723"/>
-              </a:xfrm>
-              <a:prstGeom prst="straightConnector1">
-                <a:avLst/>
-              </a:prstGeom>
-              <a:ln w="28575">
-                <a:solidFill>
-                  <a:schemeClr val="accent6">
-                    <a:lumMod val="75000"/>
-                  </a:schemeClr>
-                </a:solidFill>
-                <a:prstDash val="sysDash"/>
-                <a:tailEnd type="triangle"/>
-              </a:ln>
-            </p:spPr>
-            <p:style>
-              <a:lnRef idx="1">
-                <a:schemeClr val="accent1"/>
-              </a:lnRef>
-              <a:fillRef idx="0">
-                <a:schemeClr val="accent1"/>
-              </a:fillRef>
-              <a:effectRef idx="0">
-                <a:schemeClr val="accent1"/>
-              </a:effectRef>
-              <a:fontRef idx="minor">
-                <a:schemeClr val="tx1"/>
-              </a:fontRef>
-            </p:style>
-          </p:cxnSp>
-          <p:sp>
-            <p:nvSpPr>
-              <p:cNvPr id="17" name="TextBox 16">
-                <a:extLst>
-                  <a:ext uri="{FF2B5EF4-FFF2-40B4-BE49-F238E27FC236}">
-                    <a16:creationId xmlns:a16="http://schemas.microsoft.com/office/drawing/2014/main" id="{D36F84DD-8093-4A3F-B989-54F373C06B4F}"/>
-                  </a:ext>
-                </a:extLst>
-              </p:cNvPr>
-              <p:cNvSpPr txBox="1"/>
-              <p:nvPr/>
-            </p:nvSpPr>
-            <p:spPr>
-              <a:xfrm>
-                <a:off x="7837422" y="1609690"/>
-                <a:ext cx="2750560" cy="369332"/>
-              </a:xfrm>
-              <a:prstGeom prst="rect">
-                <a:avLst/>
-              </a:prstGeom>
-              <a:solidFill>
-                <a:schemeClr val="accent6">
-                  <a:lumMod val="20000"/>
-                  <a:lumOff val="80000"/>
-                </a:schemeClr>
-              </a:solidFill>
-              <a:ln w="28575">
-                <a:solidFill>
-                  <a:schemeClr val="accent6">
-                    <a:lumMod val="75000"/>
-                  </a:schemeClr>
-                </a:solidFill>
-                <a:prstDash val="sysDash"/>
-              </a:ln>
-            </p:spPr>
-            <p:txBody>
-              <a:bodyPr wrap="square" rtlCol="0">
-                <a:spAutoFit/>
-              </a:bodyPr>
-              <a:lstStyle/>
-              <a:p>
-                <a:r>
-                  <a:rPr lang="en-GB" i="1" dirty="0">
-                    <a:latin typeface="Arial" panose="020B0604020202020204" pitchFamily="34" charset="0"/>
-                    <a:cs typeface="Arial" panose="020B0604020202020204" pitchFamily="34" charset="0"/>
-                  </a:rPr>
-                  <a:t>commit</a:t>
-                </a:r>
-                <a:r>
-                  <a:rPr lang="en-GB" dirty="0">
-                    <a:latin typeface="Arial" panose="020B0604020202020204" pitchFamily="34" charset="0"/>
-                    <a:cs typeface="Arial" panose="020B0604020202020204" pitchFamily="34" charset="0"/>
-                  </a:rPr>
-                  <a:t>: completed slides</a:t>
-                </a:r>
-              </a:p>
-            </p:txBody>
-          </p:sp>
-          <p:cxnSp>
-            <p:nvCxnSpPr>
-              <p:cNvPr id="18" name="Straight Arrow Connector 17">
-                <a:extLst>
-                  <a:ext uri="{FF2B5EF4-FFF2-40B4-BE49-F238E27FC236}">
-                    <a16:creationId xmlns:a16="http://schemas.microsoft.com/office/drawing/2014/main" id="{935B5161-39E5-4841-AF4C-74E337DA2FE0}"/>
-                  </a:ext>
-                </a:extLst>
-              </p:cNvPr>
-              <p:cNvCxnSpPr>
-                <a:cxnSpLocks/>
-                <a:endCxn id="46" idx="0"/>
-              </p:cNvCxnSpPr>
-              <p:nvPr/>
-            </p:nvCxnSpPr>
-            <p:spPr>
-              <a:xfrm>
-                <a:off x="8460896" y="1979022"/>
-                <a:ext cx="0" cy="420723"/>
-              </a:xfrm>
-              <a:prstGeom prst="straightConnector1">
-                <a:avLst/>
-              </a:prstGeom>
-              <a:ln w="28575">
-                <a:solidFill>
-                  <a:schemeClr val="accent6">
-                    <a:lumMod val="75000"/>
-                  </a:schemeClr>
-                </a:solidFill>
-                <a:prstDash val="sysDash"/>
-                <a:tailEnd type="triangle"/>
-              </a:ln>
-            </p:spPr>
-            <p:style>
-              <a:lnRef idx="1">
-                <a:schemeClr val="accent1"/>
-              </a:lnRef>
-              <a:fillRef idx="0">
-                <a:schemeClr val="accent1"/>
-              </a:fillRef>
-              <a:effectRef idx="0">
-                <a:schemeClr val="accent1"/>
-              </a:effectRef>
-              <a:fontRef idx="minor">
-                <a:schemeClr val="tx1"/>
-              </a:fontRef>
-            </p:style>
-          </p:cxnSp>
-          <p:sp>
-            <p:nvSpPr>
-              <p:cNvPr id="19" name="TextBox 18">
-                <a:extLst>
-                  <a:ext uri="{FF2B5EF4-FFF2-40B4-BE49-F238E27FC236}">
-                    <a16:creationId xmlns:a16="http://schemas.microsoft.com/office/drawing/2014/main" id="{481D1883-0AFE-4E82-BF01-8BF83B6A4404}"/>
-                  </a:ext>
-                </a:extLst>
-              </p:cNvPr>
-              <p:cNvSpPr txBox="1"/>
-              <p:nvPr/>
-            </p:nvSpPr>
-            <p:spPr>
-              <a:xfrm>
-                <a:off x="5205674" y="4447272"/>
-                <a:ext cx="3570640" cy="369332"/>
-              </a:xfrm>
-              <a:prstGeom prst="rect">
-                <a:avLst/>
-              </a:prstGeom>
-              <a:solidFill>
-                <a:schemeClr val="accent5">
-                  <a:lumMod val="20000"/>
-                  <a:lumOff val="80000"/>
-                </a:schemeClr>
-              </a:solidFill>
-              <a:ln w="28575">
-                <a:solidFill>
-                  <a:schemeClr val="accent1">
-                    <a:lumMod val="75000"/>
-                  </a:schemeClr>
-                </a:solidFill>
-                <a:prstDash val="sysDash"/>
-              </a:ln>
-            </p:spPr>
-            <p:txBody>
-              <a:bodyPr wrap="square" rtlCol="0">
-                <a:spAutoFit/>
-              </a:bodyPr>
-              <a:lstStyle/>
-              <a:p>
-                <a:pPr algn="ctr"/>
-                <a:r>
-                  <a:rPr lang="en-GB" i="1" dirty="0">
-                    <a:latin typeface="Arial" panose="020B0604020202020204" pitchFamily="34" charset="0"/>
-                    <a:cs typeface="Arial" panose="020B0604020202020204" pitchFamily="34" charset="0"/>
-                  </a:rPr>
-                  <a:t>branch</a:t>
-                </a:r>
-                <a:r>
-                  <a:rPr lang="en-GB" dirty="0">
-                    <a:latin typeface="Arial" panose="020B0604020202020204" pitchFamily="34" charset="0"/>
-                    <a:cs typeface="Arial" panose="020B0604020202020204" pitchFamily="34" charset="0"/>
-                  </a:rPr>
-                  <a:t>:</a:t>
-                </a:r>
-                <a:r>
-                  <a:rPr lang="en-GB" i="1" dirty="0">
-                    <a:latin typeface="Arial" panose="020B0604020202020204" pitchFamily="34" charset="0"/>
-                    <a:cs typeface="Arial" panose="020B0604020202020204" pitchFamily="34" charset="0"/>
-                  </a:rPr>
-                  <a:t> create-word-presentation</a:t>
-                </a:r>
-              </a:p>
-            </p:txBody>
-          </p:sp>
-          <p:cxnSp>
-            <p:nvCxnSpPr>
-              <p:cNvPr id="22" name="Straight Arrow Connector 21">
-                <a:extLst>
-                  <a:ext uri="{FF2B5EF4-FFF2-40B4-BE49-F238E27FC236}">
-                    <a16:creationId xmlns:a16="http://schemas.microsoft.com/office/drawing/2014/main" id="{90981B7E-98DF-40A9-953E-15698A8F6A8D}"/>
-                  </a:ext>
-                </a:extLst>
-              </p:cNvPr>
-              <p:cNvCxnSpPr>
-                <a:cxnSpLocks/>
-                <a:stCxn id="19" idx="3"/>
-              </p:cNvCxnSpPr>
-              <p:nvPr/>
-            </p:nvCxnSpPr>
-            <p:spPr>
-              <a:xfrm flipV="1">
-                <a:off x="8776314" y="4548354"/>
-                <a:ext cx="455922" cy="83584"/>
-              </a:xfrm>
-              <a:prstGeom prst="straightConnector1">
-                <a:avLst/>
-              </a:prstGeom>
-              <a:ln w="28575">
-                <a:solidFill>
-                  <a:schemeClr val="accent1">
-                    <a:lumMod val="75000"/>
-                  </a:schemeClr>
-                </a:solidFill>
-                <a:prstDash val="sysDash"/>
-                <a:tailEnd type="triangle"/>
-              </a:ln>
-            </p:spPr>
-            <p:style>
-              <a:lnRef idx="1">
-                <a:schemeClr val="accent1"/>
-              </a:lnRef>
-              <a:fillRef idx="0">
-                <a:schemeClr val="accent1"/>
-              </a:fillRef>
-              <a:effectRef idx="0">
-                <a:schemeClr val="accent1"/>
-              </a:effectRef>
-              <a:fontRef idx="minor">
-                <a:schemeClr val="tx1"/>
-              </a:fontRef>
-            </p:style>
-          </p:cxnSp>
-          <p:sp>
-            <p:nvSpPr>
-              <p:cNvPr id="23" name="TextBox 22">
-                <a:extLst>
-                  <a:ext uri="{FF2B5EF4-FFF2-40B4-BE49-F238E27FC236}">
-                    <a16:creationId xmlns:a16="http://schemas.microsoft.com/office/drawing/2014/main" id="{7542DE13-574B-4293-92EC-D4A63AD20DAA}"/>
-                  </a:ext>
-                </a:extLst>
-              </p:cNvPr>
-              <p:cNvSpPr txBox="1"/>
-              <p:nvPr/>
-            </p:nvSpPr>
-            <p:spPr>
-              <a:xfrm>
-                <a:off x="7858452" y="5619411"/>
-                <a:ext cx="3211083" cy="369332"/>
-              </a:xfrm>
-              <a:prstGeom prst="rect">
-                <a:avLst/>
-              </a:prstGeom>
-              <a:solidFill>
-                <a:schemeClr val="accent5">
-                  <a:lumMod val="20000"/>
-                  <a:lumOff val="80000"/>
-                </a:schemeClr>
-              </a:solidFill>
-              <a:ln w="28575">
-                <a:solidFill>
-                  <a:schemeClr val="accent1">
-                    <a:lumMod val="75000"/>
-                  </a:schemeClr>
-                </a:solidFill>
-                <a:prstDash val="sysDash"/>
-              </a:ln>
-            </p:spPr>
-            <p:txBody>
-              <a:bodyPr wrap="square" rtlCol="0">
-                <a:spAutoFit/>
-              </a:bodyPr>
-              <a:lstStyle/>
-              <a:p>
-                <a:r>
-                  <a:rPr lang="en-GB" i="1" dirty="0">
-                    <a:latin typeface="Arial" panose="020B0604020202020204" pitchFamily="34" charset="0"/>
-                    <a:cs typeface="Arial" panose="020B0604020202020204" pitchFamily="34" charset="0"/>
-                  </a:rPr>
-                  <a:t>commit</a:t>
-                </a:r>
-                <a:r>
-                  <a:rPr lang="en-GB" dirty="0">
-                    <a:latin typeface="Arial" panose="020B0604020202020204" pitchFamily="34" charset="0"/>
-                    <a:cs typeface="Arial" panose="020B0604020202020204" pitchFamily="34" charset="0"/>
-                  </a:rPr>
-                  <a:t>:</a:t>
-                </a:r>
-                <a:r>
-                  <a:rPr lang="en-GB" i="1" dirty="0">
-                    <a:latin typeface="Arial" panose="020B0604020202020204" pitchFamily="34" charset="0"/>
-                    <a:cs typeface="Arial" panose="020B0604020202020204" pitchFamily="34" charset="0"/>
-                  </a:rPr>
-                  <a:t> </a:t>
-                </a:r>
-                <a:r>
-                  <a:rPr lang="en-GB" dirty="0">
-                    <a:latin typeface="Arial" panose="020B0604020202020204" pitchFamily="34" charset="0"/>
-                    <a:cs typeface="Arial" panose="020B0604020202020204" pitchFamily="34" charset="0"/>
-                  </a:rPr>
-                  <a:t>created initial content</a:t>
-                </a:r>
-              </a:p>
-            </p:txBody>
-          </p:sp>
-          <p:cxnSp>
-            <p:nvCxnSpPr>
-              <p:cNvPr id="24" name="Straight Arrow Connector 23">
-                <a:extLst>
-                  <a:ext uri="{FF2B5EF4-FFF2-40B4-BE49-F238E27FC236}">
-                    <a16:creationId xmlns:a16="http://schemas.microsoft.com/office/drawing/2014/main" id="{D7A7E982-9968-4932-AC78-5C5B50102532}"/>
-                  </a:ext>
-                </a:extLst>
-              </p:cNvPr>
-              <p:cNvCxnSpPr>
-                <a:cxnSpLocks/>
-                <a:endCxn id="47" idx="4"/>
-              </p:cNvCxnSpPr>
-              <p:nvPr/>
-            </p:nvCxnSpPr>
-            <p:spPr>
-              <a:xfrm flipV="1">
-                <a:off x="9974719" y="5234472"/>
-                <a:ext cx="1" cy="384939"/>
-              </a:xfrm>
-              <a:prstGeom prst="straightConnector1">
-                <a:avLst/>
-              </a:prstGeom>
-              <a:ln w="28575">
-                <a:solidFill>
-                  <a:schemeClr val="accent1">
-                    <a:lumMod val="75000"/>
-                  </a:schemeClr>
-                </a:solidFill>
-                <a:prstDash val="sysDash"/>
-                <a:tailEnd type="triangle"/>
-              </a:ln>
-            </p:spPr>
-            <p:style>
-              <a:lnRef idx="1">
-                <a:schemeClr val="accent1"/>
-              </a:lnRef>
-              <a:fillRef idx="0">
-                <a:schemeClr val="accent1"/>
-              </a:fillRef>
-              <a:effectRef idx="0">
-                <a:schemeClr val="accent1"/>
-              </a:effectRef>
-              <a:fontRef idx="minor">
-                <a:schemeClr val="tx1"/>
-              </a:fontRef>
-            </p:style>
-          </p:cxnSp>
-          <p:sp>
-            <p:nvSpPr>
-              <p:cNvPr id="25" name="TextBox 24">
-                <a:extLst>
-                  <a:ext uri="{FF2B5EF4-FFF2-40B4-BE49-F238E27FC236}">
-                    <a16:creationId xmlns:a16="http://schemas.microsoft.com/office/drawing/2014/main" id="{84C9A3D1-57D8-427B-94D8-BB7A1BD35D54}"/>
-                  </a:ext>
-                </a:extLst>
-              </p:cNvPr>
-              <p:cNvSpPr txBox="1"/>
-              <p:nvPr/>
-            </p:nvSpPr>
-            <p:spPr>
-              <a:xfrm>
-                <a:off x="8776314" y="6134424"/>
-                <a:ext cx="3316159" cy="369332"/>
-              </a:xfrm>
-              <a:prstGeom prst="rect">
-                <a:avLst/>
-              </a:prstGeom>
-              <a:solidFill>
-                <a:schemeClr val="accent5">
-                  <a:lumMod val="20000"/>
-                  <a:lumOff val="80000"/>
-                </a:schemeClr>
-              </a:solidFill>
-              <a:ln w="28575">
-                <a:solidFill>
-                  <a:schemeClr val="accent1">
-                    <a:lumMod val="75000"/>
-                  </a:schemeClr>
-                </a:solidFill>
-                <a:prstDash val="sysDash"/>
-              </a:ln>
-            </p:spPr>
-            <p:txBody>
-              <a:bodyPr wrap="square" rtlCol="0">
-                <a:spAutoFit/>
-              </a:bodyPr>
-              <a:lstStyle/>
-              <a:p>
-                <a:r>
-                  <a:rPr lang="en-GB" i="1" dirty="0">
-                    <a:latin typeface="Arial" panose="020B0604020202020204" pitchFamily="34" charset="0"/>
-                    <a:cs typeface="Arial" panose="020B0604020202020204" pitchFamily="34" charset="0"/>
-                  </a:rPr>
-                  <a:t>commit</a:t>
-                </a:r>
-                <a:r>
-                  <a:rPr lang="en-GB" dirty="0">
-                    <a:latin typeface="Arial" panose="020B0604020202020204" pitchFamily="34" charset="0"/>
-                    <a:cs typeface="Arial" panose="020B0604020202020204" pitchFamily="34" charset="0"/>
-                  </a:rPr>
-                  <a:t>:</a:t>
-                </a:r>
-                <a:r>
-                  <a:rPr lang="en-GB" i="1" dirty="0">
-                    <a:latin typeface="Arial" panose="020B0604020202020204" pitchFamily="34" charset="0"/>
-                    <a:cs typeface="Arial" panose="020B0604020202020204" pitchFamily="34" charset="0"/>
-                  </a:rPr>
-                  <a:t> </a:t>
-                </a:r>
-                <a:r>
-                  <a:rPr lang="en-GB" dirty="0">
-                    <a:latin typeface="Arial" panose="020B0604020202020204" pitchFamily="34" charset="0"/>
-                    <a:cs typeface="Arial" panose="020B0604020202020204" pitchFamily="34" charset="0"/>
-                  </a:rPr>
-                  <a:t>created word template</a:t>
-                </a:r>
-              </a:p>
-            </p:txBody>
-          </p:sp>
-          <p:cxnSp>
-            <p:nvCxnSpPr>
-              <p:cNvPr id="26" name="Straight Arrow Connector 25">
-                <a:extLst>
-                  <a:ext uri="{FF2B5EF4-FFF2-40B4-BE49-F238E27FC236}">
-                    <a16:creationId xmlns:a16="http://schemas.microsoft.com/office/drawing/2014/main" id="{109D3D1E-0FE0-4ECE-9BA3-B527D3C55942}"/>
-                  </a:ext>
-                </a:extLst>
-              </p:cNvPr>
-              <p:cNvCxnSpPr>
-                <a:cxnSpLocks/>
-                <a:endCxn id="50" idx="4"/>
-              </p:cNvCxnSpPr>
-              <p:nvPr/>
-            </p:nvCxnSpPr>
-            <p:spPr>
-              <a:xfrm flipV="1">
-                <a:off x="11384954" y="5234472"/>
-                <a:ext cx="0" cy="899952"/>
-              </a:xfrm>
-              <a:prstGeom prst="straightConnector1">
-                <a:avLst/>
-              </a:prstGeom>
-              <a:ln w="28575">
-                <a:solidFill>
-                  <a:schemeClr val="accent1">
-                    <a:lumMod val="75000"/>
-                  </a:schemeClr>
-                </a:solidFill>
-                <a:prstDash val="sysDash"/>
-                <a:tailEnd type="triangle"/>
-              </a:ln>
-            </p:spPr>
-            <p:style>
-              <a:lnRef idx="1">
-                <a:schemeClr val="accent1"/>
-              </a:lnRef>
-              <a:fillRef idx="0">
-                <a:schemeClr val="accent1"/>
-              </a:fillRef>
-              <a:effectRef idx="0">
-                <a:schemeClr val="accent1"/>
-              </a:effectRef>
-              <a:fontRef idx="minor">
-                <a:schemeClr val="tx1"/>
-              </a:fontRef>
-            </p:style>
-          </p:cxnSp>
-          <p:sp>
-            <p:nvSpPr>
-              <p:cNvPr id="27" name="Rectangle 26">
-                <a:extLst>
-                  <a:ext uri="{FF2B5EF4-FFF2-40B4-BE49-F238E27FC236}">
-                    <a16:creationId xmlns:a16="http://schemas.microsoft.com/office/drawing/2014/main" id="{84B6FEA6-5D96-48D1-ABB9-829F8288D044}"/>
-                  </a:ext>
-                </a:extLst>
-              </p:cNvPr>
-              <p:cNvSpPr/>
-              <p:nvPr/>
-            </p:nvSpPr>
-            <p:spPr>
-              <a:xfrm>
-                <a:off x="0" y="998376"/>
-                <a:ext cx="12153604" cy="5638002"/>
-              </a:xfrm>
-              <a:prstGeom prst="rect">
-                <a:avLst/>
-              </a:prstGeom>
-              <a:noFill/>
-              <a:ln>
-                <a:noFill/>
-              </a:ln>
-            </p:spPr>
-            <p:style>
-              <a:lnRef idx="2">
-                <a:schemeClr val="accent1">
-                  <a:shade val="50000"/>
-                </a:schemeClr>
-              </a:lnRef>
-              <a:fillRef idx="1">
-                <a:schemeClr val="accent1"/>
-              </a:fillRef>
-              <a:effectRef idx="0">
-                <a:schemeClr val="accent1"/>
-              </a:effectRef>
-              <a:fontRef idx="minor">
-                <a:schemeClr val="lt1"/>
-              </a:fontRef>
-            </p:style>
-            <p:txBody>
-              <a:bodyPr rtlCol="0" anchor="ctr"/>
-              <a:lstStyle/>
-              <a:p>
-                <a:pPr algn="ctr"/>
-                <a:endParaRPr lang="en-GB"/>
-              </a:p>
-            </p:txBody>
-          </p:sp>
-        </p:grpSp>
-        <p:sp>
-          <p:nvSpPr>
-            <p:cNvPr id="52" name="TextBox 51">
-              <a:extLst>
-                <a:ext uri="{FF2B5EF4-FFF2-40B4-BE49-F238E27FC236}">
-                  <a16:creationId xmlns:a16="http://schemas.microsoft.com/office/drawing/2014/main" id="{90F6A6CF-5BE2-40E2-917A-13DA0BE306A3}"/>
-                </a:ext>
-              </a:extLst>
-            </p:cNvPr>
-            <p:cNvSpPr txBox="1"/>
-            <p:nvPr/>
-          </p:nvSpPr>
-          <p:spPr>
-            <a:xfrm>
-              <a:off x="9042734" y="2286160"/>
-              <a:ext cx="2924057" cy="646331"/>
-            </a:xfrm>
-            <a:prstGeom prst="rect">
-              <a:avLst/>
-            </a:prstGeom>
-            <a:solidFill>
-              <a:schemeClr val="accent6">
-                <a:lumMod val="20000"/>
-                <a:lumOff val="80000"/>
-              </a:schemeClr>
-            </a:solidFill>
-            <a:ln w="28575">
-              <a:solidFill>
-                <a:schemeClr val="accent6">
-                  <a:lumMod val="75000"/>
-                </a:schemeClr>
-              </a:solidFill>
-              <a:prstDash val="sysDash"/>
-            </a:ln>
-          </p:spPr>
-          <p:txBody>
-            <a:bodyPr wrap="square" rtlCol="0">
-              <a:spAutoFit/>
-            </a:bodyPr>
-            <a:lstStyle/>
-            <a:p>
-              <a:r>
-                <a:rPr lang="en-GB" i="1" dirty="0">
-                  <a:latin typeface="Arial" panose="020B0604020202020204" pitchFamily="34" charset="0"/>
-                  <a:cs typeface="Arial" panose="020B0604020202020204" pitchFamily="34" charset="0"/>
-                </a:rPr>
-                <a:t>pull request</a:t>
-              </a:r>
-              <a:r>
-                <a:rPr lang="en-GB" dirty="0">
-                  <a:latin typeface="Arial" panose="020B0604020202020204" pitchFamily="34" charset="0"/>
-                  <a:cs typeface="Arial" panose="020B0604020202020204" pitchFamily="34" charset="0"/>
-                </a:rPr>
-                <a:t>: created make git happen presentation</a:t>
-              </a:r>
-            </a:p>
-          </p:txBody>
-        </p:sp>
-        <p:cxnSp>
-          <p:nvCxnSpPr>
-            <p:cNvPr id="53" name="Straight Arrow Connector 52">
-              <a:extLst>
-                <a:ext uri="{FF2B5EF4-FFF2-40B4-BE49-F238E27FC236}">
-                  <a16:creationId xmlns:a16="http://schemas.microsoft.com/office/drawing/2014/main" id="{0CEB5286-598B-4637-8DD3-F2A767036FC7}"/>
-                </a:ext>
-              </a:extLst>
-            </p:cNvPr>
-            <p:cNvCxnSpPr>
-              <a:cxnSpLocks/>
-            </p:cNvCxnSpPr>
-            <p:nvPr/>
-          </p:nvCxnSpPr>
-          <p:spPr>
-            <a:xfrm flipH="1">
-              <a:off x="8489524" y="2932491"/>
-              <a:ext cx="553211" cy="259636"/>
-            </a:xfrm>
-            <a:prstGeom prst="straightConnector1">
-              <a:avLst/>
-            </a:prstGeom>
-            <a:ln w="28575">
-              <a:solidFill>
-                <a:schemeClr val="accent6">
-                  <a:lumMod val="75000"/>
-                </a:schemeClr>
-              </a:solidFill>
-              <a:prstDash val="sysDash"/>
-              <a:tailEnd type="triangle"/>
-            </a:ln>
-          </p:spPr>
-          <p:style>
-            <a:lnRef idx="1">
-              <a:schemeClr val="accent1"/>
-            </a:lnRef>
-            <a:fillRef idx="0">
-              <a:schemeClr val="accent1"/>
-            </a:fillRef>
-            <a:effectRef idx="0">
-              <a:schemeClr val="accent1"/>
-            </a:effectRef>
-            <a:fontRef idx="minor">
-              <a:schemeClr val="tx1"/>
-            </a:fontRef>
-          </p:style>
-        </p:cxnSp>
-        <p:sp>
-          <p:nvSpPr>
-            <p:cNvPr id="54" name="TextBox 53">
-              <a:extLst>
-                <a:ext uri="{FF2B5EF4-FFF2-40B4-BE49-F238E27FC236}">
-                  <a16:creationId xmlns:a16="http://schemas.microsoft.com/office/drawing/2014/main" id="{3F8FA207-6D78-475F-8A7F-D19E51760B7E}"/>
-                </a:ext>
-              </a:extLst>
-            </p:cNvPr>
-            <p:cNvSpPr txBox="1"/>
-            <p:nvPr/>
-          </p:nvSpPr>
-          <p:spPr>
-            <a:xfrm>
-              <a:off x="9042734" y="3235791"/>
-              <a:ext cx="854999" cy="369332"/>
-            </a:xfrm>
-            <a:prstGeom prst="rect">
-              <a:avLst/>
-            </a:prstGeom>
-            <a:solidFill>
-              <a:schemeClr val="accent6">
-                <a:lumMod val="20000"/>
-                <a:lumOff val="80000"/>
-              </a:schemeClr>
-            </a:solidFill>
-            <a:ln w="28575">
-              <a:solidFill>
-                <a:schemeClr val="accent6">
-                  <a:lumMod val="75000"/>
-                </a:schemeClr>
-              </a:solidFill>
-              <a:prstDash val="sysDash"/>
-            </a:ln>
-          </p:spPr>
-          <p:txBody>
-            <a:bodyPr wrap="square" rtlCol="0">
-              <a:spAutoFit/>
-            </a:bodyPr>
-            <a:lstStyle/>
-            <a:p>
-              <a:r>
-                <a:rPr lang="en-GB" i="1" dirty="0">
-                  <a:latin typeface="Arial" panose="020B0604020202020204" pitchFamily="34" charset="0"/>
-                  <a:cs typeface="Arial" panose="020B0604020202020204" pitchFamily="34" charset="0"/>
-                </a:rPr>
-                <a:t>merge</a:t>
-              </a:r>
-              <a:endParaRPr lang="en-GB" dirty="0">
-                <a:latin typeface="Arial" panose="020B0604020202020204" pitchFamily="34" charset="0"/>
-                <a:cs typeface="Arial" panose="020B0604020202020204" pitchFamily="34" charset="0"/>
-              </a:endParaRPr>
-            </a:p>
-          </p:txBody>
-        </p:sp>
-        <p:cxnSp>
-          <p:nvCxnSpPr>
-            <p:cNvPr id="55" name="Straight Arrow Connector 54">
-              <a:extLst>
-                <a:ext uri="{FF2B5EF4-FFF2-40B4-BE49-F238E27FC236}">
-                  <a16:creationId xmlns:a16="http://schemas.microsoft.com/office/drawing/2014/main" id="{68DAED40-1384-47D7-9DC9-294B289B08F3}"/>
-                </a:ext>
-              </a:extLst>
-            </p:cNvPr>
-            <p:cNvCxnSpPr>
-              <a:cxnSpLocks/>
-              <a:stCxn id="54" idx="1"/>
-            </p:cNvCxnSpPr>
-            <p:nvPr/>
-          </p:nvCxnSpPr>
-          <p:spPr>
-            <a:xfrm flipH="1">
-              <a:off x="8475211" y="3420457"/>
-              <a:ext cx="567523" cy="8543"/>
-            </a:xfrm>
-            <a:prstGeom prst="straightConnector1">
-              <a:avLst/>
-            </a:prstGeom>
-            <a:ln w="28575">
-              <a:solidFill>
-                <a:schemeClr val="accent6">
-                  <a:lumMod val="75000"/>
-                </a:schemeClr>
-              </a:solidFill>
-              <a:prstDash val="sysDash"/>
-              <a:tailEnd type="triangle"/>
-            </a:ln>
-          </p:spPr>
-          <p:style>
-            <a:lnRef idx="1">
-              <a:schemeClr val="accent1"/>
-            </a:lnRef>
-            <a:fillRef idx="0">
-              <a:schemeClr val="accent1"/>
-            </a:fillRef>
-            <a:effectRef idx="0">
-              <a:schemeClr val="accent1"/>
-            </a:effectRef>
-            <a:fontRef idx="minor">
-              <a:schemeClr val="tx1"/>
-            </a:fontRef>
-          </p:style>
-        </p:cxnSp>
-      </p:grpSp>
       <p:sp>
         <p:nvSpPr>
           <p:cNvPr id="56" name="TextBox 55">
@@ -12850,6 +10322,2556 @@
           </a:fontRef>
         </p:style>
       </p:cxnSp>
+      <p:grpSp>
+        <p:nvGrpSpPr>
+          <p:cNvPr id="3" name="Group 2">
+            <a:extLst>
+              <a:ext uri="{FF2B5EF4-FFF2-40B4-BE49-F238E27FC236}">
+                <a16:creationId xmlns:a16="http://schemas.microsoft.com/office/drawing/2014/main" id="{41EE2026-88D4-4EDC-AC1C-C9877617BC0E}"/>
+              </a:ext>
+            </a:extLst>
+          </p:cNvPr>
+          <p:cNvGrpSpPr/>
+          <p:nvPr/>
+        </p:nvGrpSpPr>
+        <p:grpSpPr>
+          <a:xfrm>
+            <a:off x="0" y="998376"/>
+            <a:ext cx="12153604" cy="5638002"/>
+            <a:chOff x="0" y="998376"/>
+            <a:chExt cx="12153604" cy="5638002"/>
+          </a:xfrm>
+        </p:grpSpPr>
+        <p:grpSp>
+          <p:nvGrpSpPr>
+            <p:cNvPr id="2" name="Group 1">
+              <a:extLst>
+                <a:ext uri="{FF2B5EF4-FFF2-40B4-BE49-F238E27FC236}">
+                  <a16:creationId xmlns:a16="http://schemas.microsoft.com/office/drawing/2014/main" id="{6A95F45D-AC6C-4B7D-B5FA-68848682E838}"/>
+                </a:ext>
+              </a:extLst>
+            </p:cNvPr>
+            <p:cNvGrpSpPr/>
+            <p:nvPr/>
+          </p:nvGrpSpPr>
+          <p:grpSpPr>
+            <a:xfrm>
+              <a:off x="0" y="998376"/>
+              <a:ext cx="12153604" cy="5638002"/>
+              <a:chOff x="0" y="998376"/>
+              <a:chExt cx="12153604" cy="5638002"/>
+            </a:xfrm>
+          </p:grpSpPr>
+          <p:grpSp>
+            <p:nvGrpSpPr>
+              <p:cNvPr id="5" name="Group 4">
+                <a:extLst>
+                  <a:ext uri="{FF2B5EF4-FFF2-40B4-BE49-F238E27FC236}">
+                    <a16:creationId xmlns:a16="http://schemas.microsoft.com/office/drawing/2014/main" id="{8874E696-2E36-4B68-97C1-8820A3A395FC}"/>
+                  </a:ext>
+                </a:extLst>
+              </p:cNvPr>
+              <p:cNvGrpSpPr/>
+              <p:nvPr/>
+            </p:nvGrpSpPr>
+            <p:grpSpPr>
+              <a:xfrm>
+                <a:off x="0" y="998376"/>
+                <a:ext cx="12153604" cy="5638002"/>
+                <a:chOff x="0" y="998376"/>
+                <a:chExt cx="12153604" cy="5638002"/>
+              </a:xfrm>
+            </p:grpSpPr>
+            <p:grpSp>
+              <p:nvGrpSpPr>
+                <p:cNvPr id="6" name="Group 5">
+                  <a:extLst>
+                    <a:ext uri="{FF2B5EF4-FFF2-40B4-BE49-F238E27FC236}">
+                      <a16:creationId xmlns:a16="http://schemas.microsoft.com/office/drawing/2014/main" id="{8431797C-EA8C-41CA-9436-8A8271E304FA}"/>
+                    </a:ext>
+                  </a:extLst>
+                </p:cNvPr>
+                <p:cNvGrpSpPr>
+                  <a:grpSpLocks noChangeAspect="1"/>
+                </p:cNvGrpSpPr>
+                <p:nvPr/>
+              </p:nvGrpSpPr>
+              <p:grpSpPr>
+                <a:xfrm>
+                  <a:off x="2345946" y="2399745"/>
+                  <a:ext cx="9354426" cy="2834727"/>
+                  <a:chOff x="1290669" y="1448578"/>
+                  <a:chExt cx="10676589" cy="3235390"/>
+                </a:xfrm>
+              </p:grpSpPr>
+              <p:grpSp>
+                <p:nvGrpSpPr>
+                  <p:cNvPr id="28" name="Group 27">
+                    <a:extLst>
+                      <a:ext uri="{FF2B5EF4-FFF2-40B4-BE49-F238E27FC236}">
+                        <a16:creationId xmlns:a16="http://schemas.microsoft.com/office/drawing/2014/main" id="{03D6A0CE-BEDD-4655-A727-2B9E49441D6F}"/>
+                      </a:ext>
+                    </a:extLst>
+                  </p:cNvPr>
+                  <p:cNvGrpSpPr/>
+                  <p:nvPr/>
+                </p:nvGrpSpPr>
+                <p:grpSpPr>
+                  <a:xfrm>
+                    <a:off x="1290669" y="1448578"/>
+                    <a:ext cx="10676589" cy="3235390"/>
+                    <a:chOff x="877068" y="1653851"/>
+                    <a:chExt cx="10676589" cy="3235390"/>
+                  </a:xfrm>
+                </p:grpSpPr>
+                <p:cxnSp>
+                  <p:nvCxnSpPr>
+                    <p:cNvPr id="33" name="Connector: Curved 32">
+                      <a:extLst>
+                        <a:ext uri="{FF2B5EF4-FFF2-40B4-BE49-F238E27FC236}">
+                          <a16:creationId xmlns:a16="http://schemas.microsoft.com/office/drawing/2014/main" id="{53712A8E-6665-4ACE-B50C-DFF5F68C8FC6}"/>
+                        </a:ext>
+                      </a:extLst>
+                    </p:cNvPr>
+                    <p:cNvCxnSpPr>
+                      <a:cxnSpLocks/>
+                      <a:stCxn id="47" idx="2"/>
+                    </p:cNvCxnSpPr>
+                    <p:nvPr/>
+                  </p:nvCxnSpPr>
+                  <p:spPr>
+                    <a:xfrm rot="10800000">
+                      <a:off x="8248253" y="3270379"/>
+                      <a:ext cx="975847" cy="1259635"/>
+                    </a:xfrm>
+                    <a:prstGeom prst="curvedConnector3">
+                      <a:avLst>
+                        <a:gd name="adj1" fmla="val 50000"/>
+                      </a:avLst>
+                    </a:prstGeom>
+                    <a:ln w="57150">
+                      <a:solidFill>
+                        <a:schemeClr val="accent5">
+                          <a:lumMod val="75000"/>
+                        </a:schemeClr>
+                      </a:solidFill>
+                    </a:ln>
+                  </p:spPr>
+                  <p:style>
+                    <a:lnRef idx="1">
+                      <a:schemeClr val="accent1"/>
+                    </a:lnRef>
+                    <a:fillRef idx="0">
+                      <a:schemeClr val="accent1"/>
+                    </a:fillRef>
+                    <a:effectRef idx="0">
+                      <a:schemeClr val="accent1"/>
+                    </a:effectRef>
+                    <a:fontRef idx="minor">
+                      <a:schemeClr val="tx1"/>
+                    </a:fontRef>
+                  </p:style>
+                </p:cxnSp>
+                <p:cxnSp>
+                  <p:nvCxnSpPr>
+                    <p:cNvPr id="34" name="Connector: Curved 33">
+                      <a:extLst>
+                        <a:ext uri="{FF2B5EF4-FFF2-40B4-BE49-F238E27FC236}">
+                          <a16:creationId xmlns:a16="http://schemas.microsoft.com/office/drawing/2014/main" id="{2AA76F07-095D-40FE-806F-981DA3A464AF}"/>
+                        </a:ext>
+                      </a:extLst>
+                    </p:cNvPr>
+                    <p:cNvCxnSpPr>
+                      <a:cxnSpLocks/>
+                      <a:stCxn id="39" idx="0"/>
+                      <a:endCxn id="46" idx="4"/>
+                    </p:cNvCxnSpPr>
+                    <p:nvPr/>
+                  </p:nvCxnSpPr>
+                  <p:spPr>
+                    <a:xfrm rot="16200000" flipV="1">
+                      <a:off x="7586890" y="2641728"/>
+                      <a:ext cx="538842" cy="1"/>
+                    </a:xfrm>
+                    <a:prstGeom prst="curvedConnector3">
+                      <a:avLst>
+                        <a:gd name="adj1" fmla="val 50000"/>
+                      </a:avLst>
+                    </a:prstGeom>
+                    <a:ln w="57150">
+                      <a:solidFill>
+                        <a:schemeClr val="accent6">
+                          <a:lumMod val="75000"/>
+                        </a:schemeClr>
+                      </a:solidFill>
+                    </a:ln>
+                  </p:spPr>
+                  <p:style>
+                    <a:lnRef idx="1">
+                      <a:schemeClr val="accent1"/>
+                    </a:lnRef>
+                    <a:fillRef idx="0">
+                      <a:schemeClr val="accent1"/>
+                    </a:fillRef>
+                    <a:effectRef idx="0">
+                      <a:schemeClr val="accent1"/>
+                    </a:effectRef>
+                    <a:fontRef idx="minor">
+                      <a:schemeClr val="tx1"/>
+                    </a:fontRef>
+                  </p:style>
+                </p:cxnSp>
+                <p:cxnSp>
+                  <p:nvCxnSpPr>
+                    <p:cNvPr id="35" name="Connector: Curved 34">
+                      <a:extLst>
+                        <a:ext uri="{FF2B5EF4-FFF2-40B4-BE49-F238E27FC236}">
+                          <a16:creationId xmlns:a16="http://schemas.microsoft.com/office/drawing/2014/main" id="{3C62EAE6-1233-4BD5-9F8E-2D251FB07BF1}"/>
+                        </a:ext>
+                      </a:extLst>
+                    </p:cNvPr>
+                    <p:cNvCxnSpPr>
+                      <a:cxnSpLocks/>
+                      <a:stCxn id="36" idx="6"/>
+                      <a:endCxn id="44" idx="2"/>
+                    </p:cNvCxnSpPr>
+                    <p:nvPr/>
+                  </p:nvCxnSpPr>
+                  <p:spPr>
+                    <a:xfrm flipV="1">
+                      <a:off x="1597068" y="2013081"/>
+                      <a:ext cx="598727" cy="1257300"/>
+                    </a:xfrm>
+                    <a:prstGeom prst="curvedConnector3">
+                      <a:avLst>
+                        <a:gd name="adj1" fmla="val 50000"/>
+                      </a:avLst>
+                    </a:prstGeom>
+                    <a:ln w="57150">
+                      <a:solidFill>
+                        <a:schemeClr val="accent6">
+                          <a:lumMod val="75000"/>
+                        </a:schemeClr>
+                      </a:solidFill>
+                    </a:ln>
+                  </p:spPr>
+                  <p:style>
+                    <a:lnRef idx="1">
+                      <a:schemeClr val="accent1"/>
+                    </a:lnRef>
+                    <a:fillRef idx="0">
+                      <a:schemeClr val="accent1"/>
+                    </a:fillRef>
+                    <a:effectRef idx="0">
+                      <a:schemeClr val="accent1"/>
+                    </a:effectRef>
+                    <a:fontRef idx="minor">
+                      <a:schemeClr val="tx1"/>
+                    </a:fontRef>
+                  </p:style>
+                </p:cxnSp>
+                <p:sp>
+                  <p:nvSpPr>
+                    <p:cNvPr id="36" name="Oval 35">
+                      <a:extLst>
+                        <a:ext uri="{FF2B5EF4-FFF2-40B4-BE49-F238E27FC236}">
+                          <a16:creationId xmlns:a16="http://schemas.microsoft.com/office/drawing/2014/main" id="{65B9FBA5-354F-4BCA-BBEA-978A2616F90D}"/>
+                        </a:ext>
+                      </a:extLst>
+                    </p:cNvPr>
+                    <p:cNvSpPr>
+                      <a:spLocks noChangeAspect="1"/>
+                    </p:cNvSpPr>
+                    <p:nvPr/>
+                  </p:nvSpPr>
+                  <p:spPr>
+                    <a:xfrm>
+                      <a:off x="877068" y="2911152"/>
+                      <a:ext cx="720000" cy="718457"/>
+                    </a:xfrm>
+                    <a:prstGeom prst="ellipse">
+                      <a:avLst/>
+                    </a:prstGeom>
+                    <a:solidFill>
+                      <a:schemeClr val="bg1">
+                        <a:lumMod val="95000"/>
+                      </a:schemeClr>
+                    </a:solidFill>
+                    <a:ln w="57150">
+                      <a:solidFill>
+                        <a:schemeClr val="tx1"/>
+                      </a:solidFill>
+                    </a:ln>
+                  </p:spPr>
+                  <p:style>
+                    <a:lnRef idx="2">
+                      <a:schemeClr val="accent1">
+                        <a:shade val="50000"/>
+                      </a:schemeClr>
+                    </a:lnRef>
+                    <a:fillRef idx="1">
+                      <a:schemeClr val="accent1"/>
+                    </a:fillRef>
+                    <a:effectRef idx="0">
+                      <a:schemeClr val="accent1"/>
+                    </a:effectRef>
+                    <a:fontRef idx="minor">
+                      <a:schemeClr val="lt1"/>
+                    </a:fontRef>
+                  </p:style>
+                  <p:txBody>
+                    <a:bodyPr rot="0" spcFirstLastPara="0" vertOverflow="overflow" horzOverflow="overflow" vert="horz" wrap="square" lIns="91440" tIns="45720" rIns="91440" bIns="45720" numCol="1" spcCol="0" rtlCol="0" fromWordArt="0" anchor="ctr" anchorCtr="0" forceAA="0" compatLnSpc="1">
+                      <a:prstTxWarp prst="textNoShape">
+                        <a:avLst/>
+                      </a:prstTxWarp>
+                      <a:noAutofit/>
+                    </a:bodyPr>
+                    <a:lstStyle/>
+                    <a:p>
+                      <a:pPr algn="ctr"/>
+                      <a:endParaRPr lang="en-GB"/>
+                    </a:p>
+                  </p:txBody>
+                </p:sp>
+                <p:sp>
+                  <p:nvSpPr>
+                    <p:cNvPr id="37" name="Oval 36">
+                      <a:extLst>
+                        <a:ext uri="{FF2B5EF4-FFF2-40B4-BE49-F238E27FC236}">
+                          <a16:creationId xmlns:a16="http://schemas.microsoft.com/office/drawing/2014/main" id="{D416F81B-D06D-406E-ABDA-857159C3A11C}"/>
+                        </a:ext>
+                      </a:extLst>
+                    </p:cNvPr>
+                    <p:cNvSpPr>
+                      <a:spLocks noChangeAspect="1"/>
+                    </p:cNvSpPr>
+                    <p:nvPr/>
+                  </p:nvSpPr>
+                  <p:spPr>
+                    <a:xfrm>
+                      <a:off x="2195795" y="2911152"/>
+                      <a:ext cx="720000" cy="718457"/>
+                    </a:xfrm>
+                    <a:prstGeom prst="ellipse">
+                      <a:avLst/>
+                    </a:prstGeom>
+                    <a:solidFill>
+                      <a:schemeClr val="bg1">
+                        <a:lumMod val="95000"/>
+                      </a:schemeClr>
+                    </a:solidFill>
+                    <a:ln w="57150">
+                      <a:solidFill>
+                        <a:schemeClr val="tx1"/>
+                      </a:solidFill>
+                    </a:ln>
+                  </p:spPr>
+                  <p:style>
+                    <a:lnRef idx="2">
+                      <a:schemeClr val="accent1">
+                        <a:shade val="50000"/>
+                      </a:schemeClr>
+                    </a:lnRef>
+                    <a:fillRef idx="1">
+                      <a:schemeClr val="accent1"/>
+                    </a:fillRef>
+                    <a:effectRef idx="0">
+                      <a:schemeClr val="accent1"/>
+                    </a:effectRef>
+                    <a:fontRef idx="minor">
+                      <a:schemeClr val="lt1"/>
+                    </a:fontRef>
+                  </p:style>
+                  <p:txBody>
+                    <a:bodyPr rot="0" spcFirstLastPara="0" vertOverflow="overflow" horzOverflow="overflow" vert="horz" wrap="square" lIns="91440" tIns="45720" rIns="91440" bIns="45720" numCol="1" spcCol="0" rtlCol="0" fromWordArt="0" anchor="ctr" anchorCtr="0" forceAA="0" compatLnSpc="1">
+                      <a:prstTxWarp prst="textNoShape">
+                        <a:avLst/>
+                      </a:prstTxWarp>
+                      <a:noAutofit/>
+                    </a:bodyPr>
+                    <a:lstStyle/>
+                    <a:p>
+                      <a:pPr algn="ctr"/>
+                      <a:endParaRPr lang="en-GB"/>
+                    </a:p>
+                  </p:txBody>
+                </p:sp>
+                <p:sp>
+                  <p:nvSpPr>
+                    <p:cNvPr id="38" name="Oval 37">
+                      <a:extLst>
+                        <a:ext uri="{FF2B5EF4-FFF2-40B4-BE49-F238E27FC236}">
+                          <a16:creationId xmlns:a16="http://schemas.microsoft.com/office/drawing/2014/main" id="{526A233C-F382-4723-A6F7-3BFB1698732D}"/>
+                        </a:ext>
+                      </a:extLst>
+                    </p:cNvPr>
+                    <p:cNvSpPr>
+                      <a:spLocks noChangeAspect="1"/>
+                    </p:cNvSpPr>
+                    <p:nvPr/>
+                  </p:nvSpPr>
+                  <p:spPr>
+                    <a:xfrm>
+                      <a:off x="4276521" y="2911151"/>
+                      <a:ext cx="720000" cy="718457"/>
+                    </a:xfrm>
+                    <a:prstGeom prst="ellipse">
+                      <a:avLst/>
+                    </a:prstGeom>
+                    <a:solidFill>
+                      <a:schemeClr val="bg1">
+                        <a:lumMod val="95000"/>
+                      </a:schemeClr>
+                    </a:solidFill>
+                    <a:ln w="57150">
+                      <a:solidFill>
+                        <a:schemeClr val="tx1"/>
+                      </a:solidFill>
+                    </a:ln>
+                  </p:spPr>
+                  <p:style>
+                    <a:lnRef idx="2">
+                      <a:schemeClr val="accent1">
+                        <a:shade val="50000"/>
+                      </a:schemeClr>
+                    </a:lnRef>
+                    <a:fillRef idx="1">
+                      <a:schemeClr val="accent1"/>
+                    </a:fillRef>
+                    <a:effectRef idx="0">
+                      <a:schemeClr val="accent1"/>
+                    </a:effectRef>
+                    <a:fontRef idx="minor">
+                      <a:schemeClr val="lt1"/>
+                    </a:fontRef>
+                  </p:style>
+                  <p:txBody>
+                    <a:bodyPr rot="0" spcFirstLastPara="0" vertOverflow="overflow" horzOverflow="overflow" vert="horz" wrap="square" lIns="91440" tIns="45720" rIns="91440" bIns="45720" numCol="1" spcCol="0" rtlCol="0" fromWordArt="0" anchor="ctr" anchorCtr="0" forceAA="0" compatLnSpc="1">
+                      <a:prstTxWarp prst="textNoShape">
+                        <a:avLst/>
+                      </a:prstTxWarp>
+                      <a:noAutofit/>
+                    </a:bodyPr>
+                    <a:lstStyle/>
+                    <a:p>
+                      <a:pPr algn="ctr"/>
+                      <a:endParaRPr lang="en-GB"/>
+                    </a:p>
+                  </p:txBody>
+                </p:sp>
+                <p:sp>
+                  <p:nvSpPr>
+                    <p:cNvPr id="39" name="Oval 38">
+                      <a:extLst>
+                        <a:ext uri="{FF2B5EF4-FFF2-40B4-BE49-F238E27FC236}">
+                          <a16:creationId xmlns:a16="http://schemas.microsoft.com/office/drawing/2014/main" id="{AF8F35A3-5AAD-4C96-9BBF-C36A8FF027CF}"/>
+                        </a:ext>
+                      </a:extLst>
+                    </p:cNvPr>
+                    <p:cNvSpPr>
+                      <a:spLocks noChangeAspect="1"/>
+                    </p:cNvSpPr>
+                    <p:nvPr/>
+                  </p:nvSpPr>
+                  <p:spPr>
+                    <a:xfrm>
+                      <a:off x="7496311" y="2911150"/>
+                      <a:ext cx="720000" cy="718457"/>
+                    </a:xfrm>
+                    <a:prstGeom prst="ellipse">
+                      <a:avLst/>
+                    </a:prstGeom>
+                    <a:solidFill>
+                      <a:schemeClr val="bg1">
+                        <a:lumMod val="95000"/>
+                      </a:schemeClr>
+                    </a:solidFill>
+                    <a:ln w="57150">
+                      <a:solidFill>
+                        <a:schemeClr val="tx1"/>
+                      </a:solidFill>
+                    </a:ln>
+                  </p:spPr>
+                  <p:style>
+                    <a:lnRef idx="2">
+                      <a:schemeClr val="accent1">
+                        <a:shade val="50000"/>
+                      </a:schemeClr>
+                    </a:lnRef>
+                    <a:fillRef idx="1">
+                      <a:schemeClr val="accent1"/>
+                    </a:fillRef>
+                    <a:effectRef idx="0">
+                      <a:schemeClr val="accent1"/>
+                    </a:effectRef>
+                    <a:fontRef idx="minor">
+                      <a:schemeClr val="lt1"/>
+                    </a:fontRef>
+                  </p:style>
+                  <p:txBody>
+                    <a:bodyPr rot="0" spcFirstLastPara="0" vertOverflow="overflow" horzOverflow="overflow" vert="horz" wrap="square" lIns="91440" tIns="45720" rIns="91440" bIns="45720" numCol="1" spcCol="0" rtlCol="0" fromWordArt="0" anchor="ctr" anchorCtr="0" forceAA="0" compatLnSpc="1">
+                      <a:prstTxWarp prst="textNoShape">
+                        <a:avLst/>
+                      </a:prstTxWarp>
+                      <a:noAutofit/>
+                    </a:bodyPr>
+                    <a:lstStyle/>
+                    <a:p>
+                      <a:pPr algn="ctr"/>
+                      <a:endParaRPr lang="en-GB"/>
+                    </a:p>
+                  </p:txBody>
+                </p:sp>
+                <p:cxnSp>
+                  <p:nvCxnSpPr>
+                    <p:cNvPr id="40" name="Straight Connector 39">
+                      <a:extLst>
+                        <a:ext uri="{FF2B5EF4-FFF2-40B4-BE49-F238E27FC236}">
+                          <a16:creationId xmlns:a16="http://schemas.microsoft.com/office/drawing/2014/main" id="{DEBE9B6C-E6AB-4C94-81CE-31EA030C899D}"/>
+                        </a:ext>
+                      </a:extLst>
+                    </p:cNvPr>
+                    <p:cNvCxnSpPr>
+                      <a:stCxn id="36" idx="6"/>
+                      <a:endCxn id="37" idx="2"/>
+                    </p:cNvCxnSpPr>
+                    <p:nvPr/>
+                  </p:nvCxnSpPr>
+                  <p:spPr>
+                    <a:xfrm>
+                      <a:off x="1597068" y="3270381"/>
+                      <a:ext cx="598727" cy="0"/>
+                    </a:xfrm>
+                    <a:prstGeom prst="line">
+                      <a:avLst/>
+                    </a:prstGeom>
+                    <a:ln w="57150">
+                      <a:solidFill>
+                        <a:schemeClr val="tx1"/>
+                      </a:solidFill>
+                    </a:ln>
+                  </p:spPr>
+                  <p:style>
+                    <a:lnRef idx="1">
+                      <a:schemeClr val="accent1"/>
+                    </a:lnRef>
+                    <a:fillRef idx="0">
+                      <a:schemeClr val="accent1"/>
+                    </a:fillRef>
+                    <a:effectRef idx="0">
+                      <a:schemeClr val="accent1"/>
+                    </a:effectRef>
+                    <a:fontRef idx="minor">
+                      <a:schemeClr val="tx1"/>
+                    </a:fontRef>
+                  </p:style>
+                </p:cxnSp>
+                <p:cxnSp>
+                  <p:nvCxnSpPr>
+                    <p:cNvPr id="41" name="Straight Connector 40">
+                      <a:extLst>
+                        <a:ext uri="{FF2B5EF4-FFF2-40B4-BE49-F238E27FC236}">
+                          <a16:creationId xmlns:a16="http://schemas.microsoft.com/office/drawing/2014/main" id="{4E64A0F6-A407-4CFA-9C13-A1321A54B2EC}"/>
+                        </a:ext>
+                      </a:extLst>
+                    </p:cNvPr>
+                    <p:cNvCxnSpPr>
+                      <a:cxnSpLocks/>
+                      <a:stCxn id="37" idx="6"/>
+                      <a:endCxn id="38" idx="2"/>
+                    </p:cNvCxnSpPr>
+                    <p:nvPr/>
+                  </p:nvCxnSpPr>
+                  <p:spPr>
+                    <a:xfrm flipV="1">
+                      <a:off x="2915795" y="3270380"/>
+                      <a:ext cx="1360726" cy="1"/>
+                    </a:xfrm>
+                    <a:prstGeom prst="line">
+                      <a:avLst/>
+                    </a:prstGeom>
+                    <a:ln w="57150">
+                      <a:solidFill>
+                        <a:schemeClr val="tx1"/>
+                      </a:solidFill>
+                    </a:ln>
+                  </p:spPr>
+                  <p:style>
+                    <a:lnRef idx="1">
+                      <a:schemeClr val="accent1"/>
+                    </a:lnRef>
+                    <a:fillRef idx="0">
+                      <a:schemeClr val="accent1"/>
+                    </a:fillRef>
+                    <a:effectRef idx="0">
+                      <a:schemeClr val="accent1"/>
+                    </a:effectRef>
+                    <a:fontRef idx="minor">
+                      <a:schemeClr val="tx1"/>
+                    </a:fontRef>
+                  </p:style>
+                </p:cxnSp>
+                <p:cxnSp>
+                  <p:nvCxnSpPr>
+                    <p:cNvPr id="42" name="Straight Connector 41">
+                      <a:extLst>
+                        <a:ext uri="{FF2B5EF4-FFF2-40B4-BE49-F238E27FC236}">
+                          <a16:creationId xmlns:a16="http://schemas.microsoft.com/office/drawing/2014/main" id="{7008674E-9D75-4D4D-80B6-726553E5C165}"/>
+                        </a:ext>
+                      </a:extLst>
+                    </p:cNvPr>
+                    <p:cNvCxnSpPr>
+                      <a:cxnSpLocks/>
+                      <a:stCxn id="38" idx="6"/>
+                      <a:endCxn id="31" idx="2"/>
+                    </p:cNvCxnSpPr>
+                    <p:nvPr/>
+                  </p:nvCxnSpPr>
+                  <p:spPr>
+                    <a:xfrm flipV="1">
+                      <a:off x="4996521" y="3270375"/>
+                      <a:ext cx="1444727" cy="5"/>
+                    </a:xfrm>
+                    <a:prstGeom prst="line">
+                      <a:avLst/>
+                    </a:prstGeom>
+                    <a:ln w="57150">
+                      <a:solidFill>
+                        <a:schemeClr val="tx1"/>
+                      </a:solidFill>
+                    </a:ln>
+                  </p:spPr>
+                  <p:style>
+                    <a:lnRef idx="1">
+                      <a:schemeClr val="accent1"/>
+                    </a:lnRef>
+                    <a:fillRef idx="0">
+                      <a:schemeClr val="accent1"/>
+                    </a:fillRef>
+                    <a:effectRef idx="0">
+                      <a:schemeClr val="accent1"/>
+                    </a:effectRef>
+                    <a:fontRef idx="minor">
+                      <a:schemeClr val="tx1"/>
+                    </a:fontRef>
+                  </p:style>
+                </p:cxnSp>
+                <p:cxnSp>
+                  <p:nvCxnSpPr>
+                    <p:cNvPr id="43" name="Straight Connector 42">
+                      <a:extLst>
+                        <a:ext uri="{FF2B5EF4-FFF2-40B4-BE49-F238E27FC236}">
+                          <a16:creationId xmlns:a16="http://schemas.microsoft.com/office/drawing/2014/main" id="{B1407D25-A07D-4807-837C-E344EDEFB587}"/>
+                        </a:ext>
+                      </a:extLst>
+                    </p:cNvPr>
+                    <p:cNvCxnSpPr>
+                      <a:cxnSpLocks/>
+                      <a:stCxn id="39" idx="6"/>
+                    </p:cNvCxnSpPr>
+                    <p:nvPr/>
+                  </p:nvCxnSpPr>
+                  <p:spPr>
+                    <a:xfrm>
+                      <a:off x="8216311" y="3270379"/>
+                      <a:ext cx="3337346" cy="0"/>
+                    </a:xfrm>
+                    <a:prstGeom prst="line">
+                      <a:avLst/>
+                    </a:prstGeom>
+                    <a:ln w="57150">
+                      <a:solidFill>
+                        <a:schemeClr val="tx1"/>
+                      </a:solidFill>
+                    </a:ln>
+                  </p:spPr>
+                  <p:style>
+                    <a:lnRef idx="1">
+                      <a:schemeClr val="accent1"/>
+                    </a:lnRef>
+                    <a:fillRef idx="0">
+                      <a:schemeClr val="accent1"/>
+                    </a:fillRef>
+                    <a:effectRef idx="0">
+                      <a:schemeClr val="accent1"/>
+                    </a:effectRef>
+                    <a:fontRef idx="minor">
+                      <a:schemeClr val="tx1"/>
+                    </a:fontRef>
+                  </p:style>
+                </p:cxnSp>
+                <p:sp>
+                  <p:nvSpPr>
+                    <p:cNvPr id="44" name="Oval 43">
+                      <a:extLst>
+                        <a:ext uri="{FF2B5EF4-FFF2-40B4-BE49-F238E27FC236}">
+                          <a16:creationId xmlns:a16="http://schemas.microsoft.com/office/drawing/2014/main" id="{B129C8B8-756B-4C40-9209-241333E298E3}"/>
+                        </a:ext>
+                      </a:extLst>
+                    </p:cNvPr>
+                    <p:cNvSpPr>
+                      <a:spLocks noChangeAspect="1"/>
+                    </p:cNvSpPr>
+                    <p:nvPr/>
+                  </p:nvSpPr>
+                  <p:spPr>
+                    <a:xfrm>
+                      <a:off x="2195795" y="1653852"/>
+                      <a:ext cx="720000" cy="718457"/>
+                    </a:xfrm>
+                    <a:prstGeom prst="ellipse">
+                      <a:avLst/>
+                    </a:prstGeom>
+                    <a:solidFill>
+                      <a:schemeClr val="accent6">
+                        <a:lumMod val="20000"/>
+                        <a:lumOff val="80000"/>
+                      </a:schemeClr>
+                    </a:solidFill>
+                    <a:ln w="57150">
+                      <a:solidFill>
+                        <a:schemeClr val="accent6">
+                          <a:lumMod val="75000"/>
+                        </a:schemeClr>
+                      </a:solidFill>
+                    </a:ln>
+                  </p:spPr>
+                  <p:style>
+                    <a:lnRef idx="2">
+                      <a:schemeClr val="accent1">
+                        <a:shade val="50000"/>
+                      </a:schemeClr>
+                    </a:lnRef>
+                    <a:fillRef idx="1">
+                      <a:schemeClr val="accent1"/>
+                    </a:fillRef>
+                    <a:effectRef idx="0">
+                      <a:schemeClr val="accent1"/>
+                    </a:effectRef>
+                    <a:fontRef idx="minor">
+                      <a:schemeClr val="lt1"/>
+                    </a:fontRef>
+                  </p:style>
+                  <p:txBody>
+                    <a:bodyPr rot="0" spcFirstLastPara="0" vertOverflow="overflow" horzOverflow="overflow" vert="horz" wrap="square" lIns="91440" tIns="45720" rIns="91440" bIns="45720" numCol="1" spcCol="0" rtlCol="0" fromWordArt="0" anchor="ctr" anchorCtr="0" forceAA="0" compatLnSpc="1">
+                      <a:prstTxWarp prst="textNoShape">
+                        <a:avLst/>
+                      </a:prstTxWarp>
+                      <a:noAutofit/>
+                    </a:bodyPr>
+                    <a:lstStyle/>
+                    <a:p>
+                      <a:pPr algn="ctr"/>
+                      <a:endParaRPr lang="en-GB"/>
+                    </a:p>
+                  </p:txBody>
+                </p:sp>
+                <p:sp>
+                  <p:nvSpPr>
+                    <p:cNvPr id="45" name="Oval 44">
+                      <a:extLst>
+                        <a:ext uri="{FF2B5EF4-FFF2-40B4-BE49-F238E27FC236}">
+                          <a16:creationId xmlns:a16="http://schemas.microsoft.com/office/drawing/2014/main" id="{C5148916-9BCD-404A-8349-46CFE32E7450}"/>
+                        </a:ext>
+                      </a:extLst>
+                    </p:cNvPr>
+                    <p:cNvSpPr>
+                      <a:spLocks noChangeAspect="1"/>
+                    </p:cNvSpPr>
+                    <p:nvPr/>
+                  </p:nvSpPr>
+                  <p:spPr>
+                    <a:xfrm>
+                      <a:off x="4276521" y="1653851"/>
+                      <a:ext cx="720000" cy="718457"/>
+                    </a:xfrm>
+                    <a:prstGeom prst="ellipse">
+                      <a:avLst/>
+                    </a:prstGeom>
+                    <a:solidFill>
+                      <a:schemeClr val="accent6">
+                        <a:lumMod val="20000"/>
+                        <a:lumOff val="80000"/>
+                      </a:schemeClr>
+                    </a:solidFill>
+                    <a:ln w="57150">
+                      <a:solidFill>
+                        <a:schemeClr val="accent6">
+                          <a:lumMod val="75000"/>
+                        </a:schemeClr>
+                      </a:solidFill>
+                    </a:ln>
+                  </p:spPr>
+                  <p:style>
+                    <a:lnRef idx="2">
+                      <a:schemeClr val="accent1">
+                        <a:shade val="50000"/>
+                      </a:schemeClr>
+                    </a:lnRef>
+                    <a:fillRef idx="1">
+                      <a:schemeClr val="accent1"/>
+                    </a:fillRef>
+                    <a:effectRef idx="0">
+                      <a:schemeClr val="accent1"/>
+                    </a:effectRef>
+                    <a:fontRef idx="minor">
+                      <a:schemeClr val="lt1"/>
+                    </a:fontRef>
+                  </p:style>
+                  <p:txBody>
+                    <a:bodyPr rot="0" spcFirstLastPara="0" vertOverflow="overflow" horzOverflow="overflow" vert="horz" wrap="square" lIns="91440" tIns="45720" rIns="91440" bIns="45720" numCol="1" spcCol="0" rtlCol="0" fromWordArt="0" anchor="ctr" anchorCtr="0" forceAA="0" compatLnSpc="1">
+                      <a:prstTxWarp prst="textNoShape">
+                        <a:avLst/>
+                      </a:prstTxWarp>
+                      <a:noAutofit/>
+                    </a:bodyPr>
+                    <a:lstStyle/>
+                    <a:p>
+                      <a:pPr algn="ctr"/>
+                      <a:endParaRPr lang="en-GB"/>
+                    </a:p>
+                  </p:txBody>
+                </p:sp>
+                <p:sp>
+                  <p:nvSpPr>
+                    <p:cNvPr id="46" name="Oval 45">
+                      <a:extLst>
+                        <a:ext uri="{FF2B5EF4-FFF2-40B4-BE49-F238E27FC236}">
+                          <a16:creationId xmlns:a16="http://schemas.microsoft.com/office/drawing/2014/main" id="{F859D385-399B-4AAB-B453-1BCDC6806DBE}"/>
+                        </a:ext>
+                      </a:extLst>
+                    </p:cNvPr>
+                    <p:cNvSpPr>
+                      <a:spLocks noChangeAspect="1"/>
+                    </p:cNvSpPr>
+                    <p:nvPr/>
+                  </p:nvSpPr>
+                  <p:spPr>
+                    <a:xfrm>
+                      <a:off x="7496310" y="1653851"/>
+                      <a:ext cx="720000" cy="718457"/>
+                    </a:xfrm>
+                    <a:prstGeom prst="ellipse">
+                      <a:avLst/>
+                    </a:prstGeom>
+                    <a:solidFill>
+                      <a:schemeClr val="accent6">
+                        <a:lumMod val="20000"/>
+                        <a:lumOff val="80000"/>
+                      </a:schemeClr>
+                    </a:solidFill>
+                    <a:ln w="57150">
+                      <a:solidFill>
+                        <a:schemeClr val="accent6">
+                          <a:lumMod val="75000"/>
+                        </a:schemeClr>
+                      </a:solidFill>
+                    </a:ln>
+                  </p:spPr>
+                  <p:style>
+                    <a:lnRef idx="2">
+                      <a:schemeClr val="accent1">
+                        <a:shade val="50000"/>
+                      </a:schemeClr>
+                    </a:lnRef>
+                    <a:fillRef idx="1">
+                      <a:schemeClr val="accent1"/>
+                    </a:fillRef>
+                    <a:effectRef idx="0">
+                      <a:schemeClr val="accent1"/>
+                    </a:effectRef>
+                    <a:fontRef idx="minor">
+                      <a:schemeClr val="lt1"/>
+                    </a:fontRef>
+                  </p:style>
+                  <p:txBody>
+                    <a:bodyPr rot="0" spcFirstLastPara="0" vertOverflow="overflow" horzOverflow="overflow" vert="horz" wrap="square" lIns="91440" tIns="45720" rIns="91440" bIns="45720" numCol="1" spcCol="0" rtlCol="0" fromWordArt="0" anchor="ctr" anchorCtr="0" forceAA="0" compatLnSpc="1">
+                      <a:prstTxWarp prst="textNoShape">
+                        <a:avLst/>
+                      </a:prstTxWarp>
+                      <a:noAutofit/>
+                    </a:bodyPr>
+                    <a:lstStyle/>
+                    <a:p>
+                      <a:pPr algn="ctr"/>
+                      <a:endParaRPr lang="en-GB"/>
+                    </a:p>
+                  </p:txBody>
+                </p:sp>
+                <p:sp>
+                  <p:nvSpPr>
+                    <p:cNvPr id="47" name="Oval 46">
+                      <a:extLst>
+                        <a:ext uri="{FF2B5EF4-FFF2-40B4-BE49-F238E27FC236}">
+                          <a16:creationId xmlns:a16="http://schemas.microsoft.com/office/drawing/2014/main" id="{07EF2A45-A133-4252-8996-8CF3AF2AD960}"/>
+                        </a:ext>
+                      </a:extLst>
+                    </p:cNvPr>
+                    <p:cNvSpPr>
+                      <a:spLocks noChangeAspect="1"/>
+                    </p:cNvSpPr>
+                    <p:nvPr/>
+                  </p:nvSpPr>
+                  <p:spPr>
+                    <a:xfrm>
+                      <a:off x="9224099" y="4170784"/>
+                      <a:ext cx="720000" cy="718457"/>
+                    </a:xfrm>
+                    <a:prstGeom prst="ellipse">
+                      <a:avLst/>
+                    </a:prstGeom>
+                    <a:solidFill>
+                      <a:schemeClr val="accent5">
+                        <a:lumMod val="20000"/>
+                        <a:lumOff val="80000"/>
+                      </a:schemeClr>
+                    </a:solidFill>
+                    <a:ln w="57150">
+                      <a:solidFill>
+                        <a:schemeClr val="accent5">
+                          <a:lumMod val="75000"/>
+                        </a:schemeClr>
+                      </a:solidFill>
+                    </a:ln>
+                  </p:spPr>
+                  <p:style>
+                    <a:lnRef idx="2">
+                      <a:schemeClr val="accent1">
+                        <a:shade val="50000"/>
+                      </a:schemeClr>
+                    </a:lnRef>
+                    <a:fillRef idx="1">
+                      <a:schemeClr val="accent1"/>
+                    </a:fillRef>
+                    <a:effectRef idx="0">
+                      <a:schemeClr val="accent1"/>
+                    </a:effectRef>
+                    <a:fontRef idx="minor">
+                      <a:schemeClr val="lt1"/>
+                    </a:fontRef>
+                  </p:style>
+                  <p:txBody>
+                    <a:bodyPr rot="0" spcFirstLastPara="0" vertOverflow="overflow" horzOverflow="overflow" vert="horz" wrap="square" lIns="91440" tIns="45720" rIns="91440" bIns="45720" numCol="1" spcCol="0" rtlCol="0" fromWordArt="0" anchor="ctr" anchorCtr="0" forceAA="0" compatLnSpc="1">
+                      <a:prstTxWarp prst="textNoShape">
+                        <a:avLst/>
+                      </a:prstTxWarp>
+                      <a:noAutofit/>
+                    </a:bodyPr>
+                    <a:lstStyle/>
+                    <a:p>
+                      <a:pPr algn="ctr"/>
+                      <a:endParaRPr lang="en-GB"/>
+                    </a:p>
+                  </p:txBody>
+                </p:sp>
+                <p:cxnSp>
+                  <p:nvCxnSpPr>
+                    <p:cNvPr id="48" name="Straight Connector 47">
+                      <a:extLst>
+                        <a:ext uri="{FF2B5EF4-FFF2-40B4-BE49-F238E27FC236}">
+                          <a16:creationId xmlns:a16="http://schemas.microsoft.com/office/drawing/2014/main" id="{440FE89B-314A-4FA4-A876-771DE651CDC9}"/>
+                        </a:ext>
+                      </a:extLst>
+                    </p:cNvPr>
+                    <p:cNvCxnSpPr>
+                      <a:cxnSpLocks/>
+                      <a:stCxn id="44" idx="6"/>
+                      <a:endCxn id="45" idx="2"/>
+                    </p:cNvCxnSpPr>
+                    <p:nvPr/>
+                  </p:nvCxnSpPr>
+                  <p:spPr>
+                    <a:xfrm flipV="1">
+                      <a:off x="2915795" y="2013080"/>
+                      <a:ext cx="1360726" cy="1"/>
+                    </a:xfrm>
+                    <a:prstGeom prst="line">
+                      <a:avLst/>
+                    </a:prstGeom>
+                    <a:ln w="57150">
+                      <a:solidFill>
+                        <a:schemeClr val="accent6">
+                          <a:lumMod val="75000"/>
+                        </a:schemeClr>
+                      </a:solidFill>
+                    </a:ln>
+                  </p:spPr>
+                  <p:style>
+                    <a:lnRef idx="1">
+                      <a:schemeClr val="accent1"/>
+                    </a:lnRef>
+                    <a:fillRef idx="0">
+                      <a:schemeClr val="accent1"/>
+                    </a:fillRef>
+                    <a:effectRef idx="0">
+                      <a:schemeClr val="accent1"/>
+                    </a:effectRef>
+                    <a:fontRef idx="minor">
+                      <a:schemeClr val="tx1"/>
+                    </a:fontRef>
+                  </p:style>
+                </p:cxnSp>
+                <p:cxnSp>
+                  <p:nvCxnSpPr>
+                    <p:cNvPr id="49" name="Straight Connector 48">
+                      <a:extLst>
+                        <a:ext uri="{FF2B5EF4-FFF2-40B4-BE49-F238E27FC236}">
+                          <a16:creationId xmlns:a16="http://schemas.microsoft.com/office/drawing/2014/main" id="{F4BEA240-B5B9-4BA6-9205-DD7772B0451A}"/>
+                        </a:ext>
+                      </a:extLst>
+                    </p:cNvPr>
+                    <p:cNvCxnSpPr>
+                      <a:cxnSpLocks/>
+                      <a:stCxn id="45" idx="6"/>
+                      <a:endCxn id="29" idx="2"/>
+                    </p:cNvCxnSpPr>
+                    <p:nvPr/>
+                  </p:nvCxnSpPr>
+                  <p:spPr>
+                    <a:xfrm flipV="1">
+                      <a:off x="4996521" y="2013079"/>
+                      <a:ext cx="1419789" cy="1"/>
+                    </a:xfrm>
+                    <a:prstGeom prst="line">
+                      <a:avLst/>
+                    </a:prstGeom>
+                    <a:ln w="57150">
+                      <a:solidFill>
+                        <a:schemeClr val="accent6">
+                          <a:lumMod val="75000"/>
+                        </a:schemeClr>
+                      </a:solidFill>
+                    </a:ln>
+                  </p:spPr>
+                  <p:style>
+                    <a:lnRef idx="1">
+                      <a:schemeClr val="accent1"/>
+                    </a:lnRef>
+                    <a:fillRef idx="0">
+                      <a:schemeClr val="accent1"/>
+                    </a:fillRef>
+                    <a:effectRef idx="0">
+                      <a:schemeClr val="accent1"/>
+                    </a:effectRef>
+                    <a:fontRef idx="minor">
+                      <a:schemeClr val="tx1"/>
+                    </a:fontRef>
+                  </p:style>
+                </p:cxnSp>
+                <p:sp>
+                  <p:nvSpPr>
+                    <p:cNvPr id="50" name="Oval 49">
+                      <a:extLst>
+                        <a:ext uri="{FF2B5EF4-FFF2-40B4-BE49-F238E27FC236}">
+                          <a16:creationId xmlns:a16="http://schemas.microsoft.com/office/drawing/2014/main" id="{0CB4A2D3-7A30-47DA-A242-BBE10074E719}"/>
+                        </a:ext>
+                      </a:extLst>
+                    </p:cNvPr>
+                    <p:cNvSpPr>
+                      <a:spLocks noChangeAspect="1"/>
+                    </p:cNvSpPr>
+                    <p:nvPr/>
+                  </p:nvSpPr>
+                  <p:spPr>
+                    <a:xfrm>
+                      <a:off x="10833657" y="4170784"/>
+                      <a:ext cx="720000" cy="718457"/>
+                    </a:xfrm>
+                    <a:prstGeom prst="ellipse">
+                      <a:avLst/>
+                    </a:prstGeom>
+                    <a:solidFill>
+                      <a:schemeClr val="accent5">
+                        <a:lumMod val="20000"/>
+                        <a:lumOff val="80000"/>
+                      </a:schemeClr>
+                    </a:solidFill>
+                    <a:ln w="57150">
+                      <a:solidFill>
+                        <a:schemeClr val="accent5">
+                          <a:lumMod val="75000"/>
+                        </a:schemeClr>
+                      </a:solidFill>
+                    </a:ln>
+                  </p:spPr>
+                  <p:style>
+                    <a:lnRef idx="2">
+                      <a:schemeClr val="accent1">
+                        <a:shade val="50000"/>
+                      </a:schemeClr>
+                    </a:lnRef>
+                    <a:fillRef idx="1">
+                      <a:schemeClr val="accent1"/>
+                    </a:fillRef>
+                    <a:effectRef idx="0">
+                      <a:schemeClr val="accent1"/>
+                    </a:effectRef>
+                    <a:fontRef idx="minor">
+                      <a:schemeClr val="lt1"/>
+                    </a:fontRef>
+                  </p:style>
+                  <p:txBody>
+                    <a:bodyPr rot="0" spcFirstLastPara="0" vertOverflow="overflow" horzOverflow="overflow" vert="horz" wrap="square" lIns="91440" tIns="45720" rIns="91440" bIns="45720" numCol="1" spcCol="0" rtlCol="0" fromWordArt="0" anchor="ctr" anchorCtr="0" forceAA="0" compatLnSpc="1">
+                      <a:prstTxWarp prst="textNoShape">
+                        <a:avLst/>
+                      </a:prstTxWarp>
+                      <a:noAutofit/>
+                    </a:bodyPr>
+                    <a:lstStyle/>
+                    <a:p>
+                      <a:pPr algn="ctr"/>
+                      <a:endParaRPr lang="en-GB"/>
+                    </a:p>
+                  </p:txBody>
+                </p:sp>
+                <p:cxnSp>
+                  <p:nvCxnSpPr>
+                    <p:cNvPr id="51" name="Straight Connector 50">
+                      <a:extLst>
+                        <a:ext uri="{FF2B5EF4-FFF2-40B4-BE49-F238E27FC236}">
+                          <a16:creationId xmlns:a16="http://schemas.microsoft.com/office/drawing/2014/main" id="{BAFD73F5-297B-4040-9968-F711FA2CB1F2}"/>
+                        </a:ext>
+                      </a:extLst>
+                    </p:cNvPr>
+                    <p:cNvCxnSpPr>
+                      <a:cxnSpLocks/>
+                      <a:stCxn id="47" idx="6"/>
+                      <a:endCxn id="50" idx="2"/>
+                    </p:cNvCxnSpPr>
+                    <p:nvPr/>
+                  </p:nvCxnSpPr>
+                  <p:spPr>
+                    <a:xfrm>
+                      <a:off x="9944099" y="4530013"/>
+                      <a:ext cx="889558" cy="0"/>
+                    </a:xfrm>
+                    <a:prstGeom prst="line">
+                      <a:avLst/>
+                    </a:prstGeom>
+                    <a:ln w="57150">
+                      <a:solidFill>
+                        <a:schemeClr val="accent5">
+                          <a:lumMod val="75000"/>
+                        </a:schemeClr>
+                      </a:solidFill>
+                    </a:ln>
+                  </p:spPr>
+                  <p:style>
+                    <a:lnRef idx="1">
+                      <a:schemeClr val="accent1"/>
+                    </a:lnRef>
+                    <a:fillRef idx="0">
+                      <a:schemeClr val="accent1"/>
+                    </a:fillRef>
+                    <a:effectRef idx="0">
+                      <a:schemeClr val="accent1"/>
+                    </a:effectRef>
+                    <a:fontRef idx="minor">
+                      <a:schemeClr val="tx1"/>
+                    </a:fontRef>
+                  </p:style>
+                </p:cxnSp>
+              </p:grpSp>
+              <p:sp>
+                <p:nvSpPr>
+                  <p:cNvPr id="29" name="Oval 28">
+                    <a:extLst>
+                      <a:ext uri="{FF2B5EF4-FFF2-40B4-BE49-F238E27FC236}">
+                        <a16:creationId xmlns:a16="http://schemas.microsoft.com/office/drawing/2014/main" id="{7C371B4B-C573-435C-93FB-879CB9BCEF4F}"/>
+                      </a:ext>
+                    </a:extLst>
+                  </p:cNvPr>
+                  <p:cNvSpPr>
+                    <a:spLocks noChangeAspect="1"/>
+                  </p:cNvSpPr>
+                  <p:nvPr/>
+                </p:nvSpPr>
+                <p:spPr>
+                  <a:xfrm>
+                    <a:off x="6854849" y="1448578"/>
+                    <a:ext cx="720000" cy="718457"/>
+                  </a:xfrm>
+                  <a:prstGeom prst="ellipse">
+                    <a:avLst/>
+                  </a:prstGeom>
+                  <a:solidFill>
+                    <a:schemeClr val="accent6">
+                      <a:lumMod val="20000"/>
+                      <a:lumOff val="80000"/>
+                    </a:schemeClr>
+                  </a:solidFill>
+                  <a:ln w="57150">
+                    <a:solidFill>
+                      <a:schemeClr val="accent6">
+                        <a:lumMod val="75000"/>
+                      </a:schemeClr>
+                    </a:solidFill>
+                  </a:ln>
+                </p:spPr>
+                <p:style>
+                  <a:lnRef idx="2">
+                    <a:schemeClr val="accent1">
+                      <a:shade val="50000"/>
+                    </a:schemeClr>
+                  </a:lnRef>
+                  <a:fillRef idx="1">
+                    <a:schemeClr val="accent1"/>
+                  </a:fillRef>
+                  <a:effectRef idx="0">
+                    <a:schemeClr val="accent1"/>
+                  </a:effectRef>
+                  <a:fontRef idx="minor">
+                    <a:schemeClr val="lt1"/>
+                  </a:fontRef>
+                </p:style>
+                <p:txBody>
+                  <a:bodyPr rot="0" spcFirstLastPara="0" vertOverflow="overflow" horzOverflow="overflow" vert="horz" wrap="square" lIns="91440" tIns="45720" rIns="91440" bIns="45720" numCol="1" spcCol="0" rtlCol="0" fromWordArt="0" anchor="ctr" anchorCtr="0" forceAA="0" compatLnSpc="1">
+                    <a:prstTxWarp prst="textNoShape">
+                      <a:avLst/>
+                    </a:prstTxWarp>
+                    <a:noAutofit/>
+                  </a:bodyPr>
+                  <a:lstStyle/>
+                  <a:p>
+                    <a:pPr algn="ctr"/>
+                    <a:endParaRPr lang="en-GB"/>
+                  </a:p>
+                </p:txBody>
+              </p:sp>
+              <p:cxnSp>
+                <p:nvCxnSpPr>
+                  <p:cNvPr id="30" name="Straight Connector 29">
+                    <a:extLst>
+                      <a:ext uri="{FF2B5EF4-FFF2-40B4-BE49-F238E27FC236}">
+                        <a16:creationId xmlns:a16="http://schemas.microsoft.com/office/drawing/2014/main" id="{29D77219-FB27-40D1-BF1E-63E51E81AF63}"/>
+                      </a:ext>
+                    </a:extLst>
+                  </p:cNvPr>
+                  <p:cNvCxnSpPr>
+                    <a:cxnSpLocks/>
+                    <a:stCxn id="29" idx="6"/>
+                    <a:endCxn id="46" idx="2"/>
+                  </p:cNvCxnSpPr>
+                  <p:nvPr/>
+                </p:nvCxnSpPr>
+                <p:spPr>
+                  <a:xfrm>
+                    <a:off x="7574849" y="1807807"/>
+                    <a:ext cx="335062" cy="0"/>
+                  </a:xfrm>
+                  <a:prstGeom prst="line">
+                    <a:avLst/>
+                  </a:prstGeom>
+                  <a:ln w="57150">
+                    <a:solidFill>
+                      <a:schemeClr val="accent6">
+                        <a:lumMod val="75000"/>
+                      </a:schemeClr>
+                    </a:solidFill>
+                  </a:ln>
+                </p:spPr>
+                <p:style>
+                  <a:lnRef idx="1">
+                    <a:schemeClr val="accent1"/>
+                  </a:lnRef>
+                  <a:fillRef idx="0">
+                    <a:schemeClr val="accent1"/>
+                  </a:fillRef>
+                  <a:effectRef idx="0">
+                    <a:schemeClr val="accent1"/>
+                  </a:effectRef>
+                  <a:fontRef idx="minor">
+                    <a:schemeClr val="tx1"/>
+                  </a:fontRef>
+                </p:style>
+              </p:cxnSp>
+              <p:sp>
+                <p:nvSpPr>
+                  <p:cNvPr id="31" name="Oval 30">
+                    <a:extLst>
+                      <a:ext uri="{FF2B5EF4-FFF2-40B4-BE49-F238E27FC236}">
+                        <a16:creationId xmlns:a16="http://schemas.microsoft.com/office/drawing/2014/main" id="{A1B6046F-FA53-47B0-9E4F-F445E377B838}"/>
+                      </a:ext>
+                    </a:extLst>
+                  </p:cNvPr>
+                  <p:cNvSpPr>
+                    <a:spLocks noChangeAspect="1"/>
+                  </p:cNvSpPr>
+                  <p:nvPr/>
+                </p:nvSpPr>
+                <p:spPr>
+                  <a:xfrm>
+                    <a:off x="6854849" y="2705873"/>
+                    <a:ext cx="720000" cy="718457"/>
+                  </a:xfrm>
+                  <a:prstGeom prst="ellipse">
+                    <a:avLst/>
+                  </a:prstGeom>
+                  <a:solidFill>
+                    <a:schemeClr val="bg1">
+                      <a:lumMod val="95000"/>
+                    </a:schemeClr>
+                  </a:solidFill>
+                  <a:ln w="57150">
+                    <a:solidFill>
+                      <a:schemeClr val="tx1"/>
+                    </a:solidFill>
+                  </a:ln>
+                </p:spPr>
+                <p:style>
+                  <a:lnRef idx="2">
+                    <a:schemeClr val="accent1">
+                      <a:shade val="50000"/>
+                    </a:schemeClr>
+                  </a:lnRef>
+                  <a:fillRef idx="1">
+                    <a:schemeClr val="accent1"/>
+                  </a:fillRef>
+                  <a:effectRef idx="0">
+                    <a:schemeClr val="accent1"/>
+                  </a:effectRef>
+                  <a:fontRef idx="minor">
+                    <a:schemeClr val="lt1"/>
+                  </a:fontRef>
+                </p:style>
+                <p:txBody>
+                  <a:bodyPr rot="0" spcFirstLastPara="0" vertOverflow="overflow" horzOverflow="overflow" vert="horz" wrap="square" lIns="91440" tIns="45720" rIns="91440" bIns="45720" numCol="1" spcCol="0" rtlCol="0" fromWordArt="0" anchor="ctr" anchorCtr="0" forceAA="0" compatLnSpc="1">
+                    <a:prstTxWarp prst="textNoShape">
+                      <a:avLst/>
+                    </a:prstTxWarp>
+                    <a:noAutofit/>
+                  </a:bodyPr>
+                  <a:lstStyle/>
+                  <a:p>
+                    <a:pPr algn="ctr"/>
+                    <a:endParaRPr lang="en-GB"/>
+                  </a:p>
+                </p:txBody>
+              </p:sp>
+              <p:cxnSp>
+                <p:nvCxnSpPr>
+                  <p:cNvPr id="32" name="Straight Connector 31">
+                    <a:extLst>
+                      <a:ext uri="{FF2B5EF4-FFF2-40B4-BE49-F238E27FC236}">
+                        <a16:creationId xmlns:a16="http://schemas.microsoft.com/office/drawing/2014/main" id="{FBD0E878-BBAF-4C06-B0A7-27812D549A27}"/>
+                      </a:ext>
+                    </a:extLst>
+                  </p:cNvPr>
+                  <p:cNvCxnSpPr>
+                    <a:cxnSpLocks/>
+                    <a:stCxn id="31" idx="6"/>
+                    <a:endCxn id="39" idx="2"/>
+                  </p:cNvCxnSpPr>
+                  <p:nvPr/>
+                </p:nvCxnSpPr>
+                <p:spPr>
+                  <a:xfrm>
+                    <a:off x="7574849" y="3065102"/>
+                    <a:ext cx="335063" cy="4"/>
+                  </a:xfrm>
+                  <a:prstGeom prst="line">
+                    <a:avLst/>
+                  </a:prstGeom>
+                  <a:ln w="57150">
+                    <a:solidFill>
+                      <a:schemeClr val="tx1"/>
+                    </a:solidFill>
+                  </a:ln>
+                </p:spPr>
+                <p:style>
+                  <a:lnRef idx="1">
+                    <a:schemeClr val="accent1"/>
+                  </a:lnRef>
+                  <a:fillRef idx="0">
+                    <a:schemeClr val="accent1"/>
+                  </a:fillRef>
+                  <a:effectRef idx="0">
+                    <a:schemeClr val="accent1"/>
+                  </a:effectRef>
+                  <a:fontRef idx="minor">
+                    <a:schemeClr val="tx1"/>
+                  </a:fontRef>
+                </p:style>
+              </p:cxnSp>
+            </p:grpSp>
+            <p:cxnSp>
+              <p:nvCxnSpPr>
+                <p:cNvPr id="8" name="Straight Arrow Connector 7">
+                  <a:extLst>
+                    <a:ext uri="{FF2B5EF4-FFF2-40B4-BE49-F238E27FC236}">
+                      <a16:creationId xmlns:a16="http://schemas.microsoft.com/office/drawing/2014/main" id="{D10EC62F-E1EA-4E46-B7AA-05728E3CD8CD}"/>
+                    </a:ext>
+                  </a:extLst>
+                </p:cNvPr>
+                <p:cNvCxnSpPr>
+                  <a:cxnSpLocks/>
+                  <a:endCxn id="36" idx="3"/>
+                </p:cNvCxnSpPr>
+                <p:nvPr/>
+              </p:nvCxnSpPr>
+              <p:spPr>
+                <a:xfrm flipV="1">
+                  <a:off x="1586020" y="4038644"/>
+                  <a:ext cx="852310" cy="491444"/>
+                </a:xfrm>
+                <a:prstGeom prst="straightConnector1">
+                  <a:avLst/>
+                </a:prstGeom>
+                <a:ln w="28575">
+                  <a:solidFill>
+                    <a:schemeClr val="tx1"/>
+                  </a:solidFill>
+                  <a:prstDash val="sysDash"/>
+                  <a:tailEnd type="triangle"/>
+                </a:ln>
+              </p:spPr>
+              <p:style>
+                <a:lnRef idx="1">
+                  <a:schemeClr val="accent1"/>
+                </a:lnRef>
+                <a:fillRef idx="0">
+                  <a:schemeClr val="accent1"/>
+                </a:fillRef>
+                <a:effectRef idx="0">
+                  <a:schemeClr val="accent1"/>
+                </a:effectRef>
+                <a:fontRef idx="minor">
+                  <a:schemeClr val="tx1"/>
+                </a:fontRef>
+              </p:style>
+            </p:cxnSp>
+            <p:sp>
+              <p:nvSpPr>
+                <p:cNvPr id="9" name="TextBox 8">
+                  <a:extLst>
+                    <a:ext uri="{FF2B5EF4-FFF2-40B4-BE49-F238E27FC236}">
+                      <a16:creationId xmlns:a16="http://schemas.microsoft.com/office/drawing/2014/main" id="{3C50D050-AD9A-48C7-8C54-72D9A7D08C6A}"/>
+                    </a:ext>
+                  </a:extLst>
+                </p:cNvPr>
+                <p:cNvSpPr txBox="1"/>
+                <p:nvPr/>
+              </p:nvSpPr>
+              <p:spPr>
+                <a:xfrm>
+                  <a:off x="38396" y="1880714"/>
+                  <a:ext cx="3681307" cy="369332"/>
+                </a:xfrm>
+                <a:prstGeom prst="rect">
+                  <a:avLst/>
+                </a:prstGeom>
+                <a:solidFill>
+                  <a:schemeClr val="accent6">
+                    <a:lumMod val="20000"/>
+                    <a:lumOff val="80000"/>
+                  </a:schemeClr>
+                </a:solidFill>
+                <a:ln w="28575">
+                  <a:solidFill>
+                    <a:schemeClr val="accent6">
+                      <a:lumMod val="75000"/>
+                    </a:schemeClr>
+                  </a:solidFill>
+                  <a:prstDash val="sysDash"/>
+                </a:ln>
+              </p:spPr>
+              <p:txBody>
+                <a:bodyPr wrap="square" rtlCol="0">
+                  <a:spAutoFit/>
+                </a:bodyPr>
+                <a:lstStyle/>
+                <a:p>
+                  <a:pPr algn="ctr"/>
+                  <a:r>
+                    <a:rPr lang="en-GB" i="1" dirty="0">
+                      <a:latin typeface="Arial" panose="020B0604020202020204" pitchFamily="34" charset="0"/>
+                      <a:cs typeface="Arial" panose="020B0604020202020204" pitchFamily="34" charset="0"/>
+                    </a:rPr>
+                    <a:t>branch</a:t>
+                  </a:r>
+                  <a:r>
+                    <a:rPr lang="en-GB" dirty="0">
+                      <a:latin typeface="Arial" panose="020B0604020202020204" pitchFamily="34" charset="0"/>
+                      <a:cs typeface="Arial" panose="020B0604020202020204" pitchFamily="34" charset="0"/>
+                    </a:rPr>
+                    <a:t>:</a:t>
+                  </a:r>
+                  <a:r>
+                    <a:rPr lang="en-GB" i="1" dirty="0">
+                      <a:latin typeface="Arial" panose="020B0604020202020204" pitchFamily="34" charset="0"/>
+                      <a:cs typeface="Arial" panose="020B0604020202020204" pitchFamily="34" charset="0"/>
+                    </a:rPr>
+                    <a:t> create-</a:t>
+                  </a:r>
+                  <a:r>
+                    <a:rPr lang="en-GB" i="1" dirty="0" err="1">
+                      <a:latin typeface="Arial" panose="020B0604020202020204" pitchFamily="34" charset="0"/>
+                      <a:cs typeface="Arial" panose="020B0604020202020204" pitchFamily="34" charset="0"/>
+                    </a:rPr>
+                    <a:t>github</a:t>
+                  </a:r>
+                  <a:r>
+                    <a:rPr lang="en-GB" i="1" dirty="0">
+                      <a:latin typeface="Arial" panose="020B0604020202020204" pitchFamily="34" charset="0"/>
+                      <a:cs typeface="Arial" panose="020B0604020202020204" pitchFamily="34" charset="0"/>
+                    </a:rPr>
+                    <a:t>-presentation</a:t>
+                  </a:r>
+                </a:p>
+              </p:txBody>
+            </p:sp>
+            <p:cxnSp>
+              <p:nvCxnSpPr>
+                <p:cNvPr id="10" name="Straight Arrow Connector 9">
+                  <a:extLst>
+                    <a:ext uri="{FF2B5EF4-FFF2-40B4-BE49-F238E27FC236}">
+                      <a16:creationId xmlns:a16="http://schemas.microsoft.com/office/drawing/2014/main" id="{74A88DCA-570E-476B-90B3-499A2BA8F929}"/>
+                    </a:ext>
+                  </a:extLst>
+                </p:cNvPr>
+                <p:cNvCxnSpPr>
+                  <a:cxnSpLocks/>
+                </p:cNvCxnSpPr>
+                <p:nvPr/>
+              </p:nvCxnSpPr>
+              <p:spPr>
+                <a:xfrm>
+                  <a:off x="2252004" y="2250046"/>
+                  <a:ext cx="955792" cy="877679"/>
+                </a:xfrm>
+                <a:prstGeom prst="straightConnector1">
+                  <a:avLst/>
+                </a:prstGeom>
+                <a:ln w="28575">
+                  <a:solidFill>
+                    <a:schemeClr val="accent6">
+                      <a:lumMod val="75000"/>
+                    </a:schemeClr>
+                  </a:solidFill>
+                  <a:prstDash val="sysDash"/>
+                  <a:tailEnd type="triangle"/>
+                </a:ln>
+              </p:spPr>
+              <p:style>
+                <a:lnRef idx="1">
+                  <a:schemeClr val="accent1"/>
+                </a:lnRef>
+                <a:fillRef idx="0">
+                  <a:schemeClr val="accent1"/>
+                </a:fillRef>
+                <a:effectRef idx="0">
+                  <a:schemeClr val="accent1"/>
+                </a:effectRef>
+                <a:fontRef idx="minor">
+                  <a:schemeClr val="tx1"/>
+                </a:fontRef>
+              </p:style>
+            </p:cxnSp>
+            <p:sp>
+              <p:nvSpPr>
+                <p:cNvPr id="11" name="TextBox 10">
+                  <a:extLst>
+                    <a:ext uri="{FF2B5EF4-FFF2-40B4-BE49-F238E27FC236}">
+                      <a16:creationId xmlns:a16="http://schemas.microsoft.com/office/drawing/2014/main" id="{C40861CB-D5CD-4E95-90B5-A3B54D762E0C}"/>
+                    </a:ext>
+                  </a:extLst>
+                </p:cNvPr>
+                <p:cNvSpPr txBox="1"/>
+                <p:nvPr/>
+              </p:nvSpPr>
+              <p:spPr>
+                <a:xfrm>
+                  <a:off x="1773287" y="1117954"/>
+                  <a:ext cx="4086992" cy="369332"/>
+                </a:xfrm>
+                <a:prstGeom prst="rect">
+                  <a:avLst/>
+                </a:prstGeom>
+                <a:solidFill>
+                  <a:schemeClr val="accent6">
+                    <a:lumMod val="20000"/>
+                    <a:lumOff val="80000"/>
+                  </a:schemeClr>
+                </a:solidFill>
+                <a:ln w="28575">
+                  <a:solidFill>
+                    <a:schemeClr val="accent6">
+                      <a:lumMod val="75000"/>
+                    </a:schemeClr>
+                  </a:solidFill>
+                  <a:prstDash val="sysDash"/>
+                </a:ln>
+              </p:spPr>
+              <p:txBody>
+                <a:bodyPr wrap="square" rtlCol="0">
+                  <a:spAutoFit/>
+                </a:bodyPr>
+                <a:lstStyle/>
+                <a:p>
+                  <a:r>
+                    <a:rPr lang="en-GB" i="1" dirty="0">
+                      <a:latin typeface="Arial" panose="020B0604020202020204" pitchFamily="34" charset="0"/>
+                      <a:cs typeface="Arial" panose="020B0604020202020204" pitchFamily="34" charset="0"/>
+                    </a:rPr>
+                    <a:t>commit</a:t>
+                  </a:r>
+                  <a:r>
+                    <a:rPr lang="en-GB" dirty="0">
+                      <a:latin typeface="Arial" panose="020B0604020202020204" pitchFamily="34" charset="0"/>
+                      <a:cs typeface="Arial" panose="020B0604020202020204" pitchFamily="34" charset="0"/>
+                    </a:rPr>
+                    <a:t>: created template presentation</a:t>
+                  </a:r>
+                </a:p>
+              </p:txBody>
+            </p:sp>
+            <p:cxnSp>
+              <p:nvCxnSpPr>
+                <p:cNvPr id="12" name="Straight Arrow Connector 11">
+                  <a:extLst>
+                    <a:ext uri="{FF2B5EF4-FFF2-40B4-BE49-F238E27FC236}">
+                      <a16:creationId xmlns:a16="http://schemas.microsoft.com/office/drawing/2014/main" id="{CB62CE24-1450-40A3-8CF9-C1569C6802D4}"/>
+                    </a:ext>
+                  </a:extLst>
+                </p:cNvPr>
+                <p:cNvCxnSpPr>
+                  <a:cxnSpLocks/>
+                  <a:stCxn id="11" idx="2"/>
+                  <a:endCxn id="44" idx="0"/>
+                </p:cNvCxnSpPr>
+                <p:nvPr/>
+              </p:nvCxnSpPr>
+              <p:spPr>
+                <a:xfrm>
+                  <a:off x="3816783" y="1487286"/>
+                  <a:ext cx="1" cy="912460"/>
+                </a:xfrm>
+                <a:prstGeom prst="straightConnector1">
+                  <a:avLst/>
+                </a:prstGeom>
+                <a:ln w="28575">
+                  <a:solidFill>
+                    <a:schemeClr val="accent6">
+                      <a:lumMod val="75000"/>
+                    </a:schemeClr>
+                  </a:solidFill>
+                  <a:prstDash val="sysDash"/>
+                  <a:tailEnd type="triangle"/>
+                </a:ln>
+              </p:spPr>
+              <p:style>
+                <a:lnRef idx="1">
+                  <a:schemeClr val="accent1"/>
+                </a:lnRef>
+                <a:fillRef idx="0">
+                  <a:schemeClr val="accent1"/>
+                </a:fillRef>
+                <a:effectRef idx="0">
+                  <a:schemeClr val="accent1"/>
+                </a:effectRef>
+                <a:fontRef idx="minor">
+                  <a:schemeClr val="tx1"/>
+                </a:fontRef>
+              </p:style>
+            </p:cxnSp>
+            <p:sp>
+              <p:nvSpPr>
+                <p:cNvPr id="13" name="TextBox 12">
+                  <a:extLst>
+                    <a:ext uri="{FF2B5EF4-FFF2-40B4-BE49-F238E27FC236}">
+                      <a16:creationId xmlns:a16="http://schemas.microsoft.com/office/drawing/2014/main" id="{D3E9D478-910D-4F8E-B6B5-A0285456E1C8}"/>
+                    </a:ext>
+                  </a:extLst>
+                </p:cNvPr>
+                <p:cNvSpPr txBox="1"/>
+                <p:nvPr/>
+              </p:nvSpPr>
+              <p:spPr>
+                <a:xfrm>
+                  <a:off x="4233346" y="1609690"/>
+                  <a:ext cx="2812982" cy="369332"/>
+                </a:xfrm>
+                <a:prstGeom prst="rect">
+                  <a:avLst/>
+                </a:prstGeom>
+                <a:solidFill>
+                  <a:schemeClr val="accent6">
+                    <a:lumMod val="20000"/>
+                    <a:lumOff val="80000"/>
+                  </a:schemeClr>
+                </a:solidFill>
+                <a:ln w="28575">
+                  <a:solidFill>
+                    <a:schemeClr val="accent6">
+                      <a:lumMod val="75000"/>
+                    </a:schemeClr>
+                  </a:solidFill>
+                  <a:prstDash val="sysDash"/>
+                </a:ln>
+              </p:spPr>
+              <p:txBody>
+                <a:bodyPr wrap="square" rtlCol="0">
+                  <a:spAutoFit/>
+                </a:bodyPr>
+                <a:lstStyle/>
+                <a:p>
+                  <a:r>
+                    <a:rPr lang="en-GB" i="1" dirty="0">
+                      <a:latin typeface="Arial" panose="020B0604020202020204" pitchFamily="34" charset="0"/>
+                      <a:cs typeface="Arial" panose="020B0604020202020204" pitchFamily="34" charset="0"/>
+                    </a:rPr>
+                    <a:t>commit</a:t>
+                  </a:r>
+                  <a:r>
+                    <a:rPr lang="en-GB" dirty="0">
+                      <a:latin typeface="Arial" panose="020B0604020202020204" pitchFamily="34" charset="0"/>
+                      <a:cs typeface="Arial" panose="020B0604020202020204" pitchFamily="34" charset="0"/>
+                    </a:rPr>
+                    <a:t>: came up with title</a:t>
+                  </a:r>
+                </a:p>
+              </p:txBody>
+            </p:sp>
+            <p:cxnSp>
+              <p:nvCxnSpPr>
+                <p:cNvPr id="14" name="Straight Arrow Connector 13">
+                  <a:extLst>
+                    <a:ext uri="{FF2B5EF4-FFF2-40B4-BE49-F238E27FC236}">
+                      <a16:creationId xmlns:a16="http://schemas.microsoft.com/office/drawing/2014/main" id="{88189FE7-6623-49D5-959D-9B20827AD3FA}"/>
+                    </a:ext>
+                  </a:extLst>
+                </p:cNvPr>
+                <p:cNvCxnSpPr>
+                  <a:cxnSpLocks/>
+                  <a:stCxn id="13" idx="2"/>
+                  <a:endCxn id="45" idx="0"/>
+                </p:cNvCxnSpPr>
+                <p:nvPr/>
+              </p:nvCxnSpPr>
+              <p:spPr>
+                <a:xfrm>
+                  <a:off x="5639837" y="1979022"/>
+                  <a:ext cx="1" cy="420723"/>
+                </a:xfrm>
+                <a:prstGeom prst="straightConnector1">
+                  <a:avLst/>
+                </a:prstGeom>
+                <a:ln w="28575">
+                  <a:solidFill>
+                    <a:schemeClr val="accent6">
+                      <a:lumMod val="75000"/>
+                    </a:schemeClr>
+                  </a:solidFill>
+                  <a:prstDash val="sysDash"/>
+                  <a:tailEnd type="triangle"/>
+                </a:ln>
+              </p:spPr>
+              <p:style>
+                <a:lnRef idx="1">
+                  <a:schemeClr val="accent1"/>
+                </a:lnRef>
+                <a:fillRef idx="0">
+                  <a:schemeClr val="accent1"/>
+                </a:fillRef>
+                <a:effectRef idx="0">
+                  <a:schemeClr val="accent1"/>
+                </a:effectRef>
+                <a:fontRef idx="minor">
+                  <a:schemeClr val="tx1"/>
+                </a:fontRef>
+              </p:style>
+            </p:cxnSp>
+            <p:sp>
+              <p:nvSpPr>
+                <p:cNvPr id="17" name="TextBox 16">
+                  <a:extLst>
+                    <a:ext uri="{FF2B5EF4-FFF2-40B4-BE49-F238E27FC236}">
+                      <a16:creationId xmlns:a16="http://schemas.microsoft.com/office/drawing/2014/main" id="{D36F84DD-8093-4A3F-B989-54F373C06B4F}"/>
+                    </a:ext>
+                  </a:extLst>
+                </p:cNvPr>
+                <p:cNvSpPr txBox="1"/>
+                <p:nvPr/>
+              </p:nvSpPr>
+              <p:spPr>
+                <a:xfrm>
+                  <a:off x="7837422" y="1609690"/>
+                  <a:ext cx="2750560" cy="369332"/>
+                </a:xfrm>
+                <a:prstGeom prst="rect">
+                  <a:avLst/>
+                </a:prstGeom>
+                <a:solidFill>
+                  <a:schemeClr val="accent6">
+                    <a:lumMod val="20000"/>
+                    <a:lumOff val="80000"/>
+                  </a:schemeClr>
+                </a:solidFill>
+                <a:ln w="28575">
+                  <a:solidFill>
+                    <a:schemeClr val="accent6">
+                      <a:lumMod val="75000"/>
+                    </a:schemeClr>
+                  </a:solidFill>
+                  <a:prstDash val="sysDash"/>
+                </a:ln>
+              </p:spPr>
+              <p:txBody>
+                <a:bodyPr wrap="square" rtlCol="0">
+                  <a:spAutoFit/>
+                </a:bodyPr>
+                <a:lstStyle/>
+                <a:p>
+                  <a:r>
+                    <a:rPr lang="en-GB" i="1" dirty="0">
+                      <a:latin typeface="Arial" panose="020B0604020202020204" pitchFamily="34" charset="0"/>
+                      <a:cs typeface="Arial" panose="020B0604020202020204" pitchFamily="34" charset="0"/>
+                    </a:rPr>
+                    <a:t>commit</a:t>
+                  </a:r>
+                  <a:r>
+                    <a:rPr lang="en-GB" dirty="0">
+                      <a:latin typeface="Arial" panose="020B0604020202020204" pitchFamily="34" charset="0"/>
+                      <a:cs typeface="Arial" panose="020B0604020202020204" pitchFamily="34" charset="0"/>
+                    </a:rPr>
+                    <a:t>: completed slides</a:t>
+                  </a:r>
+                </a:p>
+              </p:txBody>
+            </p:sp>
+            <p:cxnSp>
+              <p:nvCxnSpPr>
+                <p:cNvPr id="18" name="Straight Arrow Connector 17">
+                  <a:extLst>
+                    <a:ext uri="{FF2B5EF4-FFF2-40B4-BE49-F238E27FC236}">
+                      <a16:creationId xmlns:a16="http://schemas.microsoft.com/office/drawing/2014/main" id="{935B5161-39E5-4841-AF4C-74E337DA2FE0}"/>
+                    </a:ext>
+                  </a:extLst>
+                </p:cNvPr>
+                <p:cNvCxnSpPr>
+                  <a:cxnSpLocks/>
+                  <a:endCxn id="46" idx="0"/>
+                </p:cNvCxnSpPr>
+                <p:nvPr/>
+              </p:nvCxnSpPr>
+              <p:spPr>
+                <a:xfrm>
+                  <a:off x="8460896" y="1979022"/>
+                  <a:ext cx="0" cy="420723"/>
+                </a:xfrm>
+                <a:prstGeom prst="straightConnector1">
+                  <a:avLst/>
+                </a:prstGeom>
+                <a:ln w="28575">
+                  <a:solidFill>
+                    <a:schemeClr val="accent6">
+                      <a:lumMod val="75000"/>
+                    </a:schemeClr>
+                  </a:solidFill>
+                  <a:prstDash val="sysDash"/>
+                  <a:tailEnd type="triangle"/>
+                </a:ln>
+              </p:spPr>
+              <p:style>
+                <a:lnRef idx="1">
+                  <a:schemeClr val="accent1"/>
+                </a:lnRef>
+                <a:fillRef idx="0">
+                  <a:schemeClr val="accent1"/>
+                </a:fillRef>
+                <a:effectRef idx="0">
+                  <a:schemeClr val="accent1"/>
+                </a:effectRef>
+                <a:fontRef idx="minor">
+                  <a:schemeClr val="tx1"/>
+                </a:fontRef>
+              </p:style>
+            </p:cxnSp>
+            <p:sp>
+              <p:nvSpPr>
+                <p:cNvPr id="19" name="TextBox 18">
+                  <a:extLst>
+                    <a:ext uri="{FF2B5EF4-FFF2-40B4-BE49-F238E27FC236}">
+                      <a16:creationId xmlns:a16="http://schemas.microsoft.com/office/drawing/2014/main" id="{481D1883-0AFE-4E82-BF01-8BF83B6A4404}"/>
+                    </a:ext>
+                  </a:extLst>
+                </p:cNvPr>
+                <p:cNvSpPr txBox="1"/>
+                <p:nvPr/>
+              </p:nvSpPr>
+              <p:spPr>
+                <a:xfrm>
+                  <a:off x="5205674" y="4447272"/>
+                  <a:ext cx="3570640" cy="369332"/>
+                </a:xfrm>
+                <a:prstGeom prst="rect">
+                  <a:avLst/>
+                </a:prstGeom>
+                <a:solidFill>
+                  <a:schemeClr val="accent5">
+                    <a:lumMod val="20000"/>
+                    <a:lumOff val="80000"/>
+                  </a:schemeClr>
+                </a:solidFill>
+                <a:ln w="28575">
+                  <a:solidFill>
+                    <a:schemeClr val="accent1">
+                      <a:lumMod val="75000"/>
+                    </a:schemeClr>
+                  </a:solidFill>
+                  <a:prstDash val="sysDash"/>
+                </a:ln>
+              </p:spPr>
+              <p:txBody>
+                <a:bodyPr wrap="square" rtlCol="0">
+                  <a:spAutoFit/>
+                </a:bodyPr>
+                <a:lstStyle/>
+                <a:p>
+                  <a:pPr algn="ctr"/>
+                  <a:r>
+                    <a:rPr lang="en-GB" i="1" dirty="0">
+                      <a:latin typeface="Arial" panose="020B0604020202020204" pitchFamily="34" charset="0"/>
+                      <a:cs typeface="Arial" panose="020B0604020202020204" pitchFamily="34" charset="0"/>
+                    </a:rPr>
+                    <a:t>branch</a:t>
+                  </a:r>
+                  <a:r>
+                    <a:rPr lang="en-GB" dirty="0">
+                      <a:latin typeface="Arial" panose="020B0604020202020204" pitchFamily="34" charset="0"/>
+                      <a:cs typeface="Arial" panose="020B0604020202020204" pitchFamily="34" charset="0"/>
+                    </a:rPr>
+                    <a:t>:</a:t>
+                  </a:r>
+                  <a:r>
+                    <a:rPr lang="en-GB" i="1" dirty="0">
+                      <a:latin typeface="Arial" panose="020B0604020202020204" pitchFamily="34" charset="0"/>
+                      <a:cs typeface="Arial" panose="020B0604020202020204" pitchFamily="34" charset="0"/>
+                    </a:rPr>
+                    <a:t> create-word-presentation</a:t>
+                  </a:r>
+                </a:p>
+              </p:txBody>
+            </p:sp>
+            <p:cxnSp>
+              <p:nvCxnSpPr>
+                <p:cNvPr id="22" name="Straight Arrow Connector 21">
+                  <a:extLst>
+                    <a:ext uri="{FF2B5EF4-FFF2-40B4-BE49-F238E27FC236}">
+                      <a16:creationId xmlns:a16="http://schemas.microsoft.com/office/drawing/2014/main" id="{90981B7E-98DF-40A9-953E-15698A8F6A8D}"/>
+                    </a:ext>
+                  </a:extLst>
+                </p:cNvPr>
+                <p:cNvCxnSpPr>
+                  <a:cxnSpLocks/>
+                  <a:stCxn id="19" idx="3"/>
+                </p:cNvCxnSpPr>
+                <p:nvPr/>
+              </p:nvCxnSpPr>
+              <p:spPr>
+                <a:xfrm flipV="1">
+                  <a:off x="8776314" y="4548354"/>
+                  <a:ext cx="455922" cy="83584"/>
+                </a:xfrm>
+                <a:prstGeom prst="straightConnector1">
+                  <a:avLst/>
+                </a:prstGeom>
+                <a:ln w="28575">
+                  <a:solidFill>
+                    <a:schemeClr val="accent1">
+                      <a:lumMod val="75000"/>
+                    </a:schemeClr>
+                  </a:solidFill>
+                  <a:prstDash val="sysDash"/>
+                  <a:tailEnd type="triangle"/>
+                </a:ln>
+              </p:spPr>
+              <p:style>
+                <a:lnRef idx="1">
+                  <a:schemeClr val="accent1"/>
+                </a:lnRef>
+                <a:fillRef idx="0">
+                  <a:schemeClr val="accent1"/>
+                </a:fillRef>
+                <a:effectRef idx="0">
+                  <a:schemeClr val="accent1"/>
+                </a:effectRef>
+                <a:fontRef idx="minor">
+                  <a:schemeClr val="tx1"/>
+                </a:fontRef>
+              </p:style>
+            </p:cxnSp>
+            <p:sp>
+              <p:nvSpPr>
+                <p:cNvPr id="23" name="TextBox 22">
+                  <a:extLst>
+                    <a:ext uri="{FF2B5EF4-FFF2-40B4-BE49-F238E27FC236}">
+                      <a16:creationId xmlns:a16="http://schemas.microsoft.com/office/drawing/2014/main" id="{7542DE13-574B-4293-92EC-D4A63AD20DAA}"/>
+                    </a:ext>
+                  </a:extLst>
+                </p:cNvPr>
+                <p:cNvSpPr txBox="1"/>
+                <p:nvPr/>
+              </p:nvSpPr>
+              <p:spPr>
+                <a:xfrm>
+                  <a:off x="7858452" y="5619411"/>
+                  <a:ext cx="3211083" cy="369332"/>
+                </a:xfrm>
+                <a:prstGeom prst="rect">
+                  <a:avLst/>
+                </a:prstGeom>
+                <a:solidFill>
+                  <a:schemeClr val="accent5">
+                    <a:lumMod val="20000"/>
+                    <a:lumOff val="80000"/>
+                  </a:schemeClr>
+                </a:solidFill>
+                <a:ln w="28575">
+                  <a:solidFill>
+                    <a:schemeClr val="accent1">
+                      <a:lumMod val="75000"/>
+                    </a:schemeClr>
+                  </a:solidFill>
+                  <a:prstDash val="sysDash"/>
+                </a:ln>
+              </p:spPr>
+              <p:txBody>
+                <a:bodyPr wrap="square" rtlCol="0">
+                  <a:spAutoFit/>
+                </a:bodyPr>
+                <a:lstStyle/>
+                <a:p>
+                  <a:r>
+                    <a:rPr lang="en-GB" i="1" dirty="0">
+                      <a:latin typeface="Arial" panose="020B0604020202020204" pitchFamily="34" charset="0"/>
+                      <a:cs typeface="Arial" panose="020B0604020202020204" pitchFamily="34" charset="0"/>
+                    </a:rPr>
+                    <a:t>commit</a:t>
+                  </a:r>
+                  <a:r>
+                    <a:rPr lang="en-GB" dirty="0">
+                      <a:latin typeface="Arial" panose="020B0604020202020204" pitchFamily="34" charset="0"/>
+                      <a:cs typeface="Arial" panose="020B0604020202020204" pitchFamily="34" charset="0"/>
+                    </a:rPr>
+                    <a:t>:</a:t>
+                  </a:r>
+                  <a:r>
+                    <a:rPr lang="en-GB" i="1" dirty="0">
+                      <a:latin typeface="Arial" panose="020B0604020202020204" pitchFamily="34" charset="0"/>
+                      <a:cs typeface="Arial" panose="020B0604020202020204" pitchFamily="34" charset="0"/>
+                    </a:rPr>
+                    <a:t> </a:t>
+                  </a:r>
+                  <a:r>
+                    <a:rPr lang="en-GB" dirty="0">
+                      <a:latin typeface="Arial" panose="020B0604020202020204" pitchFamily="34" charset="0"/>
+                      <a:cs typeface="Arial" panose="020B0604020202020204" pitchFamily="34" charset="0"/>
+                    </a:rPr>
+                    <a:t>created initial content</a:t>
+                  </a:r>
+                </a:p>
+              </p:txBody>
+            </p:sp>
+            <p:cxnSp>
+              <p:nvCxnSpPr>
+                <p:cNvPr id="24" name="Straight Arrow Connector 23">
+                  <a:extLst>
+                    <a:ext uri="{FF2B5EF4-FFF2-40B4-BE49-F238E27FC236}">
+                      <a16:creationId xmlns:a16="http://schemas.microsoft.com/office/drawing/2014/main" id="{D7A7E982-9968-4932-AC78-5C5B50102532}"/>
+                    </a:ext>
+                  </a:extLst>
+                </p:cNvPr>
+                <p:cNvCxnSpPr>
+                  <a:cxnSpLocks/>
+                  <a:endCxn id="47" idx="4"/>
+                </p:cNvCxnSpPr>
+                <p:nvPr/>
+              </p:nvCxnSpPr>
+              <p:spPr>
+                <a:xfrm flipV="1">
+                  <a:off x="9974719" y="5234472"/>
+                  <a:ext cx="1" cy="384939"/>
+                </a:xfrm>
+                <a:prstGeom prst="straightConnector1">
+                  <a:avLst/>
+                </a:prstGeom>
+                <a:ln w="28575">
+                  <a:solidFill>
+                    <a:schemeClr val="accent1">
+                      <a:lumMod val="75000"/>
+                    </a:schemeClr>
+                  </a:solidFill>
+                  <a:prstDash val="sysDash"/>
+                  <a:tailEnd type="triangle"/>
+                </a:ln>
+              </p:spPr>
+              <p:style>
+                <a:lnRef idx="1">
+                  <a:schemeClr val="accent1"/>
+                </a:lnRef>
+                <a:fillRef idx="0">
+                  <a:schemeClr val="accent1"/>
+                </a:fillRef>
+                <a:effectRef idx="0">
+                  <a:schemeClr val="accent1"/>
+                </a:effectRef>
+                <a:fontRef idx="minor">
+                  <a:schemeClr val="tx1"/>
+                </a:fontRef>
+              </p:style>
+            </p:cxnSp>
+            <p:sp>
+              <p:nvSpPr>
+                <p:cNvPr id="25" name="TextBox 24">
+                  <a:extLst>
+                    <a:ext uri="{FF2B5EF4-FFF2-40B4-BE49-F238E27FC236}">
+                      <a16:creationId xmlns:a16="http://schemas.microsoft.com/office/drawing/2014/main" id="{84C9A3D1-57D8-427B-94D8-BB7A1BD35D54}"/>
+                    </a:ext>
+                  </a:extLst>
+                </p:cNvPr>
+                <p:cNvSpPr txBox="1"/>
+                <p:nvPr/>
+              </p:nvSpPr>
+              <p:spPr>
+                <a:xfrm>
+                  <a:off x="8776314" y="6134424"/>
+                  <a:ext cx="3316159" cy="369332"/>
+                </a:xfrm>
+                <a:prstGeom prst="rect">
+                  <a:avLst/>
+                </a:prstGeom>
+                <a:solidFill>
+                  <a:schemeClr val="accent5">
+                    <a:lumMod val="20000"/>
+                    <a:lumOff val="80000"/>
+                  </a:schemeClr>
+                </a:solidFill>
+                <a:ln w="28575">
+                  <a:solidFill>
+                    <a:schemeClr val="accent1">
+                      <a:lumMod val="75000"/>
+                    </a:schemeClr>
+                  </a:solidFill>
+                  <a:prstDash val="sysDash"/>
+                </a:ln>
+              </p:spPr>
+              <p:txBody>
+                <a:bodyPr wrap="square" rtlCol="0">
+                  <a:spAutoFit/>
+                </a:bodyPr>
+                <a:lstStyle/>
+                <a:p>
+                  <a:r>
+                    <a:rPr lang="en-GB" i="1" dirty="0">
+                      <a:latin typeface="Arial" panose="020B0604020202020204" pitchFamily="34" charset="0"/>
+                      <a:cs typeface="Arial" panose="020B0604020202020204" pitchFamily="34" charset="0"/>
+                    </a:rPr>
+                    <a:t>commit</a:t>
+                  </a:r>
+                  <a:r>
+                    <a:rPr lang="en-GB" dirty="0">
+                      <a:latin typeface="Arial" panose="020B0604020202020204" pitchFamily="34" charset="0"/>
+                      <a:cs typeface="Arial" panose="020B0604020202020204" pitchFamily="34" charset="0"/>
+                    </a:rPr>
+                    <a:t>:</a:t>
+                  </a:r>
+                  <a:r>
+                    <a:rPr lang="en-GB" i="1" dirty="0">
+                      <a:latin typeface="Arial" panose="020B0604020202020204" pitchFamily="34" charset="0"/>
+                      <a:cs typeface="Arial" panose="020B0604020202020204" pitchFamily="34" charset="0"/>
+                    </a:rPr>
+                    <a:t> </a:t>
+                  </a:r>
+                  <a:r>
+                    <a:rPr lang="en-GB" dirty="0">
+                      <a:latin typeface="Arial" panose="020B0604020202020204" pitchFamily="34" charset="0"/>
+                      <a:cs typeface="Arial" panose="020B0604020202020204" pitchFamily="34" charset="0"/>
+                    </a:rPr>
+                    <a:t>created word template</a:t>
+                  </a:r>
+                </a:p>
+              </p:txBody>
+            </p:sp>
+            <p:cxnSp>
+              <p:nvCxnSpPr>
+                <p:cNvPr id="26" name="Straight Arrow Connector 25">
+                  <a:extLst>
+                    <a:ext uri="{FF2B5EF4-FFF2-40B4-BE49-F238E27FC236}">
+                      <a16:creationId xmlns:a16="http://schemas.microsoft.com/office/drawing/2014/main" id="{109D3D1E-0FE0-4ECE-9BA3-B527D3C55942}"/>
+                    </a:ext>
+                  </a:extLst>
+                </p:cNvPr>
+                <p:cNvCxnSpPr>
+                  <a:cxnSpLocks/>
+                  <a:endCxn id="50" idx="4"/>
+                </p:cNvCxnSpPr>
+                <p:nvPr/>
+              </p:nvCxnSpPr>
+              <p:spPr>
+                <a:xfrm flipV="1">
+                  <a:off x="11384954" y="5234472"/>
+                  <a:ext cx="0" cy="899952"/>
+                </a:xfrm>
+                <a:prstGeom prst="straightConnector1">
+                  <a:avLst/>
+                </a:prstGeom>
+                <a:ln w="28575">
+                  <a:solidFill>
+                    <a:schemeClr val="accent1">
+                      <a:lumMod val="75000"/>
+                    </a:schemeClr>
+                  </a:solidFill>
+                  <a:prstDash val="sysDash"/>
+                  <a:tailEnd type="triangle"/>
+                </a:ln>
+              </p:spPr>
+              <p:style>
+                <a:lnRef idx="1">
+                  <a:schemeClr val="accent1"/>
+                </a:lnRef>
+                <a:fillRef idx="0">
+                  <a:schemeClr val="accent1"/>
+                </a:fillRef>
+                <a:effectRef idx="0">
+                  <a:schemeClr val="accent1"/>
+                </a:effectRef>
+                <a:fontRef idx="minor">
+                  <a:schemeClr val="tx1"/>
+                </a:fontRef>
+              </p:style>
+            </p:cxnSp>
+            <p:sp>
+              <p:nvSpPr>
+                <p:cNvPr id="27" name="Rectangle 26">
+                  <a:extLst>
+                    <a:ext uri="{FF2B5EF4-FFF2-40B4-BE49-F238E27FC236}">
+                      <a16:creationId xmlns:a16="http://schemas.microsoft.com/office/drawing/2014/main" id="{84B6FEA6-5D96-48D1-ABB9-829F8288D044}"/>
+                    </a:ext>
+                  </a:extLst>
+                </p:cNvPr>
+                <p:cNvSpPr/>
+                <p:nvPr/>
+              </p:nvSpPr>
+              <p:spPr>
+                <a:xfrm>
+                  <a:off x="0" y="998376"/>
+                  <a:ext cx="12153604" cy="5638002"/>
+                </a:xfrm>
+                <a:prstGeom prst="rect">
+                  <a:avLst/>
+                </a:prstGeom>
+                <a:noFill/>
+                <a:ln>
+                  <a:noFill/>
+                </a:ln>
+              </p:spPr>
+              <p:style>
+                <a:lnRef idx="2">
+                  <a:schemeClr val="accent1">
+                    <a:shade val="50000"/>
+                  </a:schemeClr>
+                </a:lnRef>
+                <a:fillRef idx="1">
+                  <a:schemeClr val="accent1"/>
+                </a:fillRef>
+                <a:effectRef idx="0">
+                  <a:schemeClr val="accent1"/>
+                </a:effectRef>
+                <a:fontRef idx="minor">
+                  <a:schemeClr val="lt1"/>
+                </a:fontRef>
+              </p:style>
+              <p:txBody>
+                <a:bodyPr rtlCol="0" anchor="ctr"/>
+                <a:lstStyle/>
+                <a:p>
+                  <a:pPr algn="ctr"/>
+                  <a:endParaRPr lang="en-GB"/>
+                </a:p>
+              </p:txBody>
+            </p:sp>
+          </p:grpSp>
+          <p:sp>
+            <p:nvSpPr>
+              <p:cNvPr id="52" name="TextBox 51">
+                <a:extLst>
+                  <a:ext uri="{FF2B5EF4-FFF2-40B4-BE49-F238E27FC236}">
+                    <a16:creationId xmlns:a16="http://schemas.microsoft.com/office/drawing/2014/main" id="{90F6A6CF-5BE2-40E2-917A-13DA0BE306A3}"/>
+                  </a:ext>
+                </a:extLst>
+              </p:cNvPr>
+              <p:cNvSpPr txBox="1"/>
+              <p:nvPr/>
+            </p:nvSpPr>
+            <p:spPr>
+              <a:xfrm>
+                <a:off x="9042734" y="2286160"/>
+                <a:ext cx="2924057" cy="646331"/>
+              </a:xfrm>
+              <a:prstGeom prst="rect">
+                <a:avLst/>
+              </a:prstGeom>
+              <a:solidFill>
+                <a:schemeClr val="accent6">
+                  <a:lumMod val="20000"/>
+                  <a:lumOff val="80000"/>
+                </a:schemeClr>
+              </a:solidFill>
+              <a:ln w="28575">
+                <a:solidFill>
+                  <a:schemeClr val="accent6">
+                    <a:lumMod val="75000"/>
+                  </a:schemeClr>
+                </a:solidFill>
+                <a:prstDash val="sysDash"/>
+              </a:ln>
+            </p:spPr>
+            <p:txBody>
+              <a:bodyPr wrap="square" rtlCol="0">
+                <a:spAutoFit/>
+              </a:bodyPr>
+              <a:lstStyle/>
+              <a:p>
+                <a:r>
+                  <a:rPr lang="en-GB" i="1" dirty="0">
+                    <a:latin typeface="Arial" panose="020B0604020202020204" pitchFamily="34" charset="0"/>
+                    <a:cs typeface="Arial" panose="020B0604020202020204" pitchFamily="34" charset="0"/>
+                  </a:rPr>
+                  <a:t>pull request</a:t>
+                </a:r>
+                <a:r>
+                  <a:rPr lang="en-GB" dirty="0">
+                    <a:latin typeface="Arial" panose="020B0604020202020204" pitchFamily="34" charset="0"/>
+                    <a:cs typeface="Arial" panose="020B0604020202020204" pitchFamily="34" charset="0"/>
+                  </a:rPr>
+                  <a:t>: created make git happen presentation</a:t>
+                </a:r>
+              </a:p>
+            </p:txBody>
+          </p:sp>
+          <p:cxnSp>
+            <p:nvCxnSpPr>
+              <p:cNvPr id="53" name="Straight Arrow Connector 52">
+                <a:extLst>
+                  <a:ext uri="{FF2B5EF4-FFF2-40B4-BE49-F238E27FC236}">
+                    <a16:creationId xmlns:a16="http://schemas.microsoft.com/office/drawing/2014/main" id="{0CEB5286-598B-4637-8DD3-F2A767036FC7}"/>
+                  </a:ext>
+                </a:extLst>
+              </p:cNvPr>
+              <p:cNvCxnSpPr>
+                <a:cxnSpLocks/>
+              </p:cNvCxnSpPr>
+              <p:nvPr/>
+            </p:nvCxnSpPr>
+            <p:spPr>
+              <a:xfrm flipH="1">
+                <a:off x="8489524" y="2932491"/>
+                <a:ext cx="553211" cy="259636"/>
+              </a:xfrm>
+              <a:prstGeom prst="straightConnector1">
+                <a:avLst/>
+              </a:prstGeom>
+              <a:ln w="28575">
+                <a:solidFill>
+                  <a:schemeClr val="accent6">
+                    <a:lumMod val="75000"/>
+                  </a:schemeClr>
+                </a:solidFill>
+                <a:prstDash val="sysDash"/>
+                <a:tailEnd type="triangle"/>
+              </a:ln>
+            </p:spPr>
+            <p:style>
+              <a:lnRef idx="1">
+                <a:schemeClr val="accent1"/>
+              </a:lnRef>
+              <a:fillRef idx="0">
+                <a:schemeClr val="accent1"/>
+              </a:fillRef>
+              <a:effectRef idx="0">
+                <a:schemeClr val="accent1"/>
+              </a:effectRef>
+              <a:fontRef idx="minor">
+                <a:schemeClr val="tx1"/>
+              </a:fontRef>
+            </p:style>
+          </p:cxnSp>
+          <p:sp>
+            <p:nvSpPr>
+              <p:cNvPr id="54" name="TextBox 53">
+                <a:extLst>
+                  <a:ext uri="{FF2B5EF4-FFF2-40B4-BE49-F238E27FC236}">
+                    <a16:creationId xmlns:a16="http://schemas.microsoft.com/office/drawing/2014/main" id="{3F8FA207-6D78-475F-8A7F-D19E51760B7E}"/>
+                  </a:ext>
+                </a:extLst>
+              </p:cNvPr>
+              <p:cNvSpPr txBox="1"/>
+              <p:nvPr/>
+            </p:nvSpPr>
+            <p:spPr>
+              <a:xfrm>
+                <a:off x="9042734" y="3235791"/>
+                <a:ext cx="854999" cy="369332"/>
+              </a:xfrm>
+              <a:prstGeom prst="rect">
+                <a:avLst/>
+              </a:prstGeom>
+              <a:solidFill>
+                <a:schemeClr val="accent6">
+                  <a:lumMod val="20000"/>
+                  <a:lumOff val="80000"/>
+                </a:schemeClr>
+              </a:solidFill>
+              <a:ln w="28575">
+                <a:solidFill>
+                  <a:schemeClr val="accent6">
+                    <a:lumMod val="75000"/>
+                  </a:schemeClr>
+                </a:solidFill>
+                <a:prstDash val="sysDash"/>
+              </a:ln>
+            </p:spPr>
+            <p:txBody>
+              <a:bodyPr wrap="square" rtlCol="0">
+                <a:spAutoFit/>
+              </a:bodyPr>
+              <a:lstStyle/>
+              <a:p>
+                <a:r>
+                  <a:rPr lang="en-GB" i="1" dirty="0">
+                    <a:latin typeface="Arial" panose="020B0604020202020204" pitchFamily="34" charset="0"/>
+                    <a:cs typeface="Arial" panose="020B0604020202020204" pitchFamily="34" charset="0"/>
+                  </a:rPr>
+                  <a:t>merge</a:t>
+                </a:r>
+                <a:endParaRPr lang="en-GB" dirty="0">
+                  <a:latin typeface="Arial" panose="020B0604020202020204" pitchFamily="34" charset="0"/>
+                  <a:cs typeface="Arial" panose="020B0604020202020204" pitchFamily="34" charset="0"/>
+                </a:endParaRPr>
+              </a:p>
+            </p:txBody>
+          </p:sp>
+          <p:cxnSp>
+            <p:nvCxnSpPr>
+              <p:cNvPr id="55" name="Straight Arrow Connector 54">
+                <a:extLst>
+                  <a:ext uri="{FF2B5EF4-FFF2-40B4-BE49-F238E27FC236}">
+                    <a16:creationId xmlns:a16="http://schemas.microsoft.com/office/drawing/2014/main" id="{68DAED40-1384-47D7-9DC9-294B289B08F3}"/>
+                  </a:ext>
+                </a:extLst>
+              </p:cNvPr>
+              <p:cNvCxnSpPr>
+                <a:cxnSpLocks/>
+                <a:stCxn id="54" idx="1"/>
+              </p:cNvCxnSpPr>
+              <p:nvPr/>
+            </p:nvCxnSpPr>
+            <p:spPr>
+              <a:xfrm flipH="1">
+                <a:off x="8475211" y="3420457"/>
+                <a:ext cx="567523" cy="8543"/>
+              </a:xfrm>
+              <a:prstGeom prst="straightConnector1">
+                <a:avLst/>
+              </a:prstGeom>
+              <a:ln w="28575">
+                <a:solidFill>
+                  <a:schemeClr val="accent6">
+                    <a:lumMod val="75000"/>
+                  </a:schemeClr>
+                </a:solidFill>
+                <a:prstDash val="sysDash"/>
+                <a:tailEnd type="triangle"/>
+              </a:ln>
+            </p:spPr>
+            <p:style>
+              <a:lnRef idx="1">
+                <a:schemeClr val="accent1"/>
+              </a:lnRef>
+              <a:fillRef idx="0">
+                <a:schemeClr val="accent1"/>
+              </a:fillRef>
+              <a:effectRef idx="0">
+                <a:schemeClr val="accent1"/>
+              </a:effectRef>
+              <a:fontRef idx="minor">
+                <a:schemeClr val="tx1"/>
+              </a:fontRef>
+            </p:style>
+          </p:cxnSp>
+        </p:grpSp>
+        <p:sp>
+          <p:nvSpPr>
+            <p:cNvPr id="58" name="TextBox 57">
+              <a:extLst>
+                <a:ext uri="{FF2B5EF4-FFF2-40B4-BE49-F238E27FC236}">
+                  <a16:creationId xmlns:a16="http://schemas.microsoft.com/office/drawing/2014/main" id="{90E5352F-858A-4687-AA83-97FEE0823FE1}"/>
+                </a:ext>
+              </a:extLst>
+            </p:cNvPr>
+            <p:cNvSpPr txBox="1"/>
+            <p:nvPr/>
+          </p:nvSpPr>
+          <p:spPr>
+            <a:xfrm>
+              <a:off x="68850" y="4548354"/>
+              <a:ext cx="3663565" cy="369332"/>
+            </a:xfrm>
+            <a:prstGeom prst="rect">
+              <a:avLst/>
+            </a:prstGeom>
+            <a:solidFill>
+              <a:schemeClr val="bg1">
+                <a:lumMod val="85000"/>
+              </a:schemeClr>
+            </a:solidFill>
+            <a:ln w="28575">
+              <a:solidFill>
+                <a:schemeClr val="tx1"/>
+              </a:solidFill>
+              <a:prstDash val="sysDash"/>
+            </a:ln>
+          </p:spPr>
+          <p:txBody>
+            <a:bodyPr wrap="square" rtlCol="0">
+              <a:spAutoFit/>
+            </a:bodyPr>
+            <a:lstStyle/>
+            <a:p>
+              <a:pPr algn="ctr"/>
+              <a:r>
+                <a:rPr lang="en-GB" i="1" dirty="0">
+                  <a:latin typeface="Arial" panose="020B0604020202020204" pitchFamily="34" charset="0"/>
+                  <a:cs typeface="Arial" panose="020B0604020202020204" pitchFamily="34" charset="0"/>
+                </a:rPr>
+                <a:t>main branch</a:t>
+              </a:r>
+              <a:r>
+                <a:rPr lang="en-GB" dirty="0">
+                  <a:latin typeface="Arial" panose="020B0604020202020204" pitchFamily="34" charset="0"/>
+                  <a:cs typeface="Arial" panose="020B0604020202020204" pitchFamily="34" charset="0"/>
+                </a:rPr>
+                <a:t>: gov-</a:t>
+              </a:r>
+              <a:r>
+                <a:rPr lang="en-GB" dirty="0" err="1">
+                  <a:latin typeface="Arial" panose="020B0604020202020204" pitchFamily="34" charset="0"/>
+                  <a:cs typeface="Arial" panose="020B0604020202020204" pitchFamily="34" charset="0"/>
+                </a:rPr>
+                <a:t>uk</a:t>
+              </a:r>
+              <a:r>
+                <a:rPr lang="en-GB" dirty="0">
+                  <a:latin typeface="Arial" panose="020B0604020202020204" pitchFamily="34" charset="0"/>
+                  <a:cs typeface="Arial" panose="020B0604020202020204" pitchFamily="34" charset="0"/>
+                </a:rPr>
+                <a:t>-rap-materials</a:t>
+              </a:r>
+            </a:p>
+          </p:txBody>
+        </p:sp>
+      </p:grpSp>
     </p:spTree>
     <p:extLst>
       <p:ext uri="{BB962C8B-B14F-4D97-AF65-F5344CB8AC3E}">
@@ -14298,7 +14320,7 @@
           <p:spPr>
             <a:xfrm>
               <a:off x="68850" y="4548354"/>
-              <a:ext cx="3871383" cy="369332"/>
+              <a:ext cx="3663565" cy="369332"/>
             </a:xfrm>
             <a:prstGeom prst="rect">
               <a:avLst/>
@@ -14321,12 +14343,13 @@
             </a:bodyPr>
             <a:lstStyle/>
             <a:p>
+              <a:pPr algn="ctr"/>
               <a:r>
                 <a:rPr lang="en-GB" i="1" dirty="0">
                   <a:latin typeface="Arial" panose="020B0604020202020204" pitchFamily="34" charset="0"/>
                   <a:cs typeface="Arial" panose="020B0604020202020204" pitchFamily="34" charset="0"/>
                 </a:rPr>
-                <a:t>master branch</a:t>
+                <a:t>main branch</a:t>
               </a:r>
               <a:r>
                 <a:rPr lang="en-GB" dirty="0">
@@ -14430,1706 +14453,10 @@
       </p:grpSpPr>
       <p:grpSp>
         <p:nvGrpSpPr>
-          <p:cNvPr id="2" name="Group 1">
-            <a:extLst>
-              <a:ext uri="{FF2B5EF4-FFF2-40B4-BE49-F238E27FC236}">
-                <a16:creationId xmlns:a16="http://schemas.microsoft.com/office/drawing/2014/main" id="{8568E5A7-0E4C-454C-87AF-1135684DF739}"/>
-              </a:ext>
-            </a:extLst>
-          </p:cNvPr>
-          <p:cNvGrpSpPr/>
-          <p:nvPr/>
-        </p:nvGrpSpPr>
-        <p:grpSpPr>
-          <a:xfrm>
-            <a:off x="0" y="998376"/>
-            <a:ext cx="12153604" cy="5638002"/>
-            <a:chOff x="0" y="998376"/>
-            <a:chExt cx="12153604" cy="5638002"/>
-          </a:xfrm>
-        </p:grpSpPr>
-        <p:grpSp>
-          <p:nvGrpSpPr>
-            <p:cNvPr id="3" name="Group 2">
-              <a:extLst>
-                <a:ext uri="{FF2B5EF4-FFF2-40B4-BE49-F238E27FC236}">
-                  <a16:creationId xmlns:a16="http://schemas.microsoft.com/office/drawing/2014/main" id="{00C8B7CC-26E3-4079-B715-B83C5C314E23}"/>
-                </a:ext>
-              </a:extLst>
-            </p:cNvPr>
-            <p:cNvGrpSpPr/>
-            <p:nvPr/>
-          </p:nvGrpSpPr>
-          <p:grpSpPr>
-            <a:xfrm>
-              <a:off x="0" y="998376"/>
-              <a:ext cx="12153604" cy="5638002"/>
-              <a:chOff x="0" y="998376"/>
-              <a:chExt cx="12153604" cy="5638002"/>
-            </a:xfrm>
-          </p:grpSpPr>
-          <p:grpSp>
-            <p:nvGrpSpPr>
-              <p:cNvPr id="5" name="Group 4">
-                <a:extLst>
-                  <a:ext uri="{FF2B5EF4-FFF2-40B4-BE49-F238E27FC236}">
-                    <a16:creationId xmlns:a16="http://schemas.microsoft.com/office/drawing/2014/main" id="{8874E696-2E36-4B68-97C1-8820A3A395FC}"/>
-                  </a:ext>
-                </a:extLst>
-              </p:cNvPr>
-              <p:cNvGrpSpPr/>
-              <p:nvPr/>
-            </p:nvGrpSpPr>
-            <p:grpSpPr>
-              <a:xfrm>
-                <a:off x="0" y="998376"/>
-                <a:ext cx="12153604" cy="5638002"/>
-                <a:chOff x="0" y="998376"/>
-                <a:chExt cx="12153604" cy="5638002"/>
-              </a:xfrm>
-            </p:grpSpPr>
-            <p:grpSp>
-              <p:nvGrpSpPr>
-                <p:cNvPr id="6" name="Group 5">
-                  <a:extLst>
-                    <a:ext uri="{FF2B5EF4-FFF2-40B4-BE49-F238E27FC236}">
-                      <a16:creationId xmlns:a16="http://schemas.microsoft.com/office/drawing/2014/main" id="{8431797C-EA8C-41CA-9436-8A8271E304FA}"/>
-                    </a:ext>
-                  </a:extLst>
-                </p:cNvPr>
-                <p:cNvGrpSpPr>
-                  <a:grpSpLocks noChangeAspect="1"/>
-                </p:cNvGrpSpPr>
-                <p:nvPr/>
-              </p:nvGrpSpPr>
-              <p:grpSpPr>
-                <a:xfrm>
-                  <a:off x="2345946" y="2399745"/>
-                  <a:ext cx="9354426" cy="2834727"/>
-                  <a:chOff x="1290669" y="1448578"/>
-                  <a:chExt cx="10676589" cy="3235390"/>
-                </a:xfrm>
-              </p:grpSpPr>
-              <p:grpSp>
-                <p:nvGrpSpPr>
-                  <p:cNvPr id="28" name="Group 27">
-                    <a:extLst>
-                      <a:ext uri="{FF2B5EF4-FFF2-40B4-BE49-F238E27FC236}">
-                        <a16:creationId xmlns:a16="http://schemas.microsoft.com/office/drawing/2014/main" id="{03D6A0CE-BEDD-4655-A727-2B9E49441D6F}"/>
-                      </a:ext>
-                    </a:extLst>
-                  </p:cNvPr>
-                  <p:cNvGrpSpPr/>
-                  <p:nvPr/>
-                </p:nvGrpSpPr>
-                <p:grpSpPr>
-                  <a:xfrm>
-                    <a:off x="1290669" y="1448578"/>
-                    <a:ext cx="10676589" cy="3235390"/>
-                    <a:chOff x="877068" y="1653851"/>
-                    <a:chExt cx="10676589" cy="3235390"/>
-                  </a:xfrm>
-                </p:grpSpPr>
-                <p:cxnSp>
-                  <p:nvCxnSpPr>
-                    <p:cNvPr id="33" name="Connector: Curved 32">
-                      <a:extLst>
-                        <a:ext uri="{FF2B5EF4-FFF2-40B4-BE49-F238E27FC236}">
-                          <a16:creationId xmlns:a16="http://schemas.microsoft.com/office/drawing/2014/main" id="{53712A8E-6665-4ACE-B50C-DFF5F68C8FC6}"/>
-                        </a:ext>
-                      </a:extLst>
-                    </p:cNvPr>
-                    <p:cNvCxnSpPr>
-                      <a:cxnSpLocks/>
-                      <a:stCxn id="47" idx="2"/>
-                    </p:cNvCxnSpPr>
-                    <p:nvPr/>
-                  </p:nvCxnSpPr>
-                  <p:spPr>
-                    <a:xfrm rot="10800000">
-                      <a:off x="8248253" y="3270379"/>
-                      <a:ext cx="975847" cy="1259635"/>
-                    </a:xfrm>
-                    <a:prstGeom prst="curvedConnector3">
-                      <a:avLst>
-                        <a:gd name="adj1" fmla="val 50000"/>
-                      </a:avLst>
-                    </a:prstGeom>
-                    <a:ln w="57150">
-                      <a:solidFill>
-                        <a:schemeClr val="accent5">
-                          <a:lumMod val="75000"/>
-                        </a:schemeClr>
-                      </a:solidFill>
-                    </a:ln>
-                  </p:spPr>
-                  <p:style>
-                    <a:lnRef idx="1">
-                      <a:schemeClr val="accent1"/>
-                    </a:lnRef>
-                    <a:fillRef idx="0">
-                      <a:schemeClr val="accent1"/>
-                    </a:fillRef>
-                    <a:effectRef idx="0">
-                      <a:schemeClr val="accent1"/>
-                    </a:effectRef>
-                    <a:fontRef idx="minor">
-                      <a:schemeClr val="tx1"/>
-                    </a:fontRef>
-                  </p:style>
-                </p:cxnSp>
-                <p:cxnSp>
-                  <p:nvCxnSpPr>
-                    <p:cNvPr id="34" name="Connector: Curved 33">
-                      <a:extLst>
-                        <a:ext uri="{FF2B5EF4-FFF2-40B4-BE49-F238E27FC236}">
-                          <a16:creationId xmlns:a16="http://schemas.microsoft.com/office/drawing/2014/main" id="{2AA76F07-095D-40FE-806F-981DA3A464AF}"/>
-                        </a:ext>
-                      </a:extLst>
-                    </p:cNvPr>
-                    <p:cNvCxnSpPr>
-                      <a:cxnSpLocks/>
-                      <a:stCxn id="39" idx="0"/>
-                      <a:endCxn id="46" idx="4"/>
-                    </p:cNvCxnSpPr>
-                    <p:nvPr/>
-                  </p:nvCxnSpPr>
-                  <p:spPr>
-                    <a:xfrm rot="16200000" flipV="1">
-                      <a:off x="7586890" y="2641728"/>
-                      <a:ext cx="538842" cy="1"/>
-                    </a:xfrm>
-                    <a:prstGeom prst="curvedConnector3">
-                      <a:avLst>
-                        <a:gd name="adj1" fmla="val 50000"/>
-                      </a:avLst>
-                    </a:prstGeom>
-                    <a:ln w="57150">
-                      <a:solidFill>
-                        <a:schemeClr val="accent6">
-                          <a:lumMod val="75000"/>
-                        </a:schemeClr>
-                      </a:solidFill>
-                    </a:ln>
-                  </p:spPr>
-                  <p:style>
-                    <a:lnRef idx="1">
-                      <a:schemeClr val="accent1"/>
-                    </a:lnRef>
-                    <a:fillRef idx="0">
-                      <a:schemeClr val="accent1"/>
-                    </a:fillRef>
-                    <a:effectRef idx="0">
-                      <a:schemeClr val="accent1"/>
-                    </a:effectRef>
-                    <a:fontRef idx="minor">
-                      <a:schemeClr val="tx1"/>
-                    </a:fontRef>
-                  </p:style>
-                </p:cxnSp>
-                <p:cxnSp>
-                  <p:nvCxnSpPr>
-                    <p:cNvPr id="35" name="Connector: Curved 34">
-                      <a:extLst>
-                        <a:ext uri="{FF2B5EF4-FFF2-40B4-BE49-F238E27FC236}">
-                          <a16:creationId xmlns:a16="http://schemas.microsoft.com/office/drawing/2014/main" id="{3C62EAE6-1233-4BD5-9F8E-2D251FB07BF1}"/>
-                        </a:ext>
-                      </a:extLst>
-                    </p:cNvPr>
-                    <p:cNvCxnSpPr>
-                      <a:cxnSpLocks/>
-                      <a:stCxn id="36" idx="6"/>
-                      <a:endCxn id="44" idx="2"/>
-                    </p:cNvCxnSpPr>
-                    <p:nvPr/>
-                  </p:nvCxnSpPr>
-                  <p:spPr>
-                    <a:xfrm flipV="1">
-                      <a:off x="1597068" y="2013081"/>
-                      <a:ext cx="598727" cy="1257300"/>
-                    </a:xfrm>
-                    <a:prstGeom prst="curvedConnector3">
-                      <a:avLst>
-                        <a:gd name="adj1" fmla="val 50000"/>
-                      </a:avLst>
-                    </a:prstGeom>
-                    <a:ln w="57150">
-                      <a:solidFill>
-                        <a:schemeClr val="accent6">
-                          <a:lumMod val="75000"/>
-                        </a:schemeClr>
-                      </a:solidFill>
-                    </a:ln>
-                  </p:spPr>
-                  <p:style>
-                    <a:lnRef idx="1">
-                      <a:schemeClr val="accent1"/>
-                    </a:lnRef>
-                    <a:fillRef idx="0">
-                      <a:schemeClr val="accent1"/>
-                    </a:fillRef>
-                    <a:effectRef idx="0">
-                      <a:schemeClr val="accent1"/>
-                    </a:effectRef>
-                    <a:fontRef idx="minor">
-                      <a:schemeClr val="tx1"/>
-                    </a:fontRef>
-                  </p:style>
-                </p:cxnSp>
-                <p:sp>
-                  <p:nvSpPr>
-                    <p:cNvPr id="36" name="Oval 35">
-                      <a:extLst>
-                        <a:ext uri="{FF2B5EF4-FFF2-40B4-BE49-F238E27FC236}">
-                          <a16:creationId xmlns:a16="http://schemas.microsoft.com/office/drawing/2014/main" id="{65B9FBA5-354F-4BCA-BBEA-978A2616F90D}"/>
-                        </a:ext>
-                      </a:extLst>
-                    </p:cNvPr>
-                    <p:cNvSpPr>
-                      <a:spLocks noChangeAspect="1"/>
-                    </p:cNvSpPr>
-                    <p:nvPr/>
-                  </p:nvSpPr>
-                  <p:spPr>
-                    <a:xfrm>
-                      <a:off x="877068" y="2911152"/>
-                      <a:ext cx="720000" cy="718457"/>
-                    </a:xfrm>
-                    <a:prstGeom prst="ellipse">
-                      <a:avLst/>
-                    </a:prstGeom>
-                    <a:solidFill>
-                      <a:schemeClr val="bg1">
-                        <a:lumMod val="95000"/>
-                      </a:schemeClr>
-                    </a:solidFill>
-                    <a:ln w="57150">
-                      <a:solidFill>
-                        <a:schemeClr val="tx1"/>
-                      </a:solidFill>
-                    </a:ln>
-                  </p:spPr>
-                  <p:style>
-                    <a:lnRef idx="2">
-                      <a:schemeClr val="accent1">
-                        <a:shade val="50000"/>
-                      </a:schemeClr>
-                    </a:lnRef>
-                    <a:fillRef idx="1">
-                      <a:schemeClr val="accent1"/>
-                    </a:fillRef>
-                    <a:effectRef idx="0">
-                      <a:schemeClr val="accent1"/>
-                    </a:effectRef>
-                    <a:fontRef idx="minor">
-                      <a:schemeClr val="lt1"/>
-                    </a:fontRef>
-                  </p:style>
-                  <p:txBody>
-                    <a:bodyPr rot="0" spcFirstLastPara="0" vertOverflow="overflow" horzOverflow="overflow" vert="horz" wrap="square" lIns="91440" tIns="45720" rIns="91440" bIns="45720" numCol="1" spcCol="0" rtlCol="0" fromWordArt="0" anchor="ctr" anchorCtr="0" forceAA="0" compatLnSpc="1">
-                      <a:prstTxWarp prst="textNoShape">
-                        <a:avLst/>
-                      </a:prstTxWarp>
-                      <a:noAutofit/>
-                    </a:bodyPr>
-                    <a:lstStyle/>
-                    <a:p>
-                      <a:pPr algn="ctr"/>
-                      <a:endParaRPr lang="en-GB"/>
-                    </a:p>
-                  </p:txBody>
-                </p:sp>
-                <p:sp>
-                  <p:nvSpPr>
-                    <p:cNvPr id="37" name="Oval 36">
-                      <a:extLst>
-                        <a:ext uri="{FF2B5EF4-FFF2-40B4-BE49-F238E27FC236}">
-                          <a16:creationId xmlns:a16="http://schemas.microsoft.com/office/drawing/2014/main" id="{D416F81B-D06D-406E-ABDA-857159C3A11C}"/>
-                        </a:ext>
-                      </a:extLst>
-                    </p:cNvPr>
-                    <p:cNvSpPr>
-                      <a:spLocks noChangeAspect="1"/>
-                    </p:cNvSpPr>
-                    <p:nvPr/>
-                  </p:nvSpPr>
-                  <p:spPr>
-                    <a:xfrm>
-                      <a:off x="2195795" y="2911152"/>
-                      <a:ext cx="720000" cy="718457"/>
-                    </a:xfrm>
-                    <a:prstGeom prst="ellipse">
-                      <a:avLst/>
-                    </a:prstGeom>
-                    <a:solidFill>
-                      <a:schemeClr val="bg1">
-                        <a:lumMod val="95000"/>
-                      </a:schemeClr>
-                    </a:solidFill>
-                    <a:ln w="57150">
-                      <a:solidFill>
-                        <a:schemeClr val="tx1"/>
-                      </a:solidFill>
-                    </a:ln>
-                  </p:spPr>
-                  <p:style>
-                    <a:lnRef idx="2">
-                      <a:schemeClr val="accent1">
-                        <a:shade val="50000"/>
-                      </a:schemeClr>
-                    </a:lnRef>
-                    <a:fillRef idx="1">
-                      <a:schemeClr val="accent1"/>
-                    </a:fillRef>
-                    <a:effectRef idx="0">
-                      <a:schemeClr val="accent1"/>
-                    </a:effectRef>
-                    <a:fontRef idx="minor">
-                      <a:schemeClr val="lt1"/>
-                    </a:fontRef>
-                  </p:style>
-                  <p:txBody>
-                    <a:bodyPr rot="0" spcFirstLastPara="0" vertOverflow="overflow" horzOverflow="overflow" vert="horz" wrap="square" lIns="91440" tIns="45720" rIns="91440" bIns="45720" numCol="1" spcCol="0" rtlCol="0" fromWordArt="0" anchor="ctr" anchorCtr="0" forceAA="0" compatLnSpc="1">
-                      <a:prstTxWarp prst="textNoShape">
-                        <a:avLst/>
-                      </a:prstTxWarp>
-                      <a:noAutofit/>
-                    </a:bodyPr>
-                    <a:lstStyle/>
-                    <a:p>
-                      <a:pPr algn="ctr"/>
-                      <a:endParaRPr lang="en-GB"/>
-                    </a:p>
-                  </p:txBody>
-                </p:sp>
-                <p:sp>
-                  <p:nvSpPr>
-                    <p:cNvPr id="38" name="Oval 37">
-                      <a:extLst>
-                        <a:ext uri="{FF2B5EF4-FFF2-40B4-BE49-F238E27FC236}">
-                          <a16:creationId xmlns:a16="http://schemas.microsoft.com/office/drawing/2014/main" id="{526A233C-F382-4723-A6F7-3BFB1698732D}"/>
-                        </a:ext>
-                      </a:extLst>
-                    </p:cNvPr>
-                    <p:cNvSpPr>
-                      <a:spLocks noChangeAspect="1"/>
-                    </p:cNvSpPr>
-                    <p:nvPr/>
-                  </p:nvSpPr>
-                  <p:spPr>
-                    <a:xfrm>
-                      <a:off x="4276521" y="2911151"/>
-                      <a:ext cx="720000" cy="718457"/>
-                    </a:xfrm>
-                    <a:prstGeom prst="ellipse">
-                      <a:avLst/>
-                    </a:prstGeom>
-                    <a:solidFill>
-                      <a:schemeClr val="bg1">
-                        <a:lumMod val="95000"/>
-                      </a:schemeClr>
-                    </a:solidFill>
-                    <a:ln w="57150">
-                      <a:solidFill>
-                        <a:schemeClr val="tx1"/>
-                      </a:solidFill>
-                    </a:ln>
-                  </p:spPr>
-                  <p:style>
-                    <a:lnRef idx="2">
-                      <a:schemeClr val="accent1">
-                        <a:shade val="50000"/>
-                      </a:schemeClr>
-                    </a:lnRef>
-                    <a:fillRef idx="1">
-                      <a:schemeClr val="accent1"/>
-                    </a:fillRef>
-                    <a:effectRef idx="0">
-                      <a:schemeClr val="accent1"/>
-                    </a:effectRef>
-                    <a:fontRef idx="minor">
-                      <a:schemeClr val="lt1"/>
-                    </a:fontRef>
-                  </p:style>
-                  <p:txBody>
-                    <a:bodyPr rot="0" spcFirstLastPara="0" vertOverflow="overflow" horzOverflow="overflow" vert="horz" wrap="square" lIns="91440" tIns="45720" rIns="91440" bIns="45720" numCol="1" spcCol="0" rtlCol="0" fromWordArt="0" anchor="ctr" anchorCtr="0" forceAA="0" compatLnSpc="1">
-                      <a:prstTxWarp prst="textNoShape">
-                        <a:avLst/>
-                      </a:prstTxWarp>
-                      <a:noAutofit/>
-                    </a:bodyPr>
-                    <a:lstStyle/>
-                    <a:p>
-                      <a:pPr algn="ctr"/>
-                      <a:endParaRPr lang="en-GB"/>
-                    </a:p>
-                  </p:txBody>
-                </p:sp>
-                <p:sp>
-                  <p:nvSpPr>
-                    <p:cNvPr id="39" name="Oval 38">
-                      <a:extLst>
-                        <a:ext uri="{FF2B5EF4-FFF2-40B4-BE49-F238E27FC236}">
-                          <a16:creationId xmlns:a16="http://schemas.microsoft.com/office/drawing/2014/main" id="{AF8F35A3-5AAD-4C96-9BBF-C36A8FF027CF}"/>
-                        </a:ext>
-                      </a:extLst>
-                    </p:cNvPr>
-                    <p:cNvSpPr>
-                      <a:spLocks noChangeAspect="1"/>
-                    </p:cNvSpPr>
-                    <p:nvPr/>
-                  </p:nvSpPr>
-                  <p:spPr>
-                    <a:xfrm>
-                      <a:off x="7496311" y="2911150"/>
-                      <a:ext cx="720000" cy="718457"/>
-                    </a:xfrm>
-                    <a:prstGeom prst="ellipse">
-                      <a:avLst/>
-                    </a:prstGeom>
-                    <a:solidFill>
-                      <a:schemeClr val="bg1">
-                        <a:lumMod val="95000"/>
-                      </a:schemeClr>
-                    </a:solidFill>
-                    <a:ln w="57150">
-                      <a:solidFill>
-                        <a:schemeClr val="tx1"/>
-                      </a:solidFill>
-                    </a:ln>
-                  </p:spPr>
-                  <p:style>
-                    <a:lnRef idx="2">
-                      <a:schemeClr val="accent1">
-                        <a:shade val="50000"/>
-                      </a:schemeClr>
-                    </a:lnRef>
-                    <a:fillRef idx="1">
-                      <a:schemeClr val="accent1"/>
-                    </a:fillRef>
-                    <a:effectRef idx="0">
-                      <a:schemeClr val="accent1"/>
-                    </a:effectRef>
-                    <a:fontRef idx="minor">
-                      <a:schemeClr val="lt1"/>
-                    </a:fontRef>
-                  </p:style>
-                  <p:txBody>
-                    <a:bodyPr rot="0" spcFirstLastPara="0" vertOverflow="overflow" horzOverflow="overflow" vert="horz" wrap="square" lIns="91440" tIns="45720" rIns="91440" bIns="45720" numCol="1" spcCol="0" rtlCol="0" fromWordArt="0" anchor="ctr" anchorCtr="0" forceAA="0" compatLnSpc="1">
-                      <a:prstTxWarp prst="textNoShape">
-                        <a:avLst/>
-                      </a:prstTxWarp>
-                      <a:noAutofit/>
-                    </a:bodyPr>
-                    <a:lstStyle/>
-                    <a:p>
-                      <a:pPr algn="ctr"/>
-                      <a:endParaRPr lang="en-GB"/>
-                    </a:p>
-                  </p:txBody>
-                </p:sp>
-                <p:cxnSp>
-                  <p:nvCxnSpPr>
-                    <p:cNvPr id="40" name="Straight Connector 39">
-                      <a:extLst>
-                        <a:ext uri="{FF2B5EF4-FFF2-40B4-BE49-F238E27FC236}">
-                          <a16:creationId xmlns:a16="http://schemas.microsoft.com/office/drawing/2014/main" id="{DEBE9B6C-E6AB-4C94-81CE-31EA030C899D}"/>
-                        </a:ext>
-                      </a:extLst>
-                    </p:cNvPr>
-                    <p:cNvCxnSpPr>
-                      <a:stCxn id="36" idx="6"/>
-                      <a:endCxn id="37" idx="2"/>
-                    </p:cNvCxnSpPr>
-                    <p:nvPr/>
-                  </p:nvCxnSpPr>
-                  <p:spPr>
-                    <a:xfrm>
-                      <a:off x="1597068" y="3270381"/>
-                      <a:ext cx="598727" cy="0"/>
-                    </a:xfrm>
-                    <a:prstGeom prst="line">
-                      <a:avLst/>
-                    </a:prstGeom>
-                    <a:ln w="57150">
-                      <a:solidFill>
-                        <a:schemeClr val="tx1"/>
-                      </a:solidFill>
-                    </a:ln>
-                  </p:spPr>
-                  <p:style>
-                    <a:lnRef idx="1">
-                      <a:schemeClr val="accent1"/>
-                    </a:lnRef>
-                    <a:fillRef idx="0">
-                      <a:schemeClr val="accent1"/>
-                    </a:fillRef>
-                    <a:effectRef idx="0">
-                      <a:schemeClr val="accent1"/>
-                    </a:effectRef>
-                    <a:fontRef idx="minor">
-                      <a:schemeClr val="tx1"/>
-                    </a:fontRef>
-                  </p:style>
-                </p:cxnSp>
-                <p:cxnSp>
-                  <p:nvCxnSpPr>
-                    <p:cNvPr id="41" name="Straight Connector 40">
-                      <a:extLst>
-                        <a:ext uri="{FF2B5EF4-FFF2-40B4-BE49-F238E27FC236}">
-                          <a16:creationId xmlns:a16="http://schemas.microsoft.com/office/drawing/2014/main" id="{4E64A0F6-A407-4CFA-9C13-A1321A54B2EC}"/>
-                        </a:ext>
-                      </a:extLst>
-                    </p:cNvPr>
-                    <p:cNvCxnSpPr>
-                      <a:cxnSpLocks/>
-                      <a:stCxn id="37" idx="6"/>
-                      <a:endCxn id="38" idx="2"/>
-                    </p:cNvCxnSpPr>
-                    <p:nvPr/>
-                  </p:nvCxnSpPr>
-                  <p:spPr>
-                    <a:xfrm flipV="1">
-                      <a:off x="2915795" y="3270380"/>
-                      <a:ext cx="1360726" cy="1"/>
-                    </a:xfrm>
-                    <a:prstGeom prst="line">
-                      <a:avLst/>
-                    </a:prstGeom>
-                    <a:ln w="57150">
-                      <a:solidFill>
-                        <a:schemeClr val="tx1"/>
-                      </a:solidFill>
-                    </a:ln>
-                  </p:spPr>
-                  <p:style>
-                    <a:lnRef idx="1">
-                      <a:schemeClr val="accent1"/>
-                    </a:lnRef>
-                    <a:fillRef idx="0">
-                      <a:schemeClr val="accent1"/>
-                    </a:fillRef>
-                    <a:effectRef idx="0">
-                      <a:schemeClr val="accent1"/>
-                    </a:effectRef>
-                    <a:fontRef idx="minor">
-                      <a:schemeClr val="tx1"/>
-                    </a:fontRef>
-                  </p:style>
-                </p:cxnSp>
-                <p:cxnSp>
-                  <p:nvCxnSpPr>
-                    <p:cNvPr id="42" name="Straight Connector 41">
-                      <a:extLst>
-                        <a:ext uri="{FF2B5EF4-FFF2-40B4-BE49-F238E27FC236}">
-                          <a16:creationId xmlns:a16="http://schemas.microsoft.com/office/drawing/2014/main" id="{7008674E-9D75-4D4D-80B6-726553E5C165}"/>
-                        </a:ext>
-                      </a:extLst>
-                    </p:cNvPr>
-                    <p:cNvCxnSpPr>
-                      <a:cxnSpLocks/>
-                      <a:stCxn id="38" idx="6"/>
-                      <a:endCxn id="31" idx="2"/>
-                    </p:cNvCxnSpPr>
-                    <p:nvPr/>
-                  </p:nvCxnSpPr>
-                  <p:spPr>
-                    <a:xfrm flipV="1">
-                      <a:off x="4996521" y="3270375"/>
-                      <a:ext cx="1444727" cy="5"/>
-                    </a:xfrm>
-                    <a:prstGeom prst="line">
-                      <a:avLst/>
-                    </a:prstGeom>
-                    <a:ln w="57150">
-                      <a:solidFill>
-                        <a:schemeClr val="tx1"/>
-                      </a:solidFill>
-                    </a:ln>
-                  </p:spPr>
-                  <p:style>
-                    <a:lnRef idx="1">
-                      <a:schemeClr val="accent1"/>
-                    </a:lnRef>
-                    <a:fillRef idx="0">
-                      <a:schemeClr val="accent1"/>
-                    </a:fillRef>
-                    <a:effectRef idx="0">
-                      <a:schemeClr val="accent1"/>
-                    </a:effectRef>
-                    <a:fontRef idx="minor">
-                      <a:schemeClr val="tx1"/>
-                    </a:fontRef>
-                  </p:style>
-                </p:cxnSp>
-                <p:cxnSp>
-                  <p:nvCxnSpPr>
-                    <p:cNvPr id="43" name="Straight Connector 42">
-                      <a:extLst>
-                        <a:ext uri="{FF2B5EF4-FFF2-40B4-BE49-F238E27FC236}">
-                          <a16:creationId xmlns:a16="http://schemas.microsoft.com/office/drawing/2014/main" id="{B1407D25-A07D-4807-837C-E344EDEFB587}"/>
-                        </a:ext>
-                      </a:extLst>
-                    </p:cNvPr>
-                    <p:cNvCxnSpPr>
-                      <a:cxnSpLocks/>
-                      <a:stCxn id="39" idx="6"/>
-                    </p:cNvCxnSpPr>
-                    <p:nvPr/>
-                  </p:nvCxnSpPr>
-                  <p:spPr>
-                    <a:xfrm>
-                      <a:off x="8216311" y="3270379"/>
-                      <a:ext cx="3337346" cy="0"/>
-                    </a:xfrm>
-                    <a:prstGeom prst="line">
-                      <a:avLst/>
-                    </a:prstGeom>
-                    <a:ln w="57150">
-                      <a:solidFill>
-                        <a:schemeClr val="tx1"/>
-                      </a:solidFill>
-                    </a:ln>
-                  </p:spPr>
-                  <p:style>
-                    <a:lnRef idx="1">
-                      <a:schemeClr val="accent1"/>
-                    </a:lnRef>
-                    <a:fillRef idx="0">
-                      <a:schemeClr val="accent1"/>
-                    </a:fillRef>
-                    <a:effectRef idx="0">
-                      <a:schemeClr val="accent1"/>
-                    </a:effectRef>
-                    <a:fontRef idx="minor">
-                      <a:schemeClr val="tx1"/>
-                    </a:fontRef>
-                  </p:style>
-                </p:cxnSp>
-                <p:sp>
-                  <p:nvSpPr>
-                    <p:cNvPr id="44" name="Oval 43">
-                      <a:extLst>
-                        <a:ext uri="{FF2B5EF4-FFF2-40B4-BE49-F238E27FC236}">
-                          <a16:creationId xmlns:a16="http://schemas.microsoft.com/office/drawing/2014/main" id="{B129C8B8-756B-4C40-9209-241333E298E3}"/>
-                        </a:ext>
-                      </a:extLst>
-                    </p:cNvPr>
-                    <p:cNvSpPr>
-                      <a:spLocks noChangeAspect="1"/>
-                    </p:cNvSpPr>
-                    <p:nvPr/>
-                  </p:nvSpPr>
-                  <p:spPr>
-                    <a:xfrm>
-                      <a:off x="2195795" y="1653852"/>
-                      <a:ext cx="720000" cy="718457"/>
-                    </a:xfrm>
-                    <a:prstGeom prst="ellipse">
-                      <a:avLst/>
-                    </a:prstGeom>
-                    <a:solidFill>
-                      <a:schemeClr val="accent6">
-                        <a:lumMod val="20000"/>
-                        <a:lumOff val="80000"/>
-                      </a:schemeClr>
-                    </a:solidFill>
-                    <a:ln w="57150">
-                      <a:solidFill>
-                        <a:schemeClr val="accent6">
-                          <a:lumMod val="75000"/>
-                        </a:schemeClr>
-                      </a:solidFill>
-                    </a:ln>
-                  </p:spPr>
-                  <p:style>
-                    <a:lnRef idx="2">
-                      <a:schemeClr val="accent1">
-                        <a:shade val="50000"/>
-                      </a:schemeClr>
-                    </a:lnRef>
-                    <a:fillRef idx="1">
-                      <a:schemeClr val="accent1"/>
-                    </a:fillRef>
-                    <a:effectRef idx="0">
-                      <a:schemeClr val="accent1"/>
-                    </a:effectRef>
-                    <a:fontRef idx="minor">
-                      <a:schemeClr val="lt1"/>
-                    </a:fontRef>
-                  </p:style>
-                  <p:txBody>
-                    <a:bodyPr rot="0" spcFirstLastPara="0" vertOverflow="overflow" horzOverflow="overflow" vert="horz" wrap="square" lIns="91440" tIns="45720" rIns="91440" bIns="45720" numCol="1" spcCol="0" rtlCol="0" fromWordArt="0" anchor="ctr" anchorCtr="0" forceAA="0" compatLnSpc="1">
-                      <a:prstTxWarp prst="textNoShape">
-                        <a:avLst/>
-                      </a:prstTxWarp>
-                      <a:noAutofit/>
-                    </a:bodyPr>
-                    <a:lstStyle/>
-                    <a:p>
-                      <a:pPr algn="ctr"/>
-                      <a:endParaRPr lang="en-GB"/>
-                    </a:p>
-                  </p:txBody>
-                </p:sp>
-                <p:sp>
-                  <p:nvSpPr>
-                    <p:cNvPr id="45" name="Oval 44">
-                      <a:extLst>
-                        <a:ext uri="{FF2B5EF4-FFF2-40B4-BE49-F238E27FC236}">
-                          <a16:creationId xmlns:a16="http://schemas.microsoft.com/office/drawing/2014/main" id="{C5148916-9BCD-404A-8349-46CFE32E7450}"/>
-                        </a:ext>
-                      </a:extLst>
-                    </p:cNvPr>
-                    <p:cNvSpPr>
-                      <a:spLocks noChangeAspect="1"/>
-                    </p:cNvSpPr>
-                    <p:nvPr/>
-                  </p:nvSpPr>
-                  <p:spPr>
-                    <a:xfrm>
-                      <a:off x="4276521" y="1653851"/>
-                      <a:ext cx="720000" cy="718457"/>
-                    </a:xfrm>
-                    <a:prstGeom prst="ellipse">
-                      <a:avLst/>
-                    </a:prstGeom>
-                    <a:solidFill>
-                      <a:schemeClr val="accent6">
-                        <a:lumMod val="20000"/>
-                        <a:lumOff val="80000"/>
-                      </a:schemeClr>
-                    </a:solidFill>
-                    <a:ln w="57150">
-                      <a:solidFill>
-                        <a:schemeClr val="accent6">
-                          <a:lumMod val="75000"/>
-                        </a:schemeClr>
-                      </a:solidFill>
-                    </a:ln>
-                  </p:spPr>
-                  <p:style>
-                    <a:lnRef idx="2">
-                      <a:schemeClr val="accent1">
-                        <a:shade val="50000"/>
-                      </a:schemeClr>
-                    </a:lnRef>
-                    <a:fillRef idx="1">
-                      <a:schemeClr val="accent1"/>
-                    </a:fillRef>
-                    <a:effectRef idx="0">
-                      <a:schemeClr val="accent1"/>
-                    </a:effectRef>
-                    <a:fontRef idx="minor">
-                      <a:schemeClr val="lt1"/>
-                    </a:fontRef>
-                  </p:style>
-                  <p:txBody>
-                    <a:bodyPr rot="0" spcFirstLastPara="0" vertOverflow="overflow" horzOverflow="overflow" vert="horz" wrap="square" lIns="91440" tIns="45720" rIns="91440" bIns="45720" numCol="1" spcCol="0" rtlCol="0" fromWordArt="0" anchor="ctr" anchorCtr="0" forceAA="0" compatLnSpc="1">
-                      <a:prstTxWarp prst="textNoShape">
-                        <a:avLst/>
-                      </a:prstTxWarp>
-                      <a:noAutofit/>
-                    </a:bodyPr>
-                    <a:lstStyle/>
-                    <a:p>
-                      <a:pPr algn="ctr"/>
-                      <a:endParaRPr lang="en-GB"/>
-                    </a:p>
-                  </p:txBody>
-                </p:sp>
-                <p:sp>
-                  <p:nvSpPr>
-                    <p:cNvPr id="46" name="Oval 45">
-                      <a:extLst>
-                        <a:ext uri="{FF2B5EF4-FFF2-40B4-BE49-F238E27FC236}">
-                          <a16:creationId xmlns:a16="http://schemas.microsoft.com/office/drawing/2014/main" id="{F859D385-399B-4AAB-B453-1BCDC6806DBE}"/>
-                        </a:ext>
-                      </a:extLst>
-                    </p:cNvPr>
-                    <p:cNvSpPr>
-                      <a:spLocks noChangeAspect="1"/>
-                    </p:cNvSpPr>
-                    <p:nvPr/>
-                  </p:nvSpPr>
-                  <p:spPr>
-                    <a:xfrm>
-                      <a:off x="7496310" y="1653851"/>
-                      <a:ext cx="720000" cy="718457"/>
-                    </a:xfrm>
-                    <a:prstGeom prst="ellipse">
-                      <a:avLst/>
-                    </a:prstGeom>
-                    <a:solidFill>
-                      <a:schemeClr val="accent6">
-                        <a:lumMod val="20000"/>
-                        <a:lumOff val="80000"/>
-                      </a:schemeClr>
-                    </a:solidFill>
-                    <a:ln w="57150">
-                      <a:solidFill>
-                        <a:schemeClr val="accent6">
-                          <a:lumMod val="75000"/>
-                        </a:schemeClr>
-                      </a:solidFill>
-                    </a:ln>
-                  </p:spPr>
-                  <p:style>
-                    <a:lnRef idx="2">
-                      <a:schemeClr val="accent1">
-                        <a:shade val="50000"/>
-                      </a:schemeClr>
-                    </a:lnRef>
-                    <a:fillRef idx="1">
-                      <a:schemeClr val="accent1"/>
-                    </a:fillRef>
-                    <a:effectRef idx="0">
-                      <a:schemeClr val="accent1"/>
-                    </a:effectRef>
-                    <a:fontRef idx="minor">
-                      <a:schemeClr val="lt1"/>
-                    </a:fontRef>
-                  </p:style>
-                  <p:txBody>
-                    <a:bodyPr rot="0" spcFirstLastPara="0" vertOverflow="overflow" horzOverflow="overflow" vert="horz" wrap="square" lIns="91440" tIns="45720" rIns="91440" bIns="45720" numCol="1" spcCol="0" rtlCol="0" fromWordArt="0" anchor="ctr" anchorCtr="0" forceAA="0" compatLnSpc="1">
-                      <a:prstTxWarp prst="textNoShape">
-                        <a:avLst/>
-                      </a:prstTxWarp>
-                      <a:noAutofit/>
-                    </a:bodyPr>
-                    <a:lstStyle/>
-                    <a:p>
-                      <a:pPr algn="ctr"/>
-                      <a:endParaRPr lang="en-GB"/>
-                    </a:p>
-                  </p:txBody>
-                </p:sp>
-                <p:sp>
-                  <p:nvSpPr>
-                    <p:cNvPr id="47" name="Oval 46">
-                      <a:extLst>
-                        <a:ext uri="{FF2B5EF4-FFF2-40B4-BE49-F238E27FC236}">
-                          <a16:creationId xmlns:a16="http://schemas.microsoft.com/office/drawing/2014/main" id="{07EF2A45-A133-4252-8996-8CF3AF2AD960}"/>
-                        </a:ext>
-                      </a:extLst>
-                    </p:cNvPr>
-                    <p:cNvSpPr>
-                      <a:spLocks noChangeAspect="1"/>
-                    </p:cNvSpPr>
-                    <p:nvPr/>
-                  </p:nvSpPr>
-                  <p:spPr>
-                    <a:xfrm>
-                      <a:off x="9224099" y="4170784"/>
-                      <a:ext cx="720000" cy="718457"/>
-                    </a:xfrm>
-                    <a:prstGeom prst="ellipse">
-                      <a:avLst/>
-                    </a:prstGeom>
-                    <a:solidFill>
-                      <a:schemeClr val="accent5">
-                        <a:lumMod val="20000"/>
-                        <a:lumOff val="80000"/>
-                      </a:schemeClr>
-                    </a:solidFill>
-                    <a:ln w="57150">
-                      <a:solidFill>
-                        <a:schemeClr val="accent5">
-                          <a:lumMod val="75000"/>
-                        </a:schemeClr>
-                      </a:solidFill>
-                    </a:ln>
-                  </p:spPr>
-                  <p:style>
-                    <a:lnRef idx="2">
-                      <a:schemeClr val="accent1">
-                        <a:shade val="50000"/>
-                      </a:schemeClr>
-                    </a:lnRef>
-                    <a:fillRef idx="1">
-                      <a:schemeClr val="accent1"/>
-                    </a:fillRef>
-                    <a:effectRef idx="0">
-                      <a:schemeClr val="accent1"/>
-                    </a:effectRef>
-                    <a:fontRef idx="minor">
-                      <a:schemeClr val="lt1"/>
-                    </a:fontRef>
-                  </p:style>
-                  <p:txBody>
-                    <a:bodyPr rot="0" spcFirstLastPara="0" vertOverflow="overflow" horzOverflow="overflow" vert="horz" wrap="square" lIns="91440" tIns="45720" rIns="91440" bIns="45720" numCol="1" spcCol="0" rtlCol="0" fromWordArt="0" anchor="ctr" anchorCtr="0" forceAA="0" compatLnSpc="1">
-                      <a:prstTxWarp prst="textNoShape">
-                        <a:avLst/>
-                      </a:prstTxWarp>
-                      <a:noAutofit/>
-                    </a:bodyPr>
-                    <a:lstStyle/>
-                    <a:p>
-                      <a:pPr algn="ctr"/>
-                      <a:endParaRPr lang="en-GB"/>
-                    </a:p>
-                  </p:txBody>
-                </p:sp>
-                <p:cxnSp>
-                  <p:nvCxnSpPr>
-                    <p:cNvPr id="48" name="Straight Connector 47">
-                      <a:extLst>
-                        <a:ext uri="{FF2B5EF4-FFF2-40B4-BE49-F238E27FC236}">
-                          <a16:creationId xmlns:a16="http://schemas.microsoft.com/office/drawing/2014/main" id="{440FE89B-314A-4FA4-A876-771DE651CDC9}"/>
-                        </a:ext>
-                      </a:extLst>
-                    </p:cNvPr>
-                    <p:cNvCxnSpPr>
-                      <a:cxnSpLocks/>
-                      <a:stCxn id="44" idx="6"/>
-                      <a:endCxn id="45" idx="2"/>
-                    </p:cNvCxnSpPr>
-                    <p:nvPr/>
-                  </p:nvCxnSpPr>
-                  <p:spPr>
-                    <a:xfrm flipV="1">
-                      <a:off x="2915795" y="2013080"/>
-                      <a:ext cx="1360726" cy="1"/>
-                    </a:xfrm>
-                    <a:prstGeom prst="line">
-                      <a:avLst/>
-                    </a:prstGeom>
-                    <a:ln w="57150">
-                      <a:solidFill>
-                        <a:schemeClr val="accent6">
-                          <a:lumMod val="75000"/>
-                        </a:schemeClr>
-                      </a:solidFill>
-                    </a:ln>
-                  </p:spPr>
-                  <p:style>
-                    <a:lnRef idx="1">
-                      <a:schemeClr val="accent1"/>
-                    </a:lnRef>
-                    <a:fillRef idx="0">
-                      <a:schemeClr val="accent1"/>
-                    </a:fillRef>
-                    <a:effectRef idx="0">
-                      <a:schemeClr val="accent1"/>
-                    </a:effectRef>
-                    <a:fontRef idx="minor">
-                      <a:schemeClr val="tx1"/>
-                    </a:fontRef>
-                  </p:style>
-                </p:cxnSp>
-                <p:cxnSp>
-                  <p:nvCxnSpPr>
-                    <p:cNvPr id="49" name="Straight Connector 48">
-                      <a:extLst>
-                        <a:ext uri="{FF2B5EF4-FFF2-40B4-BE49-F238E27FC236}">
-                          <a16:creationId xmlns:a16="http://schemas.microsoft.com/office/drawing/2014/main" id="{F4BEA240-B5B9-4BA6-9205-DD7772B0451A}"/>
-                        </a:ext>
-                      </a:extLst>
-                    </p:cNvPr>
-                    <p:cNvCxnSpPr>
-                      <a:cxnSpLocks/>
-                      <a:stCxn id="45" idx="6"/>
-                      <a:endCxn id="29" idx="2"/>
-                    </p:cNvCxnSpPr>
-                    <p:nvPr/>
-                  </p:nvCxnSpPr>
-                  <p:spPr>
-                    <a:xfrm flipV="1">
-                      <a:off x="4996521" y="2013079"/>
-                      <a:ext cx="1419789" cy="1"/>
-                    </a:xfrm>
-                    <a:prstGeom prst="line">
-                      <a:avLst/>
-                    </a:prstGeom>
-                    <a:ln w="57150">
-                      <a:solidFill>
-                        <a:schemeClr val="accent6">
-                          <a:lumMod val="75000"/>
-                        </a:schemeClr>
-                      </a:solidFill>
-                    </a:ln>
-                  </p:spPr>
-                  <p:style>
-                    <a:lnRef idx="1">
-                      <a:schemeClr val="accent1"/>
-                    </a:lnRef>
-                    <a:fillRef idx="0">
-                      <a:schemeClr val="accent1"/>
-                    </a:fillRef>
-                    <a:effectRef idx="0">
-                      <a:schemeClr val="accent1"/>
-                    </a:effectRef>
-                    <a:fontRef idx="minor">
-                      <a:schemeClr val="tx1"/>
-                    </a:fontRef>
-                  </p:style>
-                </p:cxnSp>
-                <p:sp>
-                  <p:nvSpPr>
-                    <p:cNvPr id="50" name="Oval 49">
-                      <a:extLst>
-                        <a:ext uri="{FF2B5EF4-FFF2-40B4-BE49-F238E27FC236}">
-                          <a16:creationId xmlns:a16="http://schemas.microsoft.com/office/drawing/2014/main" id="{0CB4A2D3-7A30-47DA-A242-BBE10074E719}"/>
-                        </a:ext>
-                      </a:extLst>
-                    </p:cNvPr>
-                    <p:cNvSpPr>
-                      <a:spLocks noChangeAspect="1"/>
-                    </p:cNvSpPr>
-                    <p:nvPr/>
-                  </p:nvSpPr>
-                  <p:spPr>
-                    <a:xfrm>
-                      <a:off x="10833657" y="4170784"/>
-                      <a:ext cx="720000" cy="718457"/>
-                    </a:xfrm>
-                    <a:prstGeom prst="ellipse">
-                      <a:avLst/>
-                    </a:prstGeom>
-                    <a:solidFill>
-                      <a:schemeClr val="accent5">
-                        <a:lumMod val="20000"/>
-                        <a:lumOff val="80000"/>
-                      </a:schemeClr>
-                    </a:solidFill>
-                    <a:ln w="57150">
-                      <a:solidFill>
-                        <a:schemeClr val="accent5">
-                          <a:lumMod val="75000"/>
-                        </a:schemeClr>
-                      </a:solidFill>
-                    </a:ln>
-                  </p:spPr>
-                  <p:style>
-                    <a:lnRef idx="2">
-                      <a:schemeClr val="accent1">
-                        <a:shade val="50000"/>
-                      </a:schemeClr>
-                    </a:lnRef>
-                    <a:fillRef idx="1">
-                      <a:schemeClr val="accent1"/>
-                    </a:fillRef>
-                    <a:effectRef idx="0">
-                      <a:schemeClr val="accent1"/>
-                    </a:effectRef>
-                    <a:fontRef idx="minor">
-                      <a:schemeClr val="lt1"/>
-                    </a:fontRef>
-                  </p:style>
-                  <p:txBody>
-                    <a:bodyPr rot="0" spcFirstLastPara="0" vertOverflow="overflow" horzOverflow="overflow" vert="horz" wrap="square" lIns="91440" tIns="45720" rIns="91440" bIns="45720" numCol="1" spcCol="0" rtlCol="0" fromWordArt="0" anchor="ctr" anchorCtr="0" forceAA="0" compatLnSpc="1">
-                      <a:prstTxWarp prst="textNoShape">
-                        <a:avLst/>
-                      </a:prstTxWarp>
-                      <a:noAutofit/>
-                    </a:bodyPr>
-                    <a:lstStyle/>
-                    <a:p>
-                      <a:pPr algn="ctr"/>
-                      <a:endParaRPr lang="en-GB"/>
-                    </a:p>
-                  </p:txBody>
-                </p:sp>
-                <p:cxnSp>
-                  <p:nvCxnSpPr>
-                    <p:cNvPr id="51" name="Straight Connector 50">
-                      <a:extLst>
-                        <a:ext uri="{FF2B5EF4-FFF2-40B4-BE49-F238E27FC236}">
-                          <a16:creationId xmlns:a16="http://schemas.microsoft.com/office/drawing/2014/main" id="{BAFD73F5-297B-4040-9968-F711FA2CB1F2}"/>
-                        </a:ext>
-                      </a:extLst>
-                    </p:cNvPr>
-                    <p:cNvCxnSpPr>
-                      <a:cxnSpLocks/>
-                      <a:stCxn id="47" idx="6"/>
-                      <a:endCxn id="50" idx="2"/>
-                    </p:cNvCxnSpPr>
-                    <p:nvPr/>
-                  </p:nvCxnSpPr>
-                  <p:spPr>
-                    <a:xfrm>
-                      <a:off x="9944099" y="4530013"/>
-                      <a:ext cx="889558" cy="0"/>
-                    </a:xfrm>
-                    <a:prstGeom prst="line">
-                      <a:avLst/>
-                    </a:prstGeom>
-                    <a:ln w="57150">
-                      <a:solidFill>
-                        <a:schemeClr val="accent5">
-                          <a:lumMod val="75000"/>
-                        </a:schemeClr>
-                      </a:solidFill>
-                    </a:ln>
-                  </p:spPr>
-                  <p:style>
-                    <a:lnRef idx="1">
-                      <a:schemeClr val="accent1"/>
-                    </a:lnRef>
-                    <a:fillRef idx="0">
-                      <a:schemeClr val="accent1"/>
-                    </a:fillRef>
-                    <a:effectRef idx="0">
-                      <a:schemeClr val="accent1"/>
-                    </a:effectRef>
-                    <a:fontRef idx="minor">
-                      <a:schemeClr val="tx1"/>
-                    </a:fontRef>
-                  </p:style>
-                </p:cxnSp>
-              </p:grpSp>
-              <p:sp>
-                <p:nvSpPr>
-                  <p:cNvPr id="29" name="Oval 28">
-                    <a:extLst>
-                      <a:ext uri="{FF2B5EF4-FFF2-40B4-BE49-F238E27FC236}">
-                        <a16:creationId xmlns:a16="http://schemas.microsoft.com/office/drawing/2014/main" id="{7C371B4B-C573-435C-93FB-879CB9BCEF4F}"/>
-                      </a:ext>
-                    </a:extLst>
-                  </p:cNvPr>
-                  <p:cNvSpPr>
-                    <a:spLocks noChangeAspect="1"/>
-                  </p:cNvSpPr>
-                  <p:nvPr/>
-                </p:nvSpPr>
-                <p:spPr>
-                  <a:xfrm>
-                    <a:off x="6854849" y="1448578"/>
-                    <a:ext cx="720000" cy="718457"/>
-                  </a:xfrm>
-                  <a:prstGeom prst="ellipse">
-                    <a:avLst/>
-                  </a:prstGeom>
-                  <a:solidFill>
-                    <a:schemeClr val="accent6">
-                      <a:lumMod val="20000"/>
-                      <a:lumOff val="80000"/>
-                    </a:schemeClr>
-                  </a:solidFill>
-                  <a:ln w="57150">
-                    <a:solidFill>
-                      <a:schemeClr val="accent6">
-                        <a:lumMod val="75000"/>
-                      </a:schemeClr>
-                    </a:solidFill>
-                  </a:ln>
-                </p:spPr>
-                <p:style>
-                  <a:lnRef idx="2">
-                    <a:schemeClr val="accent1">
-                      <a:shade val="50000"/>
-                    </a:schemeClr>
-                  </a:lnRef>
-                  <a:fillRef idx="1">
-                    <a:schemeClr val="accent1"/>
-                  </a:fillRef>
-                  <a:effectRef idx="0">
-                    <a:schemeClr val="accent1"/>
-                  </a:effectRef>
-                  <a:fontRef idx="minor">
-                    <a:schemeClr val="lt1"/>
-                  </a:fontRef>
-                </p:style>
-                <p:txBody>
-                  <a:bodyPr rot="0" spcFirstLastPara="0" vertOverflow="overflow" horzOverflow="overflow" vert="horz" wrap="square" lIns="91440" tIns="45720" rIns="91440" bIns="45720" numCol="1" spcCol="0" rtlCol="0" fromWordArt="0" anchor="ctr" anchorCtr="0" forceAA="0" compatLnSpc="1">
-                    <a:prstTxWarp prst="textNoShape">
-                      <a:avLst/>
-                    </a:prstTxWarp>
-                    <a:noAutofit/>
-                  </a:bodyPr>
-                  <a:lstStyle/>
-                  <a:p>
-                    <a:pPr algn="ctr"/>
-                    <a:endParaRPr lang="en-GB"/>
-                  </a:p>
-                </p:txBody>
-              </p:sp>
-              <p:cxnSp>
-                <p:nvCxnSpPr>
-                  <p:cNvPr id="30" name="Straight Connector 29">
-                    <a:extLst>
-                      <a:ext uri="{FF2B5EF4-FFF2-40B4-BE49-F238E27FC236}">
-                        <a16:creationId xmlns:a16="http://schemas.microsoft.com/office/drawing/2014/main" id="{29D77219-FB27-40D1-BF1E-63E51E81AF63}"/>
-                      </a:ext>
-                    </a:extLst>
-                  </p:cNvPr>
-                  <p:cNvCxnSpPr>
-                    <a:cxnSpLocks/>
-                    <a:stCxn id="29" idx="6"/>
-                    <a:endCxn id="46" idx="2"/>
-                  </p:cNvCxnSpPr>
-                  <p:nvPr/>
-                </p:nvCxnSpPr>
-                <p:spPr>
-                  <a:xfrm>
-                    <a:off x="7574849" y="1807807"/>
-                    <a:ext cx="335062" cy="0"/>
-                  </a:xfrm>
-                  <a:prstGeom prst="line">
-                    <a:avLst/>
-                  </a:prstGeom>
-                  <a:ln w="57150">
-                    <a:solidFill>
-                      <a:schemeClr val="accent6">
-                        <a:lumMod val="75000"/>
-                      </a:schemeClr>
-                    </a:solidFill>
-                  </a:ln>
-                </p:spPr>
-                <p:style>
-                  <a:lnRef idx="1">
-                    <a:schemeClr val="accent1"/>
-                  </a:lnRef>
-                  <a:fillRef idx="0">
-                    <a:schemeClr val="accent1"/>
-                  </a:fillRef>
-                  <a:effectRef idx="0">
-                    <a:schemeClr val="accent1"/>
-                  </a:effectRef>
-                  <a:fontRef idx="minor">
-                    <a:schemeClr val="tx1"/>
-                  </a:fontRef>
-                </p:style>
-              </p:cxnSp>
-              <p:sp>
-                <p:nvSpPr>
-                  <p:cNvPr id="31" name="Oval 30">
-                    <a:extLst>
-                      <a:ext uri="{FF2B5EF4-FFF2-40B4-BE49-F238E27FC236}">
-                        <a16:creationId xmlns:a16="http://schemas.microsoft.com/office/drawing/2014/main" id="{A1B6046F-FA53-47B0-9E4F-F445E377B838}"/>
-                      </a:ext>
-                    </a:extLst>
-                  </p:cNvPr>
-                  <p:cNvSpPr>
-                    <a:spLocks noChangeAspect="1"/>
-                  </p:cNvSpPr>
-                  <p:nvPr/>
-                </p:nvSpPr>
-                <p:spPr>
-                  <a:xfrm>
-                    <a:off x="6854849" y="2705873"/>
-                    <a:ext cx="720000" cy="718457"/>
-                  </a:xfrm>
-                  <a:prstGeom prst="ellipse">
-                    <a:avLst/>
-                  </a:prstGeom>
-                  <a:solidFill>
-                    <a:schemeClr val="bg1">
-                      <a:lumMod val="95000"/>
-                    </a:schemeClr>
-                  </a:solidFill>
-                  <a:ln w="57150">
-                    <a:solidFill>
-                      <a:schemeClr val="tx1"/>
-                    </a:solidFill>
-                  </a:ln>
-                </p:spPr>
-                <p:style>
-                  <a:lnRef idx="2">
-                    <a:schemeClr val="accent1">
-                      <a:shade val="50000"/>
-                    </a:schemeClr>
-                  </a:lnRef>
-                  <a:fillRef idx="1">
-                    <a:schemeClr val="accent1"/>
-                  </a:fillRef>
-                  <a:effectRef idx="0">
-                    <a:schemeClr val="accent1"/>
-                  </a:effectRef>
-                  <a:fontRef idx="minor">
-                    <a:schemeClr val="lt1"/>
-                  </a:fontRef>
-                </p:style>
-                <p:txBody>
-                  <a:bodyPr rot="0" spcFirstLastPara="0" vertOverflow="overflow" horzOverflow="overflow" vert="horz" wrap="square" lIns="91440" tIns="45720" rIns="91440" bIns="45720" numCol="1" spcCol="0" rtlCol="0" fromWordArt="0" anchor="ctr" anchorCtr="0" forceAA="0" compatLnSpc="1">
-                    <a:prstTxWarp prst="textNoShape">
-                      <a:avLst/>
-                    </a:prstTxWarp>
-                    <a:noAutofit/>
-                  </a:bodyPr>
-                  <a:lstStyle/>
-                  <a:p>
-                    <a:pPr algn="ctr"/>
-                    <a:endParaRPr lang="en-GB"/>
-                  </a:p>
-                </p:txBody>
-              </p:sp>
-              <p:cxnSp>
-                <p:nvCxnSpPr>
-                  <p:cNvPr id="32" name="Straight Connector 31">
-                    <a:extLst>
-                      <a:ext uri="{FF2B5EF4-FFF2-40B4-BE49-F238E27FC236}">
-                        <a16:creationId xmlns:a16="http://schemas.microsoft.com/office/drawing/2014/main" id="{FBD0E878-BBAF-4C06-B0A7-27812D549A27}"/>
-                      </a:ext>
-                    </a:extLst>
-                  </p:cNvPr>
-                  <p:cNvCxnSpPr>
-                    <a:cxnSpLocks/>
-                    <a:stCxn id="31" idx="6"/>
-                    <a:endCxn id="39" idx="2"/>
-                  </p:cNvCxnSpPr>
-                  <p:nvPr/>
-                </p:nvCxnSpPr>
-                <p:spPr>
-                  <a:xfrm>
-                    <a:off x="7574849" y="3065102"/>
-                    <a:ext cx="335063" cy="4"/>
-                  </a:xfrm>
-                  <a:prstGeom prst="line">
-                    <a:avLst/>
-                  </a:prstGeom>
-                  <a:ln w="57150">
-                    <a:solidFill>
-                      <a:schemeClr val="tx1"/>
-                    </a:solidFill>
-                  </a:ln>
-                </p:spPr>
-                <p:style>
-                  <a:lnRef idx="1">
-                    <a:schemeClr val="accent1"/>
-                  </a:lnRef>
-                  <a:fillRef idx="0">
-                    <a:schemeClr val="accent1"/>
-                  </a:fillRef>
-                  <a:effectRef idx="0">
-                    <a:schemeClr val="accent1"/>
-                  </a:effectRef>
-                  <a:fontRef idx="minor">
-                    <a:schemeClr val="tx1"/>
-                  </a:fontRef>
-                </p:style>
-              </p:cxnSp>
-            </p:grpSp>
-            <p:sp>
-              <p:nvSpPr>
-                <p:cNvPr id="27" name="Rectangle 26">
-                  <a:extLst>
-                    <a:ext uri="{FF2B5EF4-FFF2-40B4-BE49-F238E27FC236}">
-                      <a16:creationId xmlns:a16="http://schemas.microsoft.com/office/drawing/2014/main" id="{84B6FEA6-5D96-48D1-ABB9-829F8288D044}"/>
-                    </a:ext>
-                  </a:extLst>
-                </p:cNvPr>
-                <p:cNvSpPr/>
-                <p:nvPr/>
-              </p:nvSpPr>
-              <p:spPr>
-                <a:xfrm>
-                  <a:off x="0" y="998376"/>
-                  <a:ext cx="12153604" cy="5638002"/>
-                </a:xfrm>
-                <a:prstGeom prst="rect">
-                  <a:avLst/>
-                </a:prstGeom>
-                <a:noFill/>
-                <a:ln>
-                  <a:noFill/>
-                </a:ln>
-              </p:spPr>
-              <p:style>
-                <a:lnRef idx="2">
-                  <a:schemeClr val="accent1">
-                    <a:shade val="50000"/>
-                  </a:schemeClr>
-                </a:lnRef>
-                <a:fillRef idx="1">
-                  <a:schemeClr val="accent1"/>
-                </a:fillRef>
-                <a:effectRef idx="0">
-                  <a:schemeClr val="accent1"/>
-                </a:effectRef>
-                <a:fontRef idx="minor">
-                  <a:schemeClr val="lt1"/>
-                </a:fontRef>
-              </p:style>
-              <p:txBody>
-                <a:bodyPr rtlCol="0" anchor="ctr"/>
-                <a:lstStyle/>
-                <a:p>
-                  <a:pPr algn="ctr"/>
-                  <a:endParaRPr lang="en-GB"/>
-                </a:p>
-              </p:txBody>
-            </p:sp>
-          </p:grpSp>
-          <p:sp>
-            <p:nvSpPr>
-              <p:cNvPr id="54" name="TextBox 53">
-                <a:extLst>
-                  <a:ext uri="{FF2B5EF4-FFF2-40B4-BE49-F238E27FC236}">
-                    <a16:creationId xmlns:a16="http://schemas.microsoft.com/office/drawing/2014/main" id="{25DC4987-8011-4B94-9677-ADA0C215DD92}"/>
-                  </a:ext>
-                </a:extLst>
-              </p:cNvPr>
-              <p:cNvSpPr txBox="1"/>
-              <p:nvPr/>
-            </p:nvSpPr>
-            <p:spPr>
-              <a:xfrm>
-                <a:off x="68850" y="4548354"/>
-                <a:ext cx="3871383" cy="369332"/>
-              </a:xfrm>
-              <a:prstGeom prst="rect">
-                <a:avLst/>
-              </a:prstGeom>
-              <a:solidFill>
-                <a:schemeClr val="bg1">
-                  <a:lumMod val="85000"/>
-                </a:schemeClr>
-              </a:solidFill>
-              <a:ln w="28575">
-                <a:solidFill>
-                  <a:schemeClr val="tx1"/>
-                </a:solidFill>
-                <a:prstDash val="sysDash"/>
-              </a:ln>
-            </p:spPr>
-            <p:txBody>
-              <a:bodyPr wrap="square" rtlCol="0">
-                <a:spAutoFit/>
-              </a:bodyPr>
-              <a:lstStyle/>
-              <a:p>
-                <a:r>
-                  <a:rPr lang="en-GB" i="1" dirty="0">
-                    <a:latin typeface="Arial" panose="020B0604020202020204" pitchFamily="34" charset="0"/>
-                    <a:cs typeface="Arial" panose="020B0604020202020204" pitchFamily="34" charset="0"/>
-                  </a:rPr>
-                  <a:t>master branch</a:t>
-                </a:r>
-                <a:r>
-                  <a:rPr lang="en-GB" dirty="0">
-                    <a:latin typeface="Arial" panose="020B0604020202020204" pitchFamily="34" charset="0"/>
-                    <a:cs typeface="Arial" panose="020B0604020202020204" pitchFamily="34" charset="0"/>
-                  </a:rPr>
-                  <a:t>: gov-</a:t>
-                </a:r>
-                <a:r>
-                  <a:rPr lang="en-GB" dirty="0" err="1">
-                    <a:latin typeface="Arial" panose="020B0604020202020204" pitchFamily="34" charset="0"/>
-                    <a:cs typeface="Arial" panose="020B0604020202020204" pitchFamily="34" charset="0"/>
-                  </a:rPr>
-                  <a:t>uk</a:t>
-                </a:r>
-                <a:r>
-                  <a:rPr lang="en-GB" dirty="0">
-                    <a:latin typeface="Arial" panose="020B0604020202020204" pitchFamily="34" charset="0"/>
-                    <a:cs typeface="Arial" panose="020B0604020202020204" pitchFamily="34" charset="0"/>
-                  </a:rPr>
-                  <a:t>-rap-materials</a:t>
-                </a:r>
-              </a:p>
-            </p:txBody>
-          </p:sp>
-          <p:cxnSp>
-            <p:nvCxnSpPr>
-              <p:cNvPr id="55" name="Straight Arrow Connector 54">
-                <a:extLst>
-                  <a:ext uri="{FF2B5EF4-FFF2-40B4-BE49-F238E27FC236}">
-                    <a16:creationId xmlns:a16="http://schemas.microsoft.com/office/drawing/2014/main" id="{6AC76806-3B89-4532-89E5-26A31B45E15A}"/>
-                  </a:ext>
-                </a:extLst>
-              </p:cNvPr>
-              <p:cNvCxnSpPr>
-                <a:cxnSpLocks/>
-              </p:cNvCxnSpPr>
-              <p:nvPr/>
-            </p:nvCxnSpPr>
-            <p:spPr>
-              <a:xfrm flipV="1">
-                <a:off x="1586020" y="4038644"/>
-                <a:ext cx="852310" cy="491444"/>
-              </a:xfrm>
-              <a:prstGeom prst="straightConnector1">
-                <a:avLst/>
-              </a:prstGeom>
-              <a:ln w="28575">
-                <a:solidFill>
-                  <a:schemeClr val="tx1"/>
-                </a:solidFill>
-                <a:prstDash val="sysDash"/>
-                <a:tailEnd type="triangle"/>
-              </a:ln>
-            </p:spPr>
-            <p:style>
-              <a:lnRef idx="1">
-                <a:schemeClr val="accent1"/>
-              </a:lnRef>
-              <a:fillRef idx="0">
-                <a:schemeClr val="accent1"/>
-              </a:fillRef>
-              <a:effectRef idx="0">
-                <a:schemeClr val="accent1"/>
-              </a:effectRef>
-              <a:fontRef idx="minor">
-                <a:schemeClr val="tx1"/>
-              </a:fontRef>
-            </p:style>
-          </p:cxnSp>
-        </p:grpSp>
-        <p:sp>
-          <p:nvSpPr>
-            <p:cNvPr id="52" name="TextBox 51">
-              <a:extLst>
-                <a:ext uri="{FF2B5EF4-FFF2-40B4-BE49-F238E27FC236}">
-                  <a16:creationId xmlns:a16="http://schemas.microsoft.com/office/drawing/2014/main" id="{19C85DA7-0EC1-46AA-92D5-D88B46D6FCCF}"/>
-                </a:ext>
-              </a:extLst>
-            </p:cNvPr>
-            <p:cNvSpPr txBox="1"/>
-            <p:nvPr/>
-          </p:nvSpPr>
-          <p:spPr>
-            <a:xfrm>
-              <a:off x="38396" y="1880714"/>
-              <a:ext cx="3681307" cy="369332"/>
-            </a:xfrm>
-            <a:prstGeom prst="rect">
-              <a:avLst/>
-            </a:prstGeom>
-            <a:solidFill>
-              <a:schemeClr val="accent6">
-                <a:lumMod val="20000"/>
-                <a:lumOff val="80000"/>
-              </a:schemeClr>
-            </a:solidFill>
-            <a:ln w="28575">
-              <a:solidFill>
-                <a:schemeClr val="accent6">
-                  <a:lumMod val="75000"/>
-                </a:schemeClr>
-              </a:solidFill>
-              <a:prstDash val="sysDash"/>
-            </a:ln>
-          </p:spPr>
-          <p:txBody>
-            <a:bodyPr wrap="square" rtlCol="0">
-              <a:spAutoFit/>
-            </a:bodyPr>
-            <a:lstStyle/>
-            <a:p>
-              <a:pPr algn="ctr"/>
-              <a:r>
-                <a:rPr lang="en-GB" i="1" dirty="0">
-                  <a:latin typeface="Arial" panose="020B0604020202020204" pitchFamily="34" charset="0"/>
-                  <a:cs typeface="Arial" panose="020B0604020202020204" pitchFamily="34" charset="0"/>
-                </a:rPr>
-                <a:t>branch</a:t>
-              </a:r>
-              <a:r>
-                <a:rPr lang="en-GB" dirty="0">
-                  <a:latin typeface="Arial" panose="020B0604020202020204" pitchFamily="34" charset="0"/>
-                  <a:cs typeface="Arial" panose="020B0604020202020204" pitchFamily="34" charset="0"/>
-                </a:rPr>
-                <a:t>:</a:t>
-              </a:r>
-              <a:r>
-                <a:rPr lang="en-GB" i="1" dirty="0">
-                  <a:latin typeface="Arial" panose="020B0604020202020204" pitchFamily="34" charset="0"/>
-                  <a:cs typeface="Arial" panose="020B0604020202020204" pitchFamily="34" charset="0"/>
-                </a:rPr>
-                <a:t> create-</a:t>
-              </a:r>
-              <a:r>
-                <a:rPr lang="en-GB" i="1" dirty="0" err="1">
-                  <a:latin typeface="Arial" panose="020B0604020202020204" pitchFamily="34" charset="0"/>
-                  <a:cs typeface="Arial" panose="020B0604020202020204" pitchFamily="34" charset="0"/>
-                </a:rPr>
-                <a:t>github</a:t>
-              </a:r>
-              <a:r>
-                <a:rPr lang="en-GB" i="1" dirty="0">
-                  <a:latin typeface="Arial" panose="020B0604020202020204" pitchFamily="34" charset="0"/>
-                  <a:cs typeface="Arial" panose="020B0604020202020204" pitchFamily="34" charset="0"/>
-                </a:rPr>
-                <a:t>-presentation</a:t>
-              </a:r>
-            </a:p>
-          </p:txBody>
-        </p:sp>
-        <p:cxnSp>
-          <p:nvCxnSpPr>
-            <p:cNvPr id="53" name="Straight Arrow Connector 52">
-              <a:extLst>
-                <a:ext uri="{FF2B5EF4-FFF2-40B4-BE49-F238E27FC236}">
-                  <a16:creationId xmlns:a16="http://schemas.microsoft.com/office/drawing/2014/main" id="{E57FE950-6D85-4D8D-8FCC-BF70FF188189}"/>
-                </a:ext>
-              </a:extLst>
-            </p:cNvPr>
-            <p:cNvCxnSpPr>
-              <a:cxnSpLocks/>
-            </p:cNvCxnSpPr>
-            <p:nvPr/>
-          </p:nvCxnSpPr>
-          <p:spPr>
-            <a:xfrm>
-              <a:off x="2252004" y="2250046"/>
-              <a:ext cx="955792" cy="877679"/>
-            </a:xfrm>
-            <a:prstGeom prst="straightConnector1">
-              <a:avLst/>
-            </a:prstGeom>
-            <a:ln w="28575">
-              <a:solidFill>
-                <a:schemeClr val="accent6">
-                  <a:lumMod val="75000"/>
-                </a:schemeClr>
-              </a:solidFill>
-              <a:prstDash val="sysDash"/>
-              <a:tailEnd type="triangle"/>
-            </a:ln>
-          </p:spPr>
-          <p:style>
-            <a:lnRef idx="1">
-              <a:schemeClr val="accent1"/>
-            </a:lnRef>
-            <a:fillRef idx="0">
-              <a:schemeClr val="accent1"/>
-            </a:fillRef>
-            <a:effectRef idx="0">
-              <a:schemeClr val="accent1"/>
-            </a:effectRef>
-            <a:fontRef idx="minor">
-              <a:schemeClr val="tx1"/>
-            </a:fontRef>
-          </p:style>
-        </p:cxnSp>
-      </p:grpSp>
-    </p:spTree>
-    <p:extLst>
-      <p:ext uri="{BB962C8B-B14F-4D97-AF65-F5344CB8AC3E}">
-        <p14:creationId xmlns:p14="http://schemas.microsoft.com/office/powerpoint/2010/main" val="2153567147"/>
-      </p:ext>
-    </p:extLst>
-  </p:cSld>
-  <p:clrMapOvr>
-    <a:masterClrMapping/>
-  </p:clrMapOvr>
-</p:sld>
-</file>
-
-<file path=ppt/slides/slide4.xml><?xml version="1.0" encoding="utf-8"?>
-<p:sld xmlns:a="http://schemas.openxmlformats.org/drawingml/2006/main" xmlns:r="http://schemas.openxmlformats.org/officeDocument/2006/relationships" xmlns:p="http://schemas.openxmlformats.org/presentationml/2006/main">
-  <p:cSld>
-    <p:spTree>
-      <p:nvGrpSpPr>
-        <p:cNvPr id="1" name=""/>
-        <p:cNvGrpSpPr/>
-        <p:nvPr/>
-      </p:nvGrpSpPr>
-      <p:grpSpPr>
-        <a:xfrm>
-          <a:off x="0" y="0"/>
-          <a:ext cx="0" cy="0"/>
-          <a:chOff x="0" y="0"/>
-          <a:chExt cx="0" cy="0"/>
-        </a:xfrm>
-      </p:grpSpPr>
-      <p:grpSp>
-        <p:nvGrpSpPr>
           <p:cNvPr id="4" name="Group 3">
             <a:extLst>
               <a:ext uri="{FF2B5EF4-FFF2-40B4-BE49-F238E27FC236}">
-                <a16:creationId xmlns:a16="http://schemas.microsoft.com/office/drawing/2014/main" id="{9740E4A0-4300-49D7-AE8B-7962F2F2D3D2}"/>
+                <a16:creationId xmlns:a16="http://schemas.microsoft.com/office/drawing/2014/main" id="{A629D954-A22E-48C9-8063-423501666F40}"/>
               </a:ext>
             </a:extLst>
           </p:cNvPr>
@@ -17567,75 +15894,6 @@
                 </p:txBody>
               </p:sp>
             </p:grpSp>
-            <p:sp>
-              <p:nvSpPr>
-                <p:cNvPr id="54" name="TextBox 53">
-                  <a:extLst>
-                    <a:ext uri="{FF2B5EF4-FFF2-40B4-BE49-F238E27FC236}">
-                      <a16:creationId xmlns:a16="http://schemas.microsoft.com/office/drawing/2014/main" id="{25DC4987-8011-4B94-9677-ADA0C215DD92}"/>
-                    </a:ext>
-                  </a:extLst>
-                </p:cNvPr>
-                <p:cNvSpPr txBox="1"/>
-                <p:nvPr/>
-              </p:nvSpPr>
-              <p:spPr>
-                <a:xfrm>
-                  <a:off x="68850" y="4548354"/>
-                  <a:ext cx="3871383" cy="369332"/>
-                </a:xfrm>
-                <a:prstGeom prst="rect">
-                  <a:avLst/>
-                </a:prstGeom>
-                <a:solidFill>
-                  <a:schemeClr val="bg1">
-                    <a:lumMod val="85000"/>
-                  </a:schemeClr>
-                </a:solidFill>
-                <a:ln w="28575">
-                  <a:solidFill>
-                    <a:schemeClr val="tx1"/>
-                  </a:solidFill>
-                  <a:prstDash val="sysDash"/>
-                </a:ln>
-              </p:spPr>
-              <p:txBody>
-                <a:bodyPr wrap="square" rtlCol="0">
-                  <a:spAutoFit/>
-                </a:bodyPr>
-                <a:lstStyle/>
-                <a:p>
-                  <a:r>
-                    <a:rPr lang="en-GB" i="1" dirty="0">
-                      <a:latin typeface="Arial" panose="020B0604020202020204" pitchFamily="34" charset="0"/>
-                      <a:cs typeface="Arial" panose="020B0604020202020204" pitchFamily="34" charset="0"/>
-                    </a:rPr>
-                    <a:t>master branch</a:t>
-                  </a:r>
-                  <a:r>
-                    <a:rPr lang="en-GB" dirty="0">
-                      <a:latin typeface="Arial" panose="020B0604020202020204" pitchFamily="34" charset="0"/>
-                      <a:cs typeface="Arial" panose="020B0604020202020204" pitchFamily="34" charset="0"/>
-                    </a:rPr>
-                    <a:t>: gov-</a:t>
-                  </a:r>
-                  <a:r>
-                    <a:rPr lang="en-GB" dirty="0" err="1">
-                      <a:latin typeface="Arial" panose="020B0604020202020204" pitchFamily="34" charset="0"/>
-                      <a:cs typeface="Arial" panose="020B0604020202020204" pitchFamily="34" charset="0"/>
-                    </a:rPr>
-                    <a:t>uk</a:t>
-                  </a:r>
-                  <a:r>
-                    <a:rPr lang="en-GB" dirty="0">
-                      <a:latin typeface="Arial" panose="020B0604020202020204" pitchFamily="34" charset="0"/>
-                      <a:cs typeface="Arial" panose="020B0604020202020204" pitchFamily="34" charset="0"/>
-                    </a:rPr>
-                    <a:t>-rap-materials</a:t>
-                  </a:r>
-                </a:p>
-              </p:txBody>
-            </p:sp>
             <p:cxnSp>
               <p:nvCxnSpPr>
                 <p:cNvPr id="55" name="Straight Arrow Connector 54">
@@ -17815,7 +16073,7 @@
             <p:cNvPr id="56" name="TextBox 55">
               <a:extLst>
                 <a:ext uri="{FF2B5EF4-FFF2-40B4-BE49-F238E27FC236}">
-                  <a16:creationId xmlns:a16="http://schemas.microsoft.com/office/drawing/2014/main" id="{091E2692-9E96-49ED-A3D4-24B4EC43EAC9}"/>
+                  <a16:creationId xmlns:a16="http://schemas.microsoft.com/office/drawing/2014/main" id="{D419A98C-EAD1-4867-BB0E-32EAFDA23FC4}"/>
                 </a:ext>
               </a:extLst>
             </p:cNvPr>
@@ -17824,23 +16082,20 @@
           </p:nvSpPr>
           <p:spPr>
             <a:xfrm>
-              <a:off x="1773287" y="1117954"/>
-              <a:ext cx="4086992" cy="369332"/>
+              <a:off x="68850" y="4548354"/>
+              <a:ext cx="3663565" cy="369332"/>
             </a:xfrm>
             <a:prstGeom prst="rect">
               <a:avLst/>
             </a:prstGeom>
             <a:solidFill>
-              <a:schemeClr val="accent6">
-                <a:lumMod val="20000"/>
-                <a:lumOff val="80000"/>
+              <a:schemeClr val="bg1">
+                <a:lumMod val="85000"/>
               </a:schemeClr>
             </a:solidFill>
             <a:ln w="28575">
               <a:solidFill>
-                <a:schemeClr val="accent6">
-                  <a:lumMod val="75000"/>
-                </a:schemeClr>
+                <a:schemeClr val="tx1"/>
               </a:solidFill>
               <a:prstDash val="sysDash"/>
             </a:ln>
@@ -17851,71 +16106,1883 @@
             </a:bodyPr>
             <a:lstStyle/>
             <a:p>
+              <a:pPr algn="ctr"/>
               <a:r>
                 <a:rPr lang="en-GB" i="1" dirty="0">
                   <a:latin typeface="Arial" panose="020B0604020202020204" pitchFamily="34" charset="0"/>
                   <a:cs typeface="Arial" panose="020B0604020202020204" pitchFamily="34" charset="0"/>
                 </a:rPr>
-                <a:t>commit</a:t>
+                <a:t>main branch</a:t>
               </a:r>
               <a:r>
                 <a:rPr lang="en-GB" dirty="0">
                   <a:latin typeface="Arial" panose="020B0604020202020204" pitchFamily="34" charset="0"/>
                   <a:cs typeface="Arial" panose="020B0604020202020204" pitchFamily="34" charset="0"/>
                 </a:rPr>
-                <a:t>: created template presentation</a:t>
+                <a:t>: gov-</a:t>
+              </a:r>
+              <a:r>
+                <a:rPr lang="en-GB" dirty="0" err="1">
+                  <a:latin typeface="Arial" panose="020B0604020202020204" pitchFamily="34" charset="0"/>
+                  <a:cs typeface="Arial" panose="020B0604020202020204" pitchFamily="34" charset="0"/>
+                </a:rPr>
+                <a:t>uk</a:t>
+              </a:r>
+              <a:r>
+                <a:rPr lang="en-GB" dirty="0">
+                  <a:latin typeface="Arial" panose="020B0604020202020204" pitchFamily="34" charset="0"/>
+                  <a:cs typeface="Arial" panose="020B0604020202020204" pitchFamily="34" charset="0"/>
+                </a:rPr>
+                <a:t>-rap-materials</a:t>
               </a:r>
             </a:p>
           </p:txBody>
         </p:sp>
-        <p:cxnSp>
-          <p:nvCxnSpPr>
-            <p:cNvPr id="57" name="Straight Arrow Connector 56">
+      </p:grpSp>
+    </p:spTree>
+    <p:extLst>
+      <p:ext uri="{BB962C8B-B14F-4D97-AF65-F5344CB8AC3E}">
+        <p14:creationId xmlns:p14="http://schemas.microsoft.com/office/powerpoint/2010/main" val="2153567147"/>
+      </p:ext>
+    </p:extLst>
+  </p:cSld>
+  <p:clrMapOvr>
+    <a:masterClrMapping/>
+  </p:clrMapOvr>
+</p:sld>
+</file>
+
+<file path=ppt/slides/slide4.xml><?xml version="1.0" encoding="utf-8"?>
+<p:sld xmlns:a="http://schemas.openxmlformats.org/drawingml/2006/main" xmlns:r="http://schemas.openxmlformats.org/officeDocument/2006/relationships" xmlns:p="http://schemas.openxmlformats.org/presentationml/2006/main">
+  <p:cSld>
+    <p:spTree>
+      <p:nvGrpSpPr>
+        <p:cNvPr id="1" name=""/>
+        <p:cNvGrpSpPr/>
+        <p:nvPr/>
+      </p:nvGrpSpPr>
+      <p:grpSpPr>
+        <a:xfrm>
+          <a:off x="0" y="0"/>
+          <a:ext cx="0" cy="0"/>
+          <a:chOff x="0" y="0"/>
+          <a:chExt cx="0" cy="0"/>
+        </a:xfrm>
+      </p:grpSpPr>
+      <p:grpSp>
+        <p:nvGrpSpPr>
+          <p:cNvPr id="7" name="Group 6">
+            <a:extLst>
+              <a:ext uri="{FF2B5EF4-FFF2-40B4-BE49-F238E27FC236}">
+                <a16:creationId xmlns:a16="http://schemas.microsoft.com/office/drawing/2014/main" id="{5160DC49-C067-4F37-BCBF-802919EA0A0C}"/>
+              </a:ext>
+            </a:extLst>
+          </p:cNvPr>
+          <p:cNvGrpSpPr/>
+          <p:nvPr/>
+        </p:nvGrpSpPr>
+        <p:grpSpPr>
+          <a:xfrm>
+            <a:off x="0" y="998376"/>
+            <a:ext cx="12153604" cy="5638002"/>
+            <a:chOff x="0" y="998376"/>
+            <a:chExt cx="12153604" cy="5638002"/>
+          </a:xfrm>
+        </p:grpSpPr>
+        <p:grpSp>
+          <p:nvGrpSpPr>
+            <p:cNvPr id="4" name="Group 3">
               <a:extLst>
                 <a:ext uri="{FF2B5EF4-FFF2-40B4-BE49-F238E27FC236}">
-                  <a16:creationId xmlns:a16="http://schemas.microsoft.com/office/drawing/2014/main" id="{8C8280FD-6BB7-431B-82A4-1A0D1C3A001E}"/>
+                  <a16:creationId xmlns:a16="http://schemas.microsoft.com/office/drawing/2014/main" id="{9740E4A0-4300-49D7-AE8B-7962F2F2D3D2}"/>
                 </a:ext>
               </a:extLst>
             </p:cNvPr>
-            <p:cNvCxnSpPr>
-              <a:cxnSpLocks/>
-              <a:stCxn id="56" idx="2"/>
-            </p:cNvCxnSpPr>
+            <p:cNvGrpSpPr/>
             <p:nvPr/>
-          </p:nvCxnSpPr>
+          </p:nvGrpSpPr>
+          <p:grpSpPr>
+            <a:xfrm>
+              <a:off x="0" y="998376"/>
+              <a:ext cx="12153604" cy="5638002"/>
+              <a:chOff x="0" y="998376"/>
+              <a:chExt cx="12153604" cy="5638002"/>
+            </a:xfrm>
+          </p:grpSpPr>
+          <p:grpSp>
+            <p:nvGrpSpPr>
+              <p:cNvPr id="2" name="Group 1">
+                <a:extLst>
+                  <a:ext uri="{FF2B5EF4-FFF2-40B4-BE49-F238E27FC236}">
+                    <a16:creationId xmlns:a16="http://schemas.microsoft.com/office/drawing/2014/main" id="{8568E5A7-0E4C-454C-87AF-1135684DF739}"/>
+                  </a:ext>
+                </a:extLst>
+              </p:cNvPr>
+              <p:cNvGrpSpPr/>
+              <p:nvPr/>
+            </p:nvGrpSpPr>
+            <p:grpSpPr>
+              <a:xfrm>
+                <a:off x="0" y="998376"/>
+                <a:ext cx="12153604" cy="5638002"/>
+                <a:chOff x="0" y="998376"/>
+                <a:chExt cx="12153604" cy="5638002"/>
+              </a:xfrm>
+            </p:grpSpPr>
+            <p:grpSp>
+              <p:nvGrpSpPr>
+                <p:cNvPr id="3" name="Group 2">
+                  <a:extLst>
+                    <a:ext uri="{FF2B5EF4-FFF2-40B4-BE49-F238E27FC236}">
+                      <a16:creationId xmlns:a16="http://schemas.microsoft.com/office/drawing/2014/main" id="{00C8B7CC-26E3-4079-B715-B83C5C314E23}"/>
+                    </a:ext>
+                  </a:extLst>
+                </p:cNvPr>
+                <p:cNvGrpSpPr/>
+                <p:nvPr/>
+              </p:nvGrpSpPr>
+              <p:grpSpPr>
+                <a:xfrm>
+                  <a:off x="0" y="998376"/>
+                  <a:ext cx="12153604" cy="5638002"/>
+                  <a:chOff x="0" y="998376"/>
+                  <a:chExt cx="12153604" cy="5638002"/>
+                </a:xfrm>
+              </p:grpSpPr>
+              <p:grpSp>
+                <p:nvGrpSpPr>
+                  <p:cNvPr id="5" name="Group 4">
+                    <a:extLst>
+                      <a:ext uri="{FF2B5EF4-FFF2-40B4-BE49-F238E27FC236}">
+                        <a16:creationId xmlns:a16="http://schemas.microsoft.com/office/drawing/2014/main" id="{8874E696-2E36-4B68-97C1-8820A3A395FC}"/>
+                      </a:ext>
+                    </a:extLst>
+                  </p:cNvPr>
+                  <p:cNvGrpSpPr/>
+                  <p:nvPr/>
+                </p:nvGrpSpPr>
+                <p:grpSpPr>
+                  <a:xfrm>
+                    <a:off x="0" y="998376"/>
+                    <a:ext cx="12153604" cy="5638002"/>
+                    <a:chOff x="0" y="998376"/>
+                    <a:chExt cx="12153604" cy="5638002"/>
+                  </a:xfrm>
+                </p:grpSpPr>
+                <p:grpSp>
+                  <p:nvGrpSpPr>
+                    <p:cNvPr id="6" name="Group 5">
+                      <a:extLst>
+                        <a:ext uri="{FF2B5EF4-FFF2-40B4-BE49-F238E27FC236}">
+                          <a16:creationId xmlns:a16="http://schemas.microsoft.com/office/drawing/2014/main" id="{8431797C-EA8C-41CA-9436-8A8271E304FA}"/>
+                        </a:ext>
+                      </a:extLst>
+                    </p:cNvPr>
+                    <p:cNvGrpSpPr>
+                      <a:grpSpLocks noChangeAspect="1"/>
+                    </p:cNvGrpSpPr>
+                    <p:nvPr/>
+                  </p:nvGrpSpPr>
+                  <p:grpSpPr>
+                    <a:xfrm>
+                      <a:off x="2345946" y="2399745"/>
+                      <a:ext cx="9354426" cy="2834727"/>
+                      <a:chOff x="1290669" y="1448578"/>
+                      <a:chExt cx="10676589" cy="3235390"/>
+                    </a:xfrm>
+                  </p:grpSpPr>
+                  <p:grpSp>
+                    <p:nvGrpSpPr>
+                      <p:cNvPr id="28" name="Group 27">
+                        <a:extLst>
+                          <a:ext uri="{FF2B5EF4-FFF2-40B4-BE49-F238E27FC236}">
+                            <a16:creationId xmlns:a16="http://schemas.microsoft.com/office/drawing/2014/main" id="{03D6A0CE-BEDD-4655-A727-2B9E49441D6F}"/>
+                          </a:ext>
+                        </a:extLst>
+                      </p:cNvPr>
+                      <p:cNvGrpSpPr/>
+                      <p:nvPr/>
+                    </p:nvGrpSpPr>
+                    <p:grpSpPr>
+                      <a:xfrm>
+                        <a:off x="1290669" y="1448578"/>
+                        <a:ext cx="10676589" cy="3235390"/>
+                        <a:chOff x="877068" y="1653851"/>
+                        <a:chExt cx="10676589" cy="3235390"/>
+                      </a:xfrm>
+                    </p:grpSpPr>
+                    <p:cxnSp>
+                      <p:nvCxnSpPr>
+                        <p:cNvPr id="33" name="Connector: Curved 32">
+                          <a:extLst>
+                            <a:ext uri="{FF2B5EF4-FFF2-40B4-BE49-F238E27FC236}">
+                              <a16:creationId xmlns:a16="http://schemas.microsoft.com/office/drawing/2014/main" id="{53712A8E-6665-4ACE-B50C-DFF5F68C8FC6}"/>
+                            </a:ext>
+                          </a:extLst>
+                        </p:cNvPr>
+                        <p:cNvCxnSpPr>
+                          <a:cxnSpLocks/>
+                          <a:stCxn id="47" idx="2"/>
+                        </p:cNvCxnSpPr>
+                        <p:nvPr/>
+                      </p:nvCxnSpPr>
+                      <p:spPr>
+                        <a:xfrm rot="10800000">
+                          <a:off x="8248253" y="3270379"/>
+                          <a:ext cx="975847" cy="1259635"/>
+                        </a:xfrm>
+                        <a:prstGeom prst="curvedConnector3">
+                          <a:avLst>
+                            <a:gd name="adj1" fmla="val 50000"/>
+                          </a:avLst>
+                        </a:prstGeom>
+                        <a:ln w="57150">
+                          <a:solidFill>
+                            <a:schemeClr val="accent5">
+                              <a:lumMod val="75000"/>
+                            </a:schemeClr>
+                          </a:solidFill>
+                        </a:ln>
+                      </p:spPr>
+                      <p:style>
+                        <a:lnRef idx="1">
+                          <a:schemeClr val="accent1"/>
+                        </a:lnRef>
+                        <a:fillRef idx="0">
+                          <a:schemeClr val="accent1"/>
+                        </a:fillRef>
+                        <a:effectRef idx="0">
+                          <a:schemeClr val="accent1"/>
+                        </a:effectRef>
+                        <a:fontRef idx="minor">
+                          <a:schemeClr val="tx1"/>
+                        </a:fontRef>
+                      </p:style>
+                    </p:cxnSp>
+                    <p:cxnSp>
+                      <p:nvCxnSpPr>
+                        <p:cNvPr id="34" name="Connector: Curved 33">
+                          <a:extLst>
+                            <a:ext uri="{FF2B5EF4-FFF2-40B4-BE49-F238E27FC236}">
+                              <a16:creationId xmlns:a16="http://schemas.microsoft.com/office/drawing/2014/main" id="{2AA76F07-095D-40FE-806F-981DA3A464AF}"/>
+                            </a:ext>
+                          </a:extLst>
+                        </p:cNvPr>
+                        <p:cNvCxnSpPr>
+                          <a:cxnSpLocks/>
+                          <a:stCxn id="39" idx="0"/>
+                          <a:endCxn id="46" idx="4"/>
+                        </p:cNvCxnSpPr>
+                        <p:nvPr/>
+                      </p:nvCxnSpPr>
+                      <p:spPr>
+                        <a:xfrm rot="16200000" flipV="1">
+                          <a:off x="7586890" y="2641728"/>
+                          <a:ext cx="538842" cy="1"/>
+                        </a:xfrm>
+                        <a:prstGeom prst="curvedConnector3">
+                          <a:avLst>
+                            <a:gd name="adj1" fmla="val 50000"/>
+                          </a:avLst>
+                        </a:prstGeom>
+                        <a:ln w="57150">
+                          <a:solidFill>
+                            <a:schemeClr val="accent6">
+                              <a:lumMod val="75000"/>
+                            </a:schemeClr>
+                          </a:solidFill>
+                        </a:ln>
+                      </p:spPr>
+                      <p:style>
+                        <a:lnRef idx="1">
+                          <a:schemeClr val="accent1"/>
+                        </a:lnRef>
+                        <a:fillRef idx="0">
+                          <a:schemeClr val="accent1"/>
+                        </a:fillRef>
+                        <a:effectRef idx="0">
+                          <a:schemeClr val="accent1"/>
+                        </a:effectRef>
+                        <a:fontRef idx="minor">
+                          <a:schemeClr val="tx1"/>
+                        </a:fontRef>
+                      </p:style>
+                    </p:cxnSp>
+                    <p:cxnSp>
+                      <p:nvCxnSpPr>
+                        <p:cNvPr id="35" name="Connector: Curved 34">
+                          <a:extLst>
+                            <a:ext uri="{FF2B5EF4-FFF2-40B4-BE49-F238E27FC236}">
+                              <a16:creationId xmlns:a16="http://schemas.microsoft.com/office/drawing/2014/main" id="{3C62EAE6-1233-4BD5-9F8E-2D251FB07BF1}"/>
+                            </a:ext>
+                          </a:extLst>
+                        </p:cNvPr>
+                        <p:cNvCxnSpPr>
+                          <a:cxnSpLocks/>
+                          <a:stCxn id="36" idx="6"/>
+                          <a:endCxn id="44" idx="2"/>
+                        </p:cNvCxnSpPr>
+                        <p:nvPr/>
+                      </p:nvCxnSpPr>
+                      <p:spPr>
+                        <a:xfrm flipV="1">
+                          <a:off x="1597068" y="2013081"/>
+                          <a:ext cx="598727" cy="1257300"/>
+                        </a:xfrm>
+                        <a:prstGeom prst="curvedConnector3">
+                          <a:avLst>
+                            <a:gd name="adj1" fmla="val 50000"/>
+                          </a:avLst>
+                        </a:prstGeom>
+                        <a:ln w="57150">
+                          <a:solidFill>
+                            <a:schemeClr val="accent6">
+                              <a:lumMod val="75000"/>
+                            </a:schemeClr>
+                          </a:solidFill>
+                        </a:ln>
+                      </p:spPr>
+                      <p:style>
+                        <a:lnRef idx="1">
+                          <a:schemeClr val="accent1"/>
+                        </a:lnRef>
+                        <a:fillRef idx="0">
+                          <a:schemeClr val="accent1"/>
+                        </a:fillRef>
+                        <a:effectRef idx="0">
+                          <a:schemeClr val="accent1"/>
+                        </a:effectRef>
+                        <a:fontRef idx="minor">
+                          <a:schemeClr val="tx1"/>
+                        </a:fontRef>
+                      </p:style>
+                    </p:cxnSp>
+                    <p:sp>
+                      <p:nvSpPr>
+                        <p:cNvPr id="36" name="Oval 35">
+                          <a:extLst>
+                            <a:ext uri="{FF2B5EF4-FFF2-40B4-BE49-F238E27FC236}">
+                              <a16:creationId xmlns:a16="http://schemas.microsoft.com/office/drawing/2014/main" id="{65B9FBA5-354F-4BCA-BBEA-978A2616F90D}"/>
+                            </a:ext>
+                          </a:extLst>
+                        </p:cNvPr>
+                        <p:cNvSpPr>
+                          <a:spLocks noChangeAspect="1"/>
+                        </p:cNvSpPr>
+                        <p:nvPr/>
+                      </p:nvSpPr>
+                      <p:spPr>
+                        <a:xfrm>
+                          <a:off x="877068" y="2911152"/>
+                          <a:ext cx="720000" cy="718457"/>
+                        </a:xfrm>
+                        <a:prstGeom prst="ellipse">
+                          <a:avLst/>
+                        </a:prstGeom>
+                        <a:solidFill>
+                          <a:schemeClr val="bg1">
+                            <a:lumMod val="95000"/>
+                          </a:schemeClr>
+                        </a:solidFill>
+                        <a:ln w="57150">
+                          <a:solidFill>
+                            <a:schemeClr val="tx1"/>
+                          </a:solidFill>
+                        </a:ln>
+                      </p:spPr>
+                      <p:style>
+                        <a:lnRef idx="2">
+                          <a:schemeClr val="accent1">
+                            <a:shade val="50000"/>
+                          </a:schemeClr>
+                        </a:lnRef>
+                        <a:fillRef idx="1">
+                          <a:schemeClr val="accent1"/>
+                        </a:fillRef>
+                        <a:effectRef idx="0">
+                          <a:schemeClr val="accent1"/>
+                        </a:effectRef>
+                        <a:fontRef idx="minor">
+                          <a:schemeClr val="lt1"/>
+                        </a:fontRef>
+                      </p:style>
+                      <p:txBody>
+                        <a:bodyPr rot="0" spcFirstLastPara="0" vertOverflow="overflow" horzOverflow="overflow" vert="horz" wrap="square" lIns="91440" tIns="45720" rIns="91440" bIns="45720" numCol="1" spcCol="0" rtlCol="0" fromWordArt="0" anchor="ctr" anchorCtr="0" forceAA="0" compatLnSpc="1">
+                          <a:prstTxWarp prst="textNoShape">
+                            <a:avLst/>
+                          </a:prstTxWarp>
+                          <a:noAutofit/>
+                        </a:bodyPr>
+                        <a:lstStyle/>
+                        <a:p>
+                          <a:pPr algn="ctr"/>
+                          <a:endParaRPr lang="en-GB"/>
+                        </a:p>
+                      </p:txBody>
+                    </p:sp>
+                    <p:sp>
+                      <p:nvSpPr>
+                        <p:cNvPr id="37" name="Oval 36">
+                          <a:extLst>
+                            <a:ext uri="{FF2B5EF4-FFF2-40B4-BE49-F238E27FC236}">
+                              <a16:creationId xmlns:a16="http://schemas.microsoft.com/office/drawing/2014/main" id="{D416F81B-D06D-406E-ABDA-857159C3A11C}"/>
+                            </a:ext>
+                          </a:extLst>
+                        </p:cNvPr>
+                        <p:cNvSpPr>
+                          <a:spLocks noChangeAspect="1"/>
+                        </p:cNvSpPr>
+                        <p:nvPr/>
+                      </p:nvSpPr>
+                      <p:spPr>
+                        <a:xfrm>
+                          <a:off x="2195795" y="2911152"/>
+                          <a:ext cx="720000" cy="718457"/>
+                        </a:xfrm>
+                        <a:prstGeom prst="ellipse">
+                          <a:avLst/>
+                        </a:prstGeom>
+                        <a:solidFill>
+                          <a:schemeClr val="bg1">
+                            <a:lumMod val="95000"/>
+                          </a:schemeClr>
+                        </a:solidFill>
+                        <a:ln w="57150">
+                          <a:solidFill>
+                            <a:schemeClr val="tx1"/>
+                          </a:solidFill>
+                        </a:ln>
+                      </p:spPr>
+                      <p:style>
+                        <a:lnRef idx="2">
+                          <a:schemeClr val="accent1">
+                            <a:shade val="50000"/>
+                          </a:schemeClr>
+                        </a:lnRef>
+                        <a:fillRef idx="1">
+                          <a:schemeClr val="accent1"/>
+                        </a:fillRef>
+                        <a:effectRef idx="0">
+                          <a:schemeClr val="accent1"/>
+                        </a:effectRef>
+                        <a:fontRef idx="minor">
+                          <a:schemeClr val="lt1"/>
+                        </a:fontRef>
+                      </p:style>
+                      <p:txBody>
+                        <a:bodyPr rot="0" spcFirstLastPara="0" vertOverflow="overflow" horzOverflow="overflow" vert="horz" wrap="square" lIns="91440" tIns="45720" rIns="91440" bIns="45720" numCol="1" spcCol="0" rtlCol="0" fromWordArt="0" anchor="ctr" anchorCtr="0" forceAA="0" compatLnSpc="1">
+                          <a:prstTxWarp prst="textNoShape">
+                            <a:avLst/>
+                          </a:prstTxWarp>
+                          <a:noAutofit/>
+                        </a:bodyPr>
+                        <a:lstStyle/>
+                        <a:p>
+                          <a:pPr algn="ctr"/>
+                          <a:endParaRPr lang="en-GB"/>
+                        </a:p>
+                      </p:txBody>
+                    </p:sp>
+                    <p:sp>
+                      <p:nvSpPr>
+                        <p:cNvPr id="38" name="Oval 37">
+                          <a:extLst>
+                            <a:ext uri="{FF2B5EF4-FFF2-40B4-BE49-F238E27FC236}">
+                              <a16:creationId xmlns:a16="http://schemas.microsoft.com/office/drawing/2014/main" id="{526A233C-F382-4723-A6F7-3BFB1698732D}"/>
+                            </a:ext>
+                          </a:extLst>
+                        </p:cNvPr>
+                        <p:cNvSpPr>
+                          <a:spLocks noChangeAspect="1"/>
+                        </p:cNvSpPr>
+                        <p:nvPr/>
+                      </p:nvSpPr>
+                      <p:spPr>
+                        <a:xfrm>
+                          <a:off x="4276521" y="2911151"/>
+                          <a:ext cx="720000" cy="718457"/>
+                        </a:xfrm>
+                        <a:prstGeom prst="ellipse">
+                          <a:avLst/>
+                        </a:prstGeom>
+                        <a:solidFill>
+                          <a:schemeClr val="bg1">
+                            <a:lumMod val="95000"/>
+                          </a:schemeClr>
+                        </a:solidFill>
+                        <a:ln w="57150">
+                          <a:solidFill>
+                            <a:schemeClr val="tx1"/>
+                          </a:solidFill>
+                        </a:ln>
+                      </p:spPr>
+                      <p:style>
+                        <a:lnRef idx="2">
+                          <a:schemeClr val="accent1">
+                            <a:shade val="50000"/>
+                          </a:schemeClr>
+                        </a:lnRef>
+                        <a:fillRef idx="1">
+                          <a:schemeClr val="accent1"/>
+                        </a:fillRef>
+                        <a:effectRef idx="0">
+                          <a:schemeClr val="accent1"/>
+                        </a:effectRef>
+                        <a:fontRef idx="minor">
+                          <a:schemeClr val="lt1"/>
+                        </a:fontRef>
+                      </p:style>
+                      <p:txBody>
+                        <a:bodyPr rot="0" spcFirstLastPara="0" vertOverflow="overflow" horzOverflow="overflow" vert="horz" wrap="square" lIns="91440" tIns="45720" rIns="91440" bIns="45720" numCol="1" spcCol="0" rtlCol="0" fromWordArt="0" anchor="ctr" anchorCtr="0" forceAA="0" compatLnSpc="1">
+                          <a:prstTxWarp prst="textNoShape">
+                            <a:avLst/>
+                          </a:prstTxWarp>
+                          <a:noAutofit/>
+                        </a:bodyPr>
+                        <a:lstStyle/>
+                        <a:p>
+                          <a:pPr algn="ctr"/>
+                          <a:endParaRPr lang="en-GB"/>
+                        </a:p>
+                      </p:txBody>
+                    </p:sp>
+                    <p:sp>
+                      <p:nvSpPr>
+                        <p:cNvPr id="39" name="Oval 38">
+                          <a:extLst>
+                            <a:ext uri="{FF2B5EF4-FFF2-40B4-BE49-F238E27FC236}">
+                              <a16:creationId xmlns:a16="http://schemas.microsoft.com/office/drawing/2014/main" id="{AF8F35A3-5AAD-4C96-9BBF-C36A8FF027CF}"/>
+                            </a:ext>
+                          </a:extLst>
+                        </p:cNvPr>
+                        <p:cNvSpPr>
+                          <a:spLocks noChangeAspect="1"/>
+                        </p:cNvSpPr>
+                        <p:nvPr/>
+                      </p:nvSpPr>
+                      <p:spPr>
+                        <a:xfrm>
+                          <a:off x="7496311" y="2911150"/>
+                          <a:ext cx="720000" cy="718457"/>
+                        </a:xfrm>
+                        <a:prstGeom prst="ellipse">
+                          <a:avLst/>
+                        </a:prstGeom>
+                        <a:solidFill>
+                          <a:schemeClr val="bg1">
+                            <a:lumMod val="95000"/>
+                          </a:schemeClr>
+                        </a:solidFill>
+                        <a:ln w="57150">
+                          <a:solidFill>
+                            <a:schemeClr val="tx1"/>
+                          </a:solidFill>
+                        </a:ln>
+                      </p:spPr>
+                      <p:style>
+                        <a:lnRef idx="2">
+                          <a:schemeClr val="accent1">
+                            <a:shade val="50000"/>
+                          </a:schemeClr>
+                        </a:lnRef>
+                        <a:fillRef idx="1">
+                          <a:schemeClr val="accent1"/>
+                        </a:fillRef>
+                        <a:effectRef idx="0">
+                          <a:schemeClr val="accent1"/>
+                        </a:effectRef>
+                        <a:fontRef idx="minor">
+                          <a:schemeClr val="lt1"/>
+                        </a:fontRef>
+                      </p:style>
+                      <p:txBody>
+                        <a:bodyPr rot="0" spcFirstLastPara="0" vertOverflow="overflow" horzOverflow="overflow" vert="horz" wrap="square" lIns="91440" tIns="45720" rIns="91440" bIns="45720" numCol="1" spcCol="0" rtlCol="0" fromWordArt="0" anchor="ctr" anchorCtr="0" forceAA="0" compatLnSpc="1">
+                          <a:prstTxWarp prst="textNoShape">
+                            <a:avLst/>
+                          </a:prstTxWarp>
+                          <a:noAutofit/>
+                        </a:bodyPr>
+                        <a:lstStyle/>
+                        <a:p>
+                          <a:pPr algn="ctr"/>
+                          <a:endParaRPr lang="en-GB"/>
+                        </a:p>
+                      </p:txBody>
+                    </p:sp>
+                    <p:cxnSp>
+                      <p:nvCxnSpPr>
+                        <p:cNvPr id="40" name="Straight Connector 39">
+                          <a:extLst>
+                            <a:ext uri="{FF2B5EF4-FFF2-40B4-BE49-F238E27FC236}">
+                              <a16:creationId xmlns:a16="http://schemas.microsoft.com/office/drawing/2014/main" id="{DEBE9B6C-E6AB-4C94-81CE-31EA030C899D}"/>
+                            </a:ext>
+                          </a:extLst>
+                        </p:cNvPr>
+                        <p:cNvCxnSpPr>
+                          <a:stCxn id="36" idx="6"/>
+                          <a:endCxn id="37" idx="2"/>
+                        </p:cNvCxnSpPr>
+                        <p:nvPr/>
+                      </p:nvCxnSpPr>
+                      <p:spPr>
+                        <a:xfrm>
+                          <a:off x="1597068" y="3270381"/>
+                          <a:ext cx="598727" cy="0"/>
+                        </a:xfrm>
+                        <a:prstGeom prst="line">
+                          <a:avLst/>
+                        </a:prstGeom>
+                        <a:ln w="57150">
+                          <a:solidFill>
+                            <a:schemeClr val="tx1"/>
+                          </a:solidFill>
+                        </a:ln>
+                      </p:spPr>
+                      <p:style>
+                        <a:lnRef idx="1">
+                          <a:schemeClr val="accent1"/>
+                        </a:lnRef>
+                        <a:fillRef idx="0">
+                          <a:schemeClr val="accent1"/>
+                        </a:fillRef>
+                        <a:effectRef idx="0">
+                          <a:schemeClr val="accent1"/>
+                        </a:effectRef>
+                        <a:fontRef idx="minor">
+                          <a:schemeClr val="tx1"/>
+                        </a:fontRef>
+                      </p:style>
+                    </p:cxnSp>
+                    <p:cxnSp>
+                      <p:nvCxnSpPr>
+                        <p:cNvPr id="41" name="Straight Connector 40">
+                          <a:extLst>
+                            <a:ext uri="{FF2B5EF4-FFF2-40B4-BE49-F238E27FC236}">
+                              <a16:creationId xmlns:a16="http://schemas.microsoft.com/office/drawing/2014/main" id="{4E64A0F6-A407-4CFA-9C13-A1321A54B2EC}"/>
+                            </a:ext>
+                          </a:extLst>
+                        </p:cNvPr>
+                        <p:cNvCxnSpPr>
+                          <a:cxnSpLocks/>
+                          <a:stCxn id="37" idx="6"/>
+                          <a:endCxn id="38" idx="2"/>
+                        </p:cNvCxnSpPr>
+                        <p:nvPr/>
+                      </p:nvCxnSpPr>
+                      <p:spPr>
+                        <a:xfrm flipV="1">
+                          <a:off x="2915795" y="3270380"/>
+                          <a:ext cx="1360726" cy="1"/>
+                        </a:xfrm>
+                        <a:prstGeom prst="line">
+                          <a:avLst/>
+                        </a:prstGeom>
+                        <a:ln w="57150">
+                          <a:solidFill>
+                            <a:schemeClr val="tx1"/>
+                          </a:solidFill>
+                        </a:ln>
+                      </p:spPr>
+                      <p:style>
+                        <a:lnRef idx="1">
+                          <a:schemeClr val="accent1"/>
+                        </a:lnRef>
+                        <a:fillRef idx="0">
+                          <a:schemeClr val="accent1"/>
+                        </a:fillRef>
+                        <a:effectRef idx="0">
+                          <a:schemeClr val="accent1"/>
+                        </a:effectRef>
+                        <a:fontRef idx="minor">
+                          <a:schemeClr val="tx1"/>
+                        </a:fontRef>
+                      </p:style>
+                    </p:cxnSp>
+                    <p:cxnSp>
+                      <p:nvCxnSpPr>
+                        <p:cNvPr id="42" name="Straight Connector 41">
+                          <a:extLst>
+                            <a:ext uri="{FF2B5EF4-FFF2-40B4-BE49-F238E27FC236}">
+                              <a16:creationId xmlns:a16="http://schemas.microsoft.com/office/drawing/2014/main" id="{7008674E-9D75-4D4D-80B6-726553E5C165}"/>
+                            </a:ext>
+                          </a:extLst>
+                        </p:cNvPr>
+                        <p:cNvCxnSpPr>
+                          <a:cxnSpLocks/>
+                          <a:stCxn id="38" idx="6"/>
+                          <a:endCxn id="31" idx="2"/>
+                        </p:cNvCxnSpPr>
+                        <p:nvPr/>
+                      </p:nvCxnSpPr>
+                      <p:spPr>
+                        <a:xfrm flipV="1">
+                          <a:off x="4996521" y="3270375"/>
+                          <a:ext cx="1444727" cy="5"/>
+                        </a:xfrm>
+                        <a:prstGeom prst="line">
+                          <a:avLst/>
+                        </a:prstGeom>
+                        <a:ln w="57150">
+                          <a:solidFill>
+                            <a:schemeClr val="tx1"/>
+                          </a:solidFill>
+                        </a:ln>
+                      </p:spPr>
+                      <p:style>
+                        <a:lnRef idx="1">
+                          <a:schemeClr val="accent1"/>
+                        </a:lnRef>
+                        <a:fillRef idx="0">
+                          <a:schemeClr val="accent1"/>
+                        </a:fillRef>
+                        <a:effectRef idx="0">
+                          <a:schemeClr val="accent1"/>
+                        </a:effectRef>
+                        <a:fontRef idx="minor">
+                          <a:schemeClr val="tx1"/>
+                        </a:fontRef>
+                      </p:style>
+                    </p:cxnSp>
+                    <p:cxnSp>
+                      <p:nvCxnSpPr>
+                        <p:cNvPr id="43" name="Straight Connector 42">
+                          <a:extLst>
+                            <a:ext uri="{FF2B5EF4-FFF2-40B4-BE49-F238E27FC236}">
+                              <a16:creationId xmlns:a16="http://schemas.microsoft.com/office/drawing/2014/main" id="{B1407D25-A07D-4807-837C-E344EDEFB587}"/>
+                            </a:ext>
+                          </a:extLst>
+                        </p:cNvPr>
+                        <p:cNvCxnSpPr>
+                          <a:cxnSpLocks/>
+                          <a:stCxn id="39" idx="6"/>
+                        </p:cNvCxnSpPr>
+                        <p:nvPr/>
+                      </p:nvCxnSpPr>
+                      <p:spPr>
+                        <a:xfrm>
+                          <a:off x="8216311" y="3270379"/>
+                          <a:ext cx="3337346" cy="0"/>
+                        </a:xfrm>
+                        <a:prstGeom prst="line">
+                          <a:avLst/>
+                        </a:prstGeom>
+                        <a:ln w="57150">
+                          <a:solidFill>
+                            <a:schemeClr val="tx1"/>
+                          </a:solidFill>
+                        </a:ln>
+                      </p:spPr>
+                      <p:style>
+                        <a:lnRef idx="1">
+                          <a:schemeClr val="accent1"/>
+                        </a:lnRef>
+                        <a:fillRef idx="0">
+                          <a:schemeClr val="accent1"/>
+                        </a:fillRef>
+                        <a:effectRef idx="0">
+                          <a:schemeClr val="accent1"/>
+                        </a:effectRef>
+                        <a:fontRef idx="minor">
+                          <a:schemeClr val="tx1"/>
+                        </a:fontRef>
+                      </p:style>
+                    </p:cxnSp>
+                    <p:sp>
+                      <p:nvSpPr>
+                        <p:cNvPr id="44" name="Oval 43">
+                          <a:extLst>
+                            <a:ext uri="{FF2B5EF4-FFF2-40B4-BE49-F238E27FC236}">
+                              <a16:creationId xmlns:a16="http://schemas.microsoft.com/office/drawing/2014/main" id="{B129C8B8-756B-4C40-9209-241333E298E3}"/>
+                            </a:ext>
+                          </a:extLst>
+                        </p:cNvPr>
+                        <p:cNvSpPr>
+                          <a:spLocks noChangeAspect="1"/>
+                        </p:cNvSpPr>
+                        <p:nvPr/>
+                      </p:nvSpPr>
+                      <p:spPr>
+                        <a:xfrm>
+                          <a:off x="2195795" y="1653852"/>
+                          <a:ext cx="720000" cy="718457"/>
+                        </a:xfrm>
+                        <a:prstGeom prst="ellipse">
+                          <a:avLst/>
+                        </a:prstGeom>
+                        <a:solidFill>
+                          <a:schemeClr val="accent6">
+                            <a:lumMod val="20000"/>
+                            <a:lumOff val="80000"/>
+                          </a:schemeClr>
+                        </a:solidFill>
+                        <a:ln w="57150">
+                          <a:solidFill>
+                            <a:schemeClr val="accent6">
+                              <a:lumMod val="75000"/>
+                            </a:schemeClr>
+                          </a:solidFill>
+                        </a:ln>
+                      </p:spPr>
+                      <p:style>
+                        <a:lnRef idx="2">
+                          <a:schemeClr val="accent1">
+                            <a:shade val="50000"/>
+                          </a:schemeClr>
+                        </a:lnRef>
+                        <a:fillRef idx="1">
+                          <a:schemeClr val="accent1"/>
+                        </a:fillRef>
+                        <a:effectRef idx="0">
+                          <a:schemeClr val="accent1"/>
+                        </a:effectRef>
+                        <a:fontRef idx="minor">
+                          <a:schemeClr val="lt1"/>
+                        </a:fontRef>
+                      </p:style>
+                      <p:txBody>
+                        <a:bodyPr rot="0" spcFirstLastPara="0" vertOverflow="overflow" horzOverflow="overflow" vert="horz" wrap="square" lIns="91440" tIns="45720" rIns="91440" bIns="45720" numCol="1" spcCol="0" rtlCol="0" fromWordArt="0" anchor="ctr" anchorCtr="0" forceAA="0" compatLnSpc="1">
+                          <a:prstTxWarp prst="textNoShape">
+                            <a:avLst/>
+                          </a:prstTxWarp>
+                          <a:noAutofit/>
+                        </a:bodyPr>
+                        <a:lstStyle/>
+                        <a:p>
+                          <a:pPr algn="ctr"/>
+                          <a:endParaRPr lang="en-GB"/>
+                        </a:p>
+                      </p:txBody>
+                    </p:sp>
+                    <p:sp>
+                      <p:nvSpPr>
+                        <p:cNvPr id="45" name="Oval 44">
+                          <a:extLst>
+                            <a:ext uri="{FF2B5EF4-FFF2-40B4-BE49-F238E27FC236}">
+                              <a16:creationId xmlns:a16="http://schemas.microsoft.com/office/drawing/2014/main" id="{C5148916-9BCD-404A-8349-46CFE32E7450}"/>
+                            </a:ext>
+                          </a:extLst>
+                        </p:cNvPr>
+                        <p:cNvSpPr>
+                          <a:spLocks noChangeAspect="1"/>
+                        </p:cNvSpPr>
+                        <p:nvPr/>
+                      </p:nvSpPr>
+                      <p:spPr>
+                        <a:xfrm>
+                          <a:off x="4276521" y="1653851"/>
+                          <a:ext cx="720000" cy="718457"/>
+                        </a:xfrm>
+                        <a:prstGeom prst="ellipse">
+                          <a:avLst/>
+                        </a:prstGeom>
+                        <a:solidFill>
+                          <a:schemeClr val="accent6">
+                            <a:lumMod val="20000"/>
+                            <a:lumOff val="80000"/>
+                          </a:schemeClr>
+                        </a:solidFill>
+                        <a:ln w="57150">
+                          <a:solidFill>
+                            <a:schemeClr val="accent6">
+                              <a:lumMod val="75000"/>
+                            </a:schemeClr>
+                          </a:solidFill>
+                        </a:ln>
+                      </p:spPr>
+                      <p:style>
+                        <a:lnRef idx="2">
+                          <a:schemeClr val="accent1">
+                            <a:shade val="50000"/>
+                          </a:schemeClr>
+                        </a:lnRef>
+                        <a:fillRef idx="1">
+                          <a:schemeClr val="accent1"/>
+                        </a:fillRef>
+                        <a:effectRef idx="0">
+                          <a:schemeClr val="accent1"/>
+                        </a:effectRef>
+                        <a:fontRef idx="minor">
+                          <a:schemeClr val="lt1"/>
+                        </a:fontRef>
+                      </p:style>
+                      <p:txBody>
+                        <a:bodyPr rot="0" spcFirstLastPara="0" vertOverflow="overflow" horzOverflow="overflow" vert="horz" wrap="square" lIns="91440" tIns="45720" rIns="91440" bIns="45720" numCol="1" spcCol="0" rtlCol="0" fromWordArt="0" anchor="ctr" anchorCtr="0" forceAA="0" compatLnSpc="1">
+                          <a:prstTxWarp prst="textNoShape">
+                            <a:avLst/>
+                          </a:prstTxWarp>
+                          <a:noAutofit/>
+                        </a:bodyPr>
+                        <a:lstStyle/>
+                        <a:p>
+                          <a:pPr algn="ctr"/>
+                          <a:endParaRPr lang="en-GB"/>
+                        </a:p>
+                      </p:txBody>
+                    </p:sp>
+                    <p:sp>
+                      <p:nvSpPr>
+                        <p:cNvPr id="46" name="Oval 45">
+                          <a:extLst>
+                            <a:ext uri="{FF2B5EF4-FFF2-40B4-BE49-F238E27FC236}">
+                              <a16:creationId xmlns:a16="http://schemas.microsoft.com/office/drawing/2014/main" id="{F859D385-399B-4AAB-B453-1BCDC6806DBE}"/>
+                            </a:ext>
+                          </a:extLst>
+                        </p:cNvPr>
+                        <p:cNvSpPr>
+                          <a:spLocks noChangeAspect="1"/>
+                        </p:cNvSpPr>
+                        <p:nvPr/>
+                      </p:nvSpPr>
+                      <p:spPr>
+                        <a:xfrm>
+                          <a:off x="7496310" y="1653851"/>
+                          <a:ext cx="720000" cy="718457"/>
+                        </a:xfrm>
+                        <a:prstGeom prst="ellipse">
+                          <a:avLst/>
+                        </a:prstGeom>
+                        <a:solidFill>
+                          <a:schemeClr val="accent6">
+                            <a:lumMod val="20000"/>
+                            <a:lumOff val="80000"/>
+                          </a:schemeClr>
+                        </a:solidFill>
+                        <a:ln w="57150">
+                          <a:solidFill>
+                            <a:schemeClr val="accent6">
+                              <a:lumMod val="75000"/>
+                            </a:schemeClr>
+                          </a:solidFill>
+                        </a:ln>
+                      </p:spPr>
+                      <p:style>
+                        <a:lnRef idx="2">
+                          <a:schemeClr val="accent1">
+                            <a:shade val="50000"/>
+                          </a:schemeClr>
+                        </a:lnRef>
+                        <a:fillRef idx="1">
+                          <a:schemeClr val="accent1"/>
+                        </a:fillRef>
+                        <a:effectRef idx="0">
+                          <a:schemeClr val="accent1"/>
+                        </a:effectRef>
+                        <a:fontRef idx="minor">
+                          <a:schemeClr val="lt1"/>
+                        </a:fontRef>
+                      </p:style>
+                      <p:txBody>
+                        <a:bodyPr rot="0" spcFirstLastPara="0" vertOverflow="overflow" horzOverflow="overflow" vert="horz" wrap="square" lIns="91440" tIns="45720" rIns="91440" bIns="45720" numCol="1" spcCol="0" rtlCol="0" fromWordArt="0" anchor="ctr" anchorCtr="0" forceAA="0" compatLnSpc="1">
+                          <a:prstTxWarp prst="textNoShape">
+                            <a:avLst/>
+                          </a:prstTxWarp>
+                          <a:noAutofit/>
+                        </a:bodyPr>
+                        <a:lstStyle/>
+                        <a:p>
+                          <a:pPr algn="ctr"/>
+                          <a:endParaRPr lang="en-GB"/>
+                        </a:p>
+                      </p:txBody>
+                    </p:sp>
+                    <p:sp>
+                      <p:nvSpPr>
+                        <p:cNvPr id="47" name="Oval 46">
+                          <a:extLst>
+                            <a:ext uri="{FF2B5EF4-FFF2-40B4-BE49-F238E27FC236}">
+                              <a16:creationId xmlns:a16="http://schemas.microsoft.com/office/drawing/2014/main" id="{07EF2A45-A133-4252-8996-8CF3AF2AD960}"/>
+                            </a:ext>
+                          </a:extLst>
+                        </p:cNvPr>
+                        <p:cNvSpPr>
+                          <a:spLocks noChangeAspect="1"/>
+                        </p:cNvSpPr>
+                        <p:nvPr/>
+                      </p:nvSpPr>
+                      <p:spPr>
+                        <a:xfrm>
+                          <a:off x="9224099" y="4170784"/>
+                          <a:ext cx="720000" cy="718457"/>
+                        </a:xfrm>
+                        <a:prstGeom prst="ellipse">
+                          <a:avLst/>
+                        </a:prstGeom>
+                        <a:solidFill>
+                          <a:schemeClr val="accent5">
+                            <a:lumMod val="20000"/>
+                            <a:lumOff val="80000"/>
+                          </a:schemeClr>
+                        </a:solidFill>
+                        <a:ln w="57150">
+                          <a:solidFill>
+                            <a:schemeClr val="accent5">
+                              <a:lumMod val="75000"/>
+                            </a:schemeClr>
+                          </a:solidFill>
+                        </a:ln>
+                      </p:spPr>
+                      <p:style>
+                        <a:lnRef idx="2">
+                          <a:schemeClr val="accent1">
+                            <a:shade val="50000"/>
+                          </a:schemeClr>
+                        </a:lnRef>
+                        <a:fillRef idx="1">
+                          <a:schemeClr val="accent1"/>
+                        </a:fillRef>
+                        <a:effectRef idx="0">
+                          <a:schemeClr val="accent1"/>
+                        </a:effectRef>
+                        <a:fontRef idx="minor">
+                          <a:schemeClr val="lt1"/>
+                        </a:fontRef>
+                      </p:style>
+                      <p:txBody>
+                        <a:bodyPr rot="0" spcFirstLastPara="0" vertOverflow="overflow" horzOverflow="overflow" vert="horz" wrap="square" lIns="91440" tIns="45720" rIns="91440" bIns="45720" numCol="1" spcCol="0" rtlCol="0" fromWordArt="0" anchor="ctr" anchorCtr="0" forceAA="0" compatLnSpc="1">
+                          <a:prstTxWarp prst="textNoShape">
+                            <a:avLst/>
+                          </a:prstTxWarp>
+                          <a:noAutofit/>
+                        </a:bodyPr>
+                        <a:lstStyle/>
+                        <a:p>
+                          <a:pPr algn="ctr"/>
+                          <a:endParaRPr lang="en-GB"/>
+                        </a:p>
+                      </p:txBody>
+                    </p:sp>
+                    <p:cxnSp>
+                      <p:nvCxnSpPr>
+                        <p:cNvPr id="48" name="Straight Connector 47">
+                          <a:extLst>
+                            <a:ext uri="{FF2B5EF4-FFF2-40B4-BE49-F238E27FC236}">
+                              <a16:creationId xmlns:a16="http://schemas.microsoft.com/office/drawing/2014/main" id="{440FE89B-314A-4FA4-A876-771DE651CDC9}"/>
+                            </a:ext>
+                          </a:extLst>
+                        </p:cNvPr>
+                        <p:cNvCxnSpPr>
+                          <a:cxnSpLocks/>
+                          <a:stCxn id="44" idx="6"/>
+                          <a:endCxn id="45" idx="2"/>
+                        </p:cNvCxnSpPr>
+                        <p:nvPr/>
+                      </p:nvCxnSpPr>
+                      <p:spPr>
+                        <a:xfrm flipV="1">
+                          <a:off x="2915795" y="2013080"/>
+                          <a:ext cx="1360726" cy="1"/>
+                        </a:xfrm>
+                        <a:prstGeom prst="line">
+                          <a:avLst/>
+                        </a:prstGeom>
+                        <a:ln w="57150">
+                          <a:solidFill>
+                            <a:schemeClr val="accent6">
+                              <a:lumMod val="75000"/>
+                            </a:schemeClr>
+                          </a:solidFill>
+                        </a:ln>
+                      </p:spPr>
+                      <p:style>
+                        <a:lnRef idx="1">
+                          <a:schemeClr val="accent1"/>
+                        </a:lnRef>
+                        <a:fillRef idx="0">
+                          <a:schemeClr val="accent1"/>
+                        </a:fillRef>
+                        <a:effectRef idx="0">
+                          <a:schemeClr val="accent1"/>
+                        </a:effectRef>
+                        <a:fontRef idx="minor">
+                          <a:schemeClr val="tx1"/>
+                        </a:fontRef>
+                      </p:style>
+                    </p:cxnSp>
+                    <p:cxnSp>
+                      <p:nvCxnSpPr>
+                        <p:cNvPr id="49" name="Straight Connector 48">
+                          <a:extLst>
+                            <a:ext uri="{FF2B5EF4-FFF2-40B4-BE49-F238E27FC236}">
+                              <a16:creationId xmlns:a16="http://schemas.microsoft.com/office/drawing/2014/main" id="{F4BEA240-B5B9-4BA6-9205-DD7772B0451A}"/>
+                            </a:ext>
+                          </a:extLst>
+                        </p:cNvPr>
+                        <p:cNvCxnSpPr>
+                          <a:cxnSpLocks/>
+                          <a:stCxn id="45" idx="6"/>
+                          <a:endCxn id="29" idx="2"/>
+                        </p:cNvCxnSpPr>
+                        <p:nvPr/>
+                      </p:nvCxnSpPr>
+                      <p:spPr>
+                        <a:xfrm flipV="1">
+                          <a:off x="4996521" y="2013079"/>
+                          <a:ext cx="1419789" cy="1"/>
+                        </a:xfrm>
+                        <a:prstGeom prst="line">
+                          <a:avLst/>
+                        </a:prstGeom>
+                        <a:ln w="57150">
+                          <a:solidFill>
+                            <a:schemeClr val="accent6">
+                              <a:lumMod val="75000"/>
+                            </a:schemeClr>
+                          </a:solidFill>
+                        </a:ln>
+                      </p:spPr>
+                      <p:style>
+                        <a:lnRef idx="1">
+                          <a:schemeClr val="accent1"/>
+                        </a:lnRef>
+                        <a:fillRef idx="0">
+                          <a:schemeClr val="accent1"/>
+                        </a:fillRef>
+                        <a:effectRef idx="0">
+                          <a:schemeClr val="accent1"/>
+                        </a:effectRef>
+                        <a:fontRef idx="minor">
+                          <a:schemeClr val="tx1"/>
+                        </a:fontRef>
+                      </p:style>
+                    </p:cxnSp>
+                    <p:sp>
+                      <p:nvSpPr>
+                        <p:cNvPr id="50" name="Oval 49">
+                          <a:extLst>
+                            <a:ext uri="{FF2B5EF4-FFF2-40B4-BE49-F238E27FC236}">
+                              <a16:creationId xmlns:a16="http://schemas.microsoft.com/office/drawing/2014/main" id="{0CB4A2D3-7A30-47DA-A242-BBE10074E719}"/>
+                            </a:ext>
+                          </a:extLst>
+                        </p:cNvPr>
+                        <p:cNvSpPr>
+                          <a:spLocks noChangeAspect="1"/>
+                        </p:cNvSpPr>
+                        <p:nvPr/>
+                      </p:nvSpPr>
+                      <p:spPr>
+                        <a:xfrm>
+                          <a:off x="10833657" y="4170784"/>
+                          <a:ext cx="720000" cy="718457"/>
+                        </a:xfrm>
+                        <a:prstGeom prst="ellipse">
+                          <a:avLst/>
+                        </a:prstGeom>
+                        <a:solidFill>
+                          <a:schemeClr val="accent5">
+                            <a:lumMod val="20000"/>
+                            <a:lumOff val="80000"/>
+                          </a:schemeClr>
+                        </a:solidFill>
+                        <a:ln w="57150">
+                          <a:solidFill>
+                            <a:schemeClr val="accent5">
+                              <a:lumMod val="75000"/>
+                            </a:schemeClr>
+                          </a:solidFill>
+                        </a:ln>
+                      </p:spPr>
+                      <p:style>
+                        <a:lnRef idx="2">
+                          <a:schemeClr val="accent1">
+                            <a:shade val="50000"/>
+                          </a:schemeClr>
+                        </a:lnRef>
+                        <a:fillRef idx="1">
+                          <a:schemeClr val="accent1"/>
+                        </a:fillRef>
+                        <a:effectRef idx="0">
+                          <a:schemeClr val="accent1"/>
+                        </a:effectRef>
+                        <a:fontRef idx="minor">
+                          <a:schemeClr val="lt1"/>
+                        </a:fontRef>
+                      </p:style>
+                      <p:txBody>
+                        <a:bodyPr rot="0" spcFirstLastPara="0" vertOverflow="overflow" horzOverflow="overflow" vert="horz" wrap="square" lIns="91440" tIns="45720" rIns="91440" bIns="45720" numCol="1" spcCol="0" rtlCol="0" fromWordArt="0" anchor="ctr" anchorCtr="0" forceAA="0" compatLnSpc="1">
+                          <a:prstTxWarp prst="textNoShape">
+                            <a:avLst/>
+                          </a:prstTxWarp>
+                          <a:noAutofit/>
+                        </a:bodyPr>
+                        <a:lstStyle/>
+                        <a:p>
+                          <a:pPr algn="ctr"/>
+                          <a:endParaRPr lang="en-GB"/>
+                        </a:p>
+                      </p:txBody>
+                    </p:sp>
+                    <p:cxnSp>
+                      <p:nvCxnSpPr>
+                        <p:cNvPr id="51" name="Straight Connector 50">
+                          <a:extLst>
+                            <a:ext uri="{FF2B5EF4-FFF2-40B4-BE49-F238E27FC236}">
+                              <a16:creationId xmlns:a16="http://schemas.microsoft.com/office/drawing/2014/main" id="{BAFD73F5-297B-4040-9968-F711FA2CB1F2}"/>
+                            </a:ext>
+                          </a:extLst>
+                        </p:cNvPr>
+                        <p:cNvCxnSpPr>
+                          <a:cxnSpLocks/>
+                          <a:stCxn id="47" idx="6"/>
+                          <a:endCxn id="50" idx="2"/>
+                        </p:cNvCxnSpPr>
+                        <p:nvPr/>
+                      </p:nvCxnSpPr>
+                      <p:spPr>
+                        <a:xfrm>
+                          <a:off x="9944099" y="4530013"/>
+                          <a:ext cx="889558" cy="0"/>
+                        </a:xfrm>
+                        <a:prstGeom prst="line">
+                          <a:avLst/>
+                        </a:prstGeom>
+                        <a:ln w="57150">
+                          <a:solidFill>
+                            <a:schemeClr val="accent5">
+                              <a:lumMod val="75000"/>
+                            </a:schemeClr>
+                          </a:solidFill>
+                        </a:ln>
+                      </p:spPr>
+                      <p:style>
+                        <a:lnRef idx="1">
+                          <a:schemeClr val="accent1"/>
+                        </a:lnRef>
+                        <a:fillRef idx="0">
+                          <a:schemeClr val="accent1"/>
+                        </a:fillRef>
+                        <a:effectRef idx="0">
+                          <a:schemeClr val="accent1"/>
+                        </a:effectRef>
+                        <a:fontRef idx="minor">
+                          <a:schemeClr val="tx1"/>
+                        </a:fontRef>
+                      </p:style>
+                    </p:cxnSp>
+                  </p:grpSp>
+                  <p:sp>
+                    <p:nvSpPr>
+                      <p:cNvPr id="29" name="Oval 28">
+                        <a:extLst>
+                          <a:ext uri="{FF2B5EF4-FFF2-40B4-BE49-F238E27FC236}">
+                            <a16:creationId xmlns:a16="http://schemas.microsoft.com/office/drawing/2014/main" id="{7C371B4B-C573-435C-93FB-879CB9BCEF4F}"/>
+                          </a:ext>
+                        </a:extLst>
+                      </p:cNvPr>
+                      <p:cNvSpPr>
+                        <a:spLocks noChangeAspect="1"/>
+                      </p:cNvSpPr>
+                      <p:nvPr/>
+                    </p:nvSpPr>
+                    <p:spPr>
+                      <a:xfrm>
+                        <a:off x="6854849" y="1448578"/>
+                        <a:ext cx="720000" cy="718457"/>
+                      </a:xfrm>
+                      <a:prstGeom prst="ellipse">
+                        <a:avLst/>
+                      </a:prstGeom>
+                      <a:solidFill>
+                        <a:schemeClr val="accent6">
+                          <a:lumMod val="20000"/>
+                          <a:lumOff val="80000"/>
+                        </a:schemeClr>
+                      </a:solidFill>
+                      <a:ln w="57150">
+                        <a:solidFill>
+                          <a:schemeClr val="accent6">
+                            <a:lumMod val="75000"/>
+                          </a:schemeClr>
+                        </a:solidFill>
+                      </a:ln>
+                    </p:spPr>
+                    <p:style>
+                      <a:lnRef idx="2">
+                        <a:schemeClr val="accent1">
+                          <a:shade val="50000"/>
+                        </a:schemeClr>
+                      </a:lnRef>
+                      <a:fillRef idx="1">
+                        <a:schemeClr val="accent1"/>
+                      </a:fillRef>
+                      <a:effectRef idx="0">
+                        <a:schemeClr val="accent1"/>
+                      </a:effectRef>
+                      <a:fontRef idx="minor">
+                        <a:schemeClr val="lt1"/>
+                      </a:fontRef>
+                    </p:style>
+                    <p:txBody>
+                      <a:bodyPr rot="0" spcFirstLastPara="0" vertOverflow="overflow" horzOverflow="overflow" vert="horz" wrap="square" lIns="91440" tIns="45720" rIns="91440" bIns="45720" numCol="1" spcCol="0" rtlCol="0" fromWordArt="0" anchor="ctr" anchorCtr="0" forceAA="0" compatLnSpc="1">
+                        <a:prstTxWarp prst="textNoShape">
+                          <a:avLst/>
+                        </a:prstTxWarp>
+                        <a:noAutofit/>
+                      </a:bodyPr>
+                      <a:lstStyle/>
+                      <a:p>
+                        <a:pPr algn="ctr"/>
+                        <a:endParaRPr lang="en-GB"/>
+                      </a:p>
+                    </p:txBody>
+                  </p:sp>
+                  <p:cxnSp>
+                    <p:nvCxnSpPr>
+                      <p:cNvPr id="30" name="Straight Connector 29">
+                        <a:extLst>
+                          <a:ext uri="{FF2B5EF4-FFF2-40B4-BE49-F238E27FC236}">
+                            <a16:creationId xmlns:a16="http://schemas.microsoft.com/office/drawing/2014/main" id="{29D77219-FB27-40D1-BF1E-63E51E81AF63}"/>
+                          </a:ext>
+                        </a:extLst>
+                      </p:cNvPr>
+                      <p:cNvCxnSpPr>
+                        <a:cxnSpLocks/>
+                        <a:stCxn id="29" idx="6"/>
+                        <a:endCxn id="46" idx="2"/>
+                      </p:cNvCxnSpPr>
+                      <p:nvPr/>
+                    </p:nvCxnSpPr>
+                    <p:spPr>
+                      <a:xfrm>
+                        <a:off x="7574849" y="1807807"/>
+                        <a:ext cx="335062" cy="0"/>
+                      </a:xfrm>
+                      <a:prstGeom prst="line">
+                        <a:avLst/>
+                      </a:prstGeom>
+                      <a:ln w="57150">
+                        <a:solidFill>
+                          <a:schemeClr val="accent6">
+                            <a:lumMod val="75000"/>
+                          </a:schemeClr>
+                        </a:solidFill>
+                      </a:ln>
+                    </p:spPr>
+                    <p:style>
+                      <a:lnRef idx="1">
+                        <a:schemeClr val="accent1"/>
+                      </a:lnRef>
+                      <a:fillRef idx="0">
+                        <a:schemeClr val="accent1"/>
+                      </a:fillRef>
+                      <a:effectRef idx="0">
+                        <a:schemeClr val="accent1"/>
+                      </a:effectRef>
+                      <a:fontRef idx="minor">
+                        <a:schemeClr val="tx1"/>
+                      </a:fontRef>
+                    </p:style>
+                  </p:cxnSp>
+                  <p:sp>
+                    <p:nvSpPr>
+                      <p:cNvPr id="31" name="Oval 30">
+                        <a:extLst>
+                          <a:ext uri="{FF2B5EF4-FFF2-40B4-BE49-F238E27FC236}">
+                            <a16:creationId xmlns:a16="http://schemas.microsoft.com/office/drawing/2014/main" id="{A1B6046F-FA53-47B0-9E4F-F445E377B838}"/>
+                          </a:ext>
+                        </a:extLst>
+                      </p:cNvPr>
+                      <p:cNvSpPr>
+                        <a:spLocks noChangeAspect="1"/>
+                      </p:cNvSpPr>
+                      <p:nvPr/>
+                    </p:nvSpPr>
+                    <p:spPr>
+                      <a:xfrm>
+                        <a:off x="6854849" y="2705873"/>
+                        <a:ext cx="720000" cy="718457"/>
+                      </a:xfrm>
+                      <a:prstGeom prst="ellipse">
+                        <a:avLst/>
+                      </a:prstGeom>
+                      <a:solidFill>
+                        <a:schemeClr val="bg1">
+                          <a:lumMod val="95000"/>
+                        </a:schemeClr>
+                      </a:solidFill>
+                      <a:ln w="57150">
+                        <a:solidFill>
+                          <a:schemeClr val="tx1"/>
+                        </a:solidFill>
+                      </a:ln>
+                    </p:spPr>
+                    <p:style>
+                      <a:lnRef idx="2">
+                        <a:schemeClr val="accent1">
+                          <a:shade val="50000"/>
+                        </a:schemeClr>
+                      </a:lnRef>
+                      <a:fillRef idx="1">
+                        <a:schemeClr val="accent1"/>
+                      </a:fillRef>
+                      <a:effectRef idx="0">
+                        <a:schemeClr val="accent1"/>
+                      </a:effectRef>
+                      <a:fontRef idx="minor">
+                        <a:schemeClr val="lt1"/>
+                      </a:fontRef>
+                    </p:style>
+                    <p:txBody>
+                      <a:bodyPr rot="0" spcFirstLastPara="0" vertOverflow="overflow" horzOverflow="overflow" vert="horz" wrap="square" lIns="91440" tIns="45720" rIns="91440" bIns="45720" numCol="1" spcCol="0" rtlCol="0" fromWordArt="0" anchor="ctr" anchorCtr="0" forceAA="0" compatLnSpc="1">
+                        <a:prstTxWarp prst="textNoShape">
+                          <a:avLst/>
+                        </a:prstTxWarp>
+                        <a:noAutofit/>
+                      </a:bodyPr>
+                      <a:lstStyle/>
+                      <a:p>
+                        <a:pPr algn="ctr"/>
+                        <a:endParaRPr lang="en-GB"/>
+                      </a:p>
+                    </p:txBody>
+                  </p:sp>
+                  <p:cxnSp>
+                    <p:nvCxnSpPr>
+                      <p:cNvPr id="32" name="Straight Connector 31">
+                        <a:extLst>
+                          <a:ext uri="{FF2B5EF4-FFF2-40B4-BE49-F238E27FC236}">
+                            <a16:creationId xmlns:a16="http://schemas.microsoft.com/office/drawing/2014/main" id="{FBD0E878-BBAF-4C06-B0A7-27812D549A27}"/>
+                          </a:ext>
+                        </a:extLst>
+                      </p:cNvPr>
+                      <p:cNvCxnSpPr>
+                        <a:cxnSpLocks/>
+                        <a:stCxn id="31" idx="6"/>
+                        <a:endCxn id="39" idx="2"/>
+                      </p:cNvCxnSpPr>
+                      <p:nvPr/>
+                    </p:nvCxnSpPr>
+                    <p:spPr>
+                      <a:xfrm>
+                        <a:off x="7574849" y="3065102"/>
+                        <a:ext cx="335063" cy="4"/>
+                      </a:xfrm>
+                      <a:prstGeom prst="line">
+                        <a:avLst/>
+                      </a:prstGeom>
+                      <a:ln w="57150">
+                        <a:solidFill>
+                          <a:schemeClr val="tx1"/>
+                        </a:solidFill>
+                      </a:ln>
+                    </p:spPr>
+                    <p:style>
+                      <a:lnRef idx="1">
+                        <a:schemeClr val="accent1"/>
+                      </a:lnRef>
+                      <a:fillRef idx="0">
+                        <a:schemeClr val="accent1"/>
+                      </a:fillRef>
+                      <a:effectRef idx="0">
+                        <a:schemeClr val="accent1"/>
+                      </a:effectRef>
+                      <a:fontRef idx="minor">
+                        <a:schemeClr val="tx1"/>
+                      </a:fontRef>
+                    </p:style>
+                  </p:cxnSp>
+                </p:grpSp>
+                <p:sp>
+                  <p:nvSpPr>
+                    <p:cNvPr id="27" name="Rectangle 26">
+                      <a:extLst>
+                        <a:ext uri="{FF2B5EF4-FFF2-40B4-BE49-F238E27FC236}">
+                          <a16:creationId xmlns:a16="http://schemas.microsoft.com/office/drawing/2014/main" id="{84B6FEA6-5D96-48D1-ABB9-829F8288D044}"/>
+                        </a:ext>
+                      </a:extLst>
+                    </p:cNvPr>
+                    <p:cNvSpPr/>
+                    <p:nvPr/>
+                  </p:nvSpPr>
+                  <p:spPr>
+                    <a:xfrm>
+                      <a:off x="0" y="998376"/>
+                      <a:ext cx="12153604" cy="5638002"/>
+                    </a:xfrm>
+                    <a:prstGeom prst="rect">
+                      <a:avLst/>
+                    </a:prstGeom>
+                    <a:noFill/>
+                    <a:ln>
+                      <a:noFill/>
+                    </a:ln>
+                  </p:spPr>
+                  <p:style>
+                    <a:lnRef idx="2">
+                      <a:schemeClr val="accent1">
+                        <a:shade val="50000"/>
+                      </a:schemeClr>
+                    </a:lnRef>
+                    <a:fillRef idx="1">
+                      <a:schemeClr val="accent1"/>
+                    </a:fillRef>
+                    <a:effectRef idx="0">
+                      <a:schemeClr val="accent1"/>
+                    </a:effectRef>
+                    <a:fontRef idx="minor">
+                      <a:schemeClr val="lt1"/>
+                    </a:fontRef>
+                  </p:style>
+                  <p:txBody>
+                    <a:bodyPr rtlCol="0" anchor="ctr"/>
+                    <a:lstStyle/>
+                    <a:p>
+                      <a:pPr algn="ctr"/>
+                      <a:endParaRPr lang="en-GB"/>
+                    </a:p>
+                  </p:txBody>
+                </p:sp>
+              </p:grpSp>
+              <p:cxnSp>
+                <p:nvCxnSpPr>
+                  <p:cNvPr id="55" name="Straight Arrow Connector 54">
+                    <a:extLst>
+                      <a:ext uri="{FF2B5EF4-FFF2-40B4-BE49-F238E27FC236}">
+                        <a16:creationId xmlns:a16="http://schemas.microsoft.com/office/drawing/2014/main" id="{6AC76806-3B89-4532-89E5-26A31B45E15A}"/>
+                      </a:ext>
+                    </a:extLst>
+                  </p:cNvPr>
+                  <p:cNvCxnSpPr>
+                    <a:cxnSpLocks/>
+                  </p:cNvCxnSpPr>
+                  <p:nvPr/>
+                </p:nvCxnSpPr>
+                <p:spPr>
+                  <a:xfrm flipV="1">
+                    <a:off x="1586020" y="4038644"/>
+                    <a:ext cx="852310" cy="491444"/>
+                  </a:xfrm>
+                  <a:prstGeom prst="straightConnector1">
+                    <a:avLst/>
+                  </a:prstGeom>
+                  <a:ln w="28575">
+                    <a:solidFill>
+                      <a:schemeClr val="tx1"/>
+                    </a:solidFill>
+                    <a:prstDash val="sysDash"/>
+                    <a:tailEnd type="triangle"/>
+                  </a:ln>
+                </p:spPr>
+                <p:style>
+                  <a:lnRef idx="1">
+                    <a:schemeClr val="accent1"/>
+                  </a:lnRef>
+                  <a:fillRef idx="0">
+                    <a:schemeClr val="accent1"/>
+                  </a:fillRef>
+                  <a:effectRef idx="0">
+                    <a:schemeClr val="accent1"/>
+                  </a:effectRef>
+                  <a:fontRef idx="minor">
+                    <a:schemeClr val="tx1"/>
+                  </a:fontRef>
+                </p:style>
+              </p:cxnSp>
+            </p:grpSp>
+            <p:sp>
+              <p:nvSpPr>
+                <p:cNvPr id="52" name="TextBox 51">
+                  <a:extLst>
+                    <a:ext uri="{FF2B5EF4-FFF2-40B4-BE49-F238E27FC236}">
+                      <a16:creationId xmlns:a16="http://schemas.microsoft.com/office/drawing/2014/main" id="{19C85DA7-0EC1-46AA-92D5-D88B46D6FCCF}"/>
+                    </a:ext>
+                  </a:extLst>
+                </p:cNvPr>
+                <p:cNvSpPr txBox="1"/>
+                <p:nvPr/>
+              </p:nvSpPr>
+              <p:spPr>
+                <a:xfrm>
+                  <a:off x="38396" y="1880714"/>
+                  <a:ext cx="3681307" cy="369332"/>
+                </a:xfrm>
+                <a:prstGeom prst="rect">
+                  <a:avLst/>
+                </a:prstGeom>
+                <a:solidFill>
+                  <a:schemeClr val="accent6">
+                    <a:lumMod val="20000"/>
+                    <a:lumOff val="80000"/>
+                  </a:schemeClr>
+                </a:solidFill>
+                <a:ln w="28575">
+                  <a:solidFill>
+                    <a:schemeClr val="accent6">
+                      <a:lumMod val="75000"/>
+                    </a:schemeClr>
+                  </a:solidFill>
+                  <a:prstDash val="sysDash"/>
+                </a:ln>
+              </p:spPr>
+              <p:txBody>
+                <a:bodyPr wrap="square" rtlCol="0">
+                  <a:spAutoFit/>
+                </a:bodyPr>
+                <a:lstStyle/>
+                <a:p>
+                  <a:pPr algn="ctr"/>
+                  <a:r>
+                    <a:rPr lang="en-GB" i="1" dirty="0">
+                      <a:latin typeface="Arial" panose="020B0604020202020204" pitchFamily="34" charset="0"/>
+                      <a:cs typeface="Arial" panose="020B0604020202020204" pitchFamily="34" charset="0"/>
+                    </a:rPr>
+                    <a:t>branch</a:t>
+                  </a:r>
+                  <a:r>
+                    <a:rPr lang="en-GB" dirty="0">
+                      <a:latin typeface="Arial" panose="020B0604020202020204" pitchFamily="34" charset="0"/>
+                      <a:cs typeface="Arial" panose="020B0604020202020204" pitchFamily="34" charset="0"/>
+                    </a:rPr>
+                    <a:t>:</a:t>
+                  </a:r>
+                  <a:r>
+                    <a:rPr lang="en-GB" i="1" dirty="0">
+                      <a:latin typeface="Arial" panose="020B0604020202020204" pitchFamily="34" charset="0"/>
+                      <a:cs typeface="Arial" panose="020B0604020202020204" pitchFamily="34" charset="0"/>
+                    </a:rPr>
+                    <a:t> create-</a:t>
+                  </a:r>
+                  <a:r>
+                    <a:rPr lang="en-GB" i="1" dirty="0" err="1">
+                      <a:latin typeface="Arial" panose="020B0604020202020204" pitchFamily="34" charset="0"/>
+                      <a:cs typeface="Arial" panose="020B0604020202020204" pitchFamily="34" charset="0"/>
+                    </a:rPr>
+                    <a:t>github</a:t>
+                  </a:r>
+                  <a:r>
+                    <a:rPr lang="en-GB" i="1" dirty="0">
+                      <a:latin typeface="Arial" panose="020B0604020202020204" pitchFamily="34" charset="0"/>
+                      <a:cs typeface="Arial" panose="020B0604020202020204" pitchFamily="34" charset="0"/>
+                    </a:rPr>
+                    <a:t>-presentation</a:t>
+                  </a:r>
+                </a:p>
+              </p:txBody>
+            </p:sp>
+            <p:cxnSp>
+              <p:nvCxnSpPr>
+                <p:cNvPr id="53" name="Straight Arrow Connector 52">
+                  <a:extLst>
+                    <a:ext uri="{FF2B5EF4-FFF2-40B4-BE49-F238E27FC236}">
+                      <a16:creationId xmlns:a16="http://schemas.microsoft.com/office/drawing/2014/main" id="{E57FE950-6D85-4D8D-8FCC-BF70FF188189}"/>
+                    </a:ext>
+                  </a:extLst>
+                </p:cNvPr>
+                <p:cNvCxnSpPr>
+                  <a:cxnSpLocks/>
+                </p:cNvCxnSpPr>
+                <p:nvPr/>
+              </p:nvCxnSpPr>
+              <p:spPr>
+                <a:xfrm>
+                  <a:off x="2252004" y="2250046"/>
+                  <a:ext cx="955792" cy="877679"/>
+                </a:xfrm>
+                <a:prstGeom prst="straightConnector1">
+                  <a:avLst/>
+                </a:prstGeom>
+                <a:ln w="28575">
+                  <a:solidFill>
+                    <a:schemeClr val="accent6">
+                      <a:lumMod val="75000"/>
+                    </a:schemeClr>
+                  </a:solidFill>
+                  <a:prstDash val="sysDash"/>
+                  <a:tailEnd type="triangle"/>
+                </a:ln>
+              </p:spPr>
+              <p:style>
+                <a:lnRef idx="1">
+                  <a:schemeClr val="accent1"/>
+                </a:lnRef>
+                <a:fillRef idx="0">
+                  <a:schemeClr val="accent1"/>
+                </a:fillRef>
+                <a:effectRef idx="0">
+                  <a:schemeClr val="accent1"/>
+                </a:effectRef>
+                <a:fontRef idx="minor">
+                  <a:schemeClr val="tx1"/>
+                </a:fontRef>
+              </p:style>
+            </p:cxnSp>
+          </p:grpSp>
+          <p:sp>
+            <p:nvSpPr>
+              <p:cNvPr id="56" name="TextBox 55">
+                <a:extLst>
+                  <a:ext uri="{FF2B5EF4-FFF2-40B4-BE49-F238E27FC236}">
+                    <a16:creationId xmlns:a16="http://schemas.microsoft.com/office/drawing/2014/main" id="{091E2692-9E96-49ED-A3D4-24B4EC43EAC9}"/>
+                  </a:ext>
+                </a:extLst>
+              </p:cNvPr>
+              <p:cNvSpPr txBox="1"/>
+              <p:nvPr/>
+            </p:nvSpPr>
+            <p:spPr>
+              <a:xfrm>
+                <a:off x="1773287" y="1117954"/>
+                <a:ext cx="4086992" cy="369332"/>
+              </a:xfrm>
+              <a:prstGeom prst="rect">
+                <a:avLst/>
+              </a:prstGeom>
+              <a:solidFill>
+                <a:schemeClr val="accent6">
+                  <a:lumMod val="20000"/>
+                  <a:lumOff val="80000"/>
+                </a:schemeClr>
+              </a:solidFill>
+              <a:ln w="28575">
+                <a:solidFill>
+                  <a:schemeClr val="accent6">
+                    <a:lumMod val="75000"/>
+                  </a:schemeClr>
+                </a:solidFill>
+                <a:prstDash val="sysDash"/>
+              </a:ln>
+            </p:spPr>
+            <p:txBody>
+              <a:bodyPr wrap="square" rtlCol="0">
+                <a:spAutoFit/>
+              </a:bodyPr>
+              <a:lstStyle/>
+              <a:p>
+                <a:r>
+                  <a:rPr lang="en-GB" i="1" dirty="0">
+                    <a:latin typeface="Arial" panose="020B0604020202020204" pitchFamily="34" charset="0"/>
+                    <a:cs typeface="Arial" panose="020B0604020202020204" pitchFamily="34" charset="0"/>
+                  </a:rPr>
+                  <a:t>commit</a:t>
+                </a:r>
+                <a:r>
+                  <a:rPr lang="en-GB" dirty="0">
+                    <a:latin typeface="Arial" panose="020B0604020202020204" pitchFamily="34" charset="0"/>
+                    <a:cs typeface="Arial" panose="020B0604020202020204" pitchFamily="34" charset="0"/>
+                  </a:rPr>
+                  <a:t>: created template presentation</a:t>
+                </a:r>
+              </a:p>
+            </p:txBody>
+          </p:sp>
+          <p:cxnSp>
+            <p:nvCxnSpPr>
+              <p:cNvPr id="57" name="Straight Arrow Connector 56">
+                <a:extLst>
+                  <a:ext uri="{FF2B5EF4-FFF2-40B4-BE49-F238E27FC236}">
+                    <a16:creationId xmlns:a16="http://schemas.microsoft.com/office/drawing/2014/main" id="{8C8280FD-6BB7-431B-82A4-1A0D1C3A001E}"/>
+                  </a:ext>
+                </a:extLst>
+              </p:cNvPr>
+              <p:cNvCxnSpPr>
+                <a:cxnSpLocks/>
+                <a:stCxn id="56" idx="2"/>
+              </p:cNvCxnSpPr>
+              <p:nvPr/>
+            </p:nvCxnSpPr>
+            <p:spPr>
+              <a:xfrm>
+                <a:off x="3816783" y="1487286"/>
+                <a:ext cx="1" cy="912460"/>
+              </a:xfrm>
+              <a:prstGeom prst="straightConnector1">
+                <a:avLst/>
+              </a:prstGeom>
+              <a:ln w="28575">
+                <a:solidFill>
+                  <a:schemeClr val="accent6">
+                    <a:lumMod val="75000"/>
+                  </a:schemeClr>
+                </a:solidFill>
+                <a:prstDash val="sysDash"/>
+                <a:tailEnd type="triangle"/>
+              </a:ln>
+            </p:spPr>
+            <p:style>
+              <a:lnRef idx="1">
+                <a:schemeClr val="accent1"/>
+              </a:lnRef>
+              <a:fillRef idx="0">
+                <a:schemeClr val="accent1"/>
+              </a:fillRef>
+              <a:effectRef idx="0">
+                <a:schemeClr val="accent1"/>
+              </a:effectRef>
+              <a:fontRef idx="minor">
+                <a:schemeClr val="tx1"/>
+              </a:fontRef>
+            </p:style>
+          </p:cxnSp>
+        </p:grpSp>
+        <p:sp>
+          <p:nvSpPr>
+            <p:cNvPr id="58" name="TextBox 57">
+              <a:extLst>
+                <a:ext uri="{FF2B5EF4-FFF2-40B4-BE49-F238E27FC236}">
+                  <a16:creationId xmlns:a16="http://schemas.microsoft.com/office/drawing/2014/main" id="{9490BFE9-9B9A-4997-85E8-526658AC2959}"/>
+                </a:ext>
+              </a:extLst>
+            </p:cNvPr>
+            <p:cNvSpPr txBox="1"/>
+            <p:nvPr/>
+          </p:nvSpPr>
           <p:spPr>
             <a:xfrm>
-              <a:off x="3816783" y="1487286"/>
-              <a:ext cx="1" cy="912460"/>
+              <a:off x="68850" y="4548354"/>
+              <a:ext cx="3663565" cy="369332"/>
             </a:xfrm>
-            <a:prstGeom prst="straightConnector1">
+            <a:prstGeom prst="rect">
               <a:avLst/>
             </a:prstGeom>
+            <a:solidFill>
+              <a:schemeClr val="bg1">
+                <a:lumMod val="85000"/>
+              </a:schemeClr>
+            </a:solidFill>
             <a:ln w="28575">
               <a:solidFill>
-                <a:schemeClr val="accent6">
-                  <a:lumMod val="75000"/>
-                </a:schemeClr>
+                <a:schemeClr val="tx1"/>
               </a:solidFill>
               <a:prstDash val="sysDash"/>
-              <a:tailEnd type="triangle"/>
             </a:ln>
           </p:spPr>
-          <p:style>
-            <a:lnRef idx="1">
-              <a:schemeClr val="accent1"/>
-            </a:lnRef>
-            <a:fillRef idx="0">
-              <a:schemeClr val="accent1"/>
-            </a:fillRef>
-            <a:effectRef idx="0">
-              <a:schemeClr val="accent1"/>
-            </a:effectRef>
-            <a:fontRef idx="minor">
-              <a:schemeClr val="tx1"/>
-            </a:fontRef>
-          </p:style>
-        </p:cxnSp>
+          <p:txBody>
+            <a:bodyPr wrap="square" rtlCol="0">
+              <a:spAutoFit/>
+            </a:bodyPr>
+            <a:lstStyle/>
+            <a:p>
+              <a:pPr algn="ctr"/>
+              <a:r>
+                <a:rPr lang="en-GB" i="1" dirty="0">
+                  <a:latin typeface="Arial" panose="020B0604020202020204" pitchFamily="34" charset="0"/>
+                  <a:cs typeface="Arial" panose="020B0604020202020204" pitchFamily="34" charset="0"/>
+                </a:rPr>
+                <a:t>main branch</a:t>
+              </a:r>
+              <a:r>
+                <a:rPr lang="en-GB" dirty="0">
+                  <a:latin typeface="Arial" panose="020B0604020202020204" pitchFamily="34" charset="0"/>
+                  <a:cs typeface="Arial" panose="020B0604020202020204" pitchFamily="34" charset="0"/>
+                </a:rPr>
+                <a:t>: gov-</a:t>
+              </a:r>
+              <a:r>
+                <a:rPr lang="en-GB" dirty="0" err="1">
+                  <a:latin typeface="Arial" panose="020B0604020202020204" pitchFamily="34" charset="0"/>
+                  <a:cs typeface="Arial" panose="020B0604020202020204" pitchFamily="34" charset="0"/>
+                </a:rPr>
+                <a:t>uk</a:t>
+              </a:r>
+              <a:r>
+                <a:rPr lang="en-GB" dirty="0">
+                  <a:latin typeface="Arial" panose="020B0604020202020204" pitchFamily="34" charset="0"/>
+                  <a:cs typeface="Arial" panose="020B0604020202020204" pitchFamily="34" charset="0"/>
+                </a:rPr>
+                <a:t>-rap-materials</a:t>
+              </a:r>
+            </a:p>
+          </p:txBody>
+        </p:sp>
       </p:grpSp>
     </p:spTree>
     <p:extLst>
